--- a/Project Status Report Final/finalpresentation.pptx
+++ b/Project Status Report Final/finalpresentation.pptx
@@ -5,14 +5,15 @@
     <p:sldMasterId id="2147483648" r:id="rId1"/>
   </p:sldMasterIdLst>
   <p:notesMasterIdLst>
-    <p:notesMasterId r:id="rId7"/>
+    <p:notesMasterId r:id="rId8"/>
   </p:notesMasterIdLst>
   <p:sldIdLst>
     <p:sldId id="256" r:id="rId2"/>
     <p:sldId id="259" r:id="rId3"/>
     <p:sldId id="260" r:id="rId4"/>
-    <p:sldId id="261" r:id="rId5"/>
-    <p:sldId id="262" r:id="rId6"/>
+    <p:sldId id="264" r:id="rId5"/>
+    <p:sldId id="265" r:id="rId6"/>
+    <p:sldId id="263" r:id="rId7"/>
   </p:sldIdLst>
   <p:sldSz cx="12192000" cy="6858000"/>
   <p:notesSz cx="6858000" cy="9144000"/>
@@ -201,7 +202,7 @@
           <a:p>
             <a:fld id="{716ECBBD-C828-4D65-BAA1-D5361C751F0C}" type="datetimeFigureOut">
               <a:rPr lang="en-US" smtClean="0"/>
-              <a:t>4/9/2024</a:t>
+              <a:t>4/18/2024</a:t>
             </a:fld>
             <a:endParaRPr lang="en-US"/>
           </a:p>
@@ -529,43 +530,7 @@
               <a:tabLst/>
               <a:defRPr/>
             </a:pPr>
-            <a:r>
-              <a:rPr lang="en-US" dirty="0"/>
-              <a:t>Project objective of exploring the impact of different risk strategies on portfolio returns – have a power law distribution of risk with k=3 for fat tailed distribution using the dividend rate, the fifty day average, the 52 week high and low, the forward eps, and portfolio allocation with allocation and eps for coefficient and the stats over time in the exponent; brokers are set up so lower number ids have lower risk and higher</a:t>
-            </a:r>
-          </a:p>
-          <a:p>
             <a:endParaRPr lang="en-US" dirty="0"/>
-          </a:p>
-          <a:p>
-            <a:r>
-              <a:rPr lang="en-US" dirty="0"/>
-              <a:t>Also exploring how differing levels of influence from neighbors affects returns in terms of number of neighbors – assigning number of friends with a power law distribution; which friend is chosen according to a normal distribution spread over the brokers with brokers in the middle highest probability; increasing the strength of recommendations for risk based on neighbor’s success has thus far not shown huge impact</a:t>
-            </a:r>
-          </a:p>
-          <a:p>
-            <a:endParaRPr lang="en-US" dirty="0"/>
-          </a:p>
-          <a:p>
-            <a:r>
-              <a:rPr lang="en-US" dirty="0"/>
-              <a:t>Expanding on the strategy: runs the 100 brokers over 10 years, feeding the aforementioned data for every day and trying to keep risk between a minimum and maximum level with risk assigned based on the prior factors to each purchase/sell; preliminary tests over 2003-2010 to capture the 2008 financial crisis and see how the different risk preferences do</a:t>
-            </a:r>
-          </a:p>
-          <a:p>
-            <a:r>
-              <a:rPr lang="en-US" dirty="0"/>
-              <a:t>Was hoping to see certain strategies do well normally but then others do better during the crisis event but currently not a clear development</a:t>
-            </a:r>
-          </a:p>
-          <a:p>
-            <a:endParaRPr lang="en-US" dirty="0"/>
-          </a:p>
-          <a:p>
-            <a:r>
-              <a:rPr lang="en-US" dirty="0"/>
-              <a:t>Current work still in progress – have some missing data so stock statistics were assumed to be average for initial test, risk function doesn’t perfectly capture nature of positive and negative risk, bugs in simulation with a good number of brokers not doing the expected baseline increase over time, runtime limits amount of years the simulation can be run over </a:t>
-            </a:r>
           </a:p>
         </p:txBody>
       </p:sp>
@@ -768,7 +733,7 @@
           <a:p>
             <a:r>
               <a:rPr lang="en-US" dirty="0"/>
-              <a:t>Left shows a moderately high risk broker making money over time, just exploring how their portfolio fluctuates; the value is determined based on the price of stocks owned if they were to be sold on a given date plus the liquid currency at this point</a:t>
+              <a:t>Seeing impact of risk in play currently; y axis is dollars, x axis is dates.</a:t>
             </a:r>
           </a:p>
           <a:p>
@@ -777,7 +742,28 @@
           <a:p>
             <a:r>
               <a:rPr lang="en-US" dirty="0"/>
-              <a:t>However, the different risk behaviors weren’t showing a huge difference over a ten year period on the right 2003-2013; may be due to some bugs in the way data collection is setup</a:t>
+              <a:t>A further example on left of the broker wealth with a low risk strategy, very little change in portfolio value over the first few years</a:t>
+            </a:r>
+          </a:p>
+          <a:p>
+            <a:r>
+              <a:rPr lang="en-US" dirty="0"/>
+              <a:t>This model at least has some validity as it has the spike that happened after the financial crisis and showed how profits could be made by buying at the drop</a:t>
+            </a:r>
+          </a:p>
+          <a:p>
+            <a:endParaRPr lang="en-US" dirty="0"/>
+          </a:p>
+          <a:p>
+            <a:r>
+              <a:rPr lang="en-US" dirty="0"/>
+              <a:t>Note how the broker ids, which increase preference for risk as going to the right as briefly previously discussed, tend to have less unique stocks and less stocks in general at high risk. These end up with all their money on a few expensive stocks</a:t>
+            </a:r>
+          </a:p>
+          <a:p>
+            <a:r>
+              <a:rPr lang="en-US" dirty="0"/>
+              <a:t>Conservative strategies tend to own more stocks in more categories. This demonstrates the risk functionality</a:t>
             </a:r>
           </a:p>
         </p:txBody>
@@ -808,7 +794,7 @@
     </p:spTree>
     <p:extLst>
       <p:ext uri="{BB962C8B-B14F-4D97-AF65-F5344CB8AC3E}">
-        <p14:creationId xmlns:p14="http://schemas.microsoft.com/office/powerpoint/2010/main" val="900779817"/>
+        <p14:creationId xmlns:p14="http://schemas.microsoft.com/office/powerpoint/2010/main" val="1643768344"/>
       </p:ext>
     </p:extLst>
   </p:cSld>
@@ -864,7 +850,7 @@
           <a:p>
             <a:r>
               <a:rPr lang="en-US" dirty="0"/>
-              <a:t>Graph of the broker network being used at the end after successful brokers connections strengthen, can see that middle numbers have the most connections and those connections are stronger</a:t>
+              <a:t>Seeing impact of risk in play currently; y axis is dollars, x axis is dates.</a:t>
             </a:r>
           </a:p>
           <a:p>
@@ -873,7 +859,28 @@
           <a:p>
             <a:r>
               <a:rPr lang="en-US" dirty="0"/>
-              <a:t>Possibly don’t include this slide, the testing I’ve gotten so far hasn’t indicated anything particularly definitive or interesting about the influence</a:t>
+              <a:t>A further example on left of the broker wealth with a low risk strategy, very little change in portfolio value over the first few years</a:t>
+            </a:r>
+          </a:p>
+          <a:p>
+            <a:r>
+              <a:rPr lang="en-US" dirty="0"/>
+              <a:t>This model at least has some validity as it has the spike that happened after the financial crisis and showed how profits could be made by buying at the drop</a:t>
+            </a:r>
+          </a:p>
+          <a:p>
+            <a:endParaRPr lang="en-US" dirty="0"/>
+          </a:p>
+          <a:p>
+            <a:r>
+              <a:rPr lang="en-US" dirty="0"/>
+              <a:t>Note how the broker ids, which increase preference for risk as going to the right as briefly previously discussed, tend to have less unique stocks and less stocks in general at high risk. These end up with all their money on a few expensive stocks</a:t>
+            </a:r>
+          </a:p>
+          <a:p>
+            <a:r>
+              <a:rPr lang="en-US" dirty="0"/>
+              <a:t>Conservative strategies tend to own more stocks in more categories. This demonstrates the risk functionality</a:t>
             </a:r>
           </a:p>
         </p:txBody>
@@ -904,7 +911,124 @@
     </p:spTree>
     <p:extLst>
       <p:ext uri="{BB962C8B-B14F-4D97-AF65-F5344CB8AC3E}">
-        <p14:creationId xmlns:p14="http://schemas.microsoft.com/office/powerpoint/2010/main" val="3293475922"/>
+        <p14:creationId xmlns:p14="http://schemas.microsoft.com/office/powerpoint/2010/main" val="3391549696"/>
+      </p:ext>
+    </p:extLst>
+  </p:cSld>
+  <p:clrMapOvr>
+    <a:masterClrMapping/>
+  </p:clrMapOvr>
+</p:notes>
+</file>
+
+<file path=ppt/notesSlides/notesSlide5.xml><?xml version="1.0" encoding="utf-8"?>
+<p:notes xmlns:a="http://schemas.openxmlformats.org/drawingml/2006/main" xmlns:r="http://schemas.openxmlformats.org/officeDocument/2006/relationships" xmlns:p="http://schemas.openxmlformats.org/presentationml/2006/main">
+  <p:cSld>
+    <p:spTree>
+      <p:nvGrpSpPr>
+        <p:cNvPr id="1" name=""/>
+        <p:cNvGrpSpPr/>
+        <p:nvPr/>
+      </p:nvGrpSpPr>
+      <p:grpSpPr>
+        <a:xfrm>
+          <a:off x="0" y="0"/>
+          <a:ext cx="0" cy="0"/>
+          <a:chOff x="0" y="0"/>
+          <a:chExt cx="0" cy="0"/>
+        </a:xfrm>
+      </p:grpSpPr>
+      <p:sp>
+        <p:nvSpPr>
+          <p:cNvPr id="2" name="Slide Image Placeholder 1"/>
+          <p:cNvSpPr>
+            <a:spLocks noGrp="1" noRot="1" noChangeAspect="1"/>
+          </p:cNvSpPr>
+          <p:nvPr>
+            <p:ph type="sldImg"/>
+          </p:nvPr>
+        </p:nvSpPr>
+        <p:spPr/>
+      </p:sp>
+      <p:sp>
+        <p:nvSpPr>
+          <p:cNvPr id="3" name="Notes Placeholder 2"/>
+          <p:cNvSpPr>
+            <a:spLocks noGrp="1"/>
+          </p:cNvSpPr>
+          <p:nvPr>
+            <p:ph type="body" idx="1"/>
+          </p:nvPr>
+        </p:nvSpPr>
+        <p:spPr/>
+        <p:txBody>
+          <a:bodyPr/>
+          <a:lstStyle/>
+          <a:p>
+            <a:r>
+              <a:rPr lang="en-US" dirty="0"/>
+              <a:t>Seeing impact of risk in play currently; y axis is dollars, x axis is dates.</a:t>
+            </a:r>
+          </a:p>
+          <a:p>
+            <a:endParaRPr lang="en-US" dirty="0"/>
+          </a:p>
+          <a:p>
+            <a:r>
+              <a:rPr lang="en-US" dirty="0"/>
+              <a:t>A further example on left of the broker wealth with a low risk strategy, very little change in portfolio value over the first few years</a:t>
+            </a:r>
+          </a:p>
+          <a:p>
+            <a:r>
+              <a:rPr lang="en-US" dirty="0"/>
+              <a:t>This model at least has some validity as it has the spike that happened after the financial crisis and showed how profits could be made by buying at the drop</a:t>
+            </a:r>
+          </a:p>
+          <a:p>
+            <a:endParaRPr lang="en-US" dirty="0"/>
+          </a:p>
+          <a:p>
+            <a:r>
+              <a:rPr lang="en-US" dirty="0"/>
+              <a:t>Note how the broker ids, which increase preference for risk as going to the right as briefly previously discussed, tend to have less unique stocks and less stocks in general at high risk. These end up with all their money on a few expensive stocks</a:t>
+            </a:r>
+          </a:p>
+          <a:p>
+            <a:r>
+              <a:rPr lang="en-US" dirty="0"/>
+              <a:t>Conservative strategies tend to own more stocks in more categories. This demonstrates the risk functionality</a:t>
+            </a:r>
+          </a:p>
+        </p:txBody>
+      </p:sp>
+      <p:sp>
+        <p:nvSpPr>
+          <p:cNvPr id="4" name="Slide Number Placeholder 3"/>
+          <p:cNvSpPr>
+            <a:spLocks noGrp="1"/>
+          </p:cNvSpPr>
+          <p:nvPr>
+            <p:ph type="sldNum" sz="quarter" idx="5"/>
+          </p:nvPr>
+        </p:nvSpPr>
+        <p:spPr/>
+        <p:txBody>
+          <a:bodyPr/>
+          <a:lstStyle/>
+          <a:p>
+            <a:fld id="{DEE414AA-92EB-4865-A5F7-560118F2768E}" type="slidenum">
+              <a:rPr lang="en-US" smtClean="0"/>
+              <a:t>6</a:t>
+            </a:fld>
+            <a:endParaRPr lang="en-US"/>
+          </a:p>
+        </p:txBody>
+      </p:sp>
+    </p:spTree>
+    <p:extLst>
+      <p:ext uri="{BB962C8B-B14F-4D97-AF65-F5344CB8AC3E}">
+        <p14:creationId xmlns:p14="http://schemas.microsoft.com/office/powerpoint/2010/main" val="244951530"/>
       </p:ext>
     </p:extLst>
   </p:cSld>
@@ -1061,7 +1185,7 @@
           <a:p>
             <a:fld id="{3CC2385E-BAC7-3F42-B91F-3AC00928A3BA}" type="datetimeFigureOut">
               <a:rPr lang="en-US" smtClean="0"/>
-              <a:t>4/9/2024</a:t>
+              <a:t>4/18/2024</a:t>
             </a:fld>
             <a:endParaRPr lang="en-US"/>
           </a:p>
@@ -1259,7 +1383,7 @@
           <a:p>
             <a:fld id="{3CC2385E-BAC7-3F42-B91F-3AC00928A3BA}" type="datetimeFigureOut">
               <a:rPr lang="en-US" smtClean="0"/>
-              <a:t>4/9/2024</a:t>
+              <a:t>4/18/2024</a:t>
             </a:fld>
             <a:endParaRPr lang="en-US"/>
           </a:p>
@@ -1467,7 +1591,7 @@
           <a:p>
             <a:fld id="{3CC2385E-BAC7-3F42-B91F-3AC00928A3BA}" type="datetimeFigureOut">
               <a:rPr lang="en-US" smtClean="0"/>
-              <a:t>4/9/2024</a:t>
+              <a:t>4/18/2024</a:t>
             </a:fld>
             <a:endParaRPr lang="en-US"/>
           </a:p>
@@ -1665,7 +1789,7 @@
           <a:p>
             <a:fld id="{3CC2385E-BAC7-3F42-B91F-3AC00928A3BA}" type="datetimeFigureOut">
               <a:rPr lang="en-US" smtClean="0"/>
-              <a:t>4/9/2024</a:t>
+              <a:t>4/18/2024</a:t>
             </a:fld>
             <a:endParaRPr lang="en-US"/>
           </a:p>
@@ -1940,7 +2064,7 @@
           <a:p>
             <a:fld id="{3CC2385E-BAC7-3F42-B91F-3AC00928A3BA}" type="datetimeFigureOut">
               <a:rPr lang="en-US" smtClean="0"/>
-              <a:t>4/9/2024</a:t>
+              <a:t>4/18/2024</a:t>
             </a:fld>
             <a:endParaRPr lang="en-US"/>
           </a:p>
@@ -2205,7 +2329,7 @@
           <a:p>
             <a:fld id="{3CC2385E-BAC7-3F42-B91F-3AC00928A3BA}" type="datetimeFigureOut">
               <a:rPr lang="en-US" smtClean="0"/>
-              <a:t>4/9/2024</a:t>
+              <a:t>4/18/2024</a:t>
             </a:fld>
             <a:endParaRPr lang="en-US"/>
           </a:p>
@@ -2617,7 +2741,7 @@
           <a:p>
             <a:fld id="{3CC2385E-BAC7-3F42-B91F-3AC00928A3BA}" type="datetimeFigureOut">
               <a:rPr lang="en-US" smtClean="0"/>
-              <a:t>4/9/2024</a:t>
+              <a:t>4/18/2024</a:t>
             </a:fld>
             <a:endParaRPr lang="en-US"/>
           </a:p>
@@ -2758,7 +2882,7 @@
           <a:p>
             <a:fld id="{3CC2385E-BAC7-3F42-B91F-3AC00928A3BA}" type="datetimeFigureOut">
               <a:rPr lang="en-US" smtClean="0"/>
-              <a:t>4/9/2024</a:t>
+              <a:t>4/18/2024</a:t>
             </a:fld>
             <a:endParaRPr lang="en-US"/>
           </a:p>
@@ -2871,7 +2995,7 @@
           <a:p>
             <a:fld id="{3CC2385E-BAC7-3F42-B91F-3AC00928A3BA}" type="datetimeFigureOut">
               <a:rPr lang="en-US" smtClean="0"/>
-              <a:t>4/9/2024</a:t>
+              <a:t>4/18/2024</a:t>
             </a:fld>
             <a:endParaRPr lang="en-US"/>
           </a:p>
@@ -3182,7 +3306,7 @@
           <a:p>
             <a:fld id="{3CC2385E-BAC7-3F42-B91F-3AC00928A3BA}" type="datetimeFigureOut">
               <a:rPr lang="en-US" smtClean="0"/>
-              <a:t>4/9/2024</a:t>
+              <a:t>4/18/2024</a:t>
             </a:fld>
             <a:endParaRPr lang="en-US"/>
           </a:p>
@@ -3470,7 +3594,7 @@
           <a:p>
             <a:fld id="{3CC2385E-BAC7-3F42-B91F-3AC00928A3BA}" type="datetimeFigureOut">
               <a:rPr lang="en-US" smtClean="0"/>
-              <a:t>4/9/2024</a:t>
+              <a:t>4/18/2024</a:t>
             </a:fld>
             <a:endParaRPr lang="en-US"/>
           </a:p>
@@ -3711,7 +3835,7 @@
           <a:p>
             <a:fld id="{3CC2385E-BAC7-3F42-B91F-3AC00928A3BA}" type="datetimeFigureOut">
               <a:rPr lang="en-US" smtClean="0"/>
-              <a:t>4/9/2024</a:t>
+              <a:t>4/18/2024</a:t>
             </a:fld>
             <a:endParaRPr lang="en-US"/>
           </a:p>
@@ -4299,7 +4423,7 @@
           <a:p>
             <a:r>
               <a:rPr lang="en-US" dirty="0"/>
-              <a:t>Project Status</a:t>
+              <a:t>Project Motivations and Objectives</a:t>
             </a:r>
           </a:p>
         </p:txBody>
@@ -4474,96 +4598,6 @@
           </a:p>
         </p:txBody>
       </p:sp>
-      <p:pic>
-        <p:nvPicPr>
-          <p:cNvPr id="5" name="Picture 4">
-            <a:extLst>
-              <a:ext uri="{FF2B5EF4-FFF2-40B4-BE49-F238E27FC236}">
-                <a16:creationId xmlns:a16="http://schemas.microsoft.com/office/drawing/2014/main" id="{45FED379-AF42-579F-56DA-9D15CD4EC6D8}"/>
-              </a:ext>
-            </a:extLst>
-          </p:cNvPr>
-          <p:cNvPicPr>
-            <a:picLocks noChangeAspect="1"/>
-          </p:cNvPicPr>
-          <p:nvPr/>
-        </p:nvPicPr>
-        <p:blipFill>
-          <a:blip r:embed="rId4"/>
-          <a:stretch>
-            <a:fillRect/>
-          </a:stretch>
-        </p:blipFill>
-        <p:spPr>
-          <a:xfrm>
-            <a:off x="6751477" y="290182"/>
-            <a:ext cx="5231363" cy="3138818"/>
-          </a:xfrm>
-          <a:prstGeom prst="rect">
-            <a:avLst/>
-          </a:prstGeom>
-        </p:spPr>
-      </p:pic>
-      <p:pic>
-        <p:nvPicPr>
-          <p:cNvPr id="10" name="Picture 9">
-            <a:extLst>
-              <a:ext uri="{FF2B5EF4-FFF2-40B4-BE49-F238E27FC236}">
-                <a16:creationId xmlns:a16="http://schemas.microsoft.com/office/drawing/2014/main" id="{1E577B6D-24C7-2E71-62E6-187A10847D4F}"/>
-              </a:ext>
-            </a:extLst>
-          </p:cNvPr>
-          <p:cNvPicPr>
-            <a:picLocks noChangeAspect="1"/>
-          </p:cNvPicPr>
-          <p:nvPr/>
-        </p:nvPicPr>
-        <p:blipFill>
-          <a:blip r:embed="rId5"/>
-          <a:stretch>
-            <a:fillRect/>
-          </a:stretch>
-        </p:blipFill>
-        <p:spPr>
-          <a:xfrm>
-            <a:off x="6751477" y="3457895"/>
-            <a:ext cx="5231363" cy="3138818"/>
-          </a:xfrm>
-          <a:prstGeom prst="rect">
-            <a:avLst/>
-          </a:prstGeom>
-        </p:spPr>
-      </p:pic>
-      <p:pic>
-        <p:nvPicPr>
-          <p:cNvPr id="11" name="Picture 10">
-            <a:extLst>
-              <a:ext uri="{FF2B5EF4-FFF2-40B4-BE49-F238E27FC236}">
-                <a16:creationId xmlns:a16="http://schemas.microsoft.com/office/drawing/2014/main" id="{20E77F62-0F68-D8CF-94CF-B9EB8C9F7A9A}"/>
-              </a:ext>
-            </a:extLst>
-          </p:cNvPr>
-          <p:cNvPicPr>
-            <a:picLocks noChangeAspect="1"/>
-          </p:cNvPicPr>
-          <p:nvPr/>
-        </p:nvPicPr>
-        <p:blipFill>
-          <a:blip r:embed="rId6"/>
-          <a:stretch>
-            <a:fillRect/>
-          </a:stretch>
-        </p:blipFill>
-        <p:spPr>
-          <a:xfrm>
-            <a:off x="478195" y="1859591"/>
-            <a:ext cx="5435082" cy="3261049"/>
-          </a:xfrm>
-          <a:prstGeom prst="rect">
-            <a:avLst/>
-          </a:prstGeom>
-        </p:spPr>
-      </p:pic>
     </p:spTree>
     <p:extLst>
       <p:ext uri="{BB962C8B-B14F-4D97-AF65-F5344CB8AC3E}">
@@ -4674,70 +4708,10 @@
           </a:p>
         </p:txBody>
       </p:sp>
-      <p:pic>
-        <p:nvPicPr>
-          <p:cNvPr id="3" name="Picture 2">
-            <a:extLst>
-              <a:ext uri="{FF2B5EF4-FFF2-40B4-BE49-F238E27FC236}">
-                <a16:creationId xmlns:a16="http://schemas.microsoft.com/office/drawing/2014/main" id="{376F4F3B-5828-CAA4-5086-CD19993A103C}"/>
-              </a:ext>
-            </a:extLst>
-          </p:cNvPr>
-          <p:cNvPicPr>
-            <a:picLocks noChangeAspect="1"/>
-          </p:cNvPicPr>
-          <p:nvPr/>
-        </p:nvPicPr>
-        <p:blipFill>
-          <a:blip r:embed="rId4"/>
-          <a:stretch>
-            <a:fillRect/>
-          </a:stretch>
-        </p:blipFill>
-        <p:spPr>
-          <a:xfrm>
-            <a:off x="5889172" y="2055813"/>
-            <a:ext cx="5435082" cy="3261049"/>
-          </a:xfrm>
-          <a:prstGeom prst="rect">
-            <a:avLst/>
-          </a:prstGeom>
-        </p:spPr>
-      </p:pic>
-      <p:pic>
-        <p:nvPicPr>
-          <p:cNvPr id="6" name="Picture 5">
-            <a:extLst>
-              <a:ext uri="{FF2B5EF4-FFF2-40B4-BE49-F238E27FC236}">
-                <a16:creationId xmlns:a16="http://schemas.microsoft.com/office/drawing/2014/main" id="{6BCA9D6B-55A1-1933-26A3-893742CFCC25}"/>
-              </a:ext>
-            </a:extLst>
-          </p:cNvPr>
-          <p:cNvPicPr>
-            <a:picLocks noChangeAspect="1"/>
-          </p:cNvPicPr>
-          <p:nvPr/>
-        </p:nvPicPr>
-        <p:blipFill>
-          <a:blip r:embed="rId5"/>
-          <a:stretch>
-            <a:fillRect/>
-          </a:stretch>
-        </p:blipFill>
-        <p:spPr>
-          <a:xfrm>
-            <a:off x="262035" y="1861046"/>
-            <a:ext cx="5627137" cy="3376282"/>
-          </a:xfrm>
-          <a:prstGeom prst="rect">
-            <a:avLst/>
-          </a:prstGeom>
-        </p:spPr>
-      </p:pic>
     </p:spTree>
     <p:extLst>
       <p:ext uri="{BB962C8B-B14F-4D97-AF65-F5344CB8AC3E}">
-        <p14:creationId xmlns:p14="http://schemas.microsoft.com/office/powerpoint/2010/main" val="1162495644"/>
+        <p14:creationId xmlns:p14="http://schemas.microsoft.com/office/powerpoint/2010/main" val="4267734696"/>
       </p:ext>
     </p:extLst>
   </p:cSld>
@@ -4815,7 +4789,7 @@
           <a:bodyPr/>
           <a:lstStyle/>
           <a:p>
-            <a:endParaRPr lang="en-US" dirty="0"/>
+            <a:endParaRPr lang="en-US"/>
           </a:p>
         </p:txBody>
       </p:sp>
@@ -4844,12 +4818,42 @@
           </a:p>
         </p:txBody>
       </p:sp>
+    </p:spTree>
+    <p:extLst>
+      <p:ext uri="{BB962C8B-B14F-4D97-AF65-F5344CB8AC3E}">
+        <p14:creationId xmlns:p14="http://schemas.microsoft.com/office/powerpoint/2010/main" val="669353393"/>
+      </p:ext>
+    </p:extLst>
+  </p:cSld>
+  <p:clrMapOvr>
+    <a:masterClrMapping/>
+  </p:clrMapOvr>
+</p:sld>
+</file>
+
+<file path=ppt/slides/slide6.xml><?xml version="1.0" encoding="utf-8"?>
+<p:sld xmlns:a="http://schemas.openxmlformats.org/drawingml/2006/main" xmlns:r="http://schemas.openxmlformats.org/officeDocument/2006/relationships" xmlns:p="http://schemas.openxmlformats.org/presentationml/2006/main">
+  <p:cSld>
+    <p:spTree>
+      <p:nvGrpSpPr>
+        <p:cNvPr id="1" name=""/>
+        <p:cNvGrpSpPr/>
+        <p:nvPr/>
+      </p:nvGrpSpPr>
+      <p:grpSpPr>
+        <a:xfrm>
+          <a:off x="0" y="0"/>
+          <a:ext cx="0" cy="0"/>
+          <a:chOff x="0" y="0"/>
+          <a:chExt cx="0" cy="0"/>
+        </a:xfrm>
+      </p:grpSpPr>
       <p:pic>
         <p:nvPicPr>
-          <p:cNvPr id="3" name="Picture 2">
-            <a:extLst>
-              <a:ext uri="{FF2B5EF4-FFF2-40B4-BE49-F238E27FC236}">
-                <a16:creationId xmlns:a16="http://schemas.microsoft.com/office/drawing/2014/main" id="{D0019A70-383E-E318-752F-0C30FD4520E3}"/>
+          <p:cNvPr id="7" name="Picture 6">
+            <a:extLst>
+              <a:ext uri="{FF2B5EF4-FFF2-40B4-BE49-F238E27FC236}">
+                <a16:creationId xmlns:a16="http://schemas.microsoft.com/office/drawing/2014/main" id="{30CC9A47-2D13-1543-A7C8-F8088C1A337E}"/>
               </a:ext>
             </a:extLst>
           </p:cNvPr>
@@ -4859,25 +4863,75 @@
           <p:nvPr/>
         </p:nvPicPr>
         <p:blipFill>
-          <a:blip r:embed="rId4"/>
+          <a:blip r:embed="rId3"/>
           <a:stretch>
             <a:fillRect/>
           </a:stretch>
         </p:blipFill>
         <p:spPr>
           <a:xfrm>
-            <a:off x="0" y="269081"/>
-            <a:ext cx="12192000" cy="6319837"/>
+            <a:off x="0" y="0"/>
+            <a:ext cx="12192000" cy="6858000"/>
           </a:xfrm>
           <a:prstGeom prst="rect">
             <a:avLst/>
           </a:prstGeom>
         </p:spPr>
       </p:pic>
+      <p:sp>
+        <p:nvSpPr>
+          <p:cNvPr id="8" name="Title 7">
+            <a:extLst>
+              <a:ext uri="{FF2B5EF4-FFF2-40B4-BE49-F238E27FC236}">
+                <a16:creationId xmlns:a16="http://schemas.microsoft.com/office/drawing/2014/main" id="{A9A7AB69-D1A4-194D-B544-292C74F04FCD}"/>
+              </a:ext>
+            </a:extLst>
+          </p:cNvPr>
+          <p:cNvSpPr>
+            <a:spLocks noGrp="1"/>
+          </p:cNvSpPr>
+          <p:nvPr>
+            <p:ph type="title"/>
+          </p:nvPr>
+        </p:nvSpPr>
+        <p:spPr/>
+        <p:txBody>
+          <a:bodyPr/>
+          <a:lstStyle/>
+          <a:p>
+            <a:endParaRPr lang="en-US"/>
+          </a:p>
+        </p:txBody>
+      </p:sp>
+      <p:sp>
+        <p:nvSpPr>
+          <p:cNvPr id="9" name="Content Placeholder 8">
+            <a:extLst>
+              <a:ext uri="{FF2B5EF4-FFF2-40B4-BE49-F238E27FC236}">
+                <a16:creationId xmlns:a16="http://schemas.microsoft.com/office/drawing/2014/main" id="{661EE144-0F6C-2649-B81A-1334F4AFFB37}"/>
+              </a:ext>
+            </a:extLst>
+          </p:cNvPr>
+          <p:cNvSpPr>
+            <a:spLocks noGrp="1"/>
+          </p:cNvSpPr>
+          <p:nvPr>
+            <p:ph idx="1"/>
+          </p:nvPr>
+        </p:nvSpPr>
+        <p:spPr/>
+        <p:txBody>
+          <a:bodyPr/>
+          <a:lstStyle/>
+          <a:p>
+            <a:endParaRPr lang="en-US"/>
+          </a:p>
+        </p:txBody>
+      </p:sp>
     </p:spTree>
     <p:extLst>
       <p:ext uri="{BB962C8B-B14F-4D97-AF65-F5344CB8AC3E}">
-        <p14:creationId xmlns:p14="http://schemas.microsoft.com/office/powerpoint/2010/main" val="2524205200"/>
+        <p14:creationId xmlns:p14="http://schemas.microsoft.com/office/powerpoint/2010/main" val="89127787"/>
       </p:ext>
     </p:extLst>
   </p:cSld>

--- a/Project Status Report Final/finalpresentation.pptx
+++ b/Project Status Report Final/finalpresentation.pptx
@@ -5,15 +5,19 @@
     <p:sldMasterId id="2147483648" r:id="rId1"/>
   </p:sldMasterIdLst>
   <p:notesMasterIdLst>
-    <p:notesMasterId r:id="rId8"/>
+    <p:notesMasterId r:id="rId12"/>
   </p:notesMasterIdLst>
   <p:sldIdLst>
     <p:sldId id="256" r:id="rId2"/>
     <p:sldId id="259" r:id="rId3"/>
     <p:sldId id="260" r:id="rId4"/>
     <p:sldId id="264" r:id="rId5"/>
-    <p:sldId id="265" r:id="rId6"/>
-    <p:sldId id="263" r:id="rId7"/>
+    <p:sldId id="263" r:id="rId6"/>
+    <p:sldId id="266" r:id="rId7"/>
+    <p:sldId id="267" r:id="rId8"/>
+    <p:sldId id="269" r:id="rId9"/>
+    <p:sldId id="265" r:id="rId10"/>
+    <p:sldId id="268" r:id="rId11"/>
   </p:sldIdLst>
   <p:sldSz cx="12192000" cy="6858000"/>
   <p:notesSz cx="6858000" cy="9144000"/>
@@ -513,24 +517,10 @@
           <a:bodyPr/>
           <a:lstStyle/>
           <a:p>
-            <a:pPr marL="0" marR="0" lvl="0" indent="0" algn="l" defTabSz="914400" rtl="0" eaLnBrk="1" fontAlgn="auto" latinLnBrk="0" hangingPunct="1">
-              <a:lnSpc>
-                <a:spcPct val="100000"/>
-              </a:lnSpc>
-              <a:spcBef>
-                <a:spcPts val="0"/>
-              </a:spcBef>
-              <a:spcAft>
-                <a:spcPts val="0"/>
-              </a:spcAft>
-              <a:buClrTx/>
-              <a:buSzTx/>
-              <a:buFontTx/>
-              <a:buNone/>
-              <a:tabLst/>
-              <a:defRPr/>
-            </a:pPr>
-            <a:endParaRPr lang="en-US" dirty="0"/>
+            <a:r>
+              <a:rPr lang="en-US" dirty="0"/>
+              <a:t>12 minute presentation</a:t>
+            </a:r>
           </a:p>
         </p:txBody>
       </p:sp>
@@ -551,7 +541,7 @@
           <a:p>
             <a:fld id="{DEE414AA-92EB-4865-A5F7-560118F2768E}" type="slidenum">
               <a:rPr lang="en-US" smtClean="0"/>
-              <a:t>2</a:t>
+              <a:t>1</a:t>
             </a:fld>
             <a:endParaRPr lang="en-US"/>
           </a:p>
@@ -560,7 +550,91 @@
     </p:spTree>
     <p:extLst>
       <p:ext uri="{BB962C8B-B14F-4D97-AF65-F5344CB8AC3E}">
-        <p14:creationId xmlns:p14="http://schemas.microsoft.com/office/powerpoint/2010/main" val="3199819334"/>
+        <p14:creationId xmlns:p14="http://schemas.microsoft.com/office/powerpoint/2010/main" val="3322662071"/>
+      </p:ext>
+    </p:extLst>
+  </p:cSld>
+  <p:clrMapOvr>
+    <a:masterClrMapping/>
+  </p:clrMapOvr>
+</p:notes>
+</file>
+
+<file path=ppt/notesSlides/notesSlide10.xml><?xml version="1.0" encoding="utf-8"?>
+<p:notes xmlns:a="http://schemas.openxmlformats.org/drawingml/2006/main" xmlns:r="http://schemas.openxmlformats.org/officeDocument/2006/relationships" xmlns:p="http://schemas.openxmlformats.org/presentationml/2006/main">
+  <p:cSld>
+    <p:spTree>
+      <p:nvGrpSpPr>
+        <p:cNvPr id="1" name=""/>
+        <p:cNvGrpSpPr/>
+        <p:nvPr/>
+      </p:nvGrpSpPr>
+      <p:grpSpPr>
+        <a:xfrm>
+          <a:off x="0" y="0"/>
+          <a:ext cx="0" cy="0"/>
+          <a:chOff x="0" y="0"/>
+          <a:chExt cx="0" cy="0"/>
+        </a:xfrm>
+      </p:grpSpPr>
+      <p:sp>
+        <p:nvSpPr>
+          <p:cNvPr id="2" name="Slide Image Placeholder 1"/>
+          <p:cNvSpPr>
+            <a:spLocks noGrp="1" noRot="1" noChangeAspect="1"/>
+          </p:cNvSpPr>
+          <p:nvPr>
+            <p:ph type="sldImg"/>
+          </p:nvPr>
+        </p:nvSpPr>
+        <p:spPr/>
+      </p:sp>
+      <p:sp>
+        <p:nvSpPr>
+          <p:cNvPr id="3" name="Notes Placeholder 2"/>
+          <p:cNvSpPr>
+            <a:spLocks noGrp="1"/>
+          </p:cNvSpPr>
+          <p:nvPr>
+            <p:ph type="body" idx="1"/>
+          </p:nvPr>
+        </p:nvSpPr>
+        <p:spPr/>
+        <p:txBody>
+          <a:bodyPr/>
+          <a:lstStyle/>
+          <a:p>
+            <a:endParaRPr lang="en-US" dirty="0"/>
+          </a:p>
+        </p:txBody>
+      </p:sp>
+      <p:sp>
+        <p:nvSpPr>
+          <p:cNvPr id="4" name="Slide Number Placeholder 3"/>
+          <p:cNvSpPr>
+            <a:spLocks noGrp="1"/>
+          </p:cNvSpPr>
+          <p:nvPr>
+            <p:ph type="sldNum" sz="quarter" idx="5"/>
+          </p:nvPr>
+        </p:nvSpPr>
+        <p:spPr/>
+        <p:txBody>
+          <a:bodyPr/>
+          <a:lstStyle/>
+          <a:p>
+            <a:fld id="{DEE414AA-92EB-4865-A5F7-560118F2768E}" type="slidenum">
+              <a:rPr lang="en-US" smtClean="0"/>
+              <a:t>10</a:t>
+            </a:fld>
+            <a:endParaRPr lang="en-US"/>
+          </a:p>
+        </p:txBody>
+      </p:sp>
+    </p:spTree>
+    <p:extLst>
+      <p:ext uri="{BB962C8B-B14F-4D97-AF65-F5344CB8AC3E}">
+        <p14:creationId xmlns:p14="http://schemas.microsoft.com/office/powerpoint/2010/main" val="108912732"/>
       </p:ext>
     </p:extLst>
   </p:cSld>
@@ -614,40 +688,1150 @@
           <a:bodyPr/>
           <a:lstStyle/>
           <a:p>
-            <a:r>
-              <a:rPr lang="en-US" dirty="0"/>
-              <a:t>Seeing impact of risk in play currently; y axis is dollars, x axis is dates.</a:t>
-            </a:r>
-          </a:p>
-          <a:p>
+            <a:pPr marL="0" marR="0" lvl="0" indent="0" algn="l" defTabSz="914400" rtl="0" eaLnBrk="1" fontAlgn="auto" latinLnBrk="0" hangingPunct="1">
+              <a:lnSpc>
+                <a:spcPct val="100000"/>
+              </a:lnSpc>
+              <a:spcBef>
+                <a:spcPts val="0"/>
+              </a:spcBef>
+              <a:spcAft>
+                <a:spcPts val="0"/>
+              </a:spcAft>
+              <a:buClrTx/>
+              <a:buSzTx/>
+              <a:buFontTx/>
+              <a:buNone/>
+              <a:tabLst/>
+              <a:defRPr/>
+            </a:pPr>
+            <a:r>
+              <a:rPr lang="en-US" dirty="0">
+                <a:solidFill>
+                  <a:srgbClr val="BCBEC4"/>
+                </a:solidFill>
+                <a:effectLst/>
+                <a:highlight>
+                  <a:srgbClr val="1E1F22"/>
+                </a:highlight>
+              </a:rPr>
+              <a:t>This project was designed with the objective of exploring the impact of risk as defined by a power law distribution and networked brokers in the context of neighbor influence on the brokers' portfolio values over different trading intervals. Economic markets are volatile and have been shown to contain many fat-tailed and power law distributions, such as in growth rates and stock returns \</a:t>
+            </a:r>
+            <a:r>
+              <a:rPr lang="en-US" dirty="0">
+                <a:solidFill>
+                  <a:srgbClr val="CF8E6D"/>
+                </a:solidFill>
+                <a:effectLst/>
+                <a:highlight>
+                  <a:srgbClr val="1E1F22"/>
+                </a:highlight>
+              </a:rPr>
+              <a:t>cite</a:t>
+            </a:r>
+            <a:r>
+              <a:rPr lang="en-US" dirty="0">
+                <a:solidFill>
+                  <a:srgbClr val="BCBEC4"/>
+                </a:solidFill>
+                <a:effectLst/>
+                <a:highlight>
+                  <a:srgbClr val="1E1F22"/>
+                </a:highlight>
+              </a:rPr>
+              <a:t>{</a:t>
+            </a:r>
+            <a:r>
+              <a:rPr lang="en-US" i="1" dirty="0" err="1">
+                <a:solidFill>
+                  <a:srgbClr val="C77DBB"/>
+                </a:solidFill>
+                <a:effectLst/>
+                <a:highlight>
+                  <a:srgbClr val="1E1F22"/>
+                </a:highlight>
+              </a:rPr>
+              <a:t>gabaix</a:t>
+            </a:r>
+            <a:r>
+              <a:rPr lang="en-US" dirty="0" err="1">
+                <a:solidFill>
+                  <a:srgbClr val="BCBEC4"/>
+                </a:solidFill>
+                <a:effectLst/>
+                <a:highlight>
+                  <a:srgbClr val="1E1F22"/>
+                </a:highlight>
+              </a:rPr>
+              <a:t>_</a:t>
+            </a:r>
+            <a:r>
+              <a:rPr lang="en-US" i="1" dirty="0" err="1">
+                <a:solidFill>
+                  <a:srgbClr val="C77DBB"/>
+                </a:solidFill>
+                <a:effectLst/>
+                <a:highlight>
+                  <a:srgbClr val="1E1F22"/>
+                </a:highlight>
+              </a:rPr>
+              <a:t>powerlaws</a:t>
+            </a:r>
+            <a:r>
+              <a:rPr lang="en-US" dirty="0">
+                <a:solidFill>
+                  <a:srgbClr val="BCBEC4"/>
+                </a:solidFill>
+                <a:effectLst/>
+                <a:highlight>
+                  <a:srgbClr val="1E1F22"/>
+                </a:highlight>
+              </a:rPr>
+              <a:t>}. Many different models of the market have been created to explore these behaviors, and data is readily available to examine the impacts of different strategies and inter-dependencies on the market. Scholars have examined risk and risk aversion, explored modeling the market as a network of stocks or brokers, attempted to classify and group the networks, and attempted to design models of crashes that resemble the real world. This project combines the study of risk in psychology with the fat tailed distribution of network connections and the volatility of black swan \</a:t>
+            </a:r>
+            <a:r>
+              <a:rPr lang="en-US" dirty="0">
+                <a:solidFill>
+                  <a:srgbClr val="CF8E6D"/>
+                </a:solidFill>
+                <a:effectLst/>
+                <a:highlight>
+                  <a:srgbClr val="1E1F22"/>
+                </a:highlight>
+              </a:rPr>
+              <a:t>cite</a:t>
+            </a:r>
+            <a:r>
+              <a:rPr lang="en-US" dirty="0">
+                <a:solidFill>
+                  <a:srgbClr val="BCBEC4"/>
+                </a:solidFill>
+                <a:effectLst/>
+                <a:highlight>
+                  <a:srgbClr val="1E1F22"/>
+                </a:highlight>
+              </a:rPr>
+              <a:t>{</a:t>
+            </a:r>
+            <a:r>
+              <a:rPr lang="en-US" i="1" dirty="0" err="1">
+                <a:solidFill>
+                  <a:srgbClr val="C77DBB"/>
+                </a:solidFill>
+                <a:effectLst/>
+                <a:highlight>
+                  <a:srgbClr val="1E1F22"/>
+                </a:highlight>
+              </a:rPr>
+              <a:t>taleb</a:t>
+            </a:r>
+            <a:r>
+              <a:rPr lang="en-US" dirty="0" err="1">
+                <a:solidFill>
+                  <a:srgbClr val="BCBEC4"/>
+                </a:solidFill>
+                <a:effectLst/>
+                <a:highlight>
+                  <a:srgbClr val="1E1F22"/>
+                </a:highlight>
+              </a:rPr>
+              <a:t>_</a:t>
+            </a:r>
+            <a:r>
+              <a:rPr lang="en-US" i="1" dirty="0" err="1">
+                <a:solidFill>
+                  <a:srgbClr val="C77DBB"/>
+                </a:solidFill>
+                <a:effectLst/>
+                <a:highlight>
+                  <a:srgbClr val="1E1F22"/>
+                </a:highlight>
+              </a:rPr>
+              <a:t>antifragile</a:t>
+            </a:r>
+            <a:r>
+              <a:rPr lang="en-US" dirty="0">
+                <a:solidFill>
+                  <a:srgbClr val="BCBEC4"/>
+                </a:solidFill>
+                <a:effectLst/>
+                <a:highlight>
+                  <a:srgbClr val="1E1F22"/>
+                </a:highlight>
+              </a:rPr>
+              <a:t>} events to evaluate market broker strategies to maximize portfolio value over typical events and through drastic changes in the market.</a:t>
+            </a:r>
+            <a:br>
+              <a:rPr lang="en-US" dirty="0">
+                <a:solidFill>
+                  <a:srgbClr val="BCBEC4"/>
+                </a:solidFill>
+                <a:effectLst/>
+                <a:highlight>
+                  <a:srgbClr val="1E1F22"/>
+                </a:highlight>
+              </a:rPr>
+            </a:br>
+            <a:br>
+              <a:rPr lang="en-US" dirty="0">
+                <a:solidFill>
+                  <a:srgbClr val="BCBEC4"/>
+                </a:solidFill>
+                <a:effectLst/>
+                <a:highlight>
+                  <a:srgbClr val="1E1F22"/>
+                </a:highlight>
+              </a:rPr>
+            </a:br>
+            <a:r>
+              <a:rPr lang="en-US" dirty="0">
+                <a:solidFill>
+                  <a:srgbClr val="BCBEC4"/>
+                </a:solidFill>
+                <a:effectLst/>
+                <a:highlight>
+                  <a:srgbClr val="1E1F22"/>
+                </a:highlight>
+              </a:rPr>
+              <a:t>\section{Background}\</a:t>
+            </a:r>
+            <a:r>
+              <a:rPr lang="en-US" dirty="0">
+                <a:solidFill>
+                  <a:srgbClr val="CF8E6D"/>
+                </a:solidFill>
+                <a:effectLst/>
+                <a:highlight>
+                  <a:srgbClr val="1E1F22"/>
+                </a:highlight>
+              </a:rPr>
+              <a:t>label</a:t>
+            </a:r>
+            <a:r>
+              <a:rPr lang="en-US" dirty="0">
+                <a:solidFill>
+                  <a:srgbClr val="BCBEC4"/>
+                </a:solidFill>
+                <a:effectLst/>
+                <a:highlight>
+                  <a:srgbClr val="1E1F22"/>
+                </a:highlight>
+              </a:rPr>
+              <a:t>{</a:t>
+            </a:r>
+            <a:r>
+              <a:rPr lang="en-US" dirty="0" err="1">
+                <a:solidFill>
+                  <a:srgbClr val="BCBEC4"/>
+                </a:solidFill>
+                <a:effectLst/>
+                <a:highlight>
+                  <a:srgbClr val="1E1F22"/>
+                </a:highlight>
+              </a:rPr>
+              <a:t>sec:background</a:t>
+            </a:r>
+            <a:r>
+              <a:rPr lang="en-US" dirty="0">
+                <a:solidFill>
+                  <a:srgbClr val="BCBEC4"/>
+                </a:solidFill>
+                <a:effectLst/>
+                <a:highlight>
+                  <a:srgbClr val="1E1F22"/>
+                </a:highlight>
+              </a:rPr>
+              <a:t>}</a:t>
+            </a:r>
+            <a:br>
+              <a:rPr lang="en-US" dirty="0">
+                <a:solidFill>
+                  <a:srgbClr val="BCBEC4"/>
+                </a:solidFill>
+                <a:effectLst/>
+                <a:highlight>
+                  <a:srgbClr val="1E1F22"/>
+                </a:highlight>
+              </a:rPr>
+            </a:br>
+            <a:r>
+              <a:rPr lang="en-US" dirty="0">
+                <a:solidFill>
+                  <a:srgbClr val="BCBEC4"/>
+                </a:solidFill>
+                <a:effectLst/>
+                <a:highlight>
+                  <a:srgbClr val="1E1F22"/>
+                </a:highlight>
+              </a:rPr>
+              <a:t>%</a:t>
+            </a:r>
+            <a:r>
+              <a:rPr lang="en-US" dirty="0">
+                <a:solidFill>
+                  <a:srgbClr val="7A7E85"/>
+                </a:solidFill>
+                <a:effectLst/>
+                <a:highlight>
+                  <a:srgbClr val="1E1F22"/>
+                </a:highlight>
+              </a:rPr>
+              <a:t> Background: Summary of important concepts and related previous work (with citations).</a:t>
+            </a:r>
+            <a:br>
+              <a:rPr lang="en-US" dirty="0">
+                <a:solidFill>
+                  <a:srgbClr val="7A7E85"/>
+                </a:solidFill>
+                <a:effectLst/>
+                <a:highlight>
+                  <a:srgbClr val="1E1F22"/>
+                </a:highlight>
+              </a:rPr>
+            </a:br>
+            <a:r>
+              <a:rPr lang="en-US" dirty="0">
+                <a:solidFill>
+                  <a:srgbClr val="BCBEC4"/>
+                </a:solidFill>
+                <a:effectLst/>
+                <a:highlight>
+                  <a:srgbClr val="1E1F22"/>
+                </a:highlight>
+              </a:rPr>
+              <a:t>This topic has been explored from a variety of perspectives. Most work has been divided into exploring financial markets in terms of complex networks, looking at individuals' perspective on risk, and running case studies with different clustering and strategies in the market. The work in complex networks creates networks with either brokers or stocks at nodes \</a:t>
+            </a:r>
+            <a:r>
+              <a:rPr lang="en-US" dirty="0">
+                <a:solidFill>
+                  <a:srgbClr val="CF8E6D"/>
+                </a:solidFill>
+                <a:effectLst/>
+                <a:highlight>
+                  <a:srgbClr val="1E1F22"/>
+                </a:highlight>
+              </a:rPr>
+              <a:t>cite</a:t>
+            </a:r>
+            <a:r>
+              <a:rPr lang="en-US" dirty="0">
+                <a:solidFill>
+                  <a:srgbClr val="BCBEC4"/>
+                </a:solidFill>
+                <a:effectLst/>
+                <a:highlight>
+                  <a:srgbClr val="1E1F22"/>
+                </a:highlight>
+              </a:rPr>
+              <a:t>{</a:t>
+            </a:r>
+            <a:r>
+              <a:rPr lang="en-US" i="1" dirty="0">
+                <a:solidFill>
+                  <a:srgbClr val="C77DBB"/>
+                </a:solidFill>
+                <a:effectLst/>
+                <a:highlight>
+                  <a:srgbClr val="1E1F22"/>
+                </a:highlight>
+              </a:rPr>
+              <a:t>baydelli</a:t>
+            </a:r>
+            <a:r>
+              <a:rPr lang="en-US" dirty="0">
+                <a:solidFill>
+                  <a:srgbClr val="BCBEC4"/>
+                </a:solidFill>
+                <a:effectLst/>
+                <a:highlight>
+                  <a:srgbClr val="1E1F22"/>
+                </a:highlight>
+              </a:rPr>
+              <a:t>_</a:t>
+            </a:r>
+            <a:r>
+              <a:rPr lang="en-US" i="1" dirty="0">
+                <a:solidFill>
+                  <a:srgbClr val="C77DBB"/>
+                </a:solidFill>
+                <a:effectLst/>
+                <a:highlight>
+                  <a:srgbClr val="1E1F22"/>
+                </a:highlight>
+              </a:rPr>
+              <a:t>hierarchicalmarket</a:t>
+            </a:r>
+            <a:r>
+              <a:rPr lang="en-US" dirty="0">
+                <a:solidFill>
+                  <a:srgbClr val="BCBEC4"/>
+                </a:solidFill>
+                <a:effectLst/>
+                <a:highlight>
+                  <a:srgbClr val="1E1F22"/>
+                </a:highlight>
+              </a:rPr>
+              <a:t>,</a:t>
+            </a:r>
+            <a:r>
+              <a:rPr lang="en-US" i="1" dirty="0">
+                <a:solidFill>
+                  <a:srgbClr val="C77DBB"/>
+                </a:solidFill>
+                <a:effectLst/>
+                <a:highlight>
+                  <a:srgbClr val="1E1F22"/>
+                </a:highlight>
+              </a:rPr>
+              <a:t>kulmann</a:t>
+            </a:r>
+            <a:r>
+              <a:rPr lang="en-US" dirty="0">
+                <a:solidFill>
+                  <a:srgbClr val="BCBEC4"/>
+                </a:solidFill>
+                <a:effectLst/>
+                <a:highlight>
+                  <a:srgbClr val="1E1F22"/>
+                </a:highlight>
+              </a:rPr>
+              <a:t>_</a:t>
+            </a:r>
+            <a:r>
+              <a:rPr lang="en-US" i="1" dirty="0">
+                <a:solidFill>
+                  <a:srgbClr val="C77DBB"/>
+                </a:solidFill>
+                <a:effectLst/>
+                <a:highlight>
+                  <a:srgbClr val="1E1F22"/>
+                </a:highlight>
+              </a:rPr>
+              <a:t>marketscomplexsystems</a:t>
+            </a:r>
+            <a:r>
+              <a:rPr lang="en-US" dirty="0">
+                <a:solidFill>
+                  <a:srgbClr val="BCBEC4"/>
+                </a:solidFill>
+                <a:effectLst/>
+                <a:highlight>
+                  <a:srgbClr val="1E1F22"/>
+                </a:highlight>
+              </a:rPr>
+              <a:t>,</a:t>
+            </a:r>
+            <a:r>
+              <a:rPr lang="en-US" i="1" dirty="0">
+                <a:solidFill>
+                  <a:srgbClr val="C77DBB"/>
+                </a:solidFill>
+                <a:effectLst/>
+                <a:highlight>
+                  <a:srgbClr val="1E1F22"/>
+                </a:highlight>
+              </a:rPr>
+              <a:t>dimaggio</a:t>
+            </a:r>
+            <a:r>
+              <a:rPr lang="en-US" dirty="0">
+                <a:solidFill>
+                  <a:srgbClr val="BCBEC4"/>
+                </a:solidFill>
+                <a:effectLst/>
+                <a:highlight>
+                  <a:srgbClr val="1E1F22"/>
+                </a:highlight>
+              </a:rPr>
+              <a:t>_</a:t>
+            </a:r>
+            <a:r>
+              <a:rPr lang="en-US" i="1" dirty="0">
+                <a:solidFill>
+                  <a:srgbClr val="C77DBB"/>
+                </a:solidFill>
+                <a:effectLst/>
+                <a:highlight>
+                  <a:srgbClr val="1E1F22"/>
+                </a:highlight>
+              </a:rPr>
+              <a:t>relevancebrokernetworks</a:t>
+            </a:r>
+            <a:r>
+              <a:rPr lang="en-US" dirty="0">
+                <a:solidFill>
+                  <a:srgbClr val="BCBEC4"/>
+                </a:solidFill>
+                <a:effectLst/>
+                <a:highlight>
+                  <a:srgbClr val="1E1F22"/>
+                </a:highlight>
+              </a:rPr>
+              <a:t>}. To create the edges, they have explored the diffusion of information \</a:t>
+            </a:r>
+            <a:r>
+              <a:rPr lang="en-US" dirty="0">
+                <a:solidFill>
+                  <a:srgbClr val="CF8E6D"/>
+                </a:solidFill>
+                <a:effectLst/>
+                <a:highlight>
+                  <a:srgbClr val="1E1F22"/>
+                </a:highlight>
+              </a:rPr>
+              <a:t>cite</a:t>
+            </a:r>
+            <a:r>
+              <a:rPr lang="en-US" dirty="0">
+                <a:solidFill>
+                  <a:srgbClr val="BCBEC4"/>
+                </a:solidFill>
+                <a:effectLst/>
+                <a:highlight>
+                  <a:srgbClr val="1E1F22"/>
+                </a:highlight>
+              </a:rPr>
+              <a:t>{</a:t>
+            </a:r>
+            <a:r>
+              <a:rPr lang="en-US" i="1" dirty="0" err="1">
+                <a:solidFill>
+                  <a:srgbClr val="C77DBB"/>
+                </a:solidFill>
+                <a:effectLst/>
+                <a:highlight>
+                  <a:srgbClr val="1E1F22"/>
+                </a:highlight>
+              </a:rPr>
+              <a:t>dimaggio</a:t>
+            </a:r>
+            <a:r>
+              <a:rPr lang="en-US" dirty="0" err="1">
+                <a:solidFill>
+                  <a:srgbClr val="BCBEC4"/>
+                </a:solidFill>
+                <a:effectLst/>
+                <a:highlight>
+                  <a:srgbClr val="1E1F22"/>
+                </a:highlight>
+              </a:rPr>
+              <a:t>_</a:t>
+            </a:r>
+            <a:r>
+              <a:rPr lang="en-US" i="1" dirty="0" err="1">
+                <a:solidFill>
+                  <a:srgbClr val="C77DBB"/>
+                </a:solidFill>
+                <a:effectLst/>
+                <a:highlight>
+                  <a:srgbClr val="1E1F22"/>
+                </a:highlight>
+              </a:rPr>
+              <a:t>relevancebrokernetworks</a:t>
+            </a:r>
+            <a:r>
+              <a:rPr lang="en-US" dirty="0">
+                <a:solidFill>
+                  <a:srgbClr val="BCBEC4"/>
+                </a:solidFill>
+                <a:effectLst/>
+                <a:highlight>
+                  <a:srgbClr val="1E1F22"/>
+                </a:highlight>
+              </a:rPr>
+              <a:t>}, spread of first and rebound shocks \</a:t>
+            </a:r>
+            <a:r>
+              <a:rPr lang="en-US" dirty="0">
+                <a:solidFill>
+                  <a:srgbClr val="CF8E6D"/>
+                </a:solidFill>
+                <a:effectLst/>
+                <a:highlight>
+                  <a:srgbClr val="1E1F22"/>
+                </a:highlight>
+              </a:rPr>
+              <a:t>cite</a:t>
+            </a:r>
+            <a:r>
+              <a:rPr lang="en-US" dirty="0">
+                <a:solidFill>
+                  <a:srgbClr val="BCBEC4"/>
+                </a:solidFill>
+                <a:effectLst/>
+                <a:highlight>
+                  <a:srgbClr val="1E1F22"/>
+                </a:highlight>
+              </a:rPr>
+              <a:t>{</a:t>
+            </a:r>
+            <a:r>
+              <a:rPr lang="en-US" i="1" dirty="0" err="1">
+                <a:solidFill>
+                  <a:srgbClr val="C77DBB"/>
+                </a:solidFill>
+                <a:effectLst/>
+                <a:highlight>
+                  <a:srgbClr val="1E1F22"/>
+                </a:highlight>
+              </a:rPr>
+              <a:t>gai</a:t>
+            </a:r>
+            <a:r>
+              <a:rPr lang="en-US" dirty="0" err="1">
+                <a:solidFill>
+                  <a:srgbClr val="BCBEC4"/>
+                </a:solidFill>
+                <a:effectLst/>
+                <a:highlight>
+                  <a:srgbClr val="1E1F22"/>
+                </a:highlight>
+              </a:rPr>
+              <a:t>_</a:t>
+            </a:r>
+            <a:r>
+              <a:rPr lang="en-US" i="1" dirty="0" err="1">
+                <a:solidFill>
+                  <a:srgbClr val="C77DBB"/>
+                </a:solidFill>
+                <a:effectLst/>
+                <a:highlight>
+                  <a:srgbClr val="1E1F22"/>
+                </a:highlight>
+              </a:rPr>
+              <a:t>contagion</a:t>
+            </a:r>
+            <a:r>
+              <a:rPr lang="en-US" dirty="0">
+                <a:solidFill>
+                  <a:srgbClr val="BCBEC4"/>
+                </a:solidFill>
+                <a:effectLst/>
+                <a:highlight>
+                  <a:srgbClr val="1E1F22"/>
+                </a:highlight>
+              </a:rPr>
+              <a:t>}, and correlation and mutual information of different stocks \</a:t>
+            </a:r>
+            <a:r>
+              <a:rPr lang="en-US" dirty="0">
+                <a:solidFill>
+                  <a:srgbClr val="CF8E6D"/>
+                </a:solidFill>
+                <a:effectLst/>
+                <a:highlight>
+                  <a:srgbClr val="1E1F22"/>
+                </a:highlight>
+              </a:rPr>
+              <a:t>cite</a:t>
+            </a:r>
+            <a:r>
+              <a:rPr lang="en-US" dirty="0">
+                <a:solidFill>
+                  <a:srgbClr val="BCBEC4"/>
+                </a:solidFill>
+                <a:effectLst/>
+                <a:highlight>
+                  <a:srgbClr val="1E1F22"/>
+                </a:highlight>
+              </a:rPr>
+              <a:t>{</a:t>
+            </a:r>
+            <a:r>
+              <a:rPr lang="en-US" i="1" dirty="0" err="1">
+                <a:solidFill>
+                  <a:srgbClr val="C77DBB"/>
+                </a:solidFill>
+                <a:effectLst/>
+                <a:highlight>
+                  <a:srgbClr val="1E1F22"/>
+                </a:highlight>
+              </a:rPr>
+              <a:t>li</a:t>
+            </a:r>
+            <a:r>
+              <a:rPr lang="en-US" dirty="0" err="1">
+                <a:solidFill>
+                  <a:srgbClr val="BCBEC4"/>
+                </a:solidFill>
+                <a:effectLst/>
+                <a:highlight>
+                  <a:srgbClr val="1E1F22"/>
+                </a:highlight>
+              </a:rPr>
+              <a:t>_</a:t>
+            </a:r>
+            <a:r>
+              <a:rPr lang="en-US" i="1" dirty="0" err="1">
+                <a:solidFill>
+                  <a:srgbClr val="C77DBB"/>
+                </a:solidFill>
+                <a:effectLst/>
+                <a:highlight>
+                  <a:srgbClr val="1E1F22"/>
+                </a:highlight>
+              </a:rPr>
+              <a:t>correlation</a:t>
+            </a:r>
+            <a:r>
+              <a:rPr lang="en-US" dirty="0">
+                <a:solidFill>
+                  <a:srgbClr val="BCBEC4"/>
+                </a:solidFill>
+                <a:effectLst/>
+                <a:highlight>
+                  <a:srgbClr val="1E1F22"/>
+                </a:highlight>
+              </a:rPr>
+              <a:t>, </a:t>
+            </a:r>
+            <a:r>
+              <a:rPr lang="en-US" i="1" dirty="0" err="1">
+                <a:solidFill>
+                  <a:srgbClr val="C77DBB"/>
+                </a:solidFill>
+                <a:effectLst/>
+                <a:highlight>
+                  <a:srgbClr val="1E1F22"/>
+                </a:highlight>
+              </a:rPr>
+              <a:t>fiedor</a:t>
+            </a:r>
+            <a:r>
+              <a:rPr lang="en-US" dirty="0" err="1">
+                <a:solidFill>
+                  <a:srgbClr val="BCBEC4"/>
+                </a:solidFill>
+                <a:effectLst/>
+                <a:highlight>
+                  <a:srgbClr val="1E1F22"/>
+                </a:highlight>
+              </a:rPr>
+              <a:t>_</a:t>
+            </a:r>
+            <a:r>
+              <a:rPr lang="en-US" i="1" dirty="0" err="1">
+                <a:solidFill>
+                  <a:srgbClr val="C77DBB"/>
+                </a:solidFill>
+                <a:effectLst/>
+                <a:highlight>
+                  <a:srgbClr val="1E1F22"/>
+                </a:highlight>
+              </a:rPr>
+              <a:t>networksmutualinformationrate</a:t>
+            </a:r>
+            <a:r>
+              <a:rPr lang="en-US" dirty="0">
+                <a:solidFill>
+                  <a:srgbClr val="BCBEC4"/>
+                </a:solidFill>
+                <a:effectLst/>
+                <a:highlight>
+                  <a:srgbClr val="1E1F22"/>
+                </a:highlight>
+              </a:rPr>
+              <a:t>}. This study models the market with brokers at the nodes with influence connecting the brokers. </a:t>
+            </a:r>
+            <a:br>
+              <a:rPr lang="en-US" dirty="0">
+                <a:solidFill>
+                  <a:srgbClr val="BCBEC4"/>
+                </a:solidFill>
+                <a:effectLst/>
+                <a:highlight>
+                  <a:srgbClr val="1E1F22"/>
+                </a:highlight>
+              </a:rPr>
+            </a:br>
+            <a:br>
+              <a:rPr lang="en-US" dirty="0">
+                <a:solidFill>
+                  <a:srgbClr val="BCBEC4"/>
+                </a:solidFill>
+                <a:effectLst/>
+                <a:highlight>
+                  <a:srgbClr val="1E1F22"/>
+                </a:highlight>
+              </a:rPr>
+            </a:br>
+            <a:r>
+              <a:rPr lang="en-US" dirty="0">
+                <a:solidFill>
+                  <a:srgbClr val="BCBEC4"/>
+                </a:solidFill>
+                <a:effectLst/>
+                <a:highlight>
+                  <a:srgbClr val="1E1F22"/>
+                </a:highlight>
+              </a:rPr>
+              <a:t>Further, several models for risk were presented. This involved quantifying the risk with the Chen, Roll, and Ross factors \</a:t>
+            </a:r>
+            <a:r>
+              <a:rPr lang="en-US" dirty="0">
+                <a:solidFill>
+                  <a:srgbClr val="CF8E6D"/>
+                </a:solidFill>
+                <a:effectLst/>
+                <a:highlight>
+                  <a:srgbClr val="1E1F22"/>
+                </a:highlight>
+              </a:rPr>
+              <a:t>cite</a:t>
+            </a:r>
+            <a:r>
+              <a:rPr lang="en-US" dirty="0">
+                <a:solidFill>
+                  <a:srgbClr val="BCBEC4"/>
+                </a:solidFill>
+                <a:effectLst/>
+                <a:highlight>
+                  <a:srgbClr val="1E1F22"/>
+                </a:highlight>
+              </a:rPr>
+              <a:t>{</a:t>
+            </a:r>
+            <a:r>
+              <a:rPr lang="en-US" i="1" dirty="0" err="1">
+                <a:solidFill>
+                  <a:srgbClr val="C77DBB"/>
+                </a:solidFill>
+                <a:effectLst/>
+                <a:highlight>
+                  <a:srgbClr val="1E1F22"/>
+                </a:highlight>
+              </a:rPr>
+              <a:t>cooper</a:t>
+            </a:r>
+            <a:r>
+              <a:rPr lang="en-US" dirty="0" err="1">
+                <a:solidFill>
+                  <a:srgbClr val="BCBEC4"/>
+                </a:solidFill>
+                <a:effectLst/>
+                <a:highlight>
+                  <a:srgbClr val="1E1F22"/>
+                </a:highlight>
+              </a:rPr>
+              <a:t>_</a:t>
+            </a:r>
+            <a:r>
+              <a:rPr lang="en-US" i="1" dirty="0" err="1">
+                <a:solidFill>
+                  <a:srgbClr val="C77DBB"/>
+                </a:solidFill>
+                <a:effectLst/>
+                <a:highlight>
+                  <a:srgbClr val="1E1F22"/>
+                </a:highlight>
+              </a:rPr>
+              <a:t>realinvestmentandrisk</a:t>
+            </a:r>
+            <a:r>
+              <a:rPr lang="en-US" dirty="0">
+                <a:solidFill>
+                  <a:srgbClr val="BCBEC4"/>
+                </a:solidFill>
+                <a:effectLst/>
+                <a:highlight>
+                  <a:srgbClr val="1E1F22"/>
+                </a:highlight>
+              </a:rPr>
+              <a:t>} to predict economic activity, assessing the importance of the distribution of risk aversion in the volatility of returns \</a:t>
+            </a:r>
+            <a:r>
+              <a:rPr lang="en-US" dirty="0">
+                <a:solidFill>
+                  <a:srgbClr val="CF8E6D"/>
+                </a:solidFill>
+                <a:effectLst/>
+                <a:highlight>
+                  <a:srgbClr val="1E1F22"/>
+                </a:highlight>
+              </a:rPr>
+              <a:t>cite</a:t>
+            </a:r>
+            <a:r>
+              <a:rPr lang="en-US" dirty="0">
+                <a:solidFill>
+                  <a:srgbClr val="BCBEC4"/>
+                </a:solidFill>
+                <a:effectLst/>
+                <a:highlight>
+                  <a:srgbClr val="1E1F22"/>
+                </a:highlight>
+              </a:rPr>
+              <a:t>{</a:t>
+            </a:r>
+            <a:r>
+              <a:rPr lang="en-US" i="1" dirty="0" err="1">
+                <a:solidFill>
+                  <a:srgbClr val="C77DBB"/>
+                </a:solidFill>
+                <a:effectLst/>
+                <a:highlight>
+                  <a:srgbClr val="1E1F22"/>
+                </a:highlight>
+              </a:rPr>
+              <a:t>lansing</a:t>
+            </a:r>
+            <a:r>
+              <a:rPr lang="en-US" dirty="0" err="1">
+                <a:solidFill>
+                  <a:srgbClr val="BCBEC4"/>
+                </a:solidFill>
+                <a:effectLst/>
+                <a:highlight>
+                  <a:srgbClr val="1E1F22"/>
+                </a:highlight>
+              </a:rPr>
+              <a:t>_</a:t>
+            </a:r>
+            <a:r>
+              <a:rPr lang="en-US" i="1" dirty="0" err="1">
+                <a:solidFill>
+                  <a:srgbClr val="C77DBB"/>
+                </a:solidFill>
+                <a:effectLst/>
+                <a:highlight>
+                  <a:srgbClr val="1E1F22"/>
+                </a:highlight>
+              </a:rPr>
+              <a:t>riskaversion</a:t>
+            </a:r>
+            <a:r>
+              <a:rPr lang="en-US" dirty="0">
+                <a:solidFill>
+                  <a:srgbClr val="BCBEC4"/>
+                </a:solidFill>
+                <a:effectLst/>
+                <a:highlight>
+                  <a:srgbClr val="1E1F22"/>
+                </a:highlight>
+              </a:rPr>
+              <a:t>}, and highlighted the importance of dividends in quantifying the risk level of stocks. These models provide a basis for developing a model of portfolio risk.</a:t>
+            </a:r>
+            <a:br>
+              <a:rPr lang="en-US" dirty="0">
+                <a:solidFill>
+                  <a:srgbClr val="BCBEC4"/>
+                </a:solidFill>
+                <a:effectLst/>
+                <a:highlight>
+                  <a:srgbClr val="1E1F22"/>
+                </a:highlight>
+              </a:rPr>
+            </a:br>
+            <a:br>
+              <a:rPr lang="en-US" dirty="0">
+                <a:solidFill>
+                  <a:srgbClr val="BCBEC4"/>
+                </a:solidFill>
+                <a:effectLst/>
+                <a:highlight>
+                  <a:srgbClr val="1E1F22"/>
+                </a:highlight>
+              </a:rPr>
+            </a:br>
+            <a:r>
+              <a:rPr lang="en-US" dirty="0">
+                <a:solidFill>
+                  <a:srgbClr val="BCBEC4"/>
+                </a:solidFill>
+                <a:effectLst/>
+                <a:highlight>
+                  <a:srgbClr val="1E1F22"/>
+                </a:highlight>
+              </a:rPr>
+              <a:t>Based on the ideas presented in </a:t>
+            </a:r>
+            <a:r>
+              <a:rPr lang="en-US" dirty="0" err="1">
+                <a:solidFill>
+                  <a:srgbClr val="BCBEC4"/>
+                </a:solidFill>
+                <a:effectLst/>
+                <a:highlight>
+                  <a:srgbClr val="1E1F22"/>
+                </a:highlight>
+              </a:rPr>
+              <a:t>Taleb's</a:t>
+            </a:r>
+            <a:r>
+              <a:rPr lang="en-US" dirty="0">
+                <a:solidFill>
+                  <a:srgbClr val="BCBEC4"/>
+                </a:solidFill>
+                <a:effectLst/>
+                <a:highlight>
+                  <a:srgbClr val="1E1F22"/>
+                </a:highlight>
+              </a:rPr>
+              <a:t> book \</a:t>
+            </a:r>
+            <a:r>
+              <a:rPr lang="en-US" dirty="0">
+                <a:solidFill>
+                  <a:srgbClr val="CF8E6D"/>
+                </a:solidFill>
+                <a:effectLst/>
+                <a:highlight>
+                  <a:srgbClr val="1E1F22"/>
+                </a:highlight>
+              </a:rPr>
+              <a:t>cite</a:t>
+            </a:r>
+            <a:r>
+              <a:rPr lang="en-US" dirty="0">
+                <a:solidFill>
+                  <a:srgbClr val="BCBEC4"/>
+                </a:solidFill>
+                <a:effectLst/>
+                <a:highlight>
+                  <a:srgbClr val="1E1F22"/>
+                </a:highlight>
+              </a:rPr>
+              <a:t>{</a:t>
+            </a:r>
+            <a:r>
+              <a:rPr lang="en-US" i="1" dirty="0" err="1">
+                <a:solidFill>
+                  <a:srgbClr val="C77DBB"/>
+                </a:solidFill>
+                <a:effectLst/>
+                <a:highlight>
+                  <a:srgbClr val="1E1F22"/>
+                </a:highlight>
+              </a:rPr>
+              <a:t>taleb</a:t>
+            </a:r>
+            <a:r>
+              <a:rPr lang="en-US" dirty="0" err="1">
+                <a:solidFill>
+                  <a:srgbClr val="BCBEC4"/>
+                </a:solidFill>
+                <a:effectLst/>
+                <a:highlight>
+                  <a:srgbClr val="1E1F22"/>
+                </a:highlight>
+              </a:rPr>
+              <a:t>_</a:t>
+            </a:r>
+            <a:r>
+              <a:rPr lang="en-US" i="1" dirty="0" err="1">
+                <a:solidFill>
+                  <a:srgbClr val="C77DBB"/>
+                </a:solidFill>
+                <a:effectLst/>
+                <a:highlight>
+                  <a:srgbClr val="1E1F22"/>
+                </a:highlight>
+              </a:rPr>
+              <a:t>antifragile</a:t>
+            </a:r>
+            <a:r>
+              <a:rPr lang="en-US" dirty="0">
+                <a:solidFill>
+                  <a:srgbClr val="BCBEC4"/>
+                </a:solidFill>
+                <a:effectLst/>
+                <a:highlight>
+                  <a:srgbClr val="1E1F22"/>
+                </a:highlight>
+              </a:rPr>
+              <a:t>}, it has been suggested that some strategies which perform best over typical market moves may not be optimal during sudden volatile events, which characterize the stock market. The idea that these strategies based on risk with the input on risk assessment from neighbors could be what differentiates the quality of the strategies.</a:t>
+            </a:r>
+            <a:br>
+              <a:rPr lang="en-US" dirty="0">
+                <a:solidFill>
+                  <a:srgbClr val="BCBEC4"/>
+                </a:solidFill>
+                <a:effectLst/>
+                <a:highlight>
+                  <a:srgbClr val="1E1F22"/>
+                </a:highlight>
+              </a:rPr>
+            </a:br>
+            <a:endParaRPr lang="en-US" dirty="0">
+              <a:solidFill>
+                <a:srgbClr val="BCBEC4"/>
+              </a:solidFill>
+              <a:effectLst/>
+              <a:highlight>
+                <a:srgbClr val="1E1F22"/>
+              </a:highlight>
+            </a:endParaRPr>
+          </a:p>
+          <a:p>
+            <a:pPr marL="0" marR="0" lvl="0" indent="0" algn="l" defTabSz="914400" rtl="0" eaLnBrk="1" fontAlgn="auto" latinLnBrk="0" hangingPunct="1">
+              <a:lnSpc>
+                <a:spcPct val="100000"/>
+              </a:lnSpc>
+              <a:spcBef>
+                <a:spcPts val="0"/>
+              </a:spcBef>
+              <a:spcAft>
+                <a:spcPts val="0"/>
+              </a:spcAft>
+              <a:buClrTx/>
+              <a:buSzTx/>
+              <a:buFontTx/>
+              <a:buNone/>
+              <a:tabLst/>
+              <a:defRPr/>
+            </a:pPr>
+            <a:r>
+              <a:rPr lang="en-US" dirty="0">
+                <a:solidFill>
+                  <a:srgbClr val="BCBEC4"/>
+                </a:solidFill>
+                <a:effectLst/>
+                <a:highlight>
+                  <a:srgbClr val="1E1F22"/>
+                </a:highlight>
+              </a:rPr>
+              <a:t>The exploration of the market was designed as a simulation to be run over various time intervals for interconnected brokers that can influence one another and preferred risk levels. This included creating 100 brokers each with a preferred risk level and a number of friends sampled from a power law distribution. The friends also provided their assessment of risk for a given stock which was considered by the broker in their personal assessment. Data for every day in the interval was fed into the simulation, allowing brokers, in a random order, to buy or sell stocks to maintain their preferred level of risk. For interpretation of results, the brokers' indices correspond to the level of preferred risk. Running the simulation over 2003-2012 allows examining the results of strategies both in normal operating and in a drastic events such as the 2007-2008 financial crisis.</a:t>
+            </a:r>
+            <a:br>
+              <a:rPr lang="en-US" dirty="0">
+                <a:solidFill>
+                  <a:srgbClr val="BCBEC4"/>
+                </a:solidFill>
+                <a:effectLst/>
+                <a:highlight>
+                  <a:srgbClr val="1E1F22"/>
+                </a:highlight>
+              </a:rPr>
+            </a:br>
+            <a:endParaRPr lang="en-US" dirty="0">
+              <a:solidFill>
+                <a:srgbClr val="BCBEC4"/>
+              </a:solidFill>
+              <a:effectLst/>
+              <a:highlight>
+                <a:srgbClr val="1E1F22"/>
+              </a:highlight>
+            </a:endParaRPr>
+          </a:p>
+          <a:p>
+            <a:pPr marL="0" marR="0" lvl="0" indent="0" algn="l" defTabSz="914400" rtl="0" eaLnBrk="1" fontAlgn="auto" latinLnBrk="0" hangingPunct="1">
+              <a:lnSpc>
+                <a:spcPct val="100000"/>
+              </a:lnSpc>
+              <a:spcBef>
+                <a:spcPts val="0"/>
+              </a:spcBef>
+              <a:spcAft>
+                <a:spcPts val="0"/>
+              </a:spcAft>
+              <a:buClrTx/>
+              <a:buSzTx/>
+              <a:buFontTx/>
+              <a:buNone/>
+              <a:tabLst/>
+              <a:defRPr/>
+            </a:pPr>
             <a:endParaRPr lang="en-US" dirty="0"/>
-          </a:p>
-          <a:p>
-            <a:r>
-              <a:rPr lang="en-US" dirty="0"/>
-              <a:t>A further example on left of the broker wealth with a low risk strategy, very little change in portfolio value over the first few years</a:t>
-            </a:r>
-          </a:p>
-          <a:p>
-            <a:r>
-              <a:rPr lang="en-US" dirty="0"/>
-              <a:t>This model at least has some validity as it has the spike that happened after the financial crisis and showed how profits could be made by buying at the drop</a:t>
-            </a:r>
-          </a:p>
-          <a:p>
-            <a:endParaRPr lang="en-US" dirty="0"/>
-          </a:p>
-          <a:p>
-            <a:r>
-              <a:rPr lang="en-US" dirty="0"/>
-              <a:t>Note how the broker ids, which increase preference for risk as going to the right as briefly previously discussed, tend to have less unique stocks and less stocks in general at high risk. These end up with all their money on a few expensive stocks</a:t>
-            </a:r>
-          </a:p>
-          <a:p>
-            <a:r>
-              <a:rPr lang="en-US" dirty="0"/>
-              <a:t>Conservative strategies tend to own more stocks in more categories. This demonstrates the risk functionality</a:t>
-            </a:r>
           </a:p>
         </p:txBody>
       </p:sp>
@@ -668,7 +1852,7 @@
           <a:p>
             <a:fld id="{DEE414AA-92EB-4865-A5F7-560118F2768E}" type="slidenum">
               <a:rPr lang="en-US" smtClean="0"/>
-              <a:t>3</a:t>
+              <a:t>2</a:t>
             </a:fld>
             <a:endParaRPr lang="en-US"/>
           </a:p>
@@ -677,7 +1861,7 @@
     </p:spTree>
     <p:extLst>
       <p:ext uri="{BB962C8B-B14F-4D97-AF65-F5344CB8AC3E}">
-        <p14:creationId xmlns:p14="http://schemas.microsoft.com/office/powerpoint/2010/main" val="354684871"/>
+        <p14:creationId xmlns:p14="http://schemas.microsoft.com/office/powerpoint/2010/main" val="3199819334"/>
       </p:ext>
     </p:extLst>
   </p:cSld>
@@ -733,37 +1917,7 @@
           <a:p>
             <a:r>
               <a:rPr lang="en-US" dirty="0"/>
-              <a:t>Seeing impact of risk in play currently; y axis is dollars, x axis is dates.</a:t>
-            </a:r>
-          </a:p>
-          <a:p>
-            <a:endParaRPr lang="en-US" dirty="0"/>
-          </a:p>
-          <a:p>
-            <a:r>
-              <a:rPr lang="en-US" dirty="0"/>
-              <a:t>A further example on left of the broker wealth with a low risk strategy, very little change in portfolio value over the first few years</a:t>
-            </a:r>
-          </a:p>
-          <a:p>
-            <a:r>
-              <a:rPr lang="en-US" dirty="0"/>
-              <a:t>This model at least has some validity as it has the spike that happened after the financial crisis and showed how profits could be made by buying at the drop</a:t>
-            </a:r>
-          </a:p>
-          <a:p>
-            <a:endParaRPr lang="en-US" dirty="0"/>
-          </a:p>
-          <a:p>
-            <a:r>
-              <a:rPr lang="en-US" dirty="0"/>
-              <a:t>Note how the broker ids, which increase preference for risk as going to the right as briefly previously discussed, tend to have less unique stocks and less stocks in general at high risk. These end up with all their money on a few expensive stocks</a:t>
-            </a:r>
-          </a:p>
-          <a:p>
-            <a:r>
-              <a:rPr lang="en-US" dirty="0"/>
-              <a:t>Conservative strategies tend to own more stocks in more categories. This demonstrates the risk functionality</a:t>
+              <a:t>Add graph of brokers</a:t>
             </a:r>
           </a:p>
         </p:txBody>
@@ -785,7 +1939,7 @@
           <a:p>
             <a:fld id="{DEE414AA-92EB-4865-A5F7-560118F2768E}" type="slidenum">
               <a:rPr lang="en-US" smtClean="0"/>
-              <a:t>4</a:t>
+              <a:t>3</a:t>
             </a:fld>
             <a:endParaRPr lang="en-US"/>
           </a:p>
@@ -794,7 +1948,7 @@
     </p:spTree>
     <p:extLst>
       <p:ext uri="{BB962C8B-B14F-4D97-AF65-F5344CB8AC3E}">
-        <p14:creationId xmlns:p14="http://schemas.microsoft.com/office/powerpoint/2010/main" val="1643768344"/>
+        <p14:creationId xmlns:p14="http://schemas.microsoft.com/office/powerpoint/2010/main" val="354684871"/>
       </p:ext>
     </p:extLst>
   </p:cSld>
@@ -850,37 +2004,7 @@
           <a:p>
             <a:r>
               <a:rPr lang="en-US" dirty="0"/>
-              <a:t>Seeing impact of risk in play currently; y axis is dollars, x axis is dates.</a:t>
-            </a:r>
-          </a:p>
-          <a:p>
-            <a:endParaRPr lang="en-US" dirty="0"/>
-          </a:p>
-          <a:p>
-            <a:r>
-              <a:rPr lang="en-US" dirty="0"/>
-              <a:t>A further example on left of the broker wealth with a low risk strategy, very little change in portfolio value over the first few years</a:t>
-            </a:r>
-          </a:p>
-          <a:p>
-            <a:r>
-              <a:rPr lang="en-US" dirty="0"/>
-              <a:t>This model at least has some validity as it has the spike that happened after the financial crisis and showed how profits could be made by buying at the drop</a:t>
-            </a:r>
-          </a:p>
-          <a:p>
-            <a:endParaRPr lang="en-US" dirty="0"/>
-          </a:p>
-          <a:p>
-            <a:r>
-              <a:rPr lang="en-US" dirty="0"/>
-              <a:t>Note how the broker ids, which increase preference for risk as going to the right as briefly previously discussed, tend to have less unique stocks and less stocks in general at high risk. These end up with all their money on a few expensive stocks</a:t>
-            </a:r>
-          </a:p>
-          <a:p>
-            <a:r>
-              <a:rPr lang="en-US" dirty="0"/>
-              <a:t>Conservative strategies tend to own more stocks in more categories. This demonstrates the risk functionality</a:t>
+              <a:t>Add plots showing how high risk ends up with low liquidity, high dollar value of stocks, fewer stocks</a:t>
             </a:r>
           </a:p>
         </p:txBody>
@@ -902,7 +2026,7 @@
           <a:p>
             <a:fld id="{DEE414AA-92EB-4865-A5F7-560118F2768E}" type="slidenum">
               <a:rPr lang="en-US" smtClean="0"/>
-              <a:t>5</a:t>
+              <a:t>4</a:t>
             </a:fld>
             <a:endParaRPr lang="en-US"/>
           </a:p>
@@ -911,7 +2035,7 @@
     </p:spTree>
     <p:extLst>
       <p:ext uri="{BB962C8B-B14F-4D97-AF65-F5344CB8AC3E}">
-        <p14:creationId xmlns:p14="http://schemas.microsoft.com/office/powerpoint/2010/main" val="3391549696"/>
+        <p14:creationId xmlns:p14="http://schemas.microsoft.com/office/powerpoint/2010/main" val="1643768344"/>
       </p:ext>
     </p:extLst>
   </p:cSld>
@@ -965,40 +2089,91 @@
           <a:bodyPr/>
           <a:lstStyle/>
           <a:p>
-            <a:r>
-              <a:rPr lang="en-US" dirty="0"/>
-              <a:t>Seeing impact of risk in play currently; y axis is dollars, x axis is dates.</a:t>
-            </a:r>
-          </a:p>
-          <a:p>
             <a:endParaRPr lang="en-US" dirty="0"/>
           </a:p>
-          <a:p>
-            <a:r>
-              <a:rPr lang="en-US" dirty="0"/>
-              <a:t>A further example on left of the broker wealth with a low risk strategy, very little change in portfolio value over the first few years</a:t>
-            </a:r>
-          </a:p>
-          <a:p>
-            <a:r>
-              <a:rPr lang="en-US" dirty="0"/>
-              <a:t>This model at least has some validity as it has the spike that happened after the financial crisis and showed how profits could be made by buying at the drop</a:t>
-            </a:r>
-          </a:p>
+        </p:txBody>
+      </p:sp>
+      <p:sp>
+        <p:nvSpPr>
+          <p:cNvPr id="4" name="Slide Number Placeholder 3"/>
+          <p:cNvSpPr>
+            <a:spLocks noGrp="1"/>
+          </p:cNvSpPr>
+          <p:nvPr>
+            <p:ph type="sldNum" sz="quarter" idx="5"/>
+          </p:nvPr>
+        </p:nvSpPr>
+        <p:spPr/>
+        <p:txBody>
+          <a:bodyPr/>
+          <a:lstStyle/>
+          <a:p>
+            <a:fld id="{DEE414AA-92EB-4865-A5F7-560118F2768E}" type="slidenum">
+              <a:rPr lang="en-US" smtClean="0"/>
+              <a:t>5</a:t>
+            </a:fld>
+            <a:endParaRPr lang="en-US"/>
+          </a:p>
+        </p:txBody>
+      </p:sp>
+    </p:spTree>
+    <p:extLst>
+      <p:ext uri="{BB962C8B-B14F-4D97-AF65-F5344CB8AC3E}">
+        <p14:creationId xmlns:p14="http://schemas.microsoft.com/office/powerpoint/2010/main" val="244951530"/>
+      </p:ext>
+    </p:extLst>
+  </p:cSld>
+  <p:clrMapOvr>
+    <a:masterClrMapping/>
+  </p:clrMapOvr>
+</p:notes>
+</file>
+
+<file path=ppt/notesSlides/notesSlide6.xml><?xml version="1.0" encoding="utf-8"?>
+<p:notes xmlns:a="http://schemas.openxmlformats.org/drawingml/2006/main" xmlns:r="http://schemas.openxmlformats.org/officeDocument/2006/relationships" xmlns:p="http://schemas.openxmlformats.org/presentationml/2006/main">
+  <p:cSld>
+    <p:spTree>
+      <p:nvGrpSpPr>
+        <p:cNvPr id="1" name=""/>
+        <p:cNvGrpSpPr/>
+        <p:nvPr/>
+      </p:nvGrpSpPr>
+      <p:grpSpPr>
+        <a:xfrm>
+          <a:off x="0" y="0"/>
+          <a:ext cx="0" cy="0"/>
+          <a:chOff x="0" y="0"/>
+          <a:chExt cx="0" cy="0"/>
+        </a:xfrm>
+      </p:grpSpPr>
+      <p:sp>
+        <p:nvSpPr>
+          <p:cNvPr id="2" name="Slide Image Placeholder 1"/>
+          <p:cNvSpPr>
+            <a:spLocks noGrp="1" noRot="1" noChangeAspect="1"/>
+          </p:cNvSpPr>
+          <p:nvPr>
+            <p:ph type="sldImg"/>
+          </p:nvPr>
+        </p:nvSpPr>
+        <p:spPr/>
+      </p:sp>
+      <p:sp>
+        <p:nvSpPr>
+          <p:cNvPr id="3" name="Notes Placeholder 2"/>
+          <p:cNvSpPr>
+            <a:spLocks noGrp="1"/>
+          </p:cNvSpPr>
+          <p:nvPr>
+            <p:ph type="body" idx="1"/>
+          </p:nvPr>
+        </p:nvSpPr>
+        <p:spPr/>
+        <p:txBody>
+          <a:bodyPr/>
+          <a:lstStyle/>
           <a:p>
             <a:endParaRPr lang="en-US" dirty="0"/>
-          </a:p>
-          <a:p>
-            <a:r>
-              <a:rPr lang="en-US" dirty="0"/>
-              <a:t>Note how the broker ids, which increase preference for risk as going to the right as briefly previously discussed, tend to have less unique stocks and less stocks in general at high risk. These end up with all their money on a few expensive stocks</a:t>
-            </a:r>
-          </a:p>
-          <a:p>
-            <a:r>
-              <a:rPr lang="en-US" dirty="0"/>
-              <a:t>Conservative strategies tend to own more stocks in more categories. This demonstrates the risk functionality</a:t>
-            </a:r>
           </a:p>
         </p:txBody>
       </p:sp>
@@ -1028,7 +2203,557 @@
     </p:spTree>
     <p:extLst>
       <p:ext uri="{BB962C8B-B14F-4D97-AF65-F5344CB8AC3E}">
-        <p14:creationId xmlns:p14="http://schemas.microsoft.com/office/powerpoint/2010/main" val="244951530"/>
+        <p14:creationId xmlns:p14="http://schemas.microsoft.com/office/powerpoint/2010/main" val="2683265447"/>
+      </p:ext>
+    </p:extLst>
+  </p:cSld>
+  <p:clrMapOvr>
+    <a:masterClrMapping/>
+  </p:clrMapOvr>
+</p:notes>
+</file>
+
+<file path=ppt/notesSlides/notesSlide7.xml><?xml version="1.0" encoding="utf-8"?>
+<p:notes xmlns:a="http://schemas.openxmlformats.org/drawingml/2006/main" xmlns:r="http://schemas.openxmlformats.org/officeDocument/2006/relationships" xmlns:p="http://schemas.openxmlformats.org/presentationml/2006/main">
+  <p:cSld>
+    <p:spTree>
+      <p:nvGrpSpPr>
+        <p:cNvPr id="1" name=""/>
+        <p:cNvGrpSpPr/>
+        <p:nvPr/>
+      </p:nvGrpSpPr>
+      <p:grpSpPr>
+        <a:xfrm>
+          <a:off x="0" y="0"/>
+          <a:ext cx="0" cy="0"/>
+          <a:chOff x="0" y="0"/>
+          <a:chExt cx="0" cy="0"/>
+        </a:xfrm>
+      </p:grpSpPr>
+      <p:sp>
+        <p:nvSpPr>
+          <p:cNvPr id="2" name="Slide Image Placeholder 1"/>
+          <p:cNvSpPr>
+            <a:spLocks noGrp="1" noRot="1" noChangeAspect="1"/>
+          </p:cNvSpPr>
+          <p:nvPr>
+            <p:ph type="sldImg"/>
+          </p:nvPr>
+        </p:nvSpPr>
+        <p:spPr/>
+      </p:sp>
+      <p:sp>
+        <p:nvSpPr>
+          <p:cNvPr id="3" name="Notes Placeholder 2"/>
+          <p:cNvSpPr>
+            <a:spLocks noGrp="1"/>
+          </p:cNvSpPr>
+          <p:nvPr>
+            <p:ph type="body" idx="1"/>
+          </p:nvPr>
+        </p:nvSpPr>
+        <p:spPr/>
+        <p:txBody>
+          <a:bodyPr/>
+          <a:lstStyle/>
+          <a:p>
+            <a:endParaRPr lang="en-US" dirty="0"/>
+          </a:p>
+        </p:txBody>
+      </p:sp>
+      <p:sp>
+        <p:nvSpPr>
+          <p:cNvPr id="4" name="Slide Number Placeholder 3"/>
+          <p:cNvSpPr>
+            <a:spLocks noGrp="1"/>
+          </p:cNvSpPr>
+          <p:nvPr>
+            <p:ph type="sldNum" sz="quarter" idx="5"/>
+          </p:nvPr>
+        </p:nvSpPr>
+        <p:spPr/>
+        <p:txBody>
+          <a:bodyPr/>
+          <a:lstStyle/>
+          <a:p>
+            <a:fld id="{DEE414AA-92EB-4865-A5F7-560118F2768E}" type="slidenum">
+              <a:rPr lang="en-US" smtClean="0"/>
+              <a:t>7</a:t>
+            </a:fld>
+            <a:endParaRPr lang="en-US"/>
+          </a:p>
+        </p:txBody>
+      </p:sp>
+    </p:spTree>
+    <p:extLst>
+      <p:ext uri="{BB962C8B-B14F-4D97-AF65-F5344CB8AC3E}">
+        <p14:creationId xmlns:p14="http://schemas.microsoft.com/office/powerpoint/2010/main" val="3939197585"/>
+      </p:ext>
+    </p:extLst>
+  </p:cSld>
+  <p:clrMapOvr>
+    <a:masterClrMapping/>
+  </p:clrMapOvr>
+</p:notes>
+</file>
+
+<file path=ppt/notesSlides/notesSlide8.xml><?xml version="1.0" encoding="utf-8"?>
+<p:notes xmlns:a="http://schemas.openxmlformats.org/drawingml/2006/main" xmlns:r="http://schemas.openxmlformats.org/officeDocument/2006/relationships" xmlns:p="http://schemas.openxmlformats.org/presentationml/2006/main">
+  <p:cSld>
+    <p:spTree>
+      <p:nvGrpSpPr>
+        <p:cNvPr id="1" name=""/>
+        <p:cNvGrpSpPr/>
+        <p:nvPr/>
+      </p:nvGrpSpPr>
+      <p:grpSpPr>
+        <a:xfrm>
+          <a:off x="0" y="0"/>
+          <a:ext cx="0" cy="0"/>
+          <a:chOff x="0" y="0"/>
+          <a:chExt cx="0" cy="0"/>
+        </a:xfrm>
+      </p:grpSpPr>
+      <p:sp>
+        <p:nvSpPr>
+          <p:cNvPr id="2" name="Slide Image Placeholder 1"/>
+          <p:cNvSpPr>
+            <a:spLocks noGrp="1" noRot="1" noChangeAspect="1"/>
+          </p:cNvSpPr>
+          <p:nvPr>
+            <p:ph type="sldImg"/>
+          </p:nvPr>
+        </p:nvSpPr>
+        <p:spPr/>
+      </p:sp>
+      <p:sp>
+        <p:nvSpPr>
+          <p:cNvPr id="3" name="Notes Placeholder 2"/>
+          <p:cNvSpPr>
+            <a:spLocks noGrp="1"/>
+          </p:cNvSpPr>
+          <p:nvPr>
+            <p:ph type="body" idx="1"/>
+          </p:nvPr>
+        </p:nvSpPr>
+        <p:spPr/>
+        <p:txBody>
+          <a:bodyPr/>
+          <a:lstStyle/>
+          <a:p>
+            <a:endParaRPr lang="en-US" dirty="0"/>
+          </a:p>
+        </p:txBody>
+      </p:sp>
+      <p:sp>
+        <p:nvSpPr>
+          <p:cNvPr id="4" name="Slide Number Placeholder 3"/>
+          <p:cNvSpPr>
+            <a:spLocks noGrp="1"/>
+          </p:cNvSpPr>
+          <p:nvPr>
+            <p:ph type="sldNum" sz="quarter" idx="5"/>
+          </p:nvPr>
+        </p:nvSpPr>
+        <p:spPr/>
+        <p:txBody>
+          <a:bodyPr/>
+          <a:lstStyle/>
+          <a:p>
+            <a:fld id="{DEE414AA-92EB-4865-A5F7-560118F2768E}" type="slidenum">
+              <a:rPr lang="en-US" smtClean="0"/>
+              <a:t>8</a:t>
+            </a:fld>
+            <a:endParaRPr lang="en-US"/>
+          </a:p>
+        </p:txBody>
+      </p:sp>
+    </p:spTree>
+    <p:extLst>
+      <p:ext uri="{BB962C8B-B14F-4D97-AF65-F5344CB8AC3E}">
+        <p14:creationId xmlns:p14="http://schemas.microsoft.com/office/powerpoint/2010/main" val="67413674"/>
+      </p:ext>
+    </p:extLst>
+  </p:cSld>
+  <p:clrMapOvr>
+    <a:masterClrMapping/>
+  </p:clrMapOvr>
+</p:notes>
+</file>
+
+<file path=ppt/notesSlides/notesSlide9.xml><?xml version="1.0" encoding="utf-8"?>
+<p:notes xmlns:a="http://schemas.openxmlformats.org/drawingml/2006/main" xmlns:r="http://schemas.openxmlformats.org/officeDocument/2006/relationships" xmlns:p="http://schemas.openxmlformats.org/presentationml/2006/main">
+  <p:cSld>
+    <p:spTree>
+      <p:nvGrpSpPr>
+        <p:cNvPr id="1" name=""/>
+        <p:cNvGrpSpPr/>
+        <p:nvPr/>
+      </p:nvGrpSpPr>
+      <p:grpSpPr>
+        <a:xfrm>
+          <a:off x="0" y="0"/>
+          <a:ext cx="0" cy="0"/>
+          <a:chOff x="0" y="0"/>
+          <a:chExt cx="0" cy="0"/>
+        </a:xfrm>
+      </p:grpSpPr>
+      <p:sp>
+        <p:nvSpPr>
+          <p:cNvPr id="2" name="Slide Image Placeholder 1"/>
+          <p:cNvSpPr>
+            <a:spLocks noGrp="1" noRot="1" noChangeAspect="1"/>
+          </p:cNvSpPr>
+          <p:nvPr>
+            <p:ph type="sldImg"/>
+          </p:nvPr>
+        </p:nvSpPr>
+        <p:spPr/>
+      </p:sp>
+      <p:sp>
+        <p:nvSpPr>
+          <p:cNvPr id="3" name="Notes Placeholder 2"/>
+          <p:cNvSpPr>
+            <a:spLocks noGrp="1"/>
+          </p:cNvSpPr>
+          <p:nvPr>
+            <p:ph type="body" idx="1"/>
+          </p:nvPr>
+        </p:nvSpPr>
+        <p:spPr/>
+        <p:txBody>
+          <a:bodyPr/>
+          <a:lstStyle/>
+          <a:p>
+            <a:pPr marL="0" marR="0" lvl="0" indent="0" algn="l" defTabSz="914400" rtl="0" eaLnBrk="1" fontAlgn="auto" latinLnBrk="0" hangingPunct="1">
+              <a:lnSpc>
+                <a:spcPct val="100000"/>
+              </a:lnSpc>
+              <a:spcBef>
+                <a:spcPts val="0"/>
+              </a:spcBef>
+              <a:spcAft>
+                <a:spcPts val="0"/>
+              </a:spcAft>
+              <a:buClrTx/>
+              <a:buSzTx/>
+              <a:buFontTx/>
+              <a:buNone/>
+              <a:tabLst/>
+              <a:defRPr/>
+            </a:pPr>
+            <a:r>
+              <a:rPr lang="en-US" dirty="0">
+                <a:solidFill>
+                  <a:srgbClr val="BCBEC4"/>
+                </a:solidFill>
+                <a:effectLst/>
+                <a:highlight>
+                  <a:srgbClr val="1E1F22"/>
+                </a:highlight>
+              </a:rPr>
+              <a:t>\section{Conclusion}\</a:t>
+            </a:r>
+            <a:r>
+              <a:rPr lang="en-US" dirty="0">
+                <a:solidFill>
+                  <a:srgbClr val="CF8E6D"/>
+                </a:solidFill>
+                <a:effectLst/>
+                <a:highlight>
+                  <a:srgbClr val="1E1F22"/>
+                </a:highlight>
+              </a:rPr>
+              <a:t>label</a:t>
+            </a:r>
+            <a:r>
+              <a:rPr lang="en-US" dirty="0">
+                <a:solidFill>
+                  <a:srgbClr val="BCBEC4"/>
+                </a:solidFill>
+                <a:effectLst/>
+                <a:highlight>
+                  <a:srgbClr val="1E1F22"/>
+                </a:highlight>
+              </a:rPr>
+              <a:t>{</a:t>
+            </a:r>
+            <a:r>
+              <a:rPr lang="en-US" dirty="0" err="1">
+                <a:solidFill>
+                  <a:srgbClr val="BCBEC4"/>
+                </a:solidFill>
+                <a:effectLst/>
+                <a:highlight>
+                  <a:srgbClr val="1E1F22"/>
+                </a:highlight>
+              </a:rPr>
+              <a:t>sec:conclusion</a:t>
+            </a:r>
+            <a:r>
+              <a:rPr lang="en-US" dirty="0">
+                <a:solidFill>
+                  <a:srgbClr val="BCBEC4"/>
+                </a:solidFill>
+                <a:effectLst/>
+                <a:highlight>
+                  <a:srgbClr val="1E1F22"/>
+                </a:highlight>
+              </a:rPr>
+              <a:t>}</a:t>
+            </a:r>
+            <a:br>
+              <a:rPr lang="en-US" dirty="0">
+                <a:solidFill>
+                  <a:srgbClr val="BCBEC4"/>
+                </a:solidFill>
+                <a:effectLst/>
+                <a:highlight>
+                  <a:srgbClr val="1E1F22"/>
+                </a:highlight>
+              </a:rPr>
+            </a:br>
+            <a:r>
+              <a:rPr lang="en-US" dirty="0">
+                <a:solidFill>
+                  <a:srgbClr val="BCBEC4"/>
+                </a:solidFill>
+                <a:effectLst/>
+                <a:highlight>
+                  <a:srgbClr val="1E1F22"/>
+                </a:highlight>
+              </a:rPr>
+              <a:t>%</a:t>
+            </a:r>
+            <a:r>
+              <a:rPr lang="en-US" dirty="0">
+                <a:solidFill>
+                  <a:srgbClr val="7A7E85"/>
+                </a:solidFill>
+                <a:effectLst/>
+                <a:highlight>
+                  <a:srgbClr val="1E1F22"/>
+                </a:highlight>
+              </a:rPr>
+              <a:t> Conclusion: Summary of accomplishments, challenges and open issues</a:t>
+            </a:r>
+            <a:br>
+              <a:rPr lang="en-US" dirty="0">
+                <a:solidFill>
+                  <a:srgbClr val="7A7E85"/>
+                </a:solidFill>
+                <a:effectLst/>
+                <a:highlight>
+                  <a:srgbClr val="1E1F22"/>
+                </a:highlight>
+              </a:rPr>
+            </a:br>
+            <a:r>
+              <a:rPr lang="en-US" dirty="0">
+                <a:solidFill>
+                  <a:srgbClr val="BCBEC4"/>
+                </a:solidFill>
+                <a:effectLst/>
+                <a:highlight>
+                  <a:srgbClr val="1E1F22"/>
+                </a:highlight>
+              </a:rPr>
+              <a:t>This project explored the value of different risk strategies in a simulated market of networked brokers with power law assumptions for risk and </a:t>
+            </a:r>
+            <a:r>
+              <a:rPr lang="en-US" dirty="0" err="1">
+                <a:solidFill>
+                  <a:srgbClr val="BCBEC4"/>
+                </a:solidFill>
+                <a:effectLst/>
+                <a:highlight>
+                  <a:srgbClr val="1E1F22"/>
+                </a:highlight>
+              </a:rPr>
+              <a:t>connectivities</a:t>
+            </a:r>
+            <a:r>
+              <a:rPr lang="en-US" dirty="0">
+                <a:solidFill>
+                  <a:srgbClr val="BCBEC4"/>
+                </a:solidFill>
+                <a:effectLst/>
+                <a:highlight>
+                  <a:srgbClr val="1E1F22"/>
+                </a:highlight>
+              </a:rPr>
+              <a:t> between brokers. It demonstrated the value of taking some input from neighbors' assessments on risk to filter which stocks are actually performing well and showed ... %</a:t>
+            </a:r>
+            <a:r>
+              <a:rPr lang="en-US" dirty="0">
+                <a:solidFill>
+                  <a:srgbClr val="7A7E85"/>
+                </a:solidFill>
+                <a:effectLst/>
+                <a:highlight>
+                  <a:srgbClr val="1E1F22"/>
+                </a:highlight>
+              </a:rPr>
+              <a:t> highlight benefits of risk</a:t>
+            </a:r>
+            <a:br>
+              <a:rPr lang="en-US" dirty="0">
+                <a:solidFill>
+                  <a:srgbClr val="7A7E85"/>
+                </a:solidFill>
+                <a:effectLst/>
+                <a:highlight>
+                  <a:srgbClr val="1E1F22"/>
+                </a:highlight>
+              </a:rPr>
+            </a:br>
+            <a:br>
+              <a:rPr lang="en-US" dirty="0">
+                <a:solidFill>
+                  <a:srgbClr val="7A7E85"/>
+                </a:solidFill>
+                <a:effectLst/>
+                <a:highlight>
+                  <a:srgbClr val="1E1F22"/>
+                </a:highlight>
+              </a:rPr>
+            </a:br>
+            <a:r>
+              <a:rPr lang="en-US" dirty="0">
+                <a:solidFill>
+                  <a:srgbClr val="BCBEC4"/>
+                </a:solidFill>
+                <a:effectLst/>
+                <a:highlight>
+                  <a:srgbClr val="1E1F22"/>
+                </a:highlight>
+              </a:rPr>
+              <a:t>\subsection{Future Work}\</a:t>
+            </a:r>
+            <a:r>
+              <a:rPr lang="en-US" dirty="0">
+                <a:solidFill>
+                  <a:srgbClr val="CF8E6D"/>
+                </a:solidFill>
+                <a:effectLst/>
+                <a:highlight>
+                  <a:srgbClr val="1E1F22"/>
+                </a:highlight>
+              </a:rPr>
+              <a:t>label</a:t>
+            </a:r>
+            <a:r>
+              <a:rPr lang="en-US" dirty="0">
+                <a:solidFill>
+                  <a:srgbClr val="BCBEC4"/>
+                </a:solidFill>
+                <a:effectLst/>
+                <a:highlight>
+                  <a:srgbClr val="1E1F22"/>
+                </a:highlight>
+              </a:rPr>
+              <a:t>{</a:t>
+            </a:r>
+            <a:r>
+              <a:rPr lang="en-US" dirty="0" err="1">
+                <a:solidFill>
+                  <a:srgbClr val="BCBEC4"/>
+                </a:solidFill>
+                <a:effectLst/>
+                <a:highlight>
+                  <a:srgbClr val="1E1F22"/>
+                </a:highlight>
+              </a:rPr>
+              <a:t>subsec:futurework</a:t>
+            </a:r>
+            <a:r>
+              <a:rPr lang="en-US" dirty="0">
+                <a:solidFill>
+                  <a:srgbClr val="BCBEC4"/>
+                </a:solidFill>
+                <a:effectLst/>
+                <a:highlight>
+                  <a:srgbClr val="1E1F22"/>
+                </a:highlight>
+              </a:rPr>
+              <a:t>}</a:t>
+            </a:r>
+            <a:br>
+              <a:rPr lang="en-US" dirty="0">
+                <a:solidFill>
+                  <a:srgbClr val="BCBEC4"/>
+                </a:solidFill>
+                <a:effectLst/>
+                <a:highlight>
+                  <a:srgbClr val="1E1F22"/>
+                </a:highlight>
+              </a:rPr>
+            </a:br>
+            <a:r>
+              <a:rPr lang="en-US" dirty="0">
+                <a:solidFill>
+                  <a:srgbClr val="BCBEC4"/>
+                </a:solidFill>
+                <a:effectLst/>
+                <a:highlight>
+                  <a:srgbClr val="1E1F22"/>
+                </a:highlight>
+              </a:rPr>
+              <a:t>Given the scope of time for the project, only limited aspects of market strategies could be explored. One open area in which limited advances were made was exploring the impact of the influence of neighbors' assessment of risk on the success of a strategy. Because all neighbors used the same information and formula, except for the accounting of their personal status, the impact of influence could be expanded. Further, the risk assessment would be modified to vary more between brokers based on partial information and stocks without full information available to better represent the real world and better account for the interconnections between stocks. </a:t>
+            </a:r>
+            <a:br>
+              <a:rPr lang="en-US" dirty="0">
+                <a:solidFill>
+                  <a:srgbClr val="BCBEC4"/>
+                </a:solidFill>
+                <a:effectLst/>
+                <a:highlight>
+                  <a:srgbClr val="1E1F22"/>
+                </a:highlight>
+              </a:rPr>
+            </a:br>
+            <a:endParaRPr lang="en-US" dirty="0">
+              <a:solidFill>
+                <a:srgbClr val="BCBEC4"/>
+              </a:solidFill>
+              <a:effectLst/>
+              <a:highlight>
+                <a:srgbClr val="1E1F22"/>
+              </a:highlight>
+            </a:endParaRPr>
+          </a:p>
+          <a:p>
+            <a:endParaRPr lang="en-US" dirty="0"/>
+          </a:p>
+        </p:txBody>
+      </p:sp>
+      <p:sp>
+        <p:nvSpPr>
+          <p:cNvPr id="4" name="Slide Number Placeholder 3"/>
+          <p:cNvSpPr>
+            <a:spLocks noGrp="1"/>
+          </p:cNvSpPr>
+          <p:nvPr>
+            <p:ph type="sldNum" sz="quarter" idx="5"/>
+          </p:nvPr>
+        </p:nvSpPr>
+        <p:spPr/>
+        <p:txBody>
+          <a:bodyPr/>
+          <a:lstStyle/>
+          <a:p>
+            <a:fld id="{DEE414AA-92EB-4865-A5F7-560118F2768E}" type="slidenum">
+              <a:rPr lang="en-US" smtClean="0"/>
+              <a:t>9</a:t>
+            </a:fld>
+            <a:endParaRPr lang="en-US"/>
+          </a:p>
+        </p:txBody>
+      </p:sp>
+    </p:spTree>
+    <p:extLst>
+      <p:ext uri="{BB962C8B-B14F-4D97-AF65-F5344CB8AC3E}">
+        <p14:creationId xmlns:p14="http://schemas.microsoft.com/office/powerpoint/2010/main" val="1611523902"/>
       </p:ext>
     </p:extLst>
   </p:cSld>
@@ -4267,7 +5992,7 @@
           <p:nvPr/>
         </p:nvPicPr>
         <p:blipFill>
-          <a:blip r:embed="rId2"/>
+          <a:blip r:embed="rId3"/>
           <a:stretch>
             <a:fillRect/>
           </a:stretch>
@@ -4298,7 +6023,12 @@
             <p:ph type="ctrTitle"/>
           </p:nvPr>
         </p:nvSpPr>
-        <p:spPr/>
+        <p:spPr>
+          <a:xfrm>
+            <a:off x="1524000" y="2532128"/>
+            <a:ext cx="9144000" cy="2387600"/>
+          </a:xfrm>
+        </p:spPr>
         <p:txBody>
           <a:bodyPr>
             <a:normAutofit fontScale="90000"/>
@@ -4328,7 +6058,12 @@
             <p:ph type="subTitle" idx="1"/>
           </p:nvPr>
         </p:nvSpPr>
-        <p:spPr/>
+        <p:spPr>
+          <a:xfrm>
+            <a:off x="1524000" y="4889662"/>
+            <a:ext cx="9144000" cy="979293"/>
+          </a:xfrm>
+        </p:spPr>
         <p:txBody>
           <a:bodyPr/>
           <a:lstStyle/>
@@ -4344,6 +6079,503 @@
     <p:extLst>
       <p:ext uri="{BB962C8B-B14F-4D97-AF65-F5344CB8AC3E}">
         <p14:creationId xmlns:p14="http://schemas.microsoft.com/office/powerpoint/2010/main" val="1895477399"/>
+      </p:ext>
+    </p:extLst>
+  </p:cSld>
+  <p:clrMapOvr>
+    <a:masterClrMapping/>
+  </p:clrMapOvr>
+</p:sld>
+</file>
+
+<file path=ppt/slides/slide10.xml><?xml version="1.0" encoding="utf-8"?>
+<p:sld xmlns:a="http://schemas.openxmlformats.org/drawingml/2006/main" xmlns:r="http://schemas.openxmlformats.org/officeDocument/2006/relationships" xmlns:p="http://schemas.openxmlformats.org/presentationml/2006/main">
+  <p:cSld>
+    <p:spTree>
+      <p:nvGrpSpPr>
+        <p:cNvPr id="1" name=""/>
+        <p:cNvGrpSpPr/>
+        <p:nvPr/>
+      </p:nvGrpSpPr>
+      <p:grpSpPr>
+        <a:xfrm>
+          <a:off x="0" y="0"/>
+          <a:ext cx="0" cy="0"/>
+          <a:chOff x="0" y="0"/>
+          <a:chExt cx="0" cy="0"/>
+        </a:xfrm>
+      </p:grpSpPr>
+      <p:pic>
+        <p:nvPicPr>
+          <p:cNvPr id="7" name="Picture 6">
+            <a:extLst>
+              <a:ext uri="{FF2B5EF4-FFF2-40B4-BE49-F238E27FC236}">
+                <a16:creationId xmlns:a16="http://schemas.microsoft.com/office/drawing/2014/main" id="{30CC9A47-2D13-1543-A7C8-F8088C1A337E}"/>
+              </a:ext>
+            </a:extLst>
+          </p:cNvPr>
+          <p:cNvPicPr>
+            <a:picLocks noChangeAspect="1"/>
+          </p:cNvPicPr>
+          <p:nvPr/>
+        </p:nvPicPr>
+        <p:blipFill>
+          <a:blip r:embed="rId3"/>
+          <a:stretch>
+            <a:fillRect/>
+          </a:stretch>
+        </p:blipFill>
+        <p:spPr>
+          <a:xfrm>
+            <a:off x="0" y="0"/>
+            <a:ext cx="12192000" cy="6858000"/>
+          </a:xfrm>
+          <a:prstGeom prst="rect">
+            <a:avLst/>
+          </a:prstGeom>
+        </p:spPr>
+      </p:pic>
+      <p:sp>
+        <p:nvSpPr>
+          <p:cNvPr id="8" name="Title 7">
+            <a:extLst>
+              <a:ext uri="{FF2B5EF4-FFF2-40B4-BE49-F238E27FC236}">
+                <a16:creationId xmlns:a16="http://schemas.microsoft.com/office/drawing/2014/main" id="{A9A7AB69-D1A4-194D-B544-292C74F04FCD}"/>
+              </a:ext>
+            </a:extLst>
+          </p:cNvPr>
+          <p:cNvSpPr>
+            <a:spLocks noGrp="1"/>
+          </p:cNvSpPr>
+          <p:nvPr>
+            <p:ph type="title"/>
+          </p:nvPr>
+        </p:nvSpPr>
+        <p:spPr/>
+        <p:txBody>
+          <a:bodyPr/>
+          <a:lstStyle/>
+          <a:p>
+            <a:r>
+              <a:rPr lang="en-US" dirty="0"/>
+              <a:t>References</a:t>
+            </a:r>
+          </a:p>
+        </p:txBody>
+      </p:sp>
+      <p:sp>
+        <p:nvSpPr>
+          <p:cNvPr id="9" name="Content Placeholder 8">
+            <a:extLst>
+              <a:ext uri="{FF2B5EF4-FFF2-40B4-BE49-F238E27FC236}">
+                <a16:creationId xmlns:a16="http://schemas.microsoft.com/office/drawing/2014/main" id="{661EE144-0F6C-2649-B81A-1334F4AFFB37}"/>
+              </a:ext>
+            </a:extLst>
+          </p:cNvPr>
+          <p:cNvSpPr>
+            <a:spLocks noGrp="1"/>
+          </p:cNvSpPr>
+          <p:nvPr>
+            <p:ph idx="1"/>
+          </p:nvPr>
+        </p:nvSpPr>
+        <p:spPr/>
+        <p:txBody>
+          <a:bodyPr>
+            <a:normAutofit fontScale="32500" lnSpcReduction="20000"/>
+          </a:bodyPr>
+          <a:lstStyle/>
+          <a:p>
+            <a:pPr marL="0" indent="0">
+              <a:buNone/>
+            </a:pPr>
+            <a:r>
+              <a:rPr lang="en-US" dirty="0"/>
+              <a:t>X. </a:t>
+            </a:r>
+            <a:r>
+              <a:rPr lang="en-US" dirty="0" err="1"/>
+              <a:t>Gabaix</a:t>
+            </a:r>
+            <a:r>
+              <a:rPr lang="en-US" dirty="0"/>
+              <a:t>, “Power laws in economics: an introduction,” \</a:t>
+            </a:r>
+            <a:r>
+              <a:rPr lang="en-US" dirty="0" err="1"/>
+              <a:t>textit</a:t>
+            </a:r>
+            <a:r>
+              <a:rPr lang="en-US" dirty="0"/>
+              <a:t>{Journal of Economic Perspectives}, vol. 30, no. 1, pp. 185–206, Feb. 2016.</a:t>
+            </a:r>
+          </a:p>
+          <a:p>
+            <a:pPr marL="0" indent="0">
+              <a:buNone/>
+            </a:pPr>
+            <a:r>
+              <a:rPr lang="en-US" dirty="0"/>
+              <a:t>N. N. </a:t>
+            </a:r>
+            <a:r>
+              <a:rPr lang="en-US" dirty="0" err="1"/>
+              <a:t>Taleb</a:t>
+            </a:r>
+            <a:r>
+              <a:rPr lang="en-US" dirty="0"/>
+              <a:t>, Antifragile: Things that gain from disorder. Harlow, England: Penguin Books, 2013.</a:t>
+            </a:r>
+          </a:p>
+          <a:p>
+            <a:pPr marL="0" indent="0">
+              <a:buNone/>
+            </a:pPr>
+            <a:r>
+              <a:rPr lang="en-US" dirty="0"/>
+              <a:t>D. Easley and J. Kleinberg, Networks, crowds, and markets: Reasoning about a highly connected world. Cambridge, England: Cambridge University Press, 2012.</a:t>
+            </a:r>
+          </a:p>
+          <a:p>
+            <a:pPr marL="0" indent="0">
+              <a:buNone/>
+            </a:pPr>
+            <a:r>
+              <a:rPr lang="en-US" dirty="0"/>
+              <a:t>C. Hommes, “Behavioral and Experimental Macroeconomics and Policy Analysis: A Complex Systems Approach,” Journal of Economic Literature, vol. 59, no. 1, pp. 149–219, Mar. 2021, </a:t>
+            </a:r>
+            <a:r>
+              <a:rPr lang="en-US" dirty="0" err="1"/>
+              <a:t>doi</a:t>
+            </a:r>
+            <a:r>
+              <a:rPr lang="en-US" dirty="0"/>
+              <a:t>: 10.1257/jel.20191434.</a:t>
+            </a:r>
+          </a:p>
+          <a:p>
+            <a:pPr marL="0" indent="0">
+              <a:buNone/>
+            </a:pPr>
+            <a:r>
+              <a:rPr lang="en-US" dirty="0"/>
+              <a:t>C. K. </a:t>
+            </a:r>
+            <a:r>
+              <a:rPr lang="en-US" dirty="0" err="1"/>
+              <a:t>Tse</a:t>
+            </a:r>
+            <a:r>
+              <a:rPr lang="en-US" dirty="0"/>
+              <a:t>, J. Liu, and F. C. M. Lau, “A network perspective of the stock market,” Journal of Empirical Finance, vol. 17, no. 4, pp. 659–667, Sep. 2010, </a:t>
+            </a:r>
+            <a:r>
+              <a:rPr lang="en-US" dirty="0" err="1"/>
+              <a:t>doi</a:t>
+            </a:r>
+            <a:r>
+              <a:rPr lang="en-US" dirty="0"/>
+              <a:t>: 10.1016/j.jempfin.2010.04.008.</a:t>
+            </a:r>
+          </a:p>
+          <a:p>
+            <a:pPr marL="0" indent="0">
+              <a:buNone/>
+            </a:pPr>
+            <a:r>
+              <a:rPr lang="en-US" dirty="0"/>
+              <a:t>M. Kuhlmann, "Explaining financial markets in terms of complex systems," \</a:t>
+            </a:r>
+            <a:r>
+              <a:rPr lang="en-US" dirty="0" err="1"/>
+              <a:t>textit</a:t>
+            </a:r>
+            <a:r>
+              <a:rPr lang="en-US" dirty="0"/>
+              <a:t>{</a:t>
+            </a:r>
+            <a:r>
+              <a:rPr lang="en-US" dirty="0" err="1"/>
+              <a:t>Philosphy</a:t>
+            </a:r>
+            <a:r>
+              <a:rPr lang="en-US" dirty="0"/>
+              <a:t> of Science}, vol. 81, no. 5, pp. 1117-1130, Dec. 2014. %</a:t>
+            </a:r>
+            <a:r>
+              <a:rPr lang="en-US" dirty="0" err="1"/>
+              <a:t>doi</a:t>
+            </a:r>
+            <a:r>
+              <a:rPr lang="en-US" dirty="0"/>
+              <a:t>: 10.1086/677699.</a:t>
+            </a:r>
+          </a:p>
+          <a:p>
+            <a:pPr marL="0" indent="0">
+              <a:buNone/>
+            </a:pPr>
+            <a:r>
+              <a:rPr lang="en-US" dirty="0"/>
+              <a:t>M. Di Maggio, F. </a:t>
+            </a:r>
+            <a:r>
+              <a:rPr lang="en-US" dirty="0" err="1"/>
+              <a:t>Franzoni</a:t>
+            </a:r>
+            <a:r>
+              <a:rPr lang="en-US" dirty="0"/>
+              <a:t>, A. </a:t>
+            </a:r>
+            <a:r>
+              <a:rPr lang="en-US" dirty="0" err="1"/>
+              <a:t>Kermani</a:t>
+            </a:r>
+            <a:r>
+              <a:rPr lang="en-US" dirty="0"/>
+              <a:t>, and C. </a:t>
+            </a:r>
+            <a:r>
+              <a:rPr lang="en-US" dirty="0" err="1"/>
+              <a:t>Sommavilla</a:t>
+            </a:r>
+            <a:r>
+              <a:rPr lang="en-US" dirty="0"/>
+              <a:t>, "The relevance of broker networks for information diffusion in the stock market," \</a:t>
+            </a:r>
+            <a:r>
+              <a:rPr lang="en-US" dirty="0" err="1"/>
+              <a:t>textit</a:t>
+            </a:r>
+            <a:r>
+              <a:rPr lang="en-US" dirty="0"/>
+              <a:t>{Journal of Financial Economics}, vol. 134, no. 2, pp. 419-446, Nov. 2019. </a:t>
+            </a:r>
+          </a:p>
+          <a:p>
+            <a:pPr marL="0" indent="0">
+              <a:buNone/>
+            </a:pPr>
+            <a:r>
+              <a:rPr lang="en-US" dirty="0"/>
+              <a:t>P. Gai and S. Kapadia, "Contagion in financial networks," \</a:t>
+            </a:r>
+            <a:r>
+              <a:rPr lang="en-US" dirty="0" err="1"/>
+              <a:t>textit</a:t>
+            </a:r>
+            <a:r>
+              <a:rPr lang="en-US" dirty="0"/>
+              <a:t>{Proceedings of the Royal Society}, vol. 466, no. 2120, pp. 2401–2423, Aug. 2010.</a:t>
+            </a:r>
+          </a:p>
+          <a:p>
+            <a:pPr marL="0" indent="0">
+              <a:buNone/>
+            </a:pPr>
+            <a:r>
+              <a:rPr lang="en-US" dirty="0"/>
+              <a:t>C. K. </a:t>
+            </a:r>
+            <a:r>
+              <a:rPr lang="en-US" dirty="0" err="1"/>
+              <a:t>Tse</a:t>
+            </a:r>
+            <a:r>
+              <a:rPr lang="en-US" dirty="0"/>
+              <a:t>, J. Liu, and F. C. M. Lau, “A network perspective of the stock market,” \</a:t>
+            </a:r>
+            <a:r>
+              <a:rPr lang="en-US" dirty="0" err="1"/>
+              <a:t>textit</a:t>
+            </a:r>
+            <a:r>
+              <a:rPr lang="en-US" dirty="0"/>
+              <a:t>{Journal of Empirical Finance}, vol. 17, no. 4, pp. 659–667, Sep. 2010. % </a:t>
+            </a:r>
+            <a:r>
+              <a:rPr lang="en-US" dirty="0" err="1"/>
+              <a:t>doi</a:t>
+            </a:r>
+            <a:r>
+              <a:rPr lang="en-US" dirty="0"/>
+              <a:t>: 10.1016/j.jempfin.2010.04.008.</a:t>
+            </a:r>
+          </a:p>
+          <a:p>
+            <a:pPr marL="0" indent="0">
+              <a:buNone/>
+            </a:pPr>
+            <a:r>
+              <a:rPr lang="en-US" dirty="0"/>
+              <a:t>G. Li, A. Zhang, Q. Zhang, D. Wu, and C. Zhan, “Pearson correlation coefficient-based performance enhancement of broad learning system for stock price prediction,” \</a:t>
+            </a:r>
+            <a:r>
+              <a:rPr lang="en-US" dirty="0" err="1"/>
+              <a:t>textit</a:t>
+            </a:r>
+            <a:r>
+              <a:rPr lang="en-US" dirty="0"/>
+              <a:t>{IEEE Transactions on Circuits and Systems II: Express Briefs}, vol. 69, no. 5, pp. 2413–2417, May 2022. </a:t>
+            </a:r>
+          </a:p>
+          <a:p>
+            <a:pPr marL="0" indent="0">
+              <a:buNone/>
+            </a:pPr>
+            <a:r>
+              <a:rPr lang="en-US" dirty="0"/>
+              <a:t>P. </a:t>
+            </a:r>
+            <a:r>
+              <a:rPr lang="en-US" dirty="0" err="1"/>
+              <a:t>Fiedor</a:t>
+            </a:r>
+            <a:r>
+              <a:rPr lang="en-US" dirty="0"/>
+              <a:t>, “Networks in financial markets based on the mutual information rate,” \</a:t>
+            </a:r>
+            <a:r>
+              <a:rPr lang="en-US" dirty="0" err="1"/>
+              <a:t>textit</a:t>
+            </a:r>
+            <a:r>
+              <a:rPr lang="en-US" dirty="0"/>
+              <a:t>{Physical Review E}, vol. 89, no. 5, May 2014. % </a:t>
+            </a:r>
+            <a:r>
+              <a:rPr lang="en-US" dirty="0" err="1"/>
+              <a:t>doi</a:t>
+            </a:r>
+            <a:r>
+              <a:rPr lang="en-US" dirty="0"/>
+              <a:t>: 10.1103/PhysRevE.89.052801.</a:t>
+            </a:r>
+          </a:p>
+          <a:p>
+            <a:pPr marL="0" indent="0">
+              <a:buNone/>
+            </a:pPr>
+            <a:r>
+              <a:rPr lang="en-US" dirty="0"/>
+              <a:t>I. Cooper and R. Priestley. "Real investment and risk dynamics," \</a:t>
+            </a:r>
+            <a:r>
+              <a:rPr lang="en-US" dirty="0" err="1"/>
+              <a:t>textit</a:t>
+            </a:r>
+            <a:r>
+              <a:rPr lang="en-US" dirty="0"/>
+              <a:t>{Journal of Financial Economics}, vol. 101, no. 1, pp. 182-205, July 2011.</a:t>
+            </a:r>
+          </a:p>
+          <a:p>
+            <a:pPr marL="0" indent="0">
+              <a:buNone/>
+            </a:pPr>
+            <a:r>
+              <a:rPr lang="en-US" dirty="0"/>
+              <a:t>K. J. Lansing and S. F. LeRoy, “Risk aversion, investor information and stock market volatility,” \</a:t>
+            </a:r>
+            <a:r>
+              <a:rPr lang="en-US" dirty="0" err="1"/>
+              <a:t>textit</a:t>
+            </a:r>
+            <a:r>
+              <a:rPr lang="en-US" dirty="0"/>
+              <a:t>{European Economic Review}, vol. 70, pp. 88-107, July 2014. </a:t>
+            </a:r>
+          </a:p>
+          <a:p>
+            <a:pPr marL="0" indent="0">
+              <a:buNone/>
+            </a:pPr>
+            <a:r>
+              <a:rPr lang="en-US" dirty="0"/>
+              <a:t>J. E. </a:t>
+            </a:r>
+            <a:r>
+              <a:rPr lang="en-US" dirty="0" err="1"/>
+              <a:t>Corter</a:t>
+            </a:r>
+            <a:r>
+              <a:rPr lang="en-US" dirty="0"/>
+              <a:t> and Y. J. Chen, “Do investment risk tolerance attitudes predict portfolio risk?,” \</a:t>
+            </a:r>
+            <a:r>
+              <a:rPr lang="en-US" dirty="0" err="1"/>
+              <a:t>textit</a:t>
+            </a:r>
+            <a:r>
+              <a:rPr lang="en-US" dirty="0"/>
+              <a:t>{Journal of Business and Psychology}, vol. 20, no. 3, pp. 369-381, 2006.</a:t>
+            </a:r>
+          </a:p>
+          <a:p>
+            <a:pPr marL="0" indent="0">
+              <a:buNone/>
+            </a:pPr>
+            <a:r>
+              <a:rPr lang="en-US" dirty="0"/>
+              <a:t>D. Harmon, B. Stacey, Y. Bar-Yam, and Y. Bar-Yam, "Networks of economic market interdependence and systemic risk," New England Complex Systems Institute, Cambridge, MA, Tech. Report 1011.3707, Mar. 2009.</a:t>
+            </a:r>
+          </a:p>
+          <a:p>
+            <a:pPr marL="0" indent="0">
+              <a:buNone/>
+            </a:pPr>
+            <a:r>
+              <a:rPr lang="en-US" dirty="0"/>
+              <a:t>Y. Y. </a:t>
+            </a:r>
+            <a:r>
+              <a:rPr lang="en-US" dirty="0" err="1"/>
+              <a:t>Baydilli</a:t>
+            </a:r>
+            <a:r>
+              <a:rPr lang="en-US" dirty="0"/>
+              <a:t>, S. </a:t>
+            </a:r>
+            <a:r>
+              <a:rPr lang="en-US" dirty="0" err="1"/>
+              <a:t>Bayir</a:t>
+            </a:r>
+            <a:r>
+              <a:rPr lang="en-US" dirty="0"/>
+              <a:t>, and I. </a:t>
+            </a:r>
+            <a:r>
+              <a:rPr lang="en-US" dirty="0" err="1"/>
+              <a:t>Tuker</a:t>
+            </a:r>
+            <a:r>
+              <a:rPr lang="en-US" dirty="0"/>
+              <a:t>, “A hierarchical view of a national stock market as a complex network,” \</a:t>
+            </a:r>
+            <a:r>
+              <a:rPr lang="en-US" dirty="0" err="1"/>
+              <a:t>textit</a:t>
+            </a:r>
+            <a:r>
+              <a:rPr lang="en-US" dirty="0"/>
+              <a:t>{Economic Computation \&amp; Economic Cybernetics Studies \&amp; Research}, vol. 51, no. 1, pp. 205–222, Jan. 2017.</a:t>
+            </a:r>
+          </a:p>
+          <a:p>
+            <a:pPr marL="0" indent="0">
+              <a:buNone/>
+            </a:pPr>
+            <a:r>
+              <a:rPr lang="en-US" dirty="0"/>
+              <a:t>		</a:t>
+            </a:r>
+          </a:p>
+        </p:txBody>
+      </p:sp>
+    </p:spTree>
+    <p:extLst>
+      <p:ext uri="{BB962C8B-B14F-4D97-AF65-F5344CB8AC3E}">
+        <p14:creationId xmlns:p14="http://schemas.microsoft.com/office/powerpoint/2010/main" val="3598801279"/>
       </p:ext>
     </p:extLst>
   </p:cSld>
@@ -4447,42 +6679,9 @@
         <p:spPr/>
         <p:txBody>
           <a:bodyPr>
-            <a:normAutofit fontScale="92500"/>
+            <a:normAutofit/>
           </a:bodyPr>
           <a:lstStyle/>
-          <a:p>
-            <a:r>
-              <a:rPr lang="en-US" dirty="0"/>
-              <a:t>Project objective of exploring the impact of different risk strategies on portfolio returns </a:t>
-            </a:r>
-          </a:p>
-          <a:p>
-            <a:r>
-              <a:rPr lang="en-US" dirty="0"/>
-              <a:t>Also exploring how differing levels of influence from neighbors affects returns in terms of number of neighbors </a:t>
-            </a:r>
-          </a:p>
-          <a:p>
-            <a:r>
-              <a:rPr lang="en-US" dirty="0"/>
-              <a:t>Currently running with 100 brokers connected as discussed with risk assigned with the option to update portfolio every step</a:t>
-            </a:r>
-          </a:p>
-          <a:p>
-            <a:endParaRPr lang="en-US" dirty="0"/>
-          </a:p>
-          <a:p>
-            <a:r>
-              <a:rPr lang="en-US" dirty="0"/>
-              <a:t>Current tests not definitively showing impact of influence amongst neighbors</a:t>
-            </a:r>
-          </a:p>
-          <a:p>
-            <a:r>
-              <a:rPr lang="en-US" dirty="0"/>
-              <a:t>Can see difference in fluctuations between risky and less risky strategies</a:t>
-            </a:r>
-          </a:p>
           <a:p>
             <a:endParaRPr lang="en-US" dirty="0"/>
           </a:p>
@@ -4569,7 +6768,10 @@
           <a:bodyPr/>
           <a:lstStyle/>
           <a:p>
-            <a:endParaRPr lang="en-US"/>
+            <a:r>
+              <a:rPr lang="en-US" dirty="0"/>
+              <a:t>Key Elements: Influence</a:t>
+            </a:r>
           </a:p>
         </p:txBody>
       </p:sp>
@@ -4679,7 +6881,10 @@
           <a:bodyPr/>
           <a:lstStyle/>
           <a:p>
-            <a:endParaRPr lang="en-US"/>
+            <a:r>
+              <a:rPr lang="en-US" dirty="0"/>
+              <a:t>Key Elements: Risk</a:t>
+            </a:r>
           </a:p>
         </p:txBody>
       </p:sp>
@@ -4789,7 +6994,10 @@
           <a:bodyPr/>
           <a:lstStyle/>
           <a:p>
-            <a:endParaRPr lang="en-US"/>
+            <a:r>
+              <a:rPr lang="en-US" dirty="0"/>
+              <a:t>Results: Risk</a:t>
+            </a:r>
           </a:p>
         </p:txBody>
       </p:sp>
@@ -4821,7 +7029,7 @@
     </p:spTree>
     <p:extLst>
       <p:ext uri="{BB962C8B-B14F-4D97-AF65-F5344CB8AC3E}">
-        <p14:creationId xmlns:p14="http://schemas.microsoft.com/office/powerpoint/2010/main" val="669353393"/>
+        <p14:creationId xmlns:p14="http://schemas.microsoft.com/office/powerpoint/2010/main" val="89127787"/>
       </p:ext>
     </p:extLst>
   </p:cSld>
@@ -4899,7 +7107,10 @@
           <a:bodyPr/>
           <a:lstStyle/>
           <a:p>
-            <a:endParaRPr lang="en-US"/>
+            <a:r>
+              <a:rPr lang="en-US" dirty="0"/>
+              <a:t>Results: Risk</a:t>
+            </a:r>
           </a:p>
         </p:txBody>
       </p:sp>
@@ -4931,7 +7142,436 @@
     </p:spTree>
     <p:extLst>
       <p:ext uri="{BB962C8B-B14F-4D97-AF65-F5344CB8AC3E}">
-        <p14:creationId xmlns:p14="http://schemas.microsoft.com/office/powerpoint/2010/main" val="89127787"/>
+        <p14:creationId xmlns:p14="http://schemas.microsoft.com/office/powerpoint/2010/main" val="1924241657"/>
+      </p:ext>
+    </p:extLst>
+  </p:cSld>
+  <p:clrMapOvr>
+    <a:masterClrMapping/>
+  </p:clrMapOvr>
+</p:sld>
+</file>
+
+<file path=ppt/slides/slide7.xml><?xml version="1.0" encoding="utf-8"?>
+<p:sld xmlns:a="http://schemas.openxmlformats.org/drawingml/2006/main" xmlns:r="http://schemas.openxmlformats.org/officeDocument/2006/relationships" xmlns:p="http://schemas.openxmlformats.org/presentationml/2006/main">
+  <p:cSld>
+    <p:spTree>
+      <p:nvGrpSpPr>
+        <p:cNvPr id="1" name=""/>
+        <p:cNvGrpSpPr/>
+        <p:nvPr/>
+      </p:nvGrpSpPr>
+      <p:grpSpPr>
+        <a:xfrm>
+          <a:off x="0" y="0"/>
+          <a:ext cx="0" cy="0"/>
+          <a:chOff x="0" y="0"/>
+          <a:chExt cx="0" cy="0"/>
+        </a:xfrm>
+      </p:grpSpPr>
+      <p:pic>
+        <p:nvPicPr>
+          <p:cNvPr id="7" name="Picture 6">
+            <a:extLst>
+              <a:ext uri="{FF2B5EF4-FFF2-40B4-BE49-F238E27FC236}">
+                <a16:creationId xmlns:a16="http://schemas.microsoft.com/office/drawing/2014/main" id="{30CC9A47-2D13-1543-A7C8-F8088C1A337E}"/>
+              </a:ext>
+            </a:extLst>
+          </p:cNvPr>
+          <p:cNvPicPr>
+            <a:picLocks noChangeAspect="1"/>
+          </p:cNvPicPr>
+          <p:nvPr/>
+        </p:nvPicPr>
+        <p:blipFill>
+          <a:blip r:embed="rId3"/>
+          <a:stretch>
+            <a:fillRect/>
+          </a:stretch>
+        </p:blipFill>
+        <p:spPr>
+          <a:xfrm>
+            <a:off x="0" y="0"/>
+            <a:ext cx="12192000" cy="6858000"/>
+          </a:xfrm>
+          <a:prstGeom prst="rect">
+            <a:avLst/>
+          </a:prstGeom>
+        </p:spPr>
+      </p:pic>
+      <p:sp>
+        <p:nvSpPr>
+          <p:cNvPr id="8" name="Title 7">
+            <a:extLst>
+              <a:ext uri="{FF2B5EF4-FFF2-40B4-BE49-F238E27FC236}">
+                <a16:creationId xmlns:a16="http://schemas.microsoft.com/office/drawing/2014/main" id="{A9A7AB69-D1A4-194D-B544-292C74F04FCD}"/>
+              </a:ext>
+            </a:extLst>
+          </p:cNvPr>
+          <p:cNvSpPr>
+            <a:spLocks noGrp="1"/>
+          </p:cNvSpPr>
+          <p:nvPr>
+            <p:ph type="title"/>
+          </p:nvPr>
+        </p:nvSpPr>
+        <p:spPr/>
+        <p:txBody>
+          <a:bodyPr/>
+          <a:lstStyle/>
+          <a:p>
+            <a:r>
+              <a:rPr lang="en-US" dirty="0"/>
+              <a:t>Results: Influence</a:t>
+            </a:r>
+          </a:p>
+        </p:txBody>
+      </p:sp>
+      <p:sp>
+        <p:nvSpPr>
+          <p:cNvPr id="9" name="Content Placeholder 8">
+            <a:extLst>
+              <a:ext uri="{FF2B5EF4-FFF2-40B4-BE49-F238E27FC236}">
+                <a16:creationId xmlns:a16="http://schemas.microsoft.com/office/drawing/2014/main" id="{661EE144-0F6C-2649-B81A-1334F4AFFB37}"/>
+              </a:ext>
+            </a:extLst>
+          </p:cNvPr>
+          <p:cNvSpPr>
+            <a:spLocks noGrp="1"/>
+          </p:cNvSpPr>
+          <p:nvPr>
+            <p:ph idx="1"/>
+          </p:nvPr>
+        </p:nvSpPr>
+        <p:spPr/>
+        <p:txBody>
+          <a:bodyPr/>
+          <a:lstStyle/>
+          <a:p>
+            <a:endParaRPr lang="en-US"/>
+          </a:p>
+        </p:txBody>
+      </p:sp>
+      <p:pic>
+        <p:nvPicPr>
+          <p:cNvPr id="3" name="Picture 2">
+            <a:extLst>
+              <a:ext uri="{FF2B5EF4-FFF2-40B4-BE49-F238E27FC236}">
+                <a16:creationId xmlns:a16="http://schemas.microsoft.com/office/drawing/2014/main" id="{14E52140-081F-3634-F676-965151CC3548}"/>
+              </a:ext>
+            </a:extLst>
+          </p:cNvPr>
+          <p:cNvPicPr>
+            <a:picLocks noChangeAspect="1"/>
+          </p:cNvPicPr>
+          <p:nvPr/>
+        </p:nvPicPr>
+        <p:blipFill>
+          <a:blip r:embed="rId4"/>
+          <a:stretch>
+            <a:fillRect/>
+          </a:stretch>
+        </p:blipFill>
+        <p:spPr>
+          <a:xfrm>
+            <a:off x="514739" y="2502101"/>
+            <a:ext cx="6476222" cy="3885733"/>
+          </a:xfrm>
+          <a:prstGeom prst="rect">
+            <a:avLst/>
+          </a:prstGeom>
+        </p:spPr>
+      </p:pic>
+      <p:pic>
+        <p:nvPicPr>
+          <p:cNvPr id="5" name="Picture 4">
+            <a:extLst>
+              <a:ext uri="{FF2B5EF4-FFF2-40B4-BE49-F238E27FC236}">
+                <a16:creationId xmlns:a16="http://schemas.microsoft.com/office/drawing/2014/main" id="{950BB36A-E30E-1126-2EC7-8B8B18F5A4D0}"/>
+              </a:ext>
+            </a:extLst>
+          </p:cNvPr>
+          <p:cNvPicPr>
+            <a:picLocks noChangeAspect="1"/>
+          </p:cNvPicPr>
+          <p:nvPr/>
+        </p:nvPicPr>
+        <p:blipFill>
+          <a:blip r:embed="rId5"/>
+          <a:stretch>
+            <a:fillRect/>
+          </a:stretch>
+        </p:blipFill>
+        <p:spPr>
+          <a:xfrm>
+            <a:off x="6667500" y="2862263"/>
+            <a:ext cx="5524500" cy="3314700"/>
+          </a:xfrm>
+          <a:prstGeom prst="rect">
+            <a:avLst/>
+          </a:prstGeom>
+        </p:spPr>
+      </p:pic>
+      <p:pic>
+        <p:nvPicPr>
+          <p:cNvPr id="10" name="Picture 9">
+            <a:extLst>
+              <a:ext uri="{FF2B5EF4-FFF2-40B4-BE49-F238E27FC236}">
+                <a16:creationId xmlns:a16="http://schemas.microsoft.com/office/drawing/2014/main" id="{FE5D7BF4-AA2E-6E7C-72FE-AB8D6DFC4AE2}"/>
+              </a:ext>
+            </a:extLst>
+          </p:cNvPr>
+          <p:cNvPicPr>
+            <a:picLocks noChangeAspect="1"/>
+          </p:cNvPicPr>
+          <p:nvPr/>
+        </p:nvPicPr>
+        <p:blipFill>
+          <a:blip r:embed="rId6"/>
+          <a:stretch>
+            <a:fillRect/>
+          </a:stretch>
+        </p:blipFill>
+        <p:spPr>
+          <a:xfrm>
+            <a:off x="5140390" y="0"/>
+            <a:ext cx="5896169" cy="3537701"/>
+          </a:xfrm>
+          <a:prstGeom prst="rect">
+            <a:avLst/>
+          </a:prstGeom>
+        </p:spPr>
+      </p:pic>
+    </p:spTree>
+    <p:extLst>
+      <p:ext uri="{BB962C8B-B14F-4D97-AF65-F5344CB8AC3E}">
+        <p14:creationId xmlns:p14="http://schemas.microsoft.com/office/powerpoint/2010/main" val="2255651184"/>
+      </p:ext>
+    </p:extLst>
+  </p:cSld>
+  <p:clrMapOvr>
+    <a:masterClrMapping/>
+  </p:clrMapOvr>
+</p:sld>
+</file>
+
+<file path=ppt/slides/slide8.xml><?xml version="1.0" encoding="utf-8"?>
+<p:sld xmlns:a="http://schemas.openxmlformats.org/drawingml/2006/main" xmlns:r="http://schemas.openxmlformats.org/officeDocument/2006/relationships" xmlns:p="http://schemas.openxmlformats.org/presentationml/2006/main">
+  <p:cSld>
+    <p:spTree>
+      <p:nvGrpSpPr>
+        <p:cNvPr id="1" name=""/>
+        <p:cNvGrpSpPr/>
+        <p:nvPr/>
+      </p:nvGrpSpPr>
+      <p:grpSpPr>
+        <a:xfrm>
+          <a:off x="0" y="0"/>
+          <a:ext cx="0" cy="0"/>
+          <a:chOff x="0" y="0"/>
+          <a:chExt cx="0" cy="0"/>
+        </a:xfrm>
+      </p:grpSpPr>
+      <p:pic>
+        <p:nvPicPr>
+          <p:cNvPr id="7" name="Picture 6">
+            <a:extLst>
+              <a:ext uri="{FF2B5EF4-FFF2-40B4-BE49-F238E27FC236}">
+                <a16:creationId xmlns:a16="http://schemas.microsoft.com/office/drawing/2014/main" id="{30CC9A47-2D13-1543-A7C8-F8088C1A337E}"/>
+              </a:ext>
+            </a:extLst>
+          </p:cNvPr>
+          <p:cNvPicPr>
+            <a:picLocks noChangeAspect="1"/>
+          </p:cNvPicPr>
+          <p:nvPr/>
+        </p:nvPicPr>
+        <p:blipFill>
+          <a:blip r:embed="rId3"/>
+          <a:stretch>
+            <a:fillRect/>
+          </a:stretch>
+        </p:blipFill>
+        <p:spPr>
+          <a:xfrm>
+            <a:off x="0" y="0"/>
+            <a:ext cx="12192000" cy="6858000"/>
+          </a:xfrm>
+          <a:prstGeom prst="rect">
+            <a:avLst/>
+          </a:prstGeom>
+        </p:spPr>
+      </p:pic>
+      <p:sp>
+        <p:nvSpPr>
+          <p:cNvPr id="8" name="Title 7">
+            <a:extLst>
+              <a:ext uri="{FF2B5EF4-FFF2-40B4-BE49-F238E27FC236}">
+                <a16:creationId xmlns:a16="http://schemas.microsoft.com/office/drawing/2014/main" id="{A9A7AB69-D1A4-194D-B544-292C74F04FCD}"/>
+              </a:ext>
+            </a:extLst>
+          </p:cNvPr>
+          <p:cNvSpPr>
+            <a:spLocks noGrp="1"/>
+          </p:cNvSpPr>
+          <p:nvPr>
+            <p:ph type="title"/>
+          </p:nvPr>
+        </p:nvSpPr>
+        <p:spPr/>
+        <p:txBody>
+          <a:bodyPr/>
+          <a:lstStyle/>
+          <a:p>
+            <a:r>
+              <a:rPr lang="en-US" dirty="0"/>
+              <a:t>Highlights of Results</a:t>
+            </a:r>
+          </a:p>
+        </p:txBody>
+      </p:sp>
+      <p:sp>
+        <p:nvSpPr>
+          <p:cNvPr id="9" name="Content Placeholder 8">
+            <a:extLst>
+              <a:ext uri="{FF2B5EF4-FFF2-40B4-BE49-F238E27FC236}">
+                <a16:creationId xmlns:a16="http://schemas.microsoft.com/office/drawing/2014/main" id="{661EE144-0F6C-2649-B81A-1334F4AFFB37}"/>
+              </a:ext>
+            </a:extLst>
+          </p:cNvPr>
+          <p:cNvSpPr>
+            <a:spLocks noGrp="1"/>
+          </p:cNvSpPr>
+          <p:nvPr>
+            <p:ph idx="1"/>
+          </p:nvPr>
+        </p:nvSpPr>
+        <p:spPr/>
+        <p:txBody>
+          <a:bodyPr/>
+          <a:lstStyle/>
+          <a:p>
+            <a:endParaRPr lang="en-US"/>
+          </a:p>
+        </p:txBody>
+      </p:sp>
+    </p:spTree>
+    <p:extLst>
+      <p:ext uri="{BB962C8B-B14F-4D97-AF65-F5344CB8AC3E}">
+        <p14:creationId xmlns:p14="http://schemas.microsoft.com/office/powerpoint/2010/main" val="712412950"/>
+      </p:ext>
+    </p:extLst>
+  </p:cSld>
+  <p:clrMapOvr>
+    <a:masterClrMapping/>
+  </p:clrMapOvr>
+</p:sld>
+</file>
+
+<file path=ppt/slides/slide9.xml><?xml version="1.0" encoding="utf-8"?>
+<p:sld xmlns:a="http://schemas.openxmlformats.org/drawingml/2006/main" xmlns:r="http://schemas.openxmlformats.org/officeDocument/2006/relationships" xmlns:p="http://schemas.openxmlformats.org/presentationml/2006/main">
+  <p:cSld>
+    <p:spTree>
+      <p:nvGrpSpPr>
+        <p:cNvPr id="1" name=""/>
+        <p:cNvGrpSpPr/>
+        <p:nvPr/>
+      </p:nvGrpSpPr>
+      <p:grpSpPr>
+        <a:xfrm>
+          <a:off x="0" y="0"/>
+          <a:ext cx="0" cy="0"/>
+          <a:chOff x="0" y="0"/>
+          <a:chExt cx="0" cy="0"/>
+        </a:xfrm>
+      </p:grpSpPr>
+      <p:pic>
+        <p:nvPicPr>
+          <p:cNvPr id="7" name="Picture 6">
+            <a:extLst>
+              <a:ext uri="{FF2B5EF4-FFF2-40B4-BE49-F238E27FC236}">
+                <a16:creationId xmlns:a16="http://schemas.microsoft.com/office/drawing/2014/main" id="{30CC9A47-2D13-1543-A7C8-F8088C1A337E}"/>
+              </a:ext>
+            </a:extLst>
+          </p:cNvPr>
+          <p:cNvPicPr>
+            <a:picLocks noChangeAspect="1"/>
+          </p:cNvPicPr>
+          <p:nvPr/>
+        </p:nvPicPr>
+        <p:blipFill>
+          <a:blip r:embed="rId3"/>
+          <a:stretch>
+            <a:fillRect/>
+          </a:stretch>
+        </p:blipFill>
+        <p:spPr>
+          <a:xfrm>
+            <a:off x="0" y="0"/>
+            <a:ext cx="12192000" cy="6858000"/>
+          </a:xfrm>
+          <a:prstGeom prst="rect">
+            <a:avLst/>
+          </a:prstGeom>
+        </p:spPr>
+      </p:pic>
+      <p:sp>
+        <p:nvSpPr>
+          <p:cNvPr id="8" name="Title 7">
+            <a:extLst>
+              <a:ext uri="{FF2B5EF4-FFF2-40B4-BE49-F238E27FC236}">
+                <a16:creationId xmlns:a16="http://schemas.microsoft.com/office/drawing/2014/main" id="{A9A7AB69-D1A4-194D-B544-292C74F04FCD}"/>
+              </a:ext>
+            </a:extLst>
+          </p:cNvPr>
+          <p:cNvSpPr>
+            <a:spLocks noGrp="1"/>
+          </p:cNvSpPr>
+          <p:nvPr>
+            <p:ph type="title"/>
+          </p:nvPr>
+        </p:nvSpPr>
+        <p:spPr/>
+        <p:txBody>
+          <a:bodyPr/>
+          <a:lstStyle/>
+          <a:p>
+            <a:r>
+              <a:rPr lang="en-US" dirty="0"/>
+              <a:t>Challenges and Future Work</a:t>
+            </a:r>
+          </a:p>
+        </p:txBody>
+      </p:sp>
+      <p:sp>
+        <p:nvSpPr>
+          <p:cNvPr id="9" name="Content Placeholder 8">
+            <a:extLst>
+              <a:ext uri="{FF2B5EF4-FFF2-40B4-BE49-F238E27FC236}">
+                <a16:creationId xmlns:a16="http://schemas.microsoft.com/office/drawing/2014/main" id="{661EE144-0F6C-2649-B81A-1334F4AFFB37}"/>
+              </a:ext>
+            </a:extLst>
+          </p:cNvPr>
+          <p:cNvSpPr>
+            <a:spLocks noGrp="1"/>
+          </p:cNvSpPr>
+          <p:nvPr>
+            <p:ph idx="1"/>
+          </p:nvPr>
+        </p:nvSpPr>
+        <p:spPr/>
+        <p:txBody>
+          <a:bodyPr/>
+          <a:lstStyle/>
+          <a:p>
+            <a:endParaRPr lang="en-US"/>
+          </a:p>
+        </p:txBody>
+      </p:sp>
+    </p:spTree>
+    <p:extLst>
+      <p:ext uri="{BB962C8B-B14F-4D97-AF65-F5344CB8AC3E}">
+        <p14:creationId xmlns:p14="http://schemas.microsoft.com/office/powerpoint/2010/main" val="844184953"/>
       </p:ext>
     </p:extLst>
   </p:cSld>

--- a/Project Status Report Final/finalpresentation.pptx
+++ b/Project Status Report Final/finalpresentation.pptx
@@ -15,9 +15,9 @@
     <p:sldId id="263" r:id="rId6"/>
     <p:sldId id="266" r:id="rId7"/>
     <p:sldId id="267" r:id="rId8"/>
-    <p:sldId id="269" r:id="rId9"/>
-    <p:sldId id="265" r:id="rId10"/>
-    <p:sldId id="268" r:id="rId11"/>
+    <p:sldId id="265" r:id="rId9"/>
+    <p:sldId id="268" r:id="rId10"/>
+    <p:sldId id="269" r:id="rId11"/>
   </p:sldIdLst>
   <p:sldSz cx="12192000" cy="6858000"/>
   <p:notesSz cx="6858000" cy="9144000"/>
@@ -206,7 +206,7 @@
           <a:p>
             <a:fld id="{716ECBBD-C828-4D65-BAA1-D5361C751F0C}" type="datetimeFigureOut">
               <a:rPr lang="en-US" smtClean="0"/>
-              <a:t>4/18/2024</a:t>
+              <a:t>4/22/2024</a:t>
             </a:fld>
             <a:endParaRPr lang="en-US"/>
           </a:p>
@@ -604,7 +604,132 @@
           <a:bodyPr/>
           <a:lstStyle/>
           <a:p>
-            <a:endParaRPr lang="en-US" dirty="0"/>
+            <a:pPr marL="0" marR="0" lvl="0" indent="0" algn="l" defTabSz="914400" rtl="0" eaLnBrk="1" fontAlgn="auto" latinLnBrk="0" hangingPunct="1">
+              <a:lnSpc>
+                <a:spcPct val="100000"/>
+              </a:lnSpc>
+              <a:spcBef>
+                <a:spcPts val="0"/>
+              </a:spcBef>
+              <a:spcAft>
+                <a:spcPts val="0"/>
+              </a:spcAft>
+              <a:buClrTx/>
+              <a:buSzTx/>
+              <a:buFontTx/>
+              <a:buNone/>
+              <a:tabLst/>
+              <a:defRPr/>
+            </a:pPr>
+            <a:r>
+              <a:rPr lang="en-US" dirty="0">
+                <a:solidFill>
+                  <a:srgbClr val="BCBEC4"/>
+                </a:solidFill>
+                <a:effectLst/>
+                <a:highlight>
+                  <a:srgbClr val="1E1F22"/>
+                </a:highlight>
+              </a:rPr>
+              <a:t>- Information flow </a:t>
+            </a:r>
+            <a:r>
+              <a:rPr lang="en-US" dirty="0"/>
+              <a:t>mostly accounted for expansion of risk data but needs to be elaborated to better capture the idea of partial information</a:t>
+            </a:r>
+          </a:p>
+          <a:p>
+            <a:pPr marL="171450" marR="0" lvl="0" indent="-171450" algn="l" defTabSz="914400" rtl="0" eaLnBrk="1" fontAlgn="auto" latinLnBrk="0" hangingPunct="1">
+              <a:lnSpc>
+                <a:spcPct val="100000"/>
+              </a:lnSpc>
+              <a:spcBef>
+                <a:spcPts val="0"/>
+              </a:spcBef>
+              <a:spcAft>
+                <a:spcPts val="0"/>
+              </a:spcAft>
+              <a:buClrTx/>
+              <a:buSzTx/>
+              <a:buFontTx/>
+              <a:buChar char="-"/>
+              <a:tabLst/>
+              <a:defRPr/>
+            </a:pPr>
+            <a:r>
+              <a:rPr lang="en-US" dirty="0">
+                <a:solidFill>
+                  <a:srgbClr val="BCBEC4"/>
+                </a:solidFill>
+                <a:effectLst/>
+                <a:highlight>
+                  <a:srgbClr val="1E1F22"/>
+                </a:highlight>
+              </a:rPr>
+              <a:t>Data filtration cuts out stocks in which only partial information is available and stocks that remove from public market for private buyout or bankruptcy limiting types</a:t>
+            </a:r>
+          </a:p>
+          <a:p>
+            <a:pPr marL="171450" marR="0" lvl="0" indent="-171450" algn="l" defTabSz="914400" rtl="0" eaLnBrk="1" fontAlgn="auto" latinLnBrk="0" hangingPunct="1">
+              <a:lnSpc>
+                <a:spcPct val="100000"/>
+              </a:lnSpc>
+              <a:spcBef>
+                <a:spcPts val="0"/>
+              </a:spcBef>
+              <a:spcAft>
+                <a:spcPts val="0"/>
+              </a:spcAft>
+              <a:buClrTx/>
+              <a:buSzTx/>
+              <a:buFontTx/>
+              <a:buChar char="-"/>
+              <a:tabLst/>
+              <a:defRPr/>
+            </a:pPr>
+            <a:r>
+              <a:rPr lang="en-US" dirty="0">
+                <a:solidFill>
+                  <a:srgbClr val="BCBEC4"/>
+                </a:solidFill>
+                <a:effectLst/>
+                <a:highlight>
+                  <a:srgbClr val="1E1F22"/>
+                </a:highlight>
+              </a:rPr>
+              <a:t>Should expand to more brokers and also try to create the power law distribution around which friends are popular instead of random</a:t>
+            </a:r>
+          </a:p>
+          <a:p>
+            <a:pPr marL="171450" marR="0" lvl="0" indent="-171450" algn="l" defTabSz="914400" rtl="0" eaLnBrk="1" fontAlgn="auto" latinLnBrk="0" hangingPunct="1">
+              <a:lnSpc>
+                <a:spcPct val="100000"/>
+              </a:lnSpc>
+              <a:spcBef>
+                <a:spcPts val="0"/>
+              </a:spcBef>
+              <a:spcAft>
+                <a:spcPts val="0"/>
+              </a:spcAft>
+              <a:buClrTx/>
+              <a:buSzTx/>
+              <a:buFontTx/>
+              <a:buChar char="-"/>
+              <a:tabLst/>
+              <a:defRPr/>
+            </a:pPr>
+            <a:r>
+              <a:rPr lang="en-US" dirty="0">
+                <a:solidFill>
+                  <a:srgbClr val="BCBEC4"/>
+                </a:solidFill>
+                <a:effectLst/>
+                <a:highlight>
+                  <a:srgbClr val="1E1F22"/>
+                </a:highlight>
+              </a:rPr>
+              <a:t>Could extend stock risk evaluation to better account for more relationships in stocks </a:t>
+            </a:r>
           </a:p>
         </p:txBody>
       </p:sp>
@@ -634,7 +759,7 @@
     </p:spTree>
     <p:extLst>
       <p:ext uri="{BB962C8B-B14F-4D97-AF65-F5344CB8AC3E}">
-        <p14:creationId xmlns:p14="http://schemas.microsoft.com/office/powerpoint/2010/main" val="108912732"/>
+        <p14:creationId xmlns:p14="http://schemas.microsoft.com/office/powerpoint/2010/main" val="4109571921"/>
       </p:ext>
     </p:extLst>
   </p:cSld>
@@ -715,1052 +840,8 @@
                   <a:srgbClr val="1E1F22"/>
                 </a:highlight>
               </a:rPr>
-              <a:t>This project was designed with the objective of exploring the impact of risk as defined by a power law distribution and networked brokers in the context of neighbor influence on the brokers' portfolio values over different trading intervals. Economic markets are volatile and have been shown to contain many fat-tailed and power law distributions, such as in growth rates and stock returns \</a:t>
-            </a:r>
-            <a:r>
-              <a:rPr lang="en-US" dirty="0">
-                <a:solidFill>
-                  <a:srgbClr val="CF8E6D"/>
-                </a:solidFill>
-                <a:effectLst/>
-                <a:highlight>
-                  <a:srgbClr val="1E1F22"/>
-                </a:highlight>
-              </a:rPr>
-              <a:t>cite</a:t>
-            </a:r>
-            <a:r>
-              <a:rPr lang="en-US" dirty="0">
-                <a:solidFill>
-                  <a:srgbClr val="BCBEC4"/>
-                </a:solidFill>
-                <a:effectLst/>
-                <a:highlight>
-                  <a:srgbClr val="1E1F22"/>
-                </a:highlight>
-              </a:rPr>
-              <a:t>{</a:t>
-            </a:r>
-            <a:r>
-              <a:rPr lang="en-US" i="1" dirty="0" err="1">
-                <a:solidFill>
-                  <a:srgbClr val="C77DBB"/>
-                </a:solidFill>
-                <a:effectLst/>
-                <a:highlight>
-                  <a:srgbClr val="1E1F22"/>
-                </a:highlight>
-              </a:rPr>
-              <a:t>gabaix</a:t>
-            </a:r>
-            <a:r>
-              <a:rPr lang="en-US" dirty="0" err="1">
-                <a:solidFill>
-                  <a:srgbClr val="BCBEC4"/>
-                </a:solidFill>
-                <a:effectLst/>
-                <a:highlight>
-                  <a:srgbClr val="1E1F22"/>
-                </a:highlight>
-              </a:rPr>
-              <a:t>_</a:t>
-            </a:r>
-            <a:r>
-              <a:rPr lang="en-US" i="1" dirty="0" err="1">
-                <a:solidFill>
-                  <a:srgbClr val="C77DBB"/>
-                </a:solidFill>
-                <a:effectLst/>
-                <a:highlight>
-                  <a:srgbClr val="1E1F22"/>
-                </a:highlight>
-              </a:rPr>
-              <a:t>powerlaws</a:t>
-            </a:r>
-            <a:r>
-              <a:rPr lang="en-US" dirty="0">
-                <a:solidFill>
-                  <a:srgbClr val="BCBEC4"/>
-                </a:solidFill>
-                <a:effectLst/>
-                <a:highlight>
-                  <a:srgbClr val="1E1F22"/>
-                </a:highlight>
-              </a:rPr>
-              <a:t>}. Many different models of the market have been created to explore these behaviors, and data is readily available to examine the impacts of different strategies and inter-dependencies on the market. Scholars have examined risk and risk aversion, explored modeling the market as a network of stocks or brokers, attempted to classify and group the networks, and attempted to design models of crashes that resemble the real world. This project combines the study of risk in psychology with the fat tailed distribution of network connections and the volatility of black swan \</a:t>
-            </a:r>
-            <a:r>
-              <a:rPr lang="en-US" dirty="0">
-                <a:solidFill>
-                  <a:srgbClr val="CF8E6D"/>
-                </a:solidFill>
-                <a:effectLst/>
-                <a:highlight>
-                  <a:srgbClr val="1E1F22"/>
-                </a:highlight>
-              </a:rPr>
-              <a:t>cite</a:t>
-            </a:r>
-            <a:r>
-              <a:rPr lang="en-US" dirty="0">
-                <a:solidFill>
-                  <a:srgbClr val="BCBEC4"/>
-                </a:solidFill>
-                <a:effectLst/>
-                <a:highlight>
-                  <a:srgbClr val="1E1F22"/>
-                </a:highlight>
-              </a:rPr>
-              <a:t>{</a:t>
-            </a:r>
-            <a:r>
-              <a:rPr lang="en-US" i="1" dirty="0" err="1">
-                <a:solidFill>
-                  <a:srgbClr val="C77DBB"/>
-                </a:solidFill>
-                <a:effectLst/>
-                <a:highlight>
-                  <a:srgbClr val="1E1F22"/>
-                </a:highlight>
-              </a:rPr>
-              <a:t>taleb</a:t>
-            </a:r>
-            <a:r>
-              <a:rPr lang="en-US" dirty="0" err="1">
-                <a:solidFill>
-                  <a:srgbClr val="BCBEC4"/>
-                </a:solidFill>
-                <a:effectLst/>
-                <a:highlight>
-                  <a:srgbClr val="1E1F22"/>
-                </a:highlight>
-              </a:rPr>
-              <a:t>_</a:t>
-            </a:r>
-            <a:r>
-              <a:rPr lang="en-US" i="1" dirty="0" err="1">
-                <a:solidFill>
-                  <a:srgbClr val="C77DBB"/>
-                </a:solidFill>
-                <a:effectLst/>
-                <a:highlight>
-                  <a:srgbClr val="1E1F22"/>
-                </a:highlight>
-              </a:rPr>
-              <a:t>antifragile</a:t>
-            </a:r>
-            <a:r>
-              <a:rPr lang="en-US" dirty="0">
-                <a:solidFill>
-                  <a:srgbClr val="BCBEC4"/>
-                </a:solidFill>
-                <a:effectLst/>
-                <a:highlight>
-                  <a:srgbClr val="1E1F22"/>
-                </a:highlight>
-              </a:rPr>
-              <a:t>} events to evaluate market broker strategies to maximize portfolio value over typical events and through drastic changes in the market.</a:t>
-            </a:r>
-            <a:br>
-              <a:rPr lang="en-US" dirty="0">
-                <a:solidFill>
-                  <a:srgbClr val="BCBEC4"/>
-                </a:solidFill>
-                <a:effectLst/>
-                <a:highlight>
-                  <a:srgbClr val="1E1F22"/>
-                </a:highlight>
-              </a:rPr>
-            </a:br>
-            <a:br>
-              <a:rPr lang="en-US" dirty="0">
-                <a:solidFill>
-                  <a:srgbClr val="BCBEC4"/>
-                </a:solidFill>
-                <a:effectLst/>
-                <a:highlight>
-                  <a:srgbClr val="1E1F22"/>
-                </a:highlight>
-              </a:rPr>
-            </a:br>
-            <a:r>
-              <a:rPr lang="en-US" dirty="0">
-                <a:solidFill>
-                  <a:srgbClr val="BCBEC4"/>
-                </a:solidFill>
-                <a:effectLst/>
-                <a:highlight>
-                  <a:srgbClr val="1E1F22"/>
-                </a:highlight>
-              </a:rPr>
-              <a:t>\section{Background}\</a:t>
-            </a:r>
-            <a:r>
-              <a:rPr lang="en-US" dirty="0">
-                <a:solidFill>
-                  <a:srgbClr val="CF8E6D"/>
-                </a:solidFill>
-                <a:effectLst/>
-                <a:highlight>
-                  <a:srgbClr val="1E1F22"/>
-                </a:highlight>
-              </a:rPr>
-              <a:t>label</a:t>
-            </a:r>
-            <a:r>
-              <a:rPr lang="en-US" dirty="0">
-                <a:solidFill>
-                  <a:srgbClr val="BCBEC4"/>
-                </a:solidFill>
-                <a:effectLst/>
-                <a:highlight>
-                  <a:srgbClr val="1E1F22"/>
-                </a:highlight>
-              </a:rPr>
-              <a:t>{</a:t>
-            </a:r>
-            <a:r>
-              <a:rPr lang="en-US" dirty="0" err="1">
-                <a:solidFill>
-                  <a:srgbClr val="BCBEC4"/>
-                </a:solidFill>
-                <a:effectLst/>
-                <a:highlight>
-                  <a:srgbClr val="1E1F22"/>
-                </a:highlight>
-              </a:rPr>
-              <a:t>sec:background</a:t>
-            </a:r>
-            <a:r>
-              <a:rPr lang="en-US" dirty="0">
-                <a:solidFill>
-                  <a:srgbClr val="BCBEC4"/>
-                </a:solidFill>
-                <a:effectLst/>
-                <a:highlight>
-                  <a:srgbClr val="1E1F22"/>
-                </a:highlight>
-              </a:rPr>
-              <a:t>}</a:t>
-            </a:r>
-            <a:br>
-              <a:rPr lang="en-US" dirty="0">
-                <a:solidFill>
-                  <a:srgbClr val="BCBEC4"/>
-                </a:solidFill>
-                <a:effectLst/>
-                <a:highlight>
-                  <a:srgbClr val="1E1F22"/>
-                </a:highlight>
-              </a:rPr>
-            </a:br>
-            <a:r>
-              <a:rPr lang="en-US" dirty="0">
-                <a:solidFill>
-                  <a:srgbClr val="BCBEC4"/>
-                </a:solidFill>
-                <a:effectLst/>
-                <a:highlight>
-                  <a:srgbClr val="1E1F22"/>
-                </a:highlight>
-              </a:rPr>
-              <a:t>%</a:t>
-            </a:r>
-            <a:r>
-              <a:rPr lang="en-US" dirty="0">
-                <a:solidFill>
-                  <a:srgbClr val="7A7E85"/>
-                </a:solidFill>
-                <a:effectLst/>
-                <a:highlight>
-                  <a:srgbClr val="1E1F22"/>
-                </a:highlight>
-              </a:rPr>
-              <a:t> Background: Summary of important concepts and related previous work (with citations).</a:t>
-            </a:r>
-            <a:br>
-              <a:rPr lang="en-US" dirty="0">
-                <a:solidFill>
-                  <a:srgbClr val="7A7E85"/>
-                </a:solidFill>
-                <a:effectLst/>
-                <a:highlight>
-                  <a:srgbClr val="1E1F22"/>
-                </a:highlight>
-              </a:rPr>
-            </a:br>
-            <a:r>
-              <a:rPr lang="en-US" dirty="0">
-                <a:solidFill>
-                  <a:srgbClr val="BCBEC4"/>
-                </a:solidFill>
-                <a:effectLst/>
-                <a:highlight>
-                  <a:srgbClr val="1E1F22"/>
-                </a:highlight>
-              </a:rPr>
-              <a:t>This topic has been explored from a variety of perspectives. Most work has been divided into exploring financial markets in terms of complex networks, looking at individuals' perspective on risk, and running case studies with different clustering and strategies in the market. The work in complex networks creates networks with either brokers or stocks at nodes \</a:t>
-            </a:r>
-            <a:r>
-              <a:rPr lang="en-US" dirty="0">
-                <a:solidFill>
-                  <a:srgbClr val="CF8E6D"/>
-                </a:solidFill>
-                <a:effectLst/>
-                <a:highlight>
-                  <a:srgbClr val="1E1F22"/>
-                </a:highlight>
-              </a:rPr>
-              <a:t>cite</a:t>
-            </a:r>
-            <a:r>
-              <a:rPr lang="en-US" dirty="0">
-                <a:solidFill>
-                  <a:srgbClr val="BCBEC4"/>
-                </a:solidFill>
-                <a:effectLst/>
-                <a:highlight>
-                  <a:srgbClr val="1E1F22"/>
-                </a:highlight>
-              </a:rPr>
-              <a:t>{</a:t>
-            </a:r>
-            <a:r>
-              <a:rPr lang="en-US" i="1" dirty="0">
-                <a:solidFill>
-                  <a:srgbClr val="C77DBB"/>
-                </a:solidFill>
-                <a:effectLst/>
-                <a:highlight>
-                  <a:srgbClr val="1E1F22"/>
-                </a:highlight>
-              </a:rPr>
-              <a:t>baydelli</a:t>
-            </a:r>
-            <a:r>
-              <a:rPr lang="en-US" dirty="0">
-                <a:solidFill>
-                  <a:srgbClr val="BCBEC4"/>
-                </a:solidFill>
-                <a:effectLst/>
-                <a:highlight>
-                  <a:srgbClr val="1E1F22"/>
-                </a:highlight>
-              </a:rPr>
-              <a:t>_</a:t>
-            </a:r>
-            <a:r>
-              <a:rPr lang="en-US" i="1" dirty="0">
-                <a:solidFill>
-                  <a:srgbClr val="C77DBB"/>
-                </a:solidFill>
-                <a:effectLst/>
-                <a:highlight>
-                  <a:srgbClr val="1E1F22"/>
-                </a:highlight>
-              </a:rPr>
-              <a:t>hierarchicalmarket</a:t>
-            </a:r>
-            <a:r>
-              <a:rPr lang="en-US" dirty="0">
-                <a:solidFill>
-                  <a:srgbClr val="BCBEC4"/>
-                </a:solidFill>
-                <a:effectLst/>
-                <a:highlight>
-                  <a:srgbClr val="1E1F22"/>
-                </a:highlight>
-              </a:rPr>
-              <a:t>,</a:t>
-            </a:r>
-            <a:r>
-              <a:rPr lang="en-US" i="1" dirty="0">
-                <a:solidFill>
-                  <a:srgbClr val="C77DBB"/>
-                </a:solidFill>
-                <a:effectLst/>
-                <a:highlight>
-                  <a:srgbClr val="1E1F22"/>
-                </a:highlight>
-              </a:rPr>
-              <a:t>kulmann</a:t>
-            </a:r>
-            <a:r>
-              <a:rPr lang="en-US" dirty="0">
-                <a:solidFill>
-                  <a:srgbClr val="BCBEC4"/>
-                </a:solidFill>
-                <a:effectLst/>
-                <a:highlight>
-                  <a:srgbClr val="1E1F22"/>
-                </a:highlight>
-              </a:rPr>
-              <a:t>_</a:t>
-            </a:r>
-            <a:r>
-              <a:rPr lang="en-US" i="1" dirty="0">
-                <a:solidFill>
-                  <a:srgbClr val="C77DBB"/>
-                </a:solidFill>
-                <a:effectLst/>
-                <a:highlight>
-                  <a:srgbClr val="1E1F22"/>
-                </a:highlight>
-              </a:rPr>
-              <a:t>marketscomplexsystems</a:t>
-            </a:r>
-            <a:r>
-              <a:rPr lang="en-US" dirty="0">
-                <a:solidFill>
-                  <a:srgbClr val="BCBEC4"/>
-                </a:solidFill>
-                <a:effectLst/>
-                <a:highlight>
-                  <a:srgbClr val="1E1F22"/>
-                </a:highlight>
-              </a:rPr>
-              <a:t>,</a:t>
-            </a:r>
-            <a:r>
-              <a:rPr lang="en-US" i="1" dirty="0">
-                <a:solidFill>
-                  <a:srgbClr val="C77DBB"/>
-                </a:solidFill>
-                <a:effectLst/>
-                <a:highlight>
-                  <a:srgbClr val="1E1F22"/>
-                </a:highlight>
-              </a:rPr>
-              <a:t>dimaggio</a:t>
-            </a:r>
-            <a:r>
-              <a:rPr lang="en-US" dirty="0">
-                <a:solidFill>
-                  <a:srgbClr val="BCBEC4"/>
-                </a:solidFill>
-                <a:effectLst/>
-                <a:highlight>
-                  <a:srgbClr val="1E1F22"/>
-                </a:highlight>
-              </a:rPr>
-              <a:t>_</a:t>
-            </a:r>
-            <a:r>
-              <a:rPr lang="en-US" i="1" dirty="0">
-                <a:solidFill>
-                  <a:srgbClr val="C77DBB"/>
-                </a:solidFill>
-                <a:effectLst/>
-                <a:highlight>
-                  <a:srgbClr val="1E1F22"/>
-                </a:highlight>
-              </a:rPr>
-              <a:t>relevancebrokernetworks</a:t>
-            </a:r>
-            <a:r>
-              <a:rPr lang="en-US" dirty="0">
-                <a:solidFill>
-                  <a:srgbClr val="BCBEC4"/>
-                </a:solidFill>
-                <a:effectLst/>
-                <a:highlight>
-                  <a:srgbClr val="1E1F22"/>
-                </a:highlight>
-              </a:rPr>
-              <a:t>}. To create the edges, they have explored the diffusion of information \</a:t>
-            </a:r>
-            <a:r>
-              <a:rPr lang="en-US" dirty="0">
-                <a:solidFill>
-                  <a:srgbClr val="CF8E6D"/>
-                </a:solidFill>
-                <a:effectLst/>
-                <a:highlight>
-                  <a:srgbClr val="1E1F22"/>
-                </a:highlight>
-              </a:rPr>
-              <a:t>cite</a:t>
-            </a:r>
-            <a:r>
-              <a:rPr lang="en-US" dirty="0">
-                <a:solidFill>
-                  <a:srgbClr val="BCBEC4"/>
-                </a:solidFill>
-                <a:effectLst/>
-                <a:highlight>
-                  <a:srgbClr val="1E1F22"/>
-                </a:highlight>
-              </a:rPr>
-              <a:t>{</a:t>
-            </a:r>
-            <a:r>
-              <a:rPr lang="en-US" i="1" dirty="0" err="1">
-                <a:solidFill>
-                  <a:srgbClr val="C77DBB"/>
-                </a:solidFill>
-                <a:effectLst/>
-                <a:highlight>
-                  <a:srgbClr val="1E1F22"/>
-                </a:highlight>
-              </a:rPr>
-              <a:t>dimaggio</a:t>
-            </a:r>
-            <a:r>
-              <a:rPr lang="en-US" dirty="0" err="1">
-                <a:solidFill>
-                  <a:srgbClr val="BCBEC4"/>
-                </a:solidFill>
-                <a:effectLst/>
-                <a:highlight>
-                  <a:srgbClr val="1E1F22"/>
-                </a:highlight>
-              </a:rPr>
-              <a:t>_</a:t>
-            </a:r>
-            <a:r>
-              <a:rPr lang="en-US" i="1" dirty="0" err="1">
-                <a:solidFill>
-                  <a:srgbClr val="C77DBB"/>
-                </a:solidFill>
-                <a:effectLst/>
-                <a:highlight>
-                  <a:srgbClr val="1E1F22"/>
-                </a:highlight>
-              </a:rPr>
-              <a:t>relevancebrokernetworks</a:t>
-            </a:r>
-            <a:r>
-              <a:rPr lang="en-US" dirty="0">
-                <a:solidFill>
-                  <a:srgbClr val="BCBEC4"/>
-                </a:solidFill>
-                <a:effectLst/>
-                <a:highlight>
-                  <a:srgbClr val="1E1F22"/>
-                </a:highlight>
-              </a:rPr>
-              <a:t>}, spread of first and rebound shocks \</a:t>
-            </a:r>
-            <a:r>
-              <a:rPr lang="en-US" dirty="0">
-                <a:solidFill>
-                  <a:srgbClr val="CF8E6D"/>
-                </a:solidFill>
-                <a:effectLst/>
-                <a:highlight>
-                  <a:srgbClr val="1E1F22"/>
-                </a:highlight>
-              </a:rPr>
-              <a:t>cite</a:t>
-            </a:r>
-            <a:r>
-              <a:rPr lang="en-US" dirty="0">
-                <a:solidFill>
-                  <a:srgbClr val="BCBEC4"/>
-                </a:solidFill>
-                <a:effectLst/>
-                <a:highlight>
-                  <a:srgbClr val="1E1F22"/>
-                </a:highlight>
-              </a:rPr>
-              <a:t>{</a:t>
-            </a:r>
-            <a:r>
-              <a:rPr lang="en-US" i="1" dirty="0" err="1">
-                <a:solidFill>
-                  <a:srgbClr val="C77DBB"/>
-                </a:solidFill>
-                <a:effectLst/>
-                <a:highlight>
-                  <a:srgbClr val="1E1F22"/>
-                </a:highlight>
-              </a:rPr>
-              <a:t>gai</a:t>
-            </a:r>
-            <a:r>
-              <a:rPr lang="en-US" dirty="0" err="1">
-                <a:solidFill>
-                  <a:srgbClr val="BCBEC4"/>
-                </a:solidFill>
-                <a:effectLst/>
-                <a:highlight>
-                  <a:srgbClr val="1E1F22"/>
-                </a:highlight>
-              </a:rPr>
-              <a:t>_</a:t>
-            </a:r>
-            <a:r>
-              <a:rPr lang="en-US" i="1" dirty="0" err="1">
-                <a:solidFill>
-                  <a:srgbClr val="C77DBB"/>
-                </a:solidFill>
-                <a:effectLst/>
-                <a:highlight>
-                  <a:srgbClr val="1E1F22"/>
-                </a:highlight>
-              </a:rPr>
-              <a:t>contagion</a:t>
-            </a:r>
-            <a:r>
-              <a:rPr lang="en-US" dirty="0">
-                <a:solidFill>
-                  <a:srgbClr val="BCBEC4"/>
-                </a:solidFill>
-                <a:effectLst/>
-                <a:highlight>
-                  <a:srgbClr val="1E1F22"/>
-                </a:highlight>
-              </a:rPr>
-              <a:t>}, and correlation and mutual information of different stocks \</a:t>
-            </a:r>
-            <a:r>
-              <a:rPr lang="en-US" dirty="0">
-                <a:solidFill>
-                  <a:srgbClr val="CF8E6D"/>
-                </a:solidFill>
-                <a:effectLst/>
-                <a:highlight>
-                  <a:srgbClr val="1E1F22"/>
-                </a:highlight>
-              </a:rPr>
-              <a:t>cite</a:t>
-            </a:r>
-            <a:r>
-              <a:rPr lang="en-US" dirty="0">
-                <a:solidFill>
-                  <a:srgbClr val="BCBEC4"/>
-                </a:solidFill>
-                <a:effectLst/>
-                <a:highlight>
-                  <a:srgbClr val="1E1F22"/>
-                </a:highlight>
-              </a:rPr>
-              <a:t>{</a:t>
-            </a:r>
-            <a:r>
-              <a:rPr lang="en-US" i="1" dirty="0" err="1">
-                <a:solidFill>
-                  <a:srgbClr val="C77DBB"/>
-                </a:solidFill>
-                <a:effectLst/>
-                <a:highlight>
-                  <a:srgbClr val="1E1F22"/>
-                </a:highlight>
-              </a:rPr>
-              <a:t>li</a:t>
-            </a:r>
-            <a:r>
-              <a:rPr lang="en-US" dirty="0" err="1">
-                <a:solidFill>
-                  <a:srgbClr val="BCBEC4"/>
-                </a:solidFill>
-                <a:effectLst/>
-                <a:highlight>
-                  <a:srgbClr val="1E1F22"/>
-                </a:highlight>
-              </a:rPr>
-              <a:t>_</a:t>
-            </a:r>
-            <a:r>
-              <a:rPr lang="en-US" i="1" dirty="0" err="1">
-                <a:solidFill>
-                  <a:srgbClr val="C77DBB"/>
-                </a:solidFill>
-                <a:effectLst/>
-                <a:highlight>
-                  <a:srgbClr val="1E1F22"/>
-                </a:highlight>
-              </a:rPr>
-              <a:t>correlation</a:t>
-            </a:r>
-            <a:r>
-              <a:rPr lang="en-US" dirty="0">
-                <a:solidFill>
-                  <a:srgbClr val="BCBEC4"/>
-                </a:solidFill>
-                <a:effectLst/>
-                <a:highlight>
-                  <a:srgbClr val="1E1F22"/>
-                </a:highlight>
-              </a:rPr>
-              <a:t>, </a:t>
-            </a:r>
-            <a:r>
-              <a:rPr lang="en-US" i="1" dirty="0" err="1">
-                <a:solidFill>
-                  <a:srgbClr val="C77DBB"/>
-                </a:solidFill>
-                <a:effectLst/>
-                <a:highlight>
-                  <a:srgbClr val="1E1F22"/>
-                </a:highlight>
-              </a:rPr>
-              <a:t>fiedor</a:t>
-            </a:r>
-            <a:r>
-              <a:rPr lang="en-US" dirty="0" err="1">
-                <a:solidFill>
-                  <a:srgbClr val="BCBEC4"/>
-                </a:solidFill>
-                <a:effectLst/>
-                <a:highlight>
-                  <a:srgbClr val="1E1F22"/>
-                </a:highlight>
-              </a:rPr>
-              <a:t>_</a:t>
-            </a:r>
-            <a:r>
-              <a:rPr lang="en-US" i="1" dirty="0" err="1">
-                <a:solidFill>
-                  <a:srgbClr val="C77DBB"/>
-                </a:solidFill>
-                <a:effectLst/>
-                <a:highlight>
-                  <a:srgbClr val="1E1F22"/>
-                </a:highlight>
-              </a:rPr>
-              <a:t>networksmutualinformationrate</a:t>
-            </a:r>
-            <a:r>
-              <a:rPr lang="en-US" dirty="0">
-                <a:solidFill>
-                  <a:srgbClr val="BCBEC4"/>
-                </a:solidFill>
-                <a:effectLst/>
-                <a:highlight>
-                  <a:srgbClr val="1E1F22"/>
-                </a:highlight>
-              </a:rPr>
-              <a:t>}. This study models the market with brokers at the nodes with influence connecting the brokers. </a:t>
-            </a:r>
-            <a:br>
-              <a:rPr lang="en-US" dirty="0">
-                <a:solidFill>
-                  <a:srgbClr val="BCBEC4"/>
-                </a:solidFill>
-                <a:effectLst/>
-                <a:highlight>
-                  <a:srgbClr val="1E1F22"/>
-                </a:highlight>
-              </a:rPr>
-            </a:br>
-            <a:br>
-              <a:rPr lang="en-US" dirty="0">
-                <a:solidFill>
-                  <a:srgbClr val="BCBEC4"/>
-                </a:solidFill>
-                <a:effectLst/>
-                <a:highlight>
-                  <a:srgbClr val="1E1F22"/>
-                </a:highlight>
-              </a:rPr>
-            </a:br>
-            <a:r>
-              <a:rPr lang="en-US" dirty="0">
-                <a:solidFill>
-                  <a:srgbClr val="BCBEC4"/>
-                </a:solidFill>
-                <a:effectLst/>
-                <a:highlight>
-                  <a:srgbClr val="1E1F22"/>
-                </a:highlight>
-              </a:rPr>
-              <a:t>Further, several models for risk were presented. This involved quantifying the risk with the Chen, Roll, and Ross factors \</a:t>
-            </a:r>
-            <a:r>
-              <a:rPr lang="en-US" dirty="0">
-                <a:solidFill>
-                  <a:srgbClr val="CF8E6D"/>
-                </a:solidFill>
-                <a:effectLst/>
-                <a:highlight>
-                  <a:srgbClr val="1E1F22"/>
-                </a:highlight>
-              </a:rPr>
-              <a:t>cite</a:t>
-            </a:r>
-            <a:r>
-              <a:rPr lang="en-US" dirty="0">
-                <a:solidFill>
-                  <a:srgbClr val="BCBEC4"/>
-                </a:solidFill>
-                <a:effectLst/>
-                <a:highlight>
-                  <a:srgbClr val="1E1F22"/>
-                </a:highlight>
-              </a:rPr>
-              <a:t>{</a:t>
-            </a:r>
-            <a:r>
-              <a:rPr lang="en-US" i="1" dirty="0" err="1">
-                <a:solidFill>
-                  <a:srgbClr val="C77DBB"/>
-                </a:solidFill>
-                <a:effectLst/>
-                <a:highlight>
-                  <a:srgbClr val="1E1F22"/>
-                </a:highlight>
-              </a:rPr>
-              <a:t>cooper</a:t>
-            </a:r>
-            <a:r>
-              <a:rPr lang="en-US" dirty="0" err="1">
-                <a:solidFill>
-                  <a:srgbClr val="BCBEC4"/>
-                </a:solidFill>
-                <a:effectLst/>
-                <a:highlight>
-                  <a:srgbClr val="1E1F22"/>
-                </a:highlight>
-              </a:rPr>
-              <a:t>_</a:t>
-            </a:r>
-            <a:r>
-              <a:rPr lang="en-US" i="1" dirty="0" err="1">
-                <a:solidFill>
-                  <a:srgbClr val="C77DBB"/>
-                </a:solidFill>
-                <a:effectLst/>
-                <a:highlight>
-                  <a:srgbClr val="1E1F22"/>
-                </a:highlight>
-              </a:rPr>
-              <a:t>realinvestmentandrisk</a:t>
-            </a:r>
-            <a:r>
-              <a:rPr lang="en-US" dirty="0">
-                <a:solidFill>
-                  <a:srgbClr val="BCBEC4"/>
-                </a:solidFill>
-                <a:effectLst/>
-                <a:highlight>
-                  <a:srgbClr val="1E1F22"/>
-                </a:highlight>
-              </a:rPr>
-              <a:t>} to predict economic activity, assessing the importance of the distribution of risk aversion in the volatility of returns \</a:t>
-            </a:r>
-            <a:r>
-              <a:rPr lang="en-US" dirty="0">
-                <a:solidFill>
-                  <a:srgbClr val="CF8E6D"/>
-                </a:solidFill>
-                <a:effectLst/>
-                <a:highlight>
-                  <a:srgbClr val="1E1F22"/>
-                </a:highlight>
-              </a:rPr>
-              <a:t>cite</a:t>
-            </a:r>
-            <a:r>
-              <a:rPr lang="en-US" dirty="0">
-                <a:solidFill>
-                  <a:srgbClr val="BCBEC4"/>
-                </a:solidFill>
-                <a:effectLst/>
-                <a:highlight>
-                  <a:srgbClr val="1E1F22"/>
-                </a:highlight>
-              </a:rPr>
-              <a:t>{</a:t>
-            </a:r>
-            <a:r>
-              <a:rPr lang="en-US" i="1" dirty="0" err="1">
-                <a:solidFill>
-                  <a:srgbClr val="C77DBB"/>
-                </a:solidFill>
-                <a:effectLst/>
-                <a:highlight>
-                  <a:srgbClr val="1E1F22"/>
-                </a:highlight>
-              </a:rPr>
-              <a:t>lansing</a:t>
-            </a:r>
-            <a:r>
-              <a:rPr lang="en-US" dirty="0" err="1">
-                <a:solidFill>
-                  <a:srgbClr val="BCBEC4"/>
-                </a:solidFill>
-                <a:effectLst/>
-                <a:highlight>
-                  <a:srgbClr val="1E1F22"/>
-                </a:highlight>
-              </a:rPr>
-              <a:t>_</a:t>
-            </a:r>
-            <a:r>
-              <a:rPr lang="en-US" i="1" dirty="0" err="1">
-                <a:solidFill>
-                  <a:srgbClr val="C77DBB"/>
-                </a:solidFill>
-                <a:effectLst/>
-                <a:highlight>
-                  <a:srgbClr val="1E1F22"/>
-                </a:highlight>
-              </a:rPr>
-              <a:t>riskaversion</a:t>
-            </a:r>
-            <a:r>
-              <a:rPr lang="en-US" dirty="0">
-                <a:solidFill>
-                  <a:srgbClr val="BCBEC4"/>
-                </a:solidFill>
-                <a:effectLst/>
-                <a:highlight>
-                  <a:srgbClr val="1E1F22"/>
-                </a:highlight>
-              </a:rPr>
-              <a:t>}, and highlighted the importance of dividends in quantifying the risk level of stocks. These models provide a basis for developing a model of portfolio risk.</a:t>
-            </a:r>
-            <a:br>
-              <a:rPr lang="en-US" dirty="0">
-                <a:solidFill>
-                  <a:srgbClr val="BCBEC4"/>
-                </a:solidFill>
-                <a:effectLst/>
-                <a:highlight>
-                  <a:srgbClr val="1E1F22"/>
-                </a:highlight>
-              </a:rPr>
-            </a:br>
-            <a:br>
-              <a:rPr lang="en-US" dirty="0">
-                <a:solidFill>
-                  <a:srgbClr val="BCBEC4"/>
-                </a:solidFill>
-                <a:effectLst/>
-                <a:highlight>
-                  <a:srgbClr val="1E1F22"/>
-                </a:highlight>
-              </a:rPr>
-            </a:br>
-            <a:r>
-              <a:rPr lang="en-US" dirty="0">
-                <a:solidFill>
-                  <a:srgbClr val="BCBEC4"/>
-                </a:solidFill>
-                <a:effectLst/>
-                <a:highlight>
-                  <a:srgbClr val="1E1F22"/>
-                </a:highlight>
-              </a:rPr>
-              <a:t>Based on the ideas presented in </a:t>
-            </a:r>
-            <a:r>
-              <a:rPr lang="en-US" dirty="0" err="1">
-                <a:solidFill>
-                  <a:srgbClr val="BCBEC4"/>
-                </a:solidFill>
-                <a:effectLst/>
-                <a:highlight>
-                  <a:srgbClr val="1E1F22"/>
-                </a:highlight>
-              </a:rPr>
-              <a:t>Taleb's</a:t>
-            </a:r>
-            <a:r>
-              <a:rPr lang="en-US" dirty="0">
-                <a:solidFill>
-                  <a:srgbClr val="BCBEC4"/>
-                </a:solidFill>
-                <a:effectLst/>
-                <a:highlight>
-                  <a:srgbClr val="1E1F22"/>
-                </a:highlight>
-              </a:rPr>
-              <a:t> book \</a:t>
-            </a:r>
-            <a:r>
-              <a:rPr lang="en-US" dirty="0">
-                <a:solidFill>
-                  <a:srgbClr val="CF8E6D"/>
-                </a:solidFill>
-                <a:effectLst/>
-                <a:highlight>
-                  <a:srgbClr val="1E1F22"/>
-                </a:highlight>
-              </a:rPr>
-              <a:t>cite</a:t>
-            </a:r>
-            <a:r>
-              <a:rPr lang="en-US" dirty="0">
-                <a:solidFill>
-                  <a:srgbClr val="BCBEC4"/>
-                </a:solidFill>
-                <a:effectLst/>
-                <a:highlight>
-                  <a:srgbClr val="1E1F22"/>
-                </a:highlight>
-              </a:rPr>
-              <a:t>{</a:t>
-            </a:r>
-            <a:r>
-              <a:rPr lang="en-US" i="1" dirty="0" err="1">
-                <a:solidFill>
-                  <a:srgbClr val="C77DBB"/>
-                </a:solidFill>
-                <a:effectLst/>
-                <a:highlight>
-                  <a:srgbClr val="1E1F22"/>
-                </a:highlight>
-              </a:rPr>
-              <a:t>taleb</a:t>
-            </a:r>
-            <a:r>
-              <a:rPr lang="en-US" dirty="0" err="1">
-                <a:solidFill>
-                  <a:srgbClr val="BCBEC4"/>
-                </a:solidFill>
-                <a:effectLst/>
-                <a:highlight>
-                  <a:srgbClr val="1E1F22"/>
-                </a:highlight>
-              </a:rPr>
-              <a:t>_</a:t>
-            </a:r>
-            <a:r>
-              <a:rPr lang="en-US" i="1" dirty="0" err="1">
-                <a:solidFill>
-                  <a:srgbClr val="C77DBB"/>
-                </a:solidFill>
-                <a:effectLst/>
-                <a:highlight>
-                  <a:srgbClr val="1E1F22"/>
-                </a:highlight>
-              </a:rPr>
-              <a:t>antifragile</a:t>
-            </a:r>
-            <a:r>
-              <a:rPr lang="en-US" dirty="0">
-                <a:solidFill>
-                  <a:srgbClr val="BCBEC4"/>
-                </a:solidFill>
-                <a:effectLst/>
-                <a:highlight>
-                  <a:srgbClr val="1E1F22"/>
-                </a:highlight>
-              </a:rPr>
-              <a:t>}, it has been suggested that some strategies which perform best over typical market moves may not be optimal during sudden volatile events, which characterize the stock market. The idea that these strategies based on risk with the input on risk assessment from neighbors could be what differentiates the quality of the strategies.</a:t>
-            </a:r>
-            <a:br>
-              <a:rPr lang="en-US" dirty="0">
-                <a:solidFill>
-                  <a:srgbClr val="BCBEC4"/>
-                </a:solidFill>
-                <a:effectLst/>
-                <a:highlight>
-                  <a:srgbClr val="1E1F22"/>
-                </a:highlight>
-              </a:rPr>
-            </a:br>
-            <a:endParaRPr lang="en-US" dirty="0">
-              <a:solidFill>
-                <a:srgbClr val="BCBEC4"/>
-              </a:solidFill>
-              <a:effectLst/>
-              <a:highlight>
-                <a:srgbClr val="1E1F22"/>
-              </a:highlight>
-            </a:endParaRPr>
+              <a:t>1 minute</a:t>
+            </a:r>
           </a:p>
           <a:p>
             <a:pPr marL="0" marR="0" lvl="0" indent="0" algn="l" defTabSz="914400" rtl="0" eaLnBrk="1" fontAlgn="auto" latinLnBrk="0" hangingPunct="1">
@@ -1780,29 +861,6 @@
               <a:tabLst/>
               <a:defRPr/>
             </a:pPr>
-            <a:r>
-              <a:rPr lang="en-US" dirty="0">
-                <a:solidFill>
-                  <a:srgbClr val="BCBEC4"/>
-                </a:solidFill>
-                <a:effectLst/>
-                <a:highlight>
-                  <a:srgbClr val="1E1F22"/>
-                </a:highlight>
-              </a:rPr>
-              <a:t>The exploration of the market was designed as a simulation to be run over various time intervals for interconnected brokers that can influence one another and preferred risk levels. This included creating 100 brokers each with a preferred risk level and a number of friends sampled from a power law distribution. The friends also provided their assessment of risk for a given stock which was considered by the broker in their personal assessment. Data for every day in the interval was fed into the simulation, allowing brokers, in a random order, to buy or sell stocks to maintain their preferred level of risk. For interpretation of results, the brokers' indices correspond to the level of preferred risk. Running the simulation over 2003-2012 allows examining the results of strategies both in normal operating and in a drastic events such as the 2007-2008 financial crisis.</a:t>
-            </a:r>
-            <a:br>
-              <a:rPr lang="en-US" dirty="0">
-                <a:solidFill>
-                  <a:srgbClr val="BCBEC4"/>
-                </a:solidFill>
-                <a:effectLst/>
-                <a:highlight>
-                  <a:srgbClr val="1E1F22"/>
-                </a:highlight>
-              </a:rPr>
-            </a:br>
             <a:endParaRPr lang="en-US" dirty="0">
               <a:solidFill>
                 <a:srgbClr val="BCBEC4"/>
@@ -1831,7 +889,371 @@
               <a:tabLst/>
               <a:defRPr/>
             </a:pPr>
-            <a:endParaRPr lang="en-US" dirty="0"/>
+            <a:endParaRPr lang="en-US" dirty="0">
+              <a:solidFill>
+                <a:srgbClr val="BCBEC4"/>
+              </a:solidFill>
+              <a:effectLst/>
+              <a:highlight>
+                <a:srgbClr val="1E1F22"/>
+              </a:highlight>
+            </a:endParaRPr>
+          </a:p>
+          <a:p>
+            <a:pPr marL="0" marR="0" lvl="0" indent="0" algn="l" defTabSz="914400" rtl="0" eaLnBrk="1" fontAlgn="auto" latinLnBrk="0" hangingPunct="1">
+              <a:lnSpc>
+                <a:spcPct val="100000"/>
+              </a:lnSpc>
+              <a:spcBef>
+                <a:spcPts val="0"/>
+              </a:spcBef>
+              <a:spcAft>
+                <a:spcPts val="0"/>
+              </a:spcAft>
+              <a:buClrTx/>
+              <a:buSzTx/>
+              <a:buFontTx/>
+              <a:buNone/>
+              <a:tabLst/>
+              <a:defRPr/>
+            </a:pPr>
+            <a:r>
+              <a:rPr lang="en-US" dirty="0">
+                <a:solidFill>
+                  <a:srgbClr val="BCBEC4"/>
+                </a:solidFill>
+                <a:effectLst/>
+                <a:highlight>
+                  <a:srgbClr val="1E1F22"/>
+                </a:highlight>
+              </a:rPr>
+              <a:t>Background – markets show traits of complex systems</a:t>
+            </a:r>
+          </a:p>
+          <a:p>
+            <a:pPr marL="171450" marR="0" lvl="0" indent="-171450" algn="l" defTabSz="914400" rtl="0" eaLnBrk="1" fontAlgn="auto" latinLnBrk="0" hangingPunct="1">
+              <a:lnSpc>
+                <a:spcPct val="100000"/>
+              </a:lnSpc>
+              <a:spcBef>
+                <a:spcPts val="0"/>
+              </a:spcBef>
+              <a:spcAft>
+                <a:spcPts val="0"/>
+              </a:spcAft>
+              <a:buClrTx/>
+              <a:buSzTx/>
+              <a:buFontTx/>
+              <a:buChar char="-"/>
+              <a:tabLst/>
+              <a:defRPr/>
+            </a:pPr>
+            <a:r>
+              <a:rPr lang="en-US" dirty="0">
+                <a:solidFill>
+                  <a:srgbClr val="BCBEC4"/>
+                </a:solidFill>
+                <a:effectLst/>
+                <a:highlight>
+                  <a:srgbClr val="1E1F22"/>
+                </a:highlight>
+              </a:rPr>
+              <a:t>Volatility visible in the wild fluctuation of stock prices</a:t>
+            </a:r>
+          </a:p>
+          <a:p>
+            <a:pPr marL="171450" marR="0" lvl="0" indent="-171450" algn="l" defTabSz="914400" rtl="0" eaLnBrk="1" fontAlgn="auto" latinLnBrk="0" hangingPunct="1">
+              <a:lnSpc>
+                <a:spcPct val="100000"/>
+              </a:lnSpc>
+              <a:spcBef>
+                <a:spcPts val="0"/>
+              </a:spcBef>
+              <a:spcAft>
+                <a:spcPts val="0"/>
+              </a:spcAft>
+              <a:buClrTx/>
+              <a:buSzTx/>
+              <a:buFontTx/>
+              <a:buChar char="-"/>
+              <a:tabLst/>
+              <a:defRPr/>
+            </a:pPr>
+            <a:r>
+              <a:rPr lang="en-US" dirty="0">
+                <a:solidFill>
+                  <a:srgbClr val="BCBEC4"/>
+                </a:solidFill>
+                <a:effectLst/>
+                <a:highlight>
+                  <a:srgbClr val="1E1F22"/>
+                </a:highlight>
+              </a:rPr>
+              <a:t>Fat-tailed distributions in growth rates and stock returns and risk</a:t>
+            </a:r>
+          </a:p>
+          <a:p>
+            <a:pPr marL="171450" marR="0" lvl="0" indent="-171450" algn="l" defTabSz="914400" rtl="0" eaLnBrk="1" fontAlgn="auto" latinLnBrk="0" hangingPunct="1">
+              <a:lnSpc>
+                <a:spcPct val="100000"/>
+              </a:lnSpc>
+              <a:spcBef>
+                <a:spcPts val="0"/>
+              </a:spcBef>
+              <a:spcAft>
+                <a:spcPts val="0"/>
+              </a:spcAft>
+              <a:buClrTx/>
+              <a:buSzTx/>
+              <a:buFontTx/>
+              <a:buChar char="-"/>
+              <a:tabLst/>
+              <a:defRPr/>
+            </a:pPr>
+            <a:r>
+              <a:rPr lang="en-US" dirty="0">
+                <a:solidFill>
+                  <a:srgbClr val="BCBEC4"/>
+                </a:solidFill>
+                <a:effectLst/>
+                <a:highlight>
+                  <a:srgbClr val="1E1F22"/>
+                </a:highlight>
+              </a:rPr>
+              <a:t>Interconnections in terms of influence, partial information, shared investments, diffusion of information, correlation of stocks, </a:t>
+            </a:r>
+            <a:r>
+              <a:rPr lang="en-US" dirty="0" err="1">
+                <a:solidFill>
+                  <a:srgbClr val="BCBEC4"/>
+                </a:solidFill>
+                <a:effectLst/>
+                <a:highlight>
+                  <a:srgbClr val="1E1F22"/>
+                </a:highlight>
+              </a:rPr>
+              <a:t>etc</a:t>
+            </a:r>
+            <a:endParaRPr lang="en-US" dirty="0">
+              <a:solidFill>
+                <a:srgbClr val="BCBEC4"/>
+              </a:solidFill>
+              <a:effectLst/>
+              <a:highlight>
+                <a:srgbClr val="1E1F22"/>
+              </a:highlight>
+            </a:endParaRPr>
+          </a:p>
+          <a:p>
+            <a:pPr marL="171450" marR="0" lvl="0" indent="-171450" algn="l" defTabSz="914400" rtl="0" eaLnBrk="1" fontAlgn="auto" latinLnBrk="0" hangingPunct="1">
+              <a:lnSpc>
+                <a:spcPct val="100000"/>
+              </a:lnSpc>
+              <a:spcBef>
+                <a:spcPts val="0"/>
+              </a:spcBef>
+              <a:spcAft>
+                <a:spcPts val="0"/>
+              </a:spcAft>
+              <a:buClrTx/>
+              <a:buSzTx/>
+              <a:buFontTx/>
+              <a:buChar char="-"/>
+              <a:tabLst/>
+              <a:defRPr/>
+            </a:pPr>
+            <a:r>
+              <a:rPr lang="en-US" dirty="0">
+                <a:solidFill>
+                  <a:srgbClr val="BCBEC4"/>
+                </a:solidFill>
+                <a:effectLst/>
+                <a:highlight>
+                  <a:srgbClr val="1E1F22"/>
+                </a:highlight>
+              </a:rPr>
+              <a:t>Nonlinear relationships (small changes in portfolios or behaviors) or choices at different times dynamic</a:t>
+            </a:r>
+          </a:p>
+          <a:p>
+            <a:pPr marL="171450" marR="0" lvl="0" indent="-171450" algn="l" defTabSz="914400" rtl="0" eaLnBrk="1" fontAlgn="auto" latinLnBrk="0" hangingPunct="1">
+              <a:lnSpc>
+                <a:spcPct val="100000"/>
+              </a:lnSpc>
+              <a:spcBef>
+                <a:spcPts val="0"/>
+              </a:spcBef>
+              <a:spcAft>
+                <a:spcPts val="0"/>
+              </a:spcAft>
+              <a:buClrTx/>
+              <a:buSzTx/>
+              <a:buFontTx/>
+              <a:buChar char="-"/>
+              <a:tabLst/>
+              <a:defRPr/>
+            </a:pPr>
+            <a:r>
+              <a:rPr lang="en-US" dirty="0">
+                <a:solidFill>
+                  <a:srgbClr val="BCBEC4"/>
+                </a:solidFill>
+                <a:effectLst/>
+                <a:highlight>
+                  <a:srgbClr val="1E1F22"/>
+                </a:highlight>
+              </a:rPr>
+              <a:t>Aside from regulations, system self organizes from varying behaviors</a:t>
+            </a:r>
+          </a:p>
+          <a:p>
+            <a:pPr marL="0" marR="0" lvl="0" indent="0" algn="l" defTabSz="914400" rtl="0" eaLnBrk="1" fontAlgn="auto" latinLnBrk="0" hangingPunct="1">
+              <a:lnSpc>
+                <a:spcPct val="100000"/>
+              </a:lnSpc>
+              <a:spcBef>
+                <a:spcPts val="0"/>
+              </a:spcBef>
+              <a:spcAft>
+                <a:spcPts val="0"/>
+              </a:spcAft>
+              <a:buClrTx/>
+              <a:buSzTx/>
+              <a:buFontTx/>
+              <a:buNone/>
+              <a:tabLst/>
+              <a:defRPr/>
+            </a:pPr>
+            <a:endParaRPr lang="en-US" dirty="0">
+              <a:solidFill>
+                <a:srgbClr val="BCBEC4"/>
+              </a:solidFill>
+              <a:effectLst/>
+              <a:highlight>
+                <a:srgbClr val="1E1F22"/>
+              </a:highlight>
+            </a:endParaRPr>
+          </a:p>
+          <a:p>
+            <a:pPr marL="0" marR="0" lvl="0" indent="0" algn="l" defTabSz="914400" rtl="0" eaLnBrk="1" fontAlgn="auto" latinLnBrk="0" hangingPunct="1">
+              <a:lnSpc>
+                <a:spcPct val="100000"/>
+              </a:lnSpc>
+              <a:spcBef>
+                <a:spcPts val="0"/>
+              </a:spcBef>
+              <a:spcAft>
+                <a:spcPts val="0"/>
+              </a:spcAft>
+              <a:buClrTx/>
+              <a:buSzTx/>
+              <a:buFontTx/>
+              <a:buNone/>
+              <a:tabLst/>
+              <a:defRPr/>
+            </a:pPr>
+            <a:r>
+              <a:rPr lang="en-US" dirty="0">
+                <a:solidFill>
+                  <a:srgbClr val="BCBEC4"/>
+                </a:solidFill>
+                <a:effectLst/>
+                <a:highlight>
+                  <a:srgbClr val="1E1F22"/>
+                </a:highlight>
+              </a:rPr>
+              <a:t>Explored in many fields about risk, networks of stocks and brokers, grouping network, modeling crashes and antifragility in those crashes, chosen to explore normal behavior and then crisis events between 2007-2008</a:t>
+            </a:r>
+          </a:p>
+          <a:p>
+            <a:pPr marL="0" marR="0" lvl="0" indent="0" algn="l" defTabSz="914400" rtl="0" eaLnBrk="1" fontAlgn="auto" latinLnBrk="0" hangingPunct="1">
+              <a:lnSpc>
+                <a:spcPct val="100000"/>
+              </a:lnSpc>
+              <a:spcBef>
+                <a:spcPts val="0"/>
+              </a:spcBef>
+              <a:spcAft>
+                <a:spcPts val="0"/>
+              </a:spcAft>
+              <a:buClrTx/>
+              <a:buSzTx/>
+              <a:buFontTx/>
+              <a:buNone/>
+              <a:tabLst/>
+              <a:defRPr/>
+            </a:pPr>
+            <a:r>
+              <a:rPr lang="en-US" dirty="0">
+                <a:solidFill>
+                  <a:srgbClr val="BCBEC4"/>
+                </a:solidFill>
+                <a:effectLst/>
+                <a:highlight>
+                  <a:srgbClr val="1E1F22"/>
+                </a:highlight>
+              </a:rPr>
+              <a:t>This presents an opportunity to explore the market and develop strategies based on risk in simulation with real data.</a:t>
+            </a:r>
+          </a:p>
+          <a:p>
+            <a:pPr marL="171450" marR="0" lvl="0" indent="-171450" algn="l" defTabSz="914400" rtl="0" eaLnBrk="1" fontAlgn="auto" latinLnBrk="0" hangingPunct="1">
+              <a:lnSpc>
+                <a:spcPct val="100000"/>
+              </a:lnSpc>
+              <a:spcBef>
+                <a:spcPts val="0"/>
+              </a:spcBef>
+              <a:spcAft>
+                <a:spcPts val="0"/>
+              </a:spcAft>
+              <a:buClrTx/>
+              <a:buSzTx/>
+              <a:buFontTx/>
+              <a:buChar char="-"/>
+              <a:tabLst/>
+              <a:defRPr/>
+            </a:pPr>
+            <a:r>
+              <a:rPr lang="en-US" dirty="0">
+                <a:solidFill>
+                  <a:srgbClr val="BCBEC4"/>
+                </a:solidFill>
+                <a:effectLst/>
+                <a:highlight>
+                  <a:srgbClr val="1E1F22"/>
+                </a:highlight>
+              </a:rPr>
+              <a:t>Also looking for an antifragile strategy based on risk and influence that does better during drastic events</a:t>
+            </a:r>
+          </a:p>
+          <a:p>
+            <a:pPr marL="171450" marR="0" lvl="0" indent="-171450" algn="l" defTabSz="914400" rtl="0" eaLnBrk="1" fontAlgn="auto" latinLnBrk="0" hangingPunct="1">
+              <a:lnSpc>
+                <a:spcPct val="100000"/>
+              </a:lnSpc>
+              <a:spcBef>
+                <a:spcPts val="0"/>
+              </a:spcBef>
+              <a:spcAft>
+                <a:spcPts val="0"/>
+              </a:spcAft>
+              <a:buClrTx/>
+              <a:buSzTx/>
+              <a:buFontTx/>
+              <a:buChar char="-"/>
+              <a:tabLst/>
+              <a:defRPr/>
+            </a:pPr>
+            <a:endParaRPr lang="en-US" dirty="0">
+              <a:solidFill>
+                <a:srgbClr val="BCBEC4"/>
+              </a:solidFill>
+              <a:effectLst/>
+              <a:highlight>
+                <a:srgbClr val="1E1F22"/>
+              </a:highlight>
+            </a:endParaRPr>
           </a:p>
         </p:txBody>
       </p:sp>
@@ -1900,28 +1322,166 @@
         </p:nvSpPr>
         <p:spPr/>
       </p:sp>
-      <p:sp>
-        <p:nvSpPr>
-          <p:cNvPr id="3" name="Notes Placeholder 2"/>
-          <p:cNvSpPr>
-            <a:spLocks noGrp="1"/>
-          </p:cNvSpPr>
-          <p:nvPr>
-            <p:ph type="body" idx="1"/>
-          </p:nvPr>
-        </p:nvSpPr>
-        <p:spPr/>
-        <p:txBody>
-          <a:bodyPr/>
-          <a:lstStyle/>
-          <a:p>
-            <a:r>
-              <a:rPr lang="en-US" dirty="0"/>
-              <a:t>Add graph of brokers</a:t>
-            </a:r>
-          </a:p>
-        </p:txBody>
-      </p:sp>
+      <mc:AlternateContent xmlns:mc="http://schemas.openxmlformats.org/markup-compatibility/2006">
+        <mc:Choice xmlns:a14="http://schemas.microsoft.com/office/drawing/2010/main" Requires="a14">
+          <p:sp>
+            <p:nvSpPr>
+              <p:cNvPr id="3" name="Notes Placeholder 2"/>
+              <p:cNvSpPr>
+                <a:spLocks noGrp="1"/>
+              </p:cNvSpPr>
+              <p:nvPr>
+                <p:ph type="body" idx="1"/>
+              </p:nvPr>
+            </p:nvSpPr>
+            <p:spPr/>
+            <p:txBody>
+              <a:bodyPr/>
+              <a:lstStyle/>
+              <a:p>
+                <a:r>
+                  <a:rPr lang="en-US" dirty="0"/>
+                  <a:t>1 minute</a:t>
+                </a:r>
+              </a:p>
+              <a:p>
+                <a:endParaRPr lang="en-US" dirty="0"/>
+              </a:p>
+              <a:p>
+                <a:r>
+                  <a:rPr lang="en-US" dirty="0"/>
+                  <a:t>Simulation over 100 brokers, interconnected with the ability to influence each other’s assessment of the risk </a:t>
+                </a:r>
+              </a:p>
+              <a:p>
+                <a:r>
+                  <a:rPr lang="en-US" dirty="0"/>
+                  <a:t>Highlight directed graph indicating directional influence resembling real world, distributed number of inputs to influence risk based on </a:t>
+                </a:r>
+                <a:r>
+                  <a:rPr lang="en-US" dirty="0" err="1"/>
+                  <a:t>fattailed</a:t>
+                </a:r>
+                <a:r>
+                  <a:rPr lang="en-US" dirty="0"/>
+                  <a:t> distribution with exponent 2.7</a:t>
+                </a:r>
+              </a:p>
+              <a:p>
+                <a:r>
+                  <a:rPr lang="en-US" dirty="0"/>
+                  <a:t>To populate the set of friends, the brokers were sampled randomly uniformly</a:t>
+                </a:r>
+                <a14:m>
+                  <m:oMath xmlns:m="http://schemas.openxmlformats.org/officeDocument/2006/math">
+                    <a:fld id="{825F15A7-03F4-43D7-82C5-3E23DA2F108C}" type="mathplaceholder">
+                      <a:rPr lang="en-US" i="1" smtClean="0">
+                        <a:latin typeface="Cambria Math" panose="02040503050406030204" pitchFamily="18" charset="0"/>
+                      </a:rPr>
+                      <a:t>Type equation here.</a:t>
+                    </a:fld>
+                  </m:oMath>
+                </a14:m>
+                <a:endParaRPr lang="en-US" dirty="0"/>
+              </a:p>
+              <a:p>
+                <a:endParaRPr lang="en-US" dirty="0"/>
+              </a:p>
+              <a:p>
+                <a:r>
+                  <a:rPr lang="en-US" dirty="0"/>
+                  <a:t>each friend started with a set percent $</a:t>
+                </a:r>
+                <a:r>
+                  <a:rPr lang="en-US" dirty="0" err="1"/>
+                  <a:t>w_i</a:t>
+                </a:r>
+                <a:r>
+                  <a:rPr lang="en-US" dirty="0"/>
+                  <a:t> = .04$</a:t>
+                </a:r>
+              </a:p>
+            </p:txBody>
+          </p:sp>
+        </mc:Choice>
+        <mc:Fallback>
+          <p:sp>
+            <p:nvSpPr>
+              <p:cNvPr id="3" name="Notes Placeholder 2"/>
+              <p:cNvSpPr>
+                <a:spLocks noGrp="1"/>
+              </p:cNvSpPr>
+              <p:nvPr>
+                <p:ph type="body" idx="1"/>
+              </p:nvPr>
+            </p:nvSpPr>
+            <p:spPr/>
+            <p:txBody>
+              <a:bodyPr/>
+              <a:lstStyle/>
+              <a:p>
+                <a:r>
+                  <a:rPr lang="en-US" dirty="0"/>
+                  <a:t>1 minute</a:t>
+                </a:r>
+              </a:p>
+              <a:p>
+                <a:endParaRPr lang="en-US" dirty="0"/>
+              </a:p>
+              <a:p>
+                <a:r>
+                  <a:rPr lang="en-US" dirty="0"/>
+                  <a:t>Simulation over 100 brokers, interconnected with the ability to influence each other’s assessment of the risk </a:t>
+                </a:r>
+              </a:p>
+              <a:p>
+                <a:r>
+                  <a:rPr lang="en-US" dirty="0"/>
+                  <a:t>Highlight directed graph indicating directional influence resembling real world, distributed number of inputs to influence risk based on </a:t>
+                </a:r>
+                <a:r>
+                  <a:rPr lang="en-US" dirty="0" err="1"/>
+                  <a:t>fattailed</a:t>
+                </a:r>
+                <a:r>
+                  <a:rPr lang="en-US" dirty="0"/>
+                  <a:t> distribution with exponent 2.7</a:t>
+                </a:r>
+              </a:p>
+              <a:p>
+                <a:r>
+                  <a:rPr lang="en-US" dirty="0"/>
+                  <a:t>To populate the set of friends, the brokers were sampled randomly uniformly</a:t>
+                </a:r>
+                <a:r>
+                  <a:rPr lang="en-US" i="0">
+                    <a:latin typeface="Cambria Math" panose="02040503050406030204" pitchFamily="18" charset="0"/>
+                  </a:rPr>
+                  <a:t>"Type equation here."</a:t>
+                </a:r>
+                <a:endParaRPr lang="en-US" dirty="0"/>
+              </a:p>
+              <a:p>
+                <a:endParaRPr lang="en-US" dirty="0"/>
+              </a:p>
+              <a:p>
+                <a:r>
+                  <a:rPr lang="en-US" dirty="0"/>
+                  <a:t>each friend started with a set percent $</a:t>
+                </a:r>
+                <a:r>
+                  <a:rPr lang="en-US" dirty="0" err="1"/>
+                  <a:t>w_i</a:t>
+                </a:r>
+                <a:r>
+                  <a:rPr lang="en-US" dirty="0"/>
+                  <a:t> = .04$</a:t>
+                </a:r>
+              </a:p>
+            </p:txBody>
+          </p:sp>
+        </mc:Fallback>
+      </mc:AlternateContent>
       <p:sp>
         <p:nvSpPr>
           <p:cNvPr id="4" name="Slide Number Placeholder 3"/>
@@ -2007,6 +1567,98 @@
               <a:t>Add plots showing how high risk ends up with low liquidity, high dollar value of stocks, fewer stocks</a:t>
             </a:r>
           </a:p>
+          <a:p>
+            <a:endParaRPr lang="en-US" dirty="0"/>
+          </a:p>
+          <a:p>
+            <a:pPr marL="0" marR="0" lvl="0" indent="0" algn="l" defTabSz="914400" rtl="0" eaLnBrk="1" fontAlgn="auto" latinLnBrk="0" hangingPunct="1">
+              <a:lnSpc>
+                <a:spcPct val="100000"/>
+              </a:lnSpc>
+              <a:spcBef>
+                <a:spcPts val="0"/>
+              </a:spcBef>
+              <a:spcAft>
+                <a:spcPts val="0"/>
+              </a:spcAft>
+              <a:buClrTx/>
+              <a:buSzTx/>
+              <a:buFontTx/>
+              <a:buNone/>
+              <a:tabLst/>
+              <a:defRPr/>
+            </a:pPr>
+            <a:r>
+              <a:rPr lang="en-US" dirty="0"/>
+              <a:t>the risk is represented by a fat-tailed distribution with an exponent of $k=3$ with $H_{52}$ as the 52-week high, $L_{52}$ as the 52-week low, $</a:t>
+            </a:r>
+            <a:r>
+              <a:rPr lang="en-US" dirty="0" err="1"/>
+              <a:t>d_r</a:t>
+            </a:r>
+            <a:r>
+              <a:rPr lang="en-US" dirty="0"/>
+              <a:t>$ as the dividend ratio, $m_{50}$ as the 50 day average, $</a:t>
+            </a:r>
+            <a:r>
+              <a:rPr lang="en-US" dirty="0" err="1"/>
+              <a:t>e_g</a:t>
+            </a:r>
+            <a:r>
+              <a:rPr lang="en-US" dirty="0"/>
+              <a:t>$ as the earnings growth, $f_{eps}$ as the forward earnings per share, and $</a:t>
+            </a:r>
+            <a:r>
+              <a:rPr lang="en-US" dirty="0" err="1"/>
+              <a:t>p_a</a:t>
+            </a:r>
+            <a:r>
+              <a:rPr lang="en-US" dirty="0"/>
+              <a:t>$ as the portfolio allocation of equity for the given stock. </a:t>
+            </a:r>
+          </a:p>
+          <a:p>
+            <a:endParaRPr lang="en-US" dirty="0"/>
+          </a:p>
+          <a:p>
+            <a:r>
+              <a:rPr lang="en-US" dirty="0"/>
+              <a:t>A represents likelihood of risk with x as the potential impact of the stock, keeping in range 1, infinity</a:t>
+            </a:r>
+          </a:p>
+          <a:p>
+            <a:endParaRPr lang="en-US" dirty="0"/>
+          </a:p>
+          <a:p>
+            <a:r>
+              <a:rPr lang="en-US" dirty="0"/>
+              <a:t>See plots showing how high risk brokers led to fewer total stocks but more expensive stocks, middle risk leads to more different stocks but less expensive average</a:t>
+            </a:r>
+          </a:p>
+          <a:p>
+            <a:r>
+              <a:rPr lang="en-US" dirty="0"/>
+              <a:t>Brokers are ordered by risk level from 0 to 10_000</a:t>
+            </a:r>
+          </a:p>
+          <a:p>
+            <a:endParaRPr lang="en-US" dirty="0"/>
+          </a:p>
+          <a:p>
+            <a:r>
+              <a:rPr lang="en-US" dirty="0"/>
+              <a:t>Also note that risk adverse brokers often kept more of their assets liquid</a:t>
+            </a:r>
+          </a:p>
+          <a:p>
+            <a:endParaRPr lang="en-US" dirty="0"/>
+          </a:p>
+          <a:p>
+            <a:r>
+              <a:rPr lang="en-US" dirty="0"/>
+              <a:t>Data collected was filtered to only those with the data necessary for this risk calculation </a:t>
+            </a:r>
+          </a:p>
         </p:txBody>
       </p:sp>
       <p:sp>
@@ -2089,6 +1741,210 @@
           <a:bodyPr/>
           <a:lstStyle/>
           <a:p>
+            <a:pPr marL="0" marR="0" lvl="0" indent="0" algn="l" defTabSz="914400" rtl="0" eaLnBrk="1" fontAlgn="auto" latinLnBrk="0" hangingPunct="1">
+              <a:lnSpc>
+                <a:spcPct val="100000"/>
+              </a:lnSpc>
+              <a:spcBef>
+                <a:spcPts val="0"/>
+              </a:spcBef>
+              <a:spcAft>
+                <a:spcPts val="0"/>
+              </a:spcAft>
+              <a:buClrTx/>
+              <a:buSzTx/>
+              <a:buFontTx/>
+              <a:buNone/>
+              <a:tabLst/>
+              <a:defRPr/>
+            </a:pPr>
+            <a:r>
+              <a:rPr lang="en-US" dirty="0"/>
+              <a:t>Example of portfolio behavior over time</a:t>
+            </a:r>
+          </a:p>
+          <a:p>
+            <a:endParaRPr lang="en-US" dirty="0"/>
+          </a:p>
+          <a:p>
+            <a:pPr marL="171450" marR="0" lvl="0" indent="-171450" algn="l" defTabSz="914400" rtl="0" eaLnBrk="1" fontAlgn="auto" latinLnBrk="0" hangingPunct="1">
+              <a:lnSpc>
+                <a:spcPct val="100000"/>
+              </a:lnSpc>
+              <a:spcBef>
+                <a:spcPts val="0"/>
+              </a:spcBef>
+              <a:spcAft>
+                <a:spcPts val="0"/>
+              </a:spcAft>
+              <a:buClrTx/>
+              <a:buSzTx/>
+              <a:buFontTx/>
+              <a:buChar char="-"/>
+              <a:tabLst/>
+              <a:defRPr/>
+            </a:pPr>
+            <a:r>
+              <a:rPr lang="en-US" dirty="0"/>
+              <a:t>Brokers follow the general market trends and grow over time.</a:t>
+            </a:r>
+          </a:p>
+          <a:p>
+            <a:pPr marL="171450" marR="0" lvl="0" indent="-171450" algn="l" defTabSz="914400" rtl="0" eaLnBrk="1" fontAlgn="auto" latinLnBrk="0" hangingPunct="1">
+              <a:lnSpc>
+                <a:spcPct val="100000"/>
+              </a:lnSpc>
+              <a:spcBef>
+                <a:spcPts val="0"/>
+              </a:spcBef>
+              <a:spcAft>
+                <a:spcPts val="0"/>
+              </a:spcAft>
+              <a:buClrTx/>
+              <a:buSzTx/>
+              <a:buFontTx/>
+              <a:buChar char="-"/>
+              <a:tabLst/>
+              <a:defRPr/>
+            </a:pPr>
+            <a:r>
+              <a:rPr lang="en-US" dirty="0"/>
+              <a:t>Can see significant loss at 2007-2008, and spike in risk evaluations with plunging and rising market</a:t>
+            </a:r>
+          </a:p>
+          <a:p>
+            <a:pPr marL="171450" marR="0" lvl="0" indent="-171450" algn="l" defTabSz="914400" rtl="0" eaLnBrk="1" fontAlgn="auto" latinLnBrk="0" hangingPunct="1">
+              <a:lnSpc>
+                <a:spcPct val="100000"/>
+              </a:lnSpc>
+              <a:spcBef>
+                <a:spcPts val="0"/>
+              </a:spcBef>
+              <a:spcAft>
+                <a:spcPts val="0"/>
+              </a:spcAft>
+              <a:buClrTx/>
+              <a:buSzTx/>
+              <a:buFontTx/>
+              <a:buChar char="-"/>
+              <a:tabLst/>
+              <a:defRPr/>
+            </a:pPr>
+            <a:r>
+              <a:rPr lang="en-US" dirty="0"/>
+              <a:t>the brokers, who did not cash out when the stocks crashed, rebounded after the crisis</a:t>
+            </a:r>
+          </a:p>
+          <a:p>
+            <a:pPr marL="171450" marR="0" lvl="0" indent="-171450" algn="l" defTabSz="914400" rtl="0" eaLnBrk="1" fontAlgn="auto" latinLnBrk="0" hangingPunct="1">
+              <a:lnSpc>
+                <a:spcPct val="100000"/>
+              </a:lnSpc>
+              <a:spcBef>
+                <a:spcPts val="0"/>
+              </a:spcBef>
+              <a:spcAft>
+                <a:spcPts val="0"/>
+              </a:spcAft>
+              <a:buClrTx/>
+              <a:buSzTx/>
+              <a:buFontTx/>
+              <a:buChar char="-"/>
+              <a:tabLst/>
+              <a:defRPr/>
+            </a:pPr>
+            <a:r>
+              <a:rPr lang="en-US" dirty="0"/>
+              <a:t>By 2010, the typical brokers regained the wealth that they had acquired before 2008.</a:t>
+            </a:r>
+          </a:p>
+          <a:p>
+            <a:pPr marL="171450" marR="0" lvl="0" indent="-171450" algn="l" defTabSz="914400" rtl="0" eaLnBrk="1" fontAlgn="auto" latinLnBrk="0" hangingPunct="1">
+              <a:lnSpc>
+                <a:spcPct val="100000"/>
+              </a:lnSpc>
+              <a:spcBef>
+                <a:spcPts val="0"/>
+              </a:spcBef>
+              <a:spcAft>
+                <a:spcPts val="0"/>
+              </a:spcAft>
+              <a:buClrTx/>
+              <a:buSzTx/>
+              <a:buFontTx/>
+              <a:buChar char="-"/>
+              <a:tabLst/>
+              <a:defRPr/>
+            </a:pPr>
+            <a:r>
+              <a:rPr lang="en-US" dirty="0"/>
+              <a:t>The high risk brokers can be seen to rebound more quickly and exceed their peers of medium risk in some cases. (see example of broker 80, broker 2, broker 20, broker 15</a:t>
+            </a:r>
+          </a:p>
+          <a:p>
+            <a:pPr marL="171450" marR="0" lvl="0" indent="-171450" algn="l" defTabSz="914400" rtl="0" eaLnBrk="1" fontAlgn="auto" latinLnBrk="0" hangingPunct="1">
+              <a:lnSpc>
+                <a:spcPct val="100000"/>
+              </a:lnSpc>
+              <a:spcBef>
+                <a:spcPts val="0"/>
+              </a:spcBef>
+              <a:spcAft>
+                <a:spcPts val="0"/>
+              </a:spcAft>
+              <a:buClrTx/>
+              <a:buSzTx/>
+              <a:buFontTx/>
+              <a:buChar char="-"/>
+              <a:tabLst/>
+              <a:defRPr/>
+            </a:pPr>
+            <a:r>
+              <a:rPr lang="en-US" dirty="0"/>
+              <a:t>Further, it showed buying at the crash showed significant increase in portfolio value for brokers seeking medium and high levels of risk.</a:t>
+            </a:r>
+          </a:p>
+          <a:p>
+            <a:pPr marL="171450" marR="0" lvl="0" indent="-171450" algn="l" defTabSz="914400" rtl="0" eaLnBrk="1" fontAlgn="auto" latinLnBrk="0" hangingPunct="1">
+              <a:lnSpc>
+                <a:spcPct val="100000"/>
+              </a:lnSpc>
+              <a:spcBef>
+                <a:spcPts val="0"/>
+              </a:spcBef>
+              <a:spcAft>
+                <a:spcPts val="0"/>
+              </a:spcAft>
+              <a:buClrTx/>
+              <a:buSzTx/>
+              <a:buFontTx/>
+              <a:buChar char="-"/>
+              <a:tabLst/>
+              <a:defRPr/>
+            </a:pPr>
+            <a:r>
+              <a:rPr lang="en-US" dirty="0"/>
+              <a:t>Note also stopping at fixed risk once the preferred risk level is reached and keeping portfolio does similarly to buying and selling to keep the risk</a:t>
+            </a:r>
+          </a:p>
+          <a:p>
+            <a:pPr marL="171450" marR="0" lvl="0" indent="-171450" algn="l" defTabSz="914400" rtl="0" eaLnBrk="1" fontAlgn="auto" latinLnBrk="0" hangingPunct="1">
+              <a:lnSpc>
+                <a:spcPct val="100000"/>
+              </a:lnSpc>
+              <a:spcBef>
+                <a:spcPts val="0"/>
+              </a:spcBef>
+              <a:spcAft>
+                <a:spcPts val="0"/>
+              </a:spcAft>
+              <a:buClrTx/>
+              <a:buSzTx/>
+              <a:buFontTx/>
+              <a:buChar char="-"/>
+              <a:tabLst/>
+              <a:defRPr/>
+            </a:pPr>
             <a:endParaRPr lang="en-US" dirty="0"/>
           </a:p>
         </p:txBody>
@@ -2173,6 +2029,69 @@
           <a:bodyPr/>
           <a:lstStyle/>
           <a:p>
+            <a:r>
+              <a:rPr lang="en-US" dirty="0"/>
+              <a:t>Left figure show interim portfolio values before the 2007-2008 financial crisis</a:t>
+            </a:r>
+          </a:p>
+          <a:p>
+            <a:endParaRPr lang="en-US" dirty="0"/>
+          </a:p>
+          <a:p>
+            <a:pPr marL="171450" indent="-171450">
+              <a:buFontTx/>
+              <a:buChar char="-"/>
+            </a:pPr>
+            <a:r>
+              <a:rPr lang="en-US" dirty="0"/>
+              <a:t>the brokers, who did not cash out when the stocks crashed, rebounded after the crisis</a:t>
+            </a:r>
+          </a:p>
+          <a:p>
+            <a:pPr marL="171450" indent="-171450">
+              <a:buFontTx/>
+              <a:buChar char="-"/>
+            </a:pPr>
+            <a:r>
+              <a:rPr lang="en-US" dirty="0"/>
+              <a:t>The high risk brokers can be seen to rebound more quickly and exceed their peers of medium risk in some cases.</a:t>
+            </a:r>
+          </a:p>
+          <a:p>
+            <a:pPr marL="171450" indent="-171450">
+              <a:buFontTx/>
+              <a:buChar char="-"/>
+            </a:pPr>
+            <a:r>
+              <a:rPr lang="en-US" dirty="0"/>
+              <a:t>Final values shows slightly different behavior; at event, risky brokers could make the most money but didn’t necessarily win over the large period of normal operation </a:t>
+            </a:r>
+          </a:p>
+          <a:p>
+            <a:pPr marL="171450" indent="-171450">
+              <a:buFontTx/>
+              <a:buChar char="-"/>
+            </a:pPr>
+            <a:r>
+              <a:rPr lang="en-US" dirty="0"/>
+              <a:t>by not exiting when their portfolios spiked, did not achieve the same levels of wealth as the more moderate brokers after the Black Swan event. </a:t>
+            </a:r>
+          </a:p>
+          <a:p>
+            <a:pPr marL="171450" indent="-171450">
+              <a:buFontTx/>
+              <a:buChar char="-"/>
+            </a:pPr>
+            <a:r>
+              <a:rPr lang="en-US" dirty="0"/>
+              <a:t>At the end, with our method of risk formulation, moderate risk brokers won overall</a:t>
+            </a:r>
+          </a:p>
+          <a:p>
+            <a:pPr marL="171450" indent="-171450">
+              <a:buFontTx/>
+              <a:buChar char="-"/>
+            </a:pPr>
             <a:endParaRPr lang="en-US" dirty="0"/>
           </a:p>
         </p:txBody>
@@ -2257,7 +2176,48 @@
           <a:bodyPr/>
           <a:lstStyle/>
           <a:p>
+            <a:r>
+              <a:rPr lang="en-US" dirty="0"/>
+              <a:t>Influence aspect was adjusted. Two different possibilities were explored. As mentioned, influence kept with positive weight was the main approach</a:t>
+            </a:r>
+          </a:p>
+          <a:p>
             <a:endParaRPr lang="en-US" dirty="0"/>
+          </a:p>
+          <a:p>
+            <a:r>
+              <a:rPr lang="en-US" dirty="0"/>
+              <a:t>The idea of allowing influence to be negative, </a:t>
+            </a:r>
+            <a:r>
+              <a:rPr lang="en-US" dirty="0" err="1"/>
+              <a:t>ie</a:t>
+            </a:r>
+            <a:r>
+              <a:rPr lang="en-US" dirty="0"/>
+              <a:t> if a broker doing poorly recommends a stock, then the broker is even less likely to acquire it; however with current risk formulation this measure didn’t fully work with risk being forced to be positive</a:t>
+            </a:r>
+          </a:p>
+          <a:p>
+            <a:r>
+              <a:rPr lang="en-US" dirty="0"/>
+              <a:t>Further evaluation would be necessary of the meaning of negative impact on risk. With the negative, the trend was more significant but even with it normalized positive as in bottom right, showed that having some influence useful as taking multiple neighbors’ input highlights stocks doing well for different brokers, and capturing change in value the risk assessment did not capture</a:t>
+            </a:r>
+          </a:p>
+          <a:p>
+            <a:endParaRPr lang="en-US" dirty="0"/>
+          </a:p>
+          <a:p>
+            <a:r>
+              <a:rPr lang="en-US" dirty="0"/>
+              <a:t>Note expected difference in time series final values with the high and low risk</a:t>
+            </a:r>
+          </a:p>
+          <a:p>
+            <a:r>
+              <a:rPr lang="en-US" dirty="0"/>
+              <a:t>Basing the influence connections of the network around the risk assessment provides an expansion on a single broker's understanding of the stocks behavior but did not entirely capture the additional benefit of accessing partial information as desired.</a:t>
+            </a:r>
           </a:p>
         </p:txBody>
       </p:sp>
@@ -2341,7 +2301,132 @@
           <a:bodyPr/>
           <a:lstStyle/>
           <a:p>
-            <a:endParaRPr lang="en-US" dirty="0"/>
+            <a:pPr marL="0" marR="0" lvl="0" indent="0" algn="l" defTabSz="914400" rtl="0" eaLnBrk="1" fontAlgn="auto" latinLnBrk="0" hangingPunct="1">
+              <a:lnSpc>
+                <a:spcPct val="100000"/>
+              </a:lnSpc>
+              <a:spcBef>
+                <a:spcPts val="0"/>
+              </a:spcBef>
+              <a:spcAft>
+                <a:spcPts val="0"/>
+              </a:spcAft>
+              <a:buClrTx/>
+              <a:buSzTx/>
+              <a:buFontTx/>
+              <a:buNone/>
+              <a:tabLst/>
+              <a:defRPr/>
+            </a:pPr>
+            <a:r>
+              <a:rPr lang="en-US" dirty="0">
+                <a:solidFill>
+                  <a:srgbClr val="BCBEC4"/>
+                </a:solidFill>
+                <a:effectLst/>
+                <a:highlight>
+                  <a:srgbClr val="1E1F22"/>
+                </a:highlight>
+              </a:rPr>
+              <a:t>- Information flow </a:t>
+            </a:r>
+            <a:r>
+              <a:rPr lang="en-US" dirty="0"/>
+              <a:t>mostly accounted for expansion of risk data but needs to be elaborated to better capture the idea of partial information</a:t>
+            </a:r>
+          </a:p>
+          <a:p>
+            <a:pPr marL="171450" marR="0" lvl="0" indent="-171450" algn="l" defTabSz="914400" rtl="0" eaLnBrk="1" fontAlgn="auto" latinLnBrk="0" hangingPunct="1">
+              <a:lnSpc>
+                <a:spcPct val="100000"/>
+              </a:lnSpc>
+              <a:spcBef>
+                <a:spcPts val="0"/>
+              </a:spcBef>
+              <a:spcAft>
+                <a:spcPts val="0"/>
+              </a:spcAft>
+              <a:buClrTx/>
+              <a:buSzTx/>
+              <a:buFontTx/>
+              <a:buChar char="-"/>
+              <a:tabLst/>
+              <a:defRPr/>
+            </a:pPr>
+            <a:r>
+              <a:rPr lang="en-US" dirty="0">
+                <a:solidFill>
+                  <a:srgbClr val="BCBEC4"/>
+                </a:solidFill>
+                <a:effectLst/>
+                <a:highlight>
+                  <a:srgbClr val="1E1F22"/>
+                </a:highlight>
+              </a:rPr>
+              <a:t>Data filtration cuts out stocks in which only partial information is available and stocks that remove from public market for private buyout or bankruptcy limiting types</a:t>
+            </a:r>
+          </a:p>
+          <a:p>
+            <a:pPr marL="171450" marR="0" lvl="0" indent="-171450" algn="l" defTabSz="914400" rtl="0" eaLnBrk="1" fontAlgn="auto" latinLnBrk="0" hangingPunct="1">
+              <a:lnSpc>
+                <a:spcPct val="100000"/>
+              </a:lnSpc>
+              <a:spcBef>
+                <a:spcPts val="0"/>
+              </a:spcBef>
+              <a:spcAft>
+                <a:spcPts val="0"/>
+              </a:spcAft>
+              <a:buClrTx/>
+              <a:buSzTx/>
+              <a:buFontTx/>
+              <a:buChar char="-"/>
+              <a:tabLst/>
+              <a:defRPr/>
+            </a:pPr>
+            <a:r>
+              <a:rPr lang="en-US" dirty="0">
+                <a:solidFill>
+                  <a:srgbClr val="BCBEC4"/>
+                </a:solidFill>
+                <a:effectLst/>
+                <a:highlight>
+                  <a:srgbClr val="1E1F22"/>
+                </a:highlight>
+              </a:rPr>
+              <a:t>Should expand to more brokers and also try to create the power law distribution around which friends are popular instead of random</a:t>
+            </a:r>
+          </a:p>
+          <a:p>
+            <a:pPr marL="171450" marR="0" lvl="0" indent="-171450" algn="l" defTabSz="914400" rtl="0" eaLnBrk="1" fontAlgn="auto" latinLnBrk="0" hangingPunct="1">
+              <a:lnSpc>
+                <a:spcPct val="100000"/>
+              </a:lnSpc>
+              <a:spcBef>
+                <a:spcPts val="0"/>
+              </a:spcBef>
+              <a:spcAft>
+                <a:spcPts val="0"/>
+              </a:spcAft>
+              <a:buClrTx/>
+              <a:buSzTx/>
+              <a:buFontTx/>
+              <a:buChar char="-"/>
+              <a:tabLst/>
+              <a:defRPr/>
+            </a:pPr>
+            <a:r>
+              <a:rPr lang="en-US" dirty="0">
+                <a:solidFill>
+                  <a:srgbClr val="BCBEC4"/>
+                </a:solidFill>
+                <a:effectLst/>
+                <a:highlight>
+                  <a:srgbClr val="1E1F22"/>
+                </a:highlight>
+              </a:rPr>
+              <a:t>Could extend stock risk evaluation to better account for more relationships in stocks </a:t>
+            </a:r>
           </a:p>
         </p:txBody>
       </p:sp>
@@ -2371,7 +2456,7 @@
     </p:spTree>
     <p:extLst>
       <p:ext uri="{BB962C8B-B14F-4D97-AF65-F5344CB8AC3E}">
-        <p14:creationId xmlns:p14="http://schemas.microsoft.com/office/powerpoint/2010/main" val="67413674"/>
+        <p14:creationId xmlns:p14="http://schemas.microsoft.com/office/powerpoint/2010/main" val="1611523902"/>
       </p:ext>
     </p:extLst>
   </p:cSld>
@@ -2425,304 +2510,6 @@
           <a:bodyPr/>
           <a:lstStyle/>
           <a:p>
-            <a:pPr marL="0" marR="0" lvl="0" indent="0" algn="l" defTabSz="914400" rtl="0" eaLnBrk="1" fontAlgn="auto" latinLnBrk="0" hangingPunct="1">
-              <a:lnSpc>
-                <a:spcPct val="100000"/>
-              </a:lnSpc>
-              <a:spcBef>
-                <a:spcPts val="0"/>
-              </a:spcBef>
-              <a:spcAft>
-                <a:spcPts val="0"/>
-              </a:spcAft>
-              <a:buClrTx/>
-              <a:buSzTx/>
-              <a:buFontTx/>
-              <a:buNone/>
-              <a:tabLst/>
-              <a:defRPr/>
-            </a:pPr>
-            <a:r>
-              <a:rPr lang="en-US" dirty="0">
-                <a:solidFill>
-                  <a:srgbClr val="BCBEC4"/>
-                </a:solidFill>
-                <a:effectLst/>
-                <a:highlight>
-                  <a:srgbClr val="1E1F22"/>
-                </a:highlight>
-              </a:rPr>
-              <a:t>\section{Conclusion}\</a:t>
-            </a:r>
-            <a:r>
-              <a:rPr lang="en-US" dirty="0">
-                <a:solidFill>
-                  <a:srgbClr val="CF8E6D"/>
-                </a:solidFill>
-                <a:effectLst/>
-                <a:highlight>
-                  <a:srgbClr val="1E1F22"/>
-                </a:highlight>
-              </a:rPr>
-              <a:t>label</a:t>
-            </a:r>
-            <a:r>
-              <a:rPr lang="en-US" dirty="0">
-                <a:solidFill>
-                  <a:srgbClr val="BCBEC4"/>
-                </a:solidFill>
-                <a:effectLst/>
-                <a:highlight>
-                  <a:srgbClr val="1E1F22"/>
-                </a:highlight>
-              </a:rPr>
-              <a:t>{</a:t>
-            </a:r>
-            <a:r>
-              <a:rPr lang="en-US" dirty="0" err="1">
-                <a:solidFill>
-                  <a:srgbClr val="BCBEC4"/>
-                </a:solidFill>
-                <a:effectLst/>
-                <a:highlight>
-                  <a:srgbClr val="1E1F22"/>
-                </a:highlight>
-              </a:rPr>
-              <a:t>sec:conclusion</a:t>
-            </a:r>
-            <a:r>
-              <a:rPr lang="en-US" dirty="0">
-                <a:solidFill>
-                  <a:srgbClr val="BCBEC4"/>
-                </a:solidFill>
-                <a:effectLst/>
-                <a:highlight>
-                  <a:srgbClr val="1E1F22"/>
-                </a:highlight>
-              </a:rPr>
-              <a:t>}</a:t>
-            </a:r>
-            <a:br>
-              <a:rPr lang="en-US" dirty="0">
-                <a:solidFill>
-                  <a:srgbClr val="BCBEC4"/>
-                </a:solidFill>
-                <a:effectLst/>
-                <a:highlight>
-                  <a:srgbClr val="1E1F22"/>
-                </a:highlight>
-              </a:rPr>
-            </a:br>
-            <a:r>
-              <a:rPr lang="en-US" dirty="0">
-                <a:solidFill>
-                  <a:srgbClr val="BCBEC4"/>
-                </a:solidFill>
-                <a:effectLst/>
-                <a:highlight>
-                  <a:srgbClr val="1E1F22"/>
-                </a:highlight>
-              </a:rPr>
-              <a:t>%</a:t>
-            </a:r>
-            <a:r>
-              <a:rPr lang="en-US" dirty="0">
-                <a:solidFill>
-                  <a:srgbClr val="7A7E85"/>
-                </a:solidFill>
-                <a:effectLst/>
-                <a:highlight>
-                  <a:srgbClr val="1E1F22"/>
-                </a:highlight>
-              </a:rPr>
-              <a:t> Conclusion: Summary of accomplishments, challenges and open issues</a:t>
-            </a:r>
-            <a:br>
-              <a:rPr lang="en-US" dirty="0">
-                <a:solidFill>
-                  <a:srgbClr val="7A7E85"/>
-                </a:solidFill>
-                <a:effectLst/>
-                <a:highlight>
-                  <a:srgbClr val="1E1F22"/>
-                </a:highlight>
-              </a:rPr>
-            </a:br>
-            <a:r>
-              <a:rPr lang="en-US" dirty="0">
-                <a:solidFill>
-                  <a:srgbClr val="BCBEC4"/>
-                </a:solidFill>
-                <a:effectLst/>
-                <a:highlight>
-                  <a:srgbClr val="1E1F22"/>
-                </a:highlight>
-              </a:rPr>
-              <a:t>This project explored the value of different risk strategies in a simulated market of networked brokers with power law assumptions for risk and </a:t>
-            </a:r>
-            <a:r>
-              <a:rPr lang="en-US" dirty="0" err="1">
-                <a:solidFill>
-                  <a:srgbClr val="BCBEC4"/>
-                </a:solidFill>
-                <a:effectLst/>
-                <a:highlight>
-                  <a:srgbClr val="1E1F22"/>
-                </a:highlight>
-              </a:rPr>
-              <a:t>connectivities</a:t>
-            </a:r>
-            <a:r>
-              <a:rPr lang="en-US" dirty="0">
-                <a:solidFill>
-                  <a:srgbClr val="BCBEC4"/>
-                </a:solidFill>
-                <a:effectLst/>
-                <a:highlight>
-                  <a:srgbClr val="1E1F22"/>
-                </a:highlight>
-              </a:rPr>
-              <a:t> between brokers. It demonstrated the value of taking some input from neighbors' assessments on risk to filter which stocks are actually performing well and showed ... %</a:t>
-            </a:r>
-            <a:r>
-              <a:rPr lang="en-US" dirty="0">
-                <a:solidFill>
-                  <a:srgbClr val="7A7E85"/>
-                </a:solidFill>
-                <a:effectLst/>
-                <a:highlight>
-                  <a:srgbClr val="1E1F22"/>
-                </a:highlight>
-              </a:rPr>
-              <a:t> highlight benefits of risk</a:t>
-            </a:r>
-            <a:br>
-              <a:rPr lang="en-US" dirty="0">
-                <a:solidFill>
-                  <a:srgbClr val="7A7E85"/>
-                </a:solidFill>
-                <a:effectLst/>
-                <a:highlight>
-                  <a:srgbClr val="1E1F22"/>
-                </a:highlight>
-              </a:rPr>
-            </a:br>
-            <a:br>
-              <a:rPr lang="en-US" dirty="0">
-                <a:solidFill>
-                  <a:srgbClr val="7A7E85"/>
-                </a:solidFill>
-                <a:effectLst/>
-                <a:highlight>
-                  <a:srgbClr val="1E1F22"/>
-                </a:highlight>
-              </a:rPr>
-            </a:br>
-            <a:r>
-              <a:rPr lang="en-US" dirty="0">
-                <a:solidFill>
-                  <a:srgbClr val="BCBEC4"/>
-                </a:solidFill>
-                <a:effectLst/>
-                <a:highlight>
-                  <a:srgbClr val="1E1F22"/>
-                </a:highlight>
-              </a:rPr>
-              <a:t>\subsection{Future Work}\</a:t>
-            </a:r>
-            <a:r>
-              <a:rPr lang="en-US" dirty="0">
-                <a:solidFill>
-                  <a:srgbClr val="CF8E6D"/>
-                </a:solidFill>
-                <a:effectLst/>
-                <a:highlight>
-                  <a:srgbClr val="1E1F22"/>
-                </a:highlight>
-              </a:rPr>
-              <a:t>label</a:t>
-            </a:r>
-            <a:r>
-              <a:rPr lang="en-US" dirty="0">
-                <a:solidFill>
-                  <a:srgbClr val="BCBEC4"/>
-                </a:solidFill>
-                <a:effectLst/>
-                <a:highlight>
-                  <a:srgbClr val="1E1F22"/>
-                </a:highlight>
-              </a:rPr>
-              <a:t>{</a:t>
-            </a:r>
-            <a:r>
-              <a:rPr lang="en-US" dirty="0" err="1">
-                <a:solidFill>
-                  <a:srgbClr val="BCBEC4"/>
-                </a:solidFill>
-                <a:effectLst/>
-                <a:highlight>
-                  <a:srgbClr val="1E1F22"/>
-                </a:highlight>
-              </a:rPr>
-              <a:t>subsec:futurework</a:t>
-            </a:r>
-            <a:r>
-              <a:rPr lang="en-US" dirty="0">
-                <a:solidFill>
-                  <a:srgbClr val="BCBEC4"/>
-                </a:solidFill>
-                <a:effectLst/>
-                <a:highlight>
-                  <a:srgbClr val="1E1F22"/>
-                </a:highlight>
-              </a:rPr>
-              <a:t>}</a:t>
-            </a:r>
-            <a:br>
-              <a:rPr lang="en-US" dirty="0">
-                <a:solidFill>
-                  <a:srgbClr val="BCBEC4"/>
-                </a:solidFill>
-                <a:effectLst/>
-                <a:highlight>
-                  <a:srgbClr val="1E1F22"/>
-                </a:highlight>
-              </a:rPr>
-            </a:br>
-            <a:r>
-              <a:rPr lang="en-US" dirty="0">
-                <a:solidFill>
-                  <a:srgbClr val="BCBEC4"/>
-                </a:solidFill>
-                <a:effectLst/>
-                <a:highlight>
-                  <a:srgbClr val="1E1F22"/>
-                </a:highlight>
-              </a:rPr>
-              <a:t>Given the scope of time for the project, only limited aspects of market strategies could be explored. One open area in which limited advances were made was exploring the impact of the influence of neighbors' assessment of risk on the success of a strategy. Because all neighbors used the same information and formula, except for the accounting of their personal status, the impact of influence could be expanded. Further, the risk assessment would be modified to vary more between brokers based on partial information and stocks without full information available to better represent the real world and better account for the interconnections between stocks. </a:t>
-            </a:r>
-            <a:br>
-              <a:rPr lang="en-US" dirty="0">
-                <a:solidFill>
-                  <a:srgbClr val="BCBEC4"/>
-                </a:solidFill>
-                <a:effectLst/>
-                <a:highlight>
-                  <a:srgbClr val="1E1F22"/>
-                </a:highlight>
-              </a:rPr>
-            </a:br>
-            <a:endParaRPr lang="en-US" dirty="0">
-              <a:solidFill>
-                <a:srgbClr val="BCBEC4"/>
-              </a:solidFill>
-              <a:effectLst/>
-              <a:highlight>
-                <a:srgbClr val="1E1F22"/>
-              </a:highlight>
-            </a:endParaRPr>
-          </a:p>
-          <a:p>
             <a:endParaRPr lang="en-US" dirty="0"/>
           </a:p>
         </p:txBody>
@@ -2753,7 +2540,7 @@
     </p:spTree>
     <p:extLst>
       <p:ext uri="{BB962C8B-B14F-4D97-AF65-F5344CB8AC3E}">
-        <p14:creationId xmlns:p14="http://schemas.microsoft.com/office/powerpoint/2010/main" val="1611523902"/>
+        <p14:creationId xmlns:p14="http://schemas.microsoft.com/office/powerpoint/2010/main" val="108912732"/>
       </p:ext>
     </p:extLst>
   </p:cSld>
@@ -2910,7 +2697,7 @@
           <a:p>
             <a:fld id="{3CC2385E-BAC7-3F42-B91F-3AC00928A3BA}" type="datetimeFigureOut">
               <a:rPr lang="en-US" smtClean="0"/>
-              <a:t>4/18/2024</a:t>
+              <a:t>4/22/2024</a:t>
             </a:fld>
             <a:endParaRPr lang="en-US"/>
           </a:p>
@@ -3108,7 +2895,7 @@
           <a:p>
             <a:fld id="{3CC2385E-BAC7-3F42-B91F-3AC00928A3BA}" type="datetimeFigureOut">
               <a:rPr lang="en-US" smtClean="0"/>
-              <a:t>4/18/2024</a:t>
+              <a:t>4/22/2024</a:t>
             </a:fld>
             <a:endParaRPr lang="en-US"/>
           </a:p>
@@ -3316,7 +3103,7 @@
           <a:p>
             <a:fld id="{3CC2385E-BAC7-3F42-B91F-3AC00928A3BA}" type="datetimeFigureOut">
               <a:rPr lang="en-US" smtClean="0"/>
-              <a:t>4/18/2024</a:t>
+              <a:t>4/22/2024</a:t>
             </a:fld>
             <a:endParaRPr lang="en-US"/>
           </a:p>
@@ -3514,7 +3301,7 @@
           <a:p>
             <a:fld id="{3CC2385E-BAC7-3F42-B91F-3AC00928A3BA}" type="datetimeFigureOut">
               <a:rPr lang="en-US" smtClean="0"/>
-              <a:t>4/18/2024</a:t>
+              <a:t>4/22/2024</a:t>
             </a:fld>
             <a:endParaRPr lang="en-US"/>
           </a:p>
@@ -3789,7 +3576,7 @@
           <a:p>
             <a:fld id="{3CC2385E-BAC7-3F42-B91F-3AC00928A3BA}" type="datetimeFigureOut">
               <a:rPr lang="en-US" smtClean="0"/>
-              <a:t>4/18/2024</a:t>
+              <a:t>4/22/2024</a:t>
             </a:fld>
             <a:endParaRPr lang="en-US"/>
           </a:p>
@@ -4054,7 +3841,7 @@
           <a:p>
             <a:fld id="{3CC2385E-BAC7-3F42-B91F-3AC00928A3BA}" type="datetimeFigureOut">
               <a:rPr lang="en-US" smtClean="0"/>
-              <a:t>4/18/2024</a:t>
+              <a:t>4/22/2024</a:t>
             </a:fld>
             <a:endParaRPr lang="en-US"/>
           </a:p>
@@ -4466,7 +4253,7 @@
           <a:p>
             <a:fld id="{3CC2385E-BAC7-3F42-B91F-3AC00928A3BA}" type="datetimeFigureOut">
               <a:rPr lang="en-US" smtClean="0"/>
-              <a:t>4/18/2024</a:t>
+              <a:t>4/22/2024</a:t>
             </a:fld>
             <a:endParaRPr lang="en-US"/>
           </a:p>
@@ -4607,7 +4394,7 @@
           <a:p>
             <a:fld id="{3CC2385E-BAC7-3F42-B91F-3AC00928A3BA}" type="datetimeFigureOut">
               <a:rPr lang="en-US" smtClean="0"/>
-              <a:t>4/18/2024</a:t>
+              <a:t>4/22/2024</a:t>
             </a:fld>
             <a:endParaRPr lang="en-US"/>
           </a:p>
@@ -4720,7 +4507,7 @@
           <a:p>
             <a:fld id="{3CC2385E-BAC7-3F42-B91F-3AC00928A3BA}" type="datetimeFigureOut">
               <a:rPr lang="en-US" smtClean="0"/>
-              <a:t>4/18/2024</a:t>
+              <a:t>4/22/2024</a:t>
             </a:fld>
             <a:endParaRPr lang="en-US"/>
           </a:p>
@@ -5031,7 +4818,7 @@
           <a:p>
             <a:fld id="{3CC2385E-BAC7-3F42-B91F-3AC00928A3BA}" type="datetimeFigureOut">
               <a:rPr lang="en-US" smtClean="0"/>
-              <a:t>4/18/2024</a:t>
+              <a:t>4/22/2024</a:t>
             </a:fld>
             <a:endParaRPr lang="en-US"/>
           </a:p>
@@ -5319,7 +5106,7 @@
           <a:p>
             <a:fld id="{3CC2385E-BAC7-3F42-B91F-3AC00928A3BA}" type="datetimeFigureOut">
               <a:rPr lang="en-US" smtClean="0"/>
-              <a:t>4/18/2024</a:t>
+              <a:t>4/22/2024</a:t>
             </a:fld>
             <a:endParaRPr lang="en-US"/>
           </a:p>
@@ -5560,7 +5347,7 @@
           <a:p>
             <a:fld id="{3CC2385E-BAC7-3F42-B91F-3AC00928A3BA}" type="datetimeFigureOut">
               <a:rPr lang="en-US" smtClean="0"/>
-              <a:t>4/18/2024</a:t>
+              <a:t>4/22/2024</a:t>
             </a:fld>
             <a:endParaRPr lang="en-US"/>
           </a:p>
@@ -5987,7 +5774,7 @@
             </a:extLst>
           </p:cNvPr>
           <p:cNvPicPr>
-            <a:picLocks noChangeAspect="1"/>
+            <a:picLocks noGrp="1" noRot="1" noChangeAspect="1" noMove="1" noResize="1" noEditPoints="1" noAdjustHandles="1" noChangeArrowheads="1" noChangeShapeType="1" noCrop="1"/>
           </p:cNvPicPr>
           <p:nvPr/>
         </p:nvPicPr>
@@ -6025,7 +5812,7 @@
         </p:nvSpPr>
         <p:spPr>
           <a:xfrm>
-            <a:off x="1524000" y="2532128"/>
+            <a:off x="1524000" y="2326855"/>
             <a:ext cx="9144000" cy="2387600"/>
           </a:xfrm>
         </p:spPr>
@@ -6060,7 +5847,7 @@
         </p:nvSpPr>
         <p:spPr>
           <a:xfrm>
-            <a:off x="1524000" y="4889662"/>
+            <a:off x="1524000" y="5113597"/>
             <a:ext cx="9144000" cy="979293"/>
           </a:xfrm>
         </p:spPr>
@@ -6151,423 +5938,21 @@
             <p:ph type="title"/>
           </p:nvPr>
         </p:nvSpPr>
-        <p:spPr/>
-        <p:txBody>
-          <a:bodyPr/>
-          <a:lstStyle/>
-          <a:p>
-            <a:r>
-              <a:rPr lang="en-US" dirty="0"/>
-              <a:t>References</a:t>
-            </a:r>
-          </a:p>
-        </p:txBody>
-      </p:sp>
-      <p:sp>
-        <p:nvSpPr>
-          <p:cNvPr id="9" name="Content Placeholder 8">
-            <a:extLst>
-              <a:ext uri="{FF2B5EF4-FFF2-40B4-BE49-F238E27FC236}">
-                <a16:creationId xmlns:a16="http://schemas.microsoft.com/office/drawing/2014/main" id="{661EE144-0F6C-2649-B81A-1334F4AFFB37}"/>
-              </a:ext>
-            </a:extLst>
-          </p:cNvPr>
-          <p:cNvSpPr>
-            <a:spLocks noGrp="1"/>
-          </p:cNvSpPr>
-          <p:nvPr>
-            <p:ph idx="1"/>
-          </p:nvPr>
-        </p:nvSpPr>
-        <p:spPr/>
+        <p:spPr>
+          <a:xfrm>
+            <a:off x="2596243" y="1234104"/>
+            <a:ext cx="6999514" cy="4776042"/>
+          </a:xfrm>
+        </p:spPr>
         <p:txBody>
           <a:bodyPr>
-            <a:normAutofit fontScale="32500" lnSpcReduction="20000"/>
+            <a:normAutofit/>
           </a:bodyPr>
           <a:lstStyle/>
           <a:p>
-            <a:pPr marL="0" indent="0">
-              <a:buNone/>
-            </a:pPr>
-            <a:r>
-              <a:rPr lang="en-US" dirty="0"/>
-              <a:t>X. </a:t>
-            </a:r>
-            <a:r>
-              <a:rPr lang="en-US" dirty="0" err="1"/>
-              <a:t>Gabaix</a:t>
-            </a:r>
-            <a:r>
-              <a:rPr lang="en-US" dirty="0"/>
-              <a:t>, “Power laws in economics: an introduction,” \</a:t>
-            </a:r>
-            <a:r>
-              <a:rPr lang="en-US" dirty="0" err="1"/>
-              <a:t>textit</a:t>
-            </a:r>
-            <a:r>
-              <a:rPr lang="en-US" dirty="0"/>
-              <a:t>{Journal of Economic Perspectives}, vol. 30, no. 1, pp. 185–206, Feb. 2016.</a:t>
-            </a:r>
-          </a:p>
-          <a:p>
-            <a:pPr marL="0" indent="0">
-              <a:buNone/>
-            </a:pPr>
-            <a:r>
-              <a:rPr lang="en-US" dirty="0"/>
-              <a:t>N. N. </a:t>
-            </a:r>
-            <a:r>
-              <a:rPr lang="en-US" dirty="0" err="1"/>
-              <a:t>Taleb</a:t>
-            </a:r>
-            <a:r>
-              <a:rPr lang="en-US" dirty="0"/>
-              <a:t>, Antifragile: Things that gain from disorder. Harlow, England: Penguin Books, 2013.</a:t>
-            </a:r>
-          </a:p>
-          <a:p>
-            <a:pPr marL="0" indent="0">
-              <a:buNone/>
-            </a:pPr>
-            <a:r>
-              <a:rPr lang="en-US" dirty="0"/>
-              <a:t>D. Easley and J. Kleinberg, Networks, crowds, and markets: Reasoning about a highly connected world. Cambridge, England: Cambridge University Press, 2012.</a:t>
-            </a:r>
-          </a:p>
-          <a:p>
-            <a:pPr marL="0" indent="0">
-              <a:buNone/>
-            </a:pPr>
-            <a:r>
-              <a:rPr lang="en-US" dirty="0"/>
-              <a:t>C. Hommes, “Behavioral and Experimental Macroeconomics and Policy Analysis: A Complex Systems Approach,” Journal of Economic Literature, vol. 59, no. 1, pp. 149–219, Mar. 2021, </a:t>
-            </a:r>
-            <a:r>
-              <a:rPr lang="en-US" dirty="0" err="1"/>
-              <a:t>doi</a:t>
-            </a:r>
-            <a:r>
-              <a:rPr lang="en-US" dirty="0"/>
-              <a:t>: 10.1257/jel.20191434.</a:t>
-            </a:r>
-          </a:p>
-          <a:p>
-            <a:pPr marL="0" indent="0">
-              <a:buNone/>
-            </a:pPr>
-            <a:r>
-              <a:rPr lang="en-US" dirty="0"/>
-              <a:t>C. K. </a:t>
-            </a:r>
-            <a:r>
-              <a:rPr lang="en-US" dirty="0" err="1"/>
-              <a:t>Tse</a:t>
-            </a:r>
-            <a:r>
-              <a:rPr lang="en-US" dirty="0"/>
-              <a:t>, J. Liu, and F. C. M. Lau, “A network perspective of the stock market,” Journal of Empirical Finance, vol. 17, no. 4, pp. 659–667, Sep. 2010, </a:t>
-            </a:r>
-            <a:r>
-              <a:rPr lang="en-US" dirty="0" err="1"/>
-              <a:t>doi</a:t>
-            </a:r>
-            <a:r>
-              <a:rPr lang="en-US" dirty="0"/>
-              <a:t>: 10.1016/j.jempfin.2010.04.008.</a:t>
-            </a:r>
-          </a:p>
-          <a:p>
-            <a:pPr marL="0" indent="0">
-              <a:buNone/>
-            </a:pPr>
-            <a:r>
-              <a:rPr lang="en-US" dirty="0"/>
-              <a:t>M. Kuhlmann, "Explaining financial markets in terms of complex systems," \</a:t>
-            </a:r>
-            <a:r>
-              <a:rPr lang="en-US" dirty="0" err="1"/>
-              <a:t>textit</a:t>
-            </a:r>
-            <a:r>
-              <a:rPr lang="en-US" dirty="0"/>
-              <a:t>{</a:t>
-            </a:r>
-            <a:r>
-              <a:rPr lang="en-US" dirty="0" err="1"/>
-              <a:t>Philosphy</a:t>
-            </a:r>
-            <a:r>
-              <a:rPr lang="en-US" dirty="0"/>
-              <a:t> of Science}, vol. 81, no. 5, pp. 1117-1130, Dec. 2014. %</a:t>
-            </a:r>
-            <a:r>
-              <a:rPr lang="en-US" dirty="0" err="1"/>
-              <a:t>doi</a:t>
-            </a:r>
-            <a:r>
-              <a:rPr lang="en-US" dirty="0"/>
-              <a:t>: 10.1086/677699.</a:t>
-            </a:r>
-          </a:p>
-          <a:p>
-            <a:pPr marL="0" indent="0">
-              <a:buNone/>
-            </a:pPr>
-            <a:r>
-              <a:rPr lang="en-US" dirty="0"/>
-              <a:t>M. Di Maggio, F. </a:t>
-            </a:r>
-            <a:r>
-              <a:rPr lang="en-US" dirty="0" err="1"/>
-              <a:t>Franzoni</a:t>
-            </a:r>
-            <a:r>
-              <a:rPr lang="en-US" dirty="0"/>
-              <a:t>, A. </a:t>
-            </a:r>
-            <a:r>
-              <a:rPr lang="en-US" dirty="0" err="1"/>
-              <a:t>Kermani</a:t>
-            </a:r>
-            <a:r>
-              <a:rPr lang="en-US" dirty="0"/>
-              <a:t>, and C. </a:t>
-            </a:r>
-            <a:r>
-              <a:rPr lang="en-US" dirty="0" err="1"/>
-              <a:t>Sommavilla</a:t>
-            </a:r>
-            <a:r>
-              <a:rPr lang="en-US" dirty="0"/>
-              <a:t>, "The relevance of broker networks for information diffusion in the stock market," \</a:t>
-            </a:r>
-            <a:r>
-              <a:rPr lang="en-US" dirty="0" err="1"/>
-              <a:t>textit</a:t>
-            </a:r>
-            <a:r>
-              <a:rPr lang="en-US" dirty="0"/>
-              <a:t>{Journal of Financial Economics}, vol. 134, no. 2, pp. 419-446, Nov. 2019. </a:t>
-            </a:r>
-          </a:p>
-          <a:p>
-            <a:pPr marL="0" indent="0">
-              <a:buNone/>
-            </a:pPr>
-            <a:r>
-              <a:rPr lang="en-US" dirty="0"/>
-              <a:t>P. Gai and S. Kapadia, "Contagion in financial networks," \</a:t>
-            </a:r>
-            <a:r>
-              <a:rPr lang="en-US" dirty="0" err="1"/>
-              <a:t>textit</a:t>
-            </a:r>
-            <a:r>
-              <a:rPr lang="en-US" dirty="0"/>
-              <a:t>{Proceedings of the Royal Society}, vol. 466, no. 2120, pp. 2401–2423, Aug. 2010.</a:t>
-            </a:r>
-          </a:p>
-          <a:p>
-            <a:pPr marL="0" indent="0">
-              <a:buNone/>
-            </a:pPr>
-            <a:r>
-              <a:rPr lang="en-US" dirty="0"/>
-              <a:t>C. K. </a:t>
-            </a:r>
-            <a:r>
-              <a:rPr lang="en-US" dirty="0" err="1"/>
-              <a:t>Tse</a:t>
-            </a:r>
-            <a:r>
-              <a:rPr lang="en-US" dirty="0"/>
-              <a:t>, J. Liu, and F. C. M. Lau, “A network perspective of the stock market,” \</a:t>
-            </a:r>
-            <a:r>
-              <a:rPr lang="en-US" dirty="0" err="1"/>
-              <a:t>textit</a:t>
-            </a:r>
-            <a:r>
-              <a:rPr lang="en-US" dirty="0"/>
-              <a:t>{Journal of Empirical Finance}, vol. 17, no. 4, pp. 659–667, Sep. 2010. % </a:t>
-            </a:r>
-            <a:r>
-              <a:rPr lang="en-US" dirty="0" err="1"/>
-              <a:t>doi</a:t>
-            </a:r>
-            <a:r>
-              <a:rPr lang="en-US" dirty="0"/>
-              <a:t>: 10.1016/j.jempfin.2010.04.008.</a:t>
-            </a:r>
-          </a:p>
-          <a:p>
-            <a:pPr marL="0" indent="0">
-              <a:buNone/>
-            </a:pPr>
-            <a:r>
-              <a:rPr lang="en-US" dirty="0"/>
-              <a:t>G. Li, A. Zhang, Q. Zhang, D. Wu, and C. Zhan, “Pearson correlation coefficient-based performance enhancement of broad learning system for stock price prediction,” \</a:t>
-            </a:r>
-            <a:r>
-              <a:rPr lang="en-US" dirty="0" err="1"/>
-              <a:t>textit</a:t>
-            </a:r>
-            <a:r>
-              <a:rPr lang="en-US" dirty="0"/>
-              <a:t>{IEEE Transactions on Circuits and Systems II: Express Briefs}, vol. 69, no. 5, pp. 2413–2417, May 2022. </a:t>
-            </a:r>
-          </a:p>
-          <a:p>
-            <a:pPr marL="0" indent="0">
-              <a:buNone/>
-            </a:pPr>
-            <a:r>
-              <a:rPr lang="en-US" dirty="0"/>
-              <a:t>P. </a:t>
-            </a:r>
-            <a:r>
-              <a:rPr lang="en-US" dirty="0" err="1"/>
-              <a:t>Fiedor</a:t>
-            </a:r>
-            <a:r>
-              <a:rPr lang="en-US" dirty="0"/>
-              <a:t>, “Networks in financial markets based on the mutual information rate,” \</a:t>
-            </a:r>
-            <a:r>
-              <a:rPr lang="en-US" dirty="0" err="1"/>
-              <a:t>textit</a:t>
-            </a:r>
-            <a:r>
-              <a:rPr lang="en-US" dirty="0"/>
-              <a:t>{Physical Review E}, vol. 89, no. 5, May 2014. % </a:t>
-            </a:r>
-            <a:r>
-              <a:rPr lang="en-US" dirty="0" err="1"/>
-              <a:t>doi</a:t>
-            </a:r>
-            <a:r>
-              <a:rPr lang="en-US" dirty="0"/>
-              <a:t>: 10.1103/PhysRevE.89.052801.</a:t>
-            </a:r>
-          </a:p>
-          <a:p>
-            <a:pPr marL="0" indent="0">
-              <a:buNone/>
-            </a:pPr>
-            <a:r>
-              <a:rPr lang="en-US" dirty="0"/>
-              <a:t>I. Cooper and R. Priestley. "Real investment and risk dynamics," \</a:t>
-            </a:r>
-            <a:r>
-              <a:rPr lang="en-US" dirty="0" err="1"/>
-              <a:t>textit</a:t>
-            </a:r>
-            <a:r>
-              <a:rPr lang="en-US" dirty="0"/>
-              <a:t>{Journal of Financial Economics}, vol. 101, no. 1, pp. 182-205, July 2011.</a:t>
-            </a:r>
-          </a:p>
-          <a:p>
-            <a:pPr marL="0" indent="0">
-              <a:buNone/>
-            </a:pPr>
-            <a:r>
-              <a:rPr lang="en-US" dirty="0"/>
-              <a:t>K. J. Lansing and S. F. LeRoy, “Risk aversion, investor information and stock market volatility,” \</a:t>
-            </a:r>
-            <a:r>
-              <a:rPr lang="en-US" dirty="0" err="1"/>
-              <a:t>textit</a:t>
-            </a:r>
-            <a:r>
-              <a:rPr lang="en-US" dirty="0"/>
-              <a:t>{European Economic Review}, vol. 70, pp. 88-107, July 2014. </a:t>
-            </a:r>
-          </a:p>
-          <a:p>
-            <a:pPr marL="0" indent="0">
-              <a:buNone/>
-            </a:pPr>
-            <a:r>
-              <a:rPr lang="en-US" dirty="0"/>
-              <a:t>J. E. </a:t>
-            </a:r>
-            <a:r>
-              <a:rPr lang="en-US" dirty="0" err="1"/>
-              <a:t>Corter</a:t>
-            </a:r>
-            <a:r>
-              <a:rPr lang="en-US" dirty="0"/>
-              <a:t> and Y. J. Chen, “Do investment risk tolerance attitudes predict portfolio risk?,” \</a:t>
-            </a:r>
-            <a:r>
-              <a:rPr lang="en-US" dirty="0" err="1"/>
-              <a:t>textit</a:t>
-            </a:r>
-            <a:r>
-              <a:rPr lang="en-US" dirty="0"/>
-              <a:t>{Journal of Business and Psychology}, vol. 20, no. 3, pp. 369-381, 2006.</a:t>
-            </a:r>
-          </a:p>
-          <a:p>
-            <a:pPr marL="0" indent="0">
-              <a:buNone/>
-            </a:pPr>
-            <a:r>
-              <a:rPr lang="en-US" dirty="0"/>
-              <a:t>D. Harmon, B. Stacey, Y. Bar-Yam, and Y. Bar-Yam, "Networks of economic market interdependence and systemic risk," New England Complex Systems Institute, Cambridge, MA, Tech. Report 1011.3707, Mar. 2009.</a:t>
-            </a:r>
-          </a:p>
-          <a:p>
-            <a:pPr marL="0" indent="0">
-              <a:buNone/>
-            </a:pPr>
-            <a:r>
-              <a:rPr lang="en-US" dirty="0"/>
-              <a:t>Y. Y. </a:t>
-            </a:r>
-            <a:r>
-              <a:rPr lang="en-US" dirty="0" err="1"/>
-              <a:t>Baydilli</a:t>
-            </a:r>
-            <a:r>
-              <a:rPr lang="en-US" dirty="0"/>
-              <a:t>, S. </a:t>
-            </a:r>
-            <a:r>
-              <a:rPr lang="en-US" dirty="0" err="1"/>
-              <a:t>Bayir</a:t>
-            </a:r>
-            <a:r>
-              <a:rPr lang="en-US" dirty="0"/>
-              <a:t>, and I. </a:t>
-            </a:r>
-            <a:r>
-              <a:rPr lang="en-US" dirty="0" err="1"/>
-              <a:t>Tuker</a:t>
-            </a:r>
-            <a:r>
-              <a:rPr lang="en-US" dirty="0"/>
-              <a:t>, “A hierarchical view of a national stock market as a complex network,” \</a:t>
-            </a:r>
-            <a:r>
-              <a:rPr lang="en-US" dirty="0" err="1"/>
-              <a:t>textit</a:t>
-            </a:r>
-            <a:r>
-              <a:rPr lang="en-US" dirty="0"/>
-              <a:t>{Economic Computation \&amp; Economic Cybernetics Studies \&amp; Research}, vol. 51, no. 1, pp. 205–222, Jan. 2017.</a:t>
-            </a:r>
-          </a:p>
-          <a:p>
-            <a:pPr marL="0" indent="0">
-              <a:buNone/>
-            </a:pPr>
-            <a:r>
-              <a:rPr lang="en-US" dirty="0"/>
-              <a:t>		</a:t>
+            <a:r>
+              <a:rPr lang="en-US" sz="11500" dirty="0"/>
+              <a:t>Questions?</a:t>
             </a:r>
           </a:p>
         </p:txBody>
@@ -6575,7 +5960,7 @@
     </p:spTree>
     <p:extLst>
       <p:ext uri="{BB962C8B-B14F-4D97-AF65-F5344CB8AC3E}">
-        <p14:creationId xmlns:p14="http://schemas.microsoft.com/office/powerpoint/2010/main" val="3598801279"/>
+        <p14:creationId xmlns:p14="http://schemas.microsoft.com/office/powerpoint/2010/main" val="2482271579"/>
       </p:ext>
     </p:extLst>
   </p:cSld>
@@ -6655,38 +6040,367 @@
           <a:p>
             <a:r>
               <a:rPr lang="en-US" dirty="0"/>
-              <a:t>Project Motivations and Objectives</a:t>
-            </a:r>
-          </a:p>
-        </p:txBody>
-      </p:sp>
-      <p:sp>
-        <p:nvSpPr>
-          <p:cNvPr id="9" name="Content Placeholder 8">
-            <a:extLst>
-              <a:ext uri="{FF2B5EF4-FFF2-40B4-BE49-F238E27FC236}">
-                <a16:creationId xmlns:a16="http://schemas.microsoft.com/office/drawing/2014/main" id="{661EE144-0F6C-2649-B81A-1334F4AFFB37}"/>
-              </a:ext>
-            </a:extLst>
-          </p:cNvPr>
-          <p:cNvSpPr>
-            <a:spLocks noGrp="1"/>
-          </p:cNvSpPr>
-          <p:nvPr>
-            <p:ph idx="1"/>
-          </p:nvPr>
-        </p:nvSpPr>
-        <p:spPr/>
-        <p:txBody>
-          <a:bodyPr>
-            <a:normAutofit/>
+              <a:t>The Complex Systems of Economic Markets</a:t>
+            </a:r>
+          </a:p>
+        </p:txBody>
+      </p:sp>
+      <p:sp>
+        <p:nvSpPr>
+          <p:cNvPr id="4" name="Content Placeholder 8">
+            <a:extLst>
+              <a:ext uri="{FF2B5EF4-FFF2-40B4-BE49-F238E27FC236}">
+                <a16:creationId xmlns:a16="http://schemas.microsoft.com/office/drawing/2014/main" id="{8D481D02-7061-70B4-A000-882EB5D15BBA}"/>
+              </a:ext>
+            </a:extLst>
+          </p:cNvPr>
+          <p:cNvSpPr txBox="1">
+            <a:spLocks/>
+          </p:cNvSpPr>
+          <p:nvPr/>
+        </p:nvSpPr>
+        <p:spPr>
+          <a:xfrm>
+            <a:off x="838200" y="1672125"/>
+            <a:ext cx="10442510" cy="4351338"/>
+          </a:xfrm>
+          <a:prstGeom prst="rect">
+            <a:avLst/>
+          </a:prstGeom>
+        </p:spPr>
+        <p:txBody>
+          <a:bodyPr vert="horz" lIns="91440" tIns="45720" rIns="91440" bIns="45720" rtlCol="0">
+            <a:normAutofit fontScale="92500" lnSpcReduction="20000"/>
           </a:bodyPr>
-          <a:lstStyle/>
-          <a:p>
+          <a:lstStyle>
+            <a:lvl1pPr marL="228600" indent="-228600" algn="l" defTabSz="914400" rtl="0" eaLnBrk="1" latinLnBrk="0" hangingPunct="1">
+              <a:lnSpc>
+                <a:spcPct val="90000"/>
+              </a:lnSpc>
+              <a:spcBef>
+                <a:spcPts val="1000"/>
+              </a:spcBef>
+              <a:buFont typeface="Arial" panose="020B0604020202020204" pitchFamily="34" charset="0"/>
+              <a:buChar char="•"/>
+              <a:defRPr sz="2800" kern="1200">
+                <a:solidFill>
+                  <a:schemeClr val="tx1"/>
+                </a:solidFill>
+                <a:latin typeface="+mn-lt"/>
+                <a:ea typeface="+mn-ea"/>
+                <a:cs typeface="+mn-cs"/>
+              </a:defRPr>
+            </a:lvl1pPr>
+            <a:lvl2pPr marL="685800" indent="-228600" algn="l" defTabSz="914400" rtl="0" eaLnBrk="1" latinLnBrk="0" hangingPunct="1">
+              <a:lnSpc>
+                <a:spcPct val="90000"/>
+              </a:lnSpc>
+              <a:spcBef>
+                <a:spcPts val="500"/>
+              </a:spcBef>
+              <a:buFont typeface="Arial" panose="020B0604020202020204" pitchFamily="34" charset="0"/>
+              <a:buChar char="•"/>
+              <a:defRPr sz="2400" kern="1200">
+                <a:solidFill>
+                  <a:schemeClr val="tx1"/>
+                </a:solidFill>
+                <a:latin typeface="+mn-lt"/>
+                <a:ea typeface="+mn-ea"/>
+                <a:cs typeface="+mn-cs"/>
+              </a:defRPr>
+            </a:lvl2pPr>
+            <a:lvl3pPr marL="1143000" indent="-228600" algn="l" defTabSz="914400" rtl="0" eaLnBrk="1" latinLnBrk="0" hangingPunct="1">
+              <a:lnSpc>
+                <a:spcPct val="90000"/>
+              </a:lnSpc>
+              <a:spcBef>
+                <a:spcPts val="500"/>
+              </a:spcBef>
+              <a:buFont typeface="Arial" panose="020B0604020202020204" pitchFamily="34" charset="0"/>
+              <a:buChar char="•"/>
+              <a:defRPr sz="2000" kern="1200">
+                <a:solidFill>
+                  <a:schemeClr val="tx1"/>
+                </a:solidFill>
+                <a:latin typeface="+mn-lt"/>
+                <a:ea typeface="+mn-ea"/>
+                <a:cs typeface="+mn-cs"/>
+              </a:defRPr>
+            </a:lvl3pPr>
+            <a:lvl4pPr marL="1600200" indent="-228600" algn="l" defTabSz="914400" rtl="0" eaLnBrk="1" latinLnBrk="0" hangingPunct="1">
+              <a:lnSpc>
+                <a:spcPct val="90000"/>
+              </a:lnSpc>
+              <a:spcBef>
+                <a:spcPts val="500"/>
+              </a:spcBef>
+              <a:buFont typeface="Arial" panose="020B0604020202020204" pitchFamily="34" charset="0"/>
+              <a:buChar char="•"/>
+              <a:defRPr sz="1800" kern="1200">
+                <a:solidFill>
+                  <a:schemeClr val="tx1"/>
+                </a:solidFill>
+                <a:latin typeface="+mn-lt"/>
+                <a:ea typeface="+mn-ea"/>
+                <a:cs typeface="+mn-cs"/>
+              </a:defRPr>
+            </a:lvl4pPr>
+            <a:lvl5pPr marL="2057400" indent="-228600" algn="l" defTabSz="914400" rtl="0" eaLnBrk="1" latinLnBrk="0" hangingPunct="1">
+              <a:lnSpc>
+                <a:spcPct val="90000"/>
+              </a:lnSpc>
+              <a:spcBef>
+                <a:spcPts val="500"/>
+              </a:spcBef>
+              <a:buFont typeface="Arial" panose="020B0604020202020204" pitchFamily="34" charset="0"/>
+              <a:buChar char="•"/>
+              <a:defRPr sz="1800" kern="1200">
+                <a:solidFill>
+                  <a:schemeClr val="tx1"/>
+                </a:solidFill>
+                <a:latin typeface="+mn-lt"/>
+                <a:ea typeface="+mn-ea"/>
+                <a:cs typeface="+mn-cs"/>
+              </a:defRPr>
+            </a:lvl5pPr>
+            <a:lvl6pPr marL="2514600" indent="-228600" algn="l" defTabSz="914400" rtl="0" eaLnBrk="1" latinLnBrk="0" hangingPunct="1">
+              <a:lnSpc>
+                <a:spcPct val="90000"/>
+              </a:lnSpc>
+              <a:spcBef>
+                <a:spcPts val="500"/>
+              </a:spcBef>
+              <a:buFont typeface="Arial" panose="020B0604020202020204" pitchFamily="34" charset="0"/>
+              <a:buChar char="•"/>
+              <a:defRPr sz="1800" kern="1200">
+                <a:solidFill>
+                  <a:schemeClr val="tx1"/>
+                </a:solidFill>
+                <a:latin typeface="+mn-lt"/>
+                <a:ea typeface="+mn-ea"/>
+                <a:cs typeface="+mn-cs"/>
+              </a:defRPr>
+            </a:lvl6pPr>
+            <a:lvl7pPr marL="2971800" indent="-228600" algn="l" defTabSz="914400" rtl="0" eaLnBrk="1" latinLnBrk="0" hangingPunct="1">
+              <a:lnSpc>
+                <a:spcPct val="90000"/>
+              </a:lnSpc>
+              <a:spcBef>
+                <a:spcPts val="500"/>
+              </a:spcBef>
+              <a:buFont typeface="Arial" panose="020B0604020202020204" pitchFamily="34" charset="0"/>
+              <a:buChar char="•"/>
+              <a:defRPr sz="1800" kern="1200">
+                <a:solidFill>
+                  <a:schemeClr val="tx1"/>
+                </a:solidFill>
+                <a:latin typeface="+mn-lt"/>
+                <a:ea typeface="+mn-ea"/>
+                <a:cs typeface="+mn-cs"/>
+              </a:defRPr>
+            </a:lvl7pPr>
+            <a:lvl8pPr marL="3429000" indent="-228600" algn="l" defTabSz="914400" rtl="0" eaLnBrk="1" latinLnBrk="0" hangingPunct="1">
+              <a:lnSpc>
+                <a:spcPct val="90000"/>
+              </a:lnSpc>
+              <a:spcBef>
+                <a:spcPts val="500"/>
+              </a:spcBef>
+              <a:buFont typeface="Arial" panose="020B0604020202020204" pitchFamily="34" charset="0"/>
+              <a:buChar char="•"/>
+              <a:defRPr sz="1800" kern="1200">
+                <a:solidFill>
+                  <a:schemeClr val="tx1"/>
+                </a:solidFill>
+                <a:latin typeface="+mn-lt"/>
+                <a:ea typeface="+mn-ea"/>
+                <a:cs typeface="+mn-cs"/>
+              </a:defRPr>
+            </a:lvl8pPr>
+            <a:lvl9pPr marL="3886200" indent="-228600" algn="l" defTabSz="914400" rtl="0" eaLnBrk="1" latinLnBrk="0" hangingPunct="1">
+              <a:lnSpc>
+                <a:spcPct val="90000"/>
+              </a:lnSpc>
+              <a:spcBef>
+                <a:spcPts val="500"/>
+              </a:spcBef>
+              <a:buFont typeface="Arial" panose="020B0604020202020204" pitchFamily="34" charset="0"/>
+              <a:buChar char="•"/>
+              <a:defRPr sz="1800" kern="1200">
+                <a:solidFill>
+                  <a:schemeClr val="tx1"/>
+                </a:solidFill>
+                <a:latin typeface="+mn-lt"/>
+                <a:ea typeface="+mn-ea"/>
+                <a:cs typeface="+mn-cs"/>
+              </a:defRPr>
+            </a:lvl9pPr>
+          </a:lstStyle>
+          <a:p>
+            <a:pPr marL="0" indent="0">
+              <a:lnSpc>
+                <a:spcPct val="100000"/>
+              </a:lnSpc>
+              <a:buNone/>
+            </a:pPr>
+            <a:r>
+              <a:rPr lang="en-US" dirty="0"/>
+              <a:t>Economic markets demonstrate many traits of complex systems.</a:t>
+            </a:r>
+          </a:p>
+          <a:p>
+            <a:pPr marL="0" indent="0">
+              <a:lnSpc>
+                <a:spcPct val="100000"/>
+              </a:lnSpc>
+              <a:buNone/>
+            </a:pPr>
+            <a:endParaRPr lang="en-US" sz="800" dirty="0"/>
+          </a:p>
+          <a:p>
+            <a:pPr marL="0" indent="0">
+              <a:lnSpc>
+                <a:spcPct val="100000"/>
+              </a:lnSpc>
+              <a:buNone/>
+            </a:pPr>
+            <a:r>
+              <a:rPr lang="en-US" sz="2400" dirty="0"/>
+              <a:t>Complex Features</a:t>
+            </a:r>
+            <a:r>
+              <a:rPr lang="en-US" dirty="0"/>
+              <a:t>:</a:t>
+            </a:r>
+          </a:p>
+          <a:p>
+            <a:pPr lvl="1">
+              <a:lnSpc>
+                <a:spcPct val="100000"/>
+              </a:lnSpc>
+              <a:buFontTx/>
+              <a:buChar char="-"/>
+            </a:pPr>
+            <a:r>
+              <a:rPr lang="en-US" sz="2000" dirty="0"/>
+              <a:t>Volatility in prices, returns, behaviors</a:t>
+            </a:r>
+          </a:p>
+          <a:p>
+            <a:pPr lvl="1">
+              <a:lnSpc>
+                <a:spcPct val="100000"/>
+              </a:lnSpc>
+              <a:buFontTx/>
+              <a:buChar char="-"/>
+            </a:pPr>
+            <a:r>
+              <a:rPr lang="en-US" sz="2000" dirty="0"/>
+              <a:t>Contain many fat-tailed distributions</a:t>
+            </a:r>
+          </a:p>
+          <a:p>
+            <a:pPr lvl="1">
+              <a:lnSpc>
+                <a:spcPct val="100000"/>
+              </a:lnSpc>
+              <a:buFontTx/>
+              <a:buChar char="-"/>
+            </a:pPr>
+            <a:r>
+              <a:rPr lang="en-US" sz="2000" dirty="0"/>
+              <a:t>Interconnected entities and agents </a:t>
+            </a:r>
+          </a:p>
+          <a:p>
+            <a:pPr lvl="1">
+              <a:lnSpc>
+                <a:spcPct val="100000"/>
+              </a:lnSpc>
+              <a:buFontTx/>
+              <a:buChar char="-"/>
+            </a:pPr>
+            <a:r>
+              <a:rPr lang="en-US" sz="2000" dirty="0"/>
+              <a:t>Nonlinear and dynamic relationships</a:t>
+            </a:r>
+          </a:p>
+          <a:p>
+            <a:pPr lvl="1">
+              <a:lnSpc>
+                <a:spcPct val="100000"/>
+              </a:lnSpc>
+              <a:buFontTx/>
+              <a:buChar char="-"/>
+            </a:pPr>
+            <a:r>
+              <a:rPr lang="en-US" sz="2000" dirty="0"/>
+              <a:t>Self-organizing</a:t>
+            </a:r>
+          </a:p>
+          <a:p>
+            <a:pPr lvl="1">
+              <a:lnSpc>
+                <a:spcPct val="100000"/>
+              </a:lnSpc>
+              <a:buFontTx/>
+              <a:buChar char="-"/>
+            </a:pPr>
+            <a:endParaRPr lang="en-US" sz="2000" dirty="0"/>
+          </a:p>
+          <a:p>
+            <a:pPr marL="0" indent="0">
+              <a:lnSpc>
+                <a:spcPct val="100000"/>
+              </a:lnSpc>
+              <a:buNone/>
+            </a:pPr>
+            <a:r>
+              <a:rPr lang="en-US" sz="2400" dirty="0"/>
+              <a:t>These features have been explored in many fields such as psychology, economics, statistics, graph theory, and complex systems. Attempting to model the stock market with its facets of complex risk, interconnections between entities, and market strategies over time is a key area of research.</a:t>
+            </a:r>
             <a:endParaRPr lang="en-US" dirty="0"/>
           </a:p>
-        </p:txBody>
-      </p:sp>
+          <a:p>
+            <a:pPr>
+              <a:lnSpc>
+                <a:spcPct val="100000"/>
+              </a:lnSpc>
+            </a:pPr>
+            <a:endParaRPr lang="en-US" dirty="0"/>
+          </a:p>
+        </p:txBody>
+      </p:sp>
+      <p:pic>
+        <p:nvPicPr>
+          <p:cNvPr id="13" name="Picture 12">
+            <a:extLst>
+              <a:ext uri="{FF2B5EF4-FFF2-40B4-BE49-F238E27FC236}">
+                <a16:creationId xmlns:a16="http://schemas.microsoft.com/office/drawing/2014/main" id="{41954EF2-54FA-73AC-0767-282DC5B8DFC3}"/>
+              </a:ext>
+            </a:extLst>
+          </p:cNvPr>
+          <p:cNvPicPr>
+            <a:picLocks noChangeAspect="1"/>
+          </p:cNvPicPr>
+          <p:nvPr/>
+        </p:nvPicPr>
+        <p:blipFill>
+          <a:blip r:embed="rId4"/>
+          <a:stretch>
+            <a:fillRect/>
+          </a:stretch>
+        </p:blipFill>
+        <p:spPr>
+          <a:xfrm>
+            <a:off x="5824373" y="2322929"/>
+            <a:ext cx="3599545" cy="2026060"/>
+          </a:xfrm>
+          <a:prstGeom prst="rect">
+            <a:avLst/>
+          </a:prstGeom>
+        </p:spPr>
+      </p:pic>
     </p:spTree>
     <p:extLst>
       <p:ext uri="{BB962C8B-B14F-4D97-AF65-F5344CB8AC3E}">
@@ -6775,31 +6489,214 @@
           </a:p>
         </p:txBody>
       </p:sp>
-      <p:sp>
-        <p:nvSpPr>
-          <p:cNvPr id="9" name="Content Placeholder 8">
-            <a:extLst>
-              <a:ext uri="{FF2B5EF4-FFF2-40B4-BE49-F238E27FC236}">
-                <a16:creationId xmlns:a16="http://schemas.microsoft.com/office/drawing/2014/main" id="{661EE144-0F6C-2649-B81A-1334F4AFFB37}"/>
-              </a:ext>
-            </a:extLst>
-          </p:cNvPr>
-          <p:cNvSpPr>
-            <a:spLocks noGrp="1"/>
-          </p:cNvSpPr>
-          <p:nvPr>
-            <p:ph idx="1"/>
-          </p:nvPr>
-        </p:nvSpPr>
-        <p:spPr/>
-        <p:txBody>
-          <a:bodyPr/>
-          <a:lstStyle/>
-          <a:p>
-            <a:endParaRPr lang="en-US"/>
-          </a:p>
-        </p:txBody>
-      </p:sp>
+      <mc:AlternateContent xmlns:mc="http://schemas.openxmlformats.org/markup-compatibility/2006">
+        <mc:Choice xmlns:a14="http://schemas.microsoft.com/office/drawing/2010/main" Requires="a14">
+          <p:sp>
+            <p:nvSpPr>
+              <p:cNvPr id="9" name="Content Placeholder 8">
+                <a:extLst>
+                  <a:ext uri="{FF2B5EF4-FFF2-40B4-BE49-F238E27FC236}">
+                    <a16:creationId xmlns:a16="http://schemas.microsoft.com/office/drawing/2014/main" id="{661EE144-0F6C-2649-B81A-1334F4AFFB37}"/>
+                  </a:ext>
+                </a:extLst>
+              </p:cNvPr>
+              <p:cNvSpPr>
+                <a:spLocks noGrp="1"/>
+              </p:cNvSpPr>
+              <p:nvPr>
+                <p:ph idx="1"/>
+              </p:nvPr>
+            </p:nvSpPr>
+            <p:spPr>
+              <a:xfrm>
+                <a:off x="7147248" y="1859772"/>
+                <a:ext cx="4486469" cy="4351338"/>
+              </a:xfrm>
+            </p:spPr>
+            <p:txBody>
+              <a:bodyPr>
+                <a:normAutofit/>
+              </a:bodyPr>
+              <a:lstStyle/>
+              <a:p>
+                <a:r>
+                  <a:rPr lang="en-US" dirty="0">
+                    <a:latin typeface="Cambria Math" panose="02040503050406030204" pitchFamily="18" charset="0"/>
+                  </a:rPr>
+                  <a:t>Directed path of influence for risk</a:t>
+                </a:r>
+                <a:endParaRPr lang="en-US" b="0" dirty="0">
+                  <a:latin typeface="Cambria Math" panose="02040503050406030204" pitchFamily="18" charset="0"/>
+                </a:endParaRPr>
+              </a:p>
+              <a:p>
+                <a14:m>
+                  <m:oMath xmlns:m="http://schemas.openxmlformats.org/officeDocument/2006/math">
+                    <m:r>
+                      <a:rPr lang="en-US" b="0" i="1" smtClean="0">
+                        <a:latin typeface="Cambria Math" panose="02040503050406030204" pitchFamily="18" charset="0"/>
+                      </a:rPr>
+                      <m:t>#</m:t>
+                    </m:r>
+                    <m:r>
+                      <a:rPr lang="en-US" b="0" i="1" smtClean="0">
+                        <a:latin typeface="Cambria Math" panose="02040503050406030204" pitchFamily="18" charset="0"/>
+                      </a:rPr>
+                      <m:t>𝐹𝑟𝑖𝑒𝑛𝑑𝑠</m:t>
+                    </m:r>
+                    <m:r>
+                      <a:rPr lang="en-US" b="0" i="1" smtClean="0">
+                        <a:latin typeface="Cambria Math" panose="02040503050406030204" pitchFamily="18" charset="0"/>
+                      </a:rPr>
+                      <m:t> ~</m:t>
+                    </m:r>
+                    <m:sSup>
+                      <m:sSupPr>
+                        <m:ctrlPr>
+                          <a:rPr lang="en-US" b="0" i="1" smtClean="0">
+                            <a:latin typeface="Cambria Math" panose="02040503050406030204" pitchFamily="18" charset="0"/>
+                          </a:rPr>
+                        </m:ctrlPr>
+                      </m:sSupPr>
+                      <m:e>
+                        <m:r>
+                          <a:rPr lang="en-US" b="0" i="1" smtClean="0">
+                            <a:latin typeface="Cambria Math" panose="02040503050406030204" pitchFamily="18" charset="0"/>
+                          </a:rPr>
+                          <m:t>𝑥</m:t>
+                        </m:r>
+                      </m:e>
+                      <m:sup>
+                        <m:r>
+                          <a:rPr lang="en-US" b="0" i="1" smtClean="0">
+                            <a:latin typeface="Cambria Math" panose="02040503050406030204" pitchFamily="18" charset="0"/>
+                          </a:rPr>
+                          <m:t>−2.7</m:t>
+                        </m:r>
+                      </m:sup>
+                    </m:sSup>
+                    <m:r>
+                      <a:rPr lang="en-US" b="0" i="1" smtClean="0">
+                        <a:latin typeface="Cambria Math" panose="02040503050406030204" pitchFamily="18" charset="0"/>
+                      </a:rPr>
+                      <m:t> </m:t>
+                    </m:r>
+                  </m:oMath>
+                </a14:m>
+                <a:endParaRPr lang="en-US" b="0" dirty="0"/>
+              </a:p>
+              <a:p>
+                <a:r>
+                  <a:rPr lang="en-US" dirty="0"/>
+                  <a:t> Risk with influence:</a:t>
+                </a:r>
+              </a:p>
+            </p:txBody>
+          </p:sp>
+        </mc:Choice>
+        <mc:Fallback>
+          <p:sp>
+            <p:nvSpPr>
+              <p:cNvPr id="9" name="Content Placeholder 8">
+                <a:extLst>
+                  <a:ext uri="{FF2B5EF4-FFF2-40B4-BE49-F238E27FC236}">
+                    <a16:creationId xmlns:a16="http://schemas.microsoft.com/office/drawing/2014/main" id="{661EE144-0F6C-2649-B81A-1334F4AFFB37}"/>
+                  </a:ext>
+                </a:extLst>
+              </p:cNvPr>
+              <p:cNvSpPr>
+                <a:spLocks noGrp="1" noRot="1" noChangeAspect="1" noMove="1" noResize="1" noEditPoints="1" noAdjustHandles="1" noChangeArrowheads="1" noChangeShapeType="1" noTextEdit="1"/>
+              </p:cNvSpPr>
+              <p:nvPr>
+                <p:ph idx="1"/>
+              </p:nvPr>
+            </p:nvSpPr>
+            <p:spPr>
+              <a:xfrm>
+                <a:off x="7147248" y="1859772"/>
+                <a:ext cx="4486469" cy="4351338"/>
+              </a:xfrm>
+              <a:blipFill>
+                <a:blip r:embed="rId4"/>
+                <a:stretch>
+                  <a:fillRect l="-2446" t="-2381" r="-1087"/>
+                </a:stretch>
+              </a:blipFill>
+            </p:spPr>
+            <p:txBody>
+              <a:bodyPr/>
+              <a:lstStyle/>
+              <a:p>
+                <a:r>
+                  <a:rPr lang="en-US">
+                    <a:noFill/>
+                  </a:rPr>
+                  <a:t> </a:t>
+                </a:r>
+              </a:p>
+            </p:txBody>
+          </p:sp>
+        </mc:Fallback>
+      </mc:AlternateContent>
+      <p:pic>
+        <p:nvPicPr>
+          <p:cNvPr id="3" name="Picture 2" descr="A network of blue circles and black lines&#10;&#10;Description automatically generated">
+            <a:extLst>
+              <a:ext uri="{FF2B5EF4-FFF2-40B4-BE49-F238E27FC236}">
+                <a16:creationId xmlns:a16="http://schemas.microsoft.com/office/drawing/2014/main" id="{D201963C-93FF-1664-2732-BAFACC9ECC0C}"/>
+              </a:ext>
+            </a:extLst>
+          </p:cNvPr>
+          <p:cNvPicPr>
+            <a:picLocks noChangeAspect="1"/>
+          </p:cNvPicPr>
+          <p:nvPr/>
+        </p:nvPicPr>
+        <p:blipFill rotWithShape="1">
+          <a:blip r:embed="rId5"/>
+          <a:srcRect l="11841" t="10396" r="8759" b="9715"/>
+          <a:stretch/>
+        </p:blipFill>
+        <p:spPr>
+          <a:xfrm>
+            <a:off x="278363" y="1690688"/>
+            <a:ext cx="6512767" cy="4914681"/>
+          </a:xfrm>
+          <a:prstGeom prst="rect">
+            <a:avLst/>
+          </a:prstGeom>
+        </p:spPr>
+      </p:pic>
+      <p:pic>
+        <p:nvPicPr>
+          <p:cNvPr id="5" name="Picture 4">
+            <a:extLst>
+              <a:ext uri="{FF2B5EF4-FFF2-40B4-BE49-F238E27FC236}">
+                <a16:creationId xmlns:a16="http://schemas.microsoft.com/office/drawing/2014/main" id="{B1C52669-37E9-A1A1-FD18-10117DA0C5D2}"/>
+              </a:ext>
+            </a:extLst>
+          </p:cNvPr>
+          <p:cNvPicPr>
+            <a:picLocks noChangeAspect="1"/>
+          </p:cNvPicPr>
+          <p:nvPr/>
+        </p:nvPicPr>
+        <p:blipFill>
+          <a:blip r:embed="rId6"/>
+          <a:stretch>
+            <a:fillRect/>
+          </a:stretch>
+        </p:blipFill>
+        <p:spPr>
+          <a:xfrm>
+            <a:off x="7310083" y="3780741"/>
+            <a:ext cx="4043717" cy="734573"/>
+          </a:xfrm>
+          <a:prstGeom prst="rect">
+            <a:avLst/>
+          </a:prstGeom>
+        </p:spPr>
+      </p:pic>
     </p:spTree>
     <p:extLst>
       <p:ext uri="{BB962C8B-B14F-4D97-AF65-F5344CB8AC3E}">
@@ -6832,10 +6729,429 @@
       </p:grpSpPr>
       <p:pic>
         <p:nvPicPr>
-          <p:cNvPr id="7" name="Picture 6">
-            <a:extLst>
-              <a:ext uri="{FF2B5EF4-FFF2-40B4-BE49-F238E27FC236}">
-                <a16:creationId xmlns:a16="http://schemas.microsoft.com/office/drawing/2014/main" id="{30CC9A47-2D13-1543-A7C8-F8088C1A337E}"/>
+          <p:cNvPr id="5" name="Picture 4" descr="A graph of stock prices&#10;&#10;Description automatically generated">
+            <a:extLst>
+              <a:ext uri="{FF2B5EF4-FFF2-40B4-BE49-F238E27FC236}">
+                <a16:creationId xmlns:a16="http://schemas.microsoft.com/office/drawing/2014/main" id="{1A3498AC-996F-3B9F-291C-FF941368A7AA}"/>
+              </a:ext>
+            </a:extLst>
+          </p:cNvPr>
+          <p:cNvPicPr>
+            <a:picLocks noChangeAspect="1"/>
+          </p:cNvPicPr>
+          <p:nvPr/>
+        </p:nvPicPr>
+        <p:blipFill rotWithShape="1">
+          <a:blip r:embed="rId3"/>
+          <a:srcRect l="4746" t="6296" r="7341"/>
+          <a:stretch/>
+        </p:blipFill>
+        <p:spPr>
+          <a:xfrm>
+            <a:off x="6622139" y="84779"/>
+            <a:ext cx="5022159" cy="3211817"/>
+          </a:xfrm>
+          <a:prstGeom prst="rect">
+            <a:avLst/>
+          </a:prstGeom>
+        </p:spPr>
+      </p:pic>
+      <p:sp>
+        <p:nvSpPr>
+          <p:cNvPr id="8" name="Title 7">
+            <a:extLst>
+              <a:ext uri="{FF2B5EF4-FFF2-40B4-BE49-F238E27FC236}">
+                <a16:creationId xmlns:a16="http://schemas.microsoft.com/office/drawing/2014/main" id="{A9A7AB69-D1A4-194D-B544-292C74F04FCD}"/>
+              </a:ext>
+            </a:extLst>
+          </p:cNvPr>
+          <p:cNvSpPr>
+            <a:spLocks noGrp="1"/>
+          </p:cNvSpPr>
+          <p:nvPr>
+            <p:ph type="title"/>
+          </p:nvPr>
+        </p:nvSpPr>
+        <p:spPr/>
+        <p:txBody>
+          <a:bodyPr/>
+          <a:lstStyle/>
+          <a:p>
+            <a:r>
+              <a:rPr lang="en-US" dirty="0"/>
+              <a:t>Key Elements: Risk</a:t>
+            </a:r>
+          </a:p>
+        </p:txBody>
+      </p:sp>
+      <p:pic>
+        <p:nvPicPr>
+          <p:cNvPr id="3" name="Content Placeholder 2" descr="A graph with blue dots&#10;&#10;Description automatically generated">
+            <a:extLst>
+              <a:ext uri="{FF2B5EF4-FFF2-40B4-BE49-F238E27FC236}">
+                <a16:creationId xmlns:a16="http://schemas.microsoft.com/office/drawing/2014/main" id="{78026D99-ADD0-0321-3196-5C051A61D30A}"/>
+              </a:ext>
+            </a:extLst>
+          </p:cNvPr>
+          <p:cNvPicPr>
+            <a:picLocks noGrp="1" noChangeAspect="1"/>
+          </p:cNvPicPr>
+          <p:nvPr>
+            <p:ph idx="1"/>
+          </p:nvPr>
+        </p:nvPicPr>
+        <p:blipFill rotWithShape="1">
+          <a:blip r:embed="rId4"/>
+          <a:srcRect l="7780" r="8276"/>
+          <a:stretch/>
+        </p:blipFill>
+        <p:spPr>
+          <a:xfrm>
+            <a:off x="6839835" y="3296596"/>
+            <a:ext cx="4795440" cy="3427605"/>
+          </a:xfrm>
+        </p:spPr>
+      </p:pic>
+      <mc:AlternateContent xmlns:mc="http://schemas.openxmlformats.org/markup-compatibility/2006">
+        <mc:Choice xmlns:a14="http://schemas.microsoft.com/office/drawing/2010/main" Requires="a14">
+          <p:sp>
+            <p:nvSpPr>
+              <p:cNvPr id="6" name="Content Placeholder 8">
+                <a:extLst>
+                  <a:ext uri="{FF2B5EF4-FFF2-40B4-BE49-F238E27FC236}">
+                    <a16:creationId xmlns:a16="http://schemas.microsoft.com/office/drawing/2014/main" id="{339F3022-4A80-B1F0-DE9F-BA17F2AB2B39}"/>
+                  </a:ext>
+                </a:extLst>
+              </p:cNvPr>
+              <p:cNvSpPr txBox="1">
+                <a:spLocks/>
+              </p:cNvSpPr>
+              <p:nvPr/>
+            </p:nvSpPr>
+            <p:spPr>
+              <a:xfrm>
+                <a:off x="838200" y="1825625"/>
+                <a:ext cx="6055177" cy="4351338"/>
+              </a:xfrm>
+              <a:prstGeom prst="rect">
+                <a:avLst/>
+              </a:prstGeom>
+            </p:spPr>
+            <p:txBody>
+              <a:bodyPr vert="horz" lIns="91440" tIns="45720" rIns="91440" bIns="45720" rtlCol="0">
+                <a:normAutofit/>
+              </a:bodyPr>
+              <a:lstStyle>
+                <a:lvl1pPr marL="228600" indent="-228600" algn="l" defTabSz="914400" rtl="0" eaLnBrk="1" latinLnBrk="0" hangingPunct="1">
+                  <a:lnSpc>
+                    <a:spcPct val="90000"/>
+                  </a:lnSpc>
+                  <a:spcBef>
+                    <a:spcPts val="1000"/>
+                  </a:spcBef>
+                  <a:buFont typeface="Arial" panose="020B0604020202020204" pitchFamily="34" charset="0"/>
+                  <a:buChar char="•"/>
+                  <a:defRPr sz="2800" kern="1200">
+                    <a:solidFill>
+                      <a:schemeClr val="tx1"/>
+                    </a:solidFill>
+                    <a:latin typeface="+mn-lt"/>
+                    <a:ea typeface="+mn-ea"/>
+                    <a:cs typeface="+mn-cs"/>
+                  </a:defRPr>
+                </a:lvl1pPr>
+                <a:lvl2pPr marL="685800" indent="-228600" algn="l" defTabSz="914400" rtl="0" eaLnBrk="1" latinLnBrk="0" hangingPunct="1">
+                  <a:lnSpc>
+                    <a:spcPct val="90000"/>
+                  </a:lnSpc>
+                  <a:spcBef>
+                    <a:spcPts val="500"/>
+                  </a:spcBef>
+                  <a:buFont typeface="Arial" panose="020B0604020202020204" pitchFamily="34" charset="0"/>
+                  <a:buChar char="•"/>
+                  <a:defRPr sz="2400" kern="1200">
+                    <a:solidFill>
+                      <a:schemeClr val="tx1"/>
+                    </a:solidFill>
+                    <a:latin typeface="+mn-lt"/>
+                    <a:ea typeface="+mn-ea"/>
+                    <a:cs typeface="+mn-cs"/>
+                  </a:defRPr>
+                </a:lvl2pPr>
+                <a:lvl3pPr marL="1143000" indent="-228600" algn="l" defTabSz="914400" rtl="0" eaLnBrk="1" latinLnBrk="0" hangingPunct="1">
+                  <a:lnSpc>
+                    <a:spcPct val="90000"/>
+                  </a:lnSpc>
+                  <a:spcBef>
+                    <a:spcPts val="500"/>
+                  </a:spcBef>
+                  <a:buFont typeface="Arial" panose="020B0604020202020204" pitchFamily="34" charset="0"/>
+                  <a:buChar char="•"/>
+                  <a:defRPr sz="2000" kern="1200">
+                    <a:solidFill>
+                      <a:schemeClr val="tx1"/>
+                    </a:solidFill>
+                    <a:latin typeface="+mn-lt"/>
+                    <a:ea typeface="+mn-ea"/>
+                    <a:cs typeface="+mn-cs"/>
+                  </a:defRPr>
+                </a:lvl3pPr>
+                <a:lvl4pPr marL="1600200" indent="-228600" algn="l" defTabSz="914400" rtl="0" eaLnBrk="1" latinLnBrk="0" hangingPunct="1">
+                  <a:lnSpc>
+                    <a:spcPct val="90000"/>
+                  </a:lnSpc>
+                  <a:spcBef>
+                    <a:spcPts val="500"/>
+                  </a:spcBef>
+                  <a:buFont typeface="Arial" panose="020B0604020202020204" pitchFamily="34" charset="0"/>
+                  <a:buChar char="•"/>
+                  <a:defRPr sz="1800" kern="1200">
+                    <a:solidFill>
+                      <a:schemeClr val="tx1"/>
+                    </a:solidFill>
+                    <a:latin typeface="+mn-lt"/>
+                    <a:ea typeface="+mn-ea"/>
+                    <a:cs typeface="+mn-cs"/>
+                  </a:defRPr>
+                </a:lvl4pPr>
+                <a:lvl5pPr marL="2057400" indent="-228600" algn="l" defTabSz="914400" rtl="0" eaLnBrk="1" latinLnBrk="0" hangingPunct="1">
+                  <a:lnSpc>
+                    <a:spcPct val="90000"/>
+                  </a:lnSpc>
+                  <a:spcBef>
+                    <a:spcPts val="500"/>
+                  </a:spcBef>
+                  <a:buFont typeface="Arial" panose="020B0604020202020204" pitchFamily="34" charset="0"/>
+                  <a:buChar char="•"/>
+                  <a:defRPr sz="1800" kern="1200">
+                    <a:solidFill>
+                      <a:schemeClr val="tx1"/>
+                    </a:solidFill>
+                    <a:latin typeface="+mn-lt"/>
+                    <a:ea typeface="+mn-ea"/>
+                    <a:cs typeface="+mn-cs"/>
+                  </a:defRPr>
+                </a:lvl5pPr>
+                <a:lvl6pPr marL="2514600" indent="-228600" algn="l" defTabSz="914400" rtl="0" eaLnBrk="1" latinLnBrk="0" hangingPunct="1">
+                  <a:lnSpc>
+                    <a:spcPct val="90000"/>
+                  </a:lnSpc>
+                  <a:spcBef>
+                    <a:spcPts val="500"/>
+                  </a:spcBef>
+                  <a:buFont typeface="Arial" panose="020B0604020202020204" pitchFamily="34" charset="0"/>
+                  <a:buChar char="•"/>
+                  <a:defRPr sz="1800" kern="1200">
+                    <a:solidFill>
+                      <a:schemeClr val="tx1"/>
+                    </a:solidFill>
+                    <a:latin typeface="+mn-lt"/>
+                    <a:ea typeface="+mn-ea"/>
+                    <a:cs typeface="+mn-cs"/>
+                  </a:defRPr>
+                </a:lvl6pPr>
+                <a:lvl7pPr marL="2971800" indent="-228600" algn="l" defTabSz="914400" rtl="0" eaLnBrk="1" latinLnBrk="0" hangingPunct="1">
+                  <a:lnSpc>
+                    <a:spcPct val="90000"/>
+                  </a:lnSpc>
+                  <a:spcBef>
+                    <a:spcPts val="500"/>
+                  </a:spcBef>
+                  <a:buFont typeface="Arial" panose="020B0604020202020204" pitchFamily="34" charset="0"/>
+                  <a:buChar char="•"/>
+                  <a:defRPr sz="1800" kern="1200">
+                    <a:solidFill>
+                      <a:schemeClr val="tx1"/>
+                    </a:solidFill>
+                    <a:latin typeface="+mn-lt"/>
+                    <a:ea typeface="+mn-ea"/>
+                    <a:cs typeface="+mn-cs"/>
+                  </a:defRPr>
+                </a:lvl7pPr>
+                <a:lvl8pPr marL="3429000" indent="-228600" algn="l" defTabSz="914400" rtl="0" eaLnBrk="1" latinLnBrk="0" hangingPunct="1">
+                  <a:lnSpc>
+                    <a:spcPct val="90000"/>
+                  </a:lnSpc>
+                  <a:spcBef>
+                    <a:spcPts val="500"/>
+                  </a:spcBef>
+                  <a:buFont typeface="Arial" panose="020B0604020202020204" pitchFamily="34" charset="0"/>
+                  <a:buChar char="•"/>
+                  <a:defRPr sz="1800" kern="1200">
+                    <a:solidFill>
+                      <a:schemeClr val="tx1"/>
+                    </a:solidFill>
+                    <a:latin typeface="+mn-lt"/>
+                    <a:ea typeface="+mn-ea"/>
+                    <a:cs typeface="+mn-cs"/>
+                  </a:defRPr>
+                </a:lvl8pPr>
+                <a:lvl9pPr marL="3886200" indent="-228600" algn="l" defTabSz="914400" rtl="0" eaLnBrk="1" latinLnBrk="0" hangingPunct="1">
+                  <a:lnSpc>
+                    <a:spcPct val="90000"/>
+                  </a:lnSpc>
+                  <a:spcBef>
+                    <a:spcPts val="500"/>
+                  </a:spcBef>
+                  <a:buFont typeface="Arial" panose="020B0604020202020204" pitchFamily="34" charset="0"/>
+                  <a:buChar char="•"/>
+                  <a:defRPr sz="1800" kern="1200">
+                    <a:solidFill>
+                      <a:schemeClr val="tx1"/>
+                    </a:solidFill>
+                    <a:latin typeface="+mn-lt"/>
+                    <a:ea typeface="+mn-ea"/>
+                    <a:cs typeface="+mn-cs"/>
+                  </a:defRPr>
+                </a:lvl9pPr>
+              </a:lstStyle>
+              <a:p>
+                <a14:m>
+                  <m:oMath xmlns:m="http://schemas.openxmlformats.org/officeDocument/2006/math">
+                    <m:sSub>
+                      <m:sSubPr>
+                        <m:ctrlPr>
+                          <a:rPr lang="en-US" b="0" i="1" dirty="0" smtClean="0">
+                            <a:latin typeface="Cambria Math" panose="02040503050406030204" pitchFamily="18" charset="0"/>
+                          </a:rPr>
+                        </m:ctrlPr>
+                      </m:sSubPr>
+                      <m:e>
+                        <m:r>
+                          <a:rPr lang="en-US" b="0" i="1" dirty="0" smtClean="0">
+                            <a:latin typeface="Cambria Math" panose="02040503050406030204" pitchFamily="18" charset="0"/>
+                          </a:rPr>
+                          <m:t>𝑅</m:t>
+                        </m:r>
+                      </m:e>
+                      <m:sub>
+                        <m:r>
+                          <a:rPr lang="en-US" b="0" i="1" dirty="0" smtClean="0">
+                            <a:latin typeface="Cambria Math" panose="02040503050406030204" pitchFamily="18" charset="0"/>
+                          </a:rPr>
+                          <m:t>𝑠</m:t>
+                        </m:r>
+                      </m:sub>
+                    </m:sSub>
+                    <m:r>
+                      <a:rPr lang="en-US" b="0" i="1" dirty="0" smtClean="0">
+                        <a:latin typeface="Cambria Math" panose="02040503050406030204" pitchFamily="18" charset="0"/>
+                      </a:rPr>
+                      <m:t>=</m:t>
+                    </m:r>
+                    <m:r>
+                      <a:rPr lang="en-US" b="0" i="1" dirty="0" smtClean="0">
+                        <a:latin typeface="Cambria Math" panose="02040503050406030204" pitchFamily="18" charset="0"/>
+                      </a:rPr>
+                      <m:t>𝑎</m:t>
+                    </m:r>
+                    <m:sSup>
+                      <m:sSupPr>
+                        <m:ctrlPr>
+                          <a:rPr lang="en-US" b="0" i="1" dirty="0" smtClean="0">
+                            <a:latin typeface="Cambria Math" panose="02040503050406030204" pitchFamily="18" charset="0"/>
+                          </a:rPr>
+                        </m:ctrlPr>
+                      </m:sSupPr>
+                      <m:e>
+                        <m:r>
+                          <a:rPr lang="en-US" b="0" i="1" dirty="0" smtClean="0">
+                            <a:latin typeface="Cambria Math" panose="02040503050406030204" pitchFamily="18" charset="0"/>
+                          </a:rPr>
+                          <m:t>𝑥</m:t>
+                        </m:r>
+                      </m:e>
+                      <m:sup>
+                        <m:r>
+                          <a:rPr lang="en-US" b="0" i="1" dirty="0" smtClean="0">
+                            <a:latin typeface="Cambria Math" panose="02040503050406030204" pitchFamily="18" charset="0"/>
+                          </a:rPr>
+                          <m:t>−</m:t>
+                        </m:r>
+                        <m:r>
+                          <a:rPr lang="en-US" b="0" i="1" dirty="0" smtClean="0">
+                            <a:latin typeface="Cambria Math" panose="02040503050406030204" pitchFamily="18" charset="0"/>
+                          </a:rPr>
+                          <m:t>𝑘</m:t>
+                        </m:r>
+                      </m:sup>
+                    </m:sSup>
+                  </m:oMath>
+                </a14:m>
+                <a:endParaRPr lang="en-US" b="0" dirty="0"/>
+              </a:p>
+              <a:p>
+                <a:endParaRPr lang="en-US" dirty="0"/>
+              </a:p>
+              <a:p>
+                <a:endParaRPr lang="en-US" dirty="0"/>
+              </a:p>
+              <a:p>
+                <a:endParaRPr lang="en-US" dirty="0"/>
+              </a:p>
+              <a:p>
+                <a:endParaRPr lang="en-US" dirty="0"/>
+              </a:p>
+              <a:p>
+                <a:r>
+                  <a:rPr lang="en-US" sz="2400" dirty="0"/>
+                  <a:t>Portfolio risk represented as sum of individual risks multiplied by volume in portfolio</a:t>
+                </a:r>
+              </a:p>
+            </p:txBody>
+          </p:sp>
+        </mc:Choice>
+        <mc:Fallback>
+          <p:sp>
+            <p:nvSpPr>
+              <p:cNvPr id="6" name="Content Placeholder 8">
+                <a:extLst>
+                  <a:ext uri="{FF2B5EF4-FFF2-40B4-BE49-F238E27FC236}">
+                    <a16:creationId xmlns:a16="http://schemas.microsoft.com/office/drawing/2014/main" id="{339F3022-4A80-B1F0-DE9F-BA17F2AB2B39}"/>
+                  </a:ext>
+                </a:extLst>
+              </p:cNvPr>
+              <p:cNvSpPr txBox="1">
+                <a:spLocks noRot="1" noChangeAspect="1" noMove="1" noResize="1" noEditPoints="1" noAdjustHandles="1" noChangeArrowheads="1" noChangeShapeType="1" noTextEdit="1"/>
+              </p:cNvSpPr>
+              <p:nvPr/>
+            </p:nvSpPr>
+            <p:spPr>
+              <a:xfrm>
+                <a:off x="838200" y="1825625"/>
+                <a:ext cx="6055177" cy="4351338"/>
+              </a:xfrm>
+              <a:prstGeom prst="rect">
+                <a:avLst/>
+              </a:prstGeom>
+              <a:blipFill>
+                <a:blip r:embed="rId5"/>
+                <a:stretch>
+                  <a:fillRect l="-1410"/>
+                </a:stretch>
+              </a:blipFill>
+            </p:spPr>
+            <p:txBody>
+              <a:bodyPr/>
+              <a:lstStyle/>
+              <a:p>
+                <a:r>
+                  <a:rPr lang="en-US">
+                    <a:noFill/>
+                  </a:rPr>
+                  <a:t> </a:t>
+                </a:r>
+              </a:p>
+            </p:txBody>
+          </p:sp>
+        </mc:Fallback>
+      </mc:AlternateContent>
+      <p:pic>
+        <p:nvPicPr>
+          <p:cNvPr id="13" name="Picture 12">
+            <a:extLst>
+              <a:ext uri="{FF2B5EF4-FFF2-40B4-BE49-F238E27FC236}">
+                <a16:creationId xmlns:a16="http://schemas.microsoft.com/office/drawing/2014/main" id="{1063B22E-83C4-82B4-AEA5-49DA703CE45D}"/>
               </a:ext>
             </a:extLst>
           </p:cNvPr>
@@ -6845,74 +7161,21 @@
           <p:nvPr/>
         </p:nvPicPr>
         <p:blipFill>
-          <a:blip r:embed="rId3"/>
+          <a:blip r:embed="rId6"/>
           <a:stretch>
             <a:fillRect/>
           </a:stretch>
         </p:blipFill>
         <p:spPr>
           <a:xfrm>
-            <a:off x="0" y="0"/>
-            <a:ext cx="12192000" cy="6858000"/>
+            <a:off x="1248503" y="2267591"/>
+            <a:ext cx="3351490" cy="1571790"/>
           </a:xfrm>
           <a:prstGeom prst="rect">
             <a:avLst/>
           </a:prstGeom>
         </p:spPr>
       </p:pic>
-      <p:sp>
-        <p:nvSpPr>
-          <p:cNvPr id="8" name="Title 7">
-            <a:extLst>
-              <a:ext uri="{FF2B5EF4-FFF2-40B4-BE49-F238E27FC236}">
-                <a16:creationId xmlns:a16="http://schemas.microsoft.com/office/drawing/2014/main" id="{A9A7AB69-D1A4-194D-B544-292C74F04FCD}"/>
-              </a:ext>
-            </a:extLst>
-          </p:cNvPr>
-          <p:cNvSpPr>
-            <a:spLocks noGrp="1"/>
-          </p:cNvSpPr>
-          <p:nvPr>
-            <p:ph type="title"/>
-          </p:nvPr>
-        </p:nvSpPr>
-        <p:spPr/>
-        <p:txBody>
-          <a:bodyPr/>
-          <a:lstStyle/>
-          <a:p>
-            <a:r>
-              <a:rPr lang="en-US" dirty="0"/>
-              <a:t>Key Elements: Risk</a:t>
-            </a:r>
-          </a:p>
-        </p:txBody>
-      </p:sp>
-      <p:sp>
-        <p:nvSpPr>
-          <p:cNvPr id="9" name="Content Placeholder 8">
-            <a:extLst>
-              <a:ext uri="{FF2B5EF4-FFF2-40B4-BE49-F238E27FC236}">
-                <a16:creationId xmlns:a16="http://schemas.microsoft.com/office/drawing/2014/main" id="{661EE144-0F6C-2649-B81A-1334F4AFFB37}"/>
-              </a:ext>
-            </a:extLst>
-          </p:cNvPr>
-          <p:cNvSpPr>
-            <a:spLocks noGrp="1"/>
-          </p:cNvSpPr>
-          <p:nvPr>
-            <p:ph idx="1"/>
-          </p:nvPr>
-        </p:nvSpPr>
-        <p:spPr/>
-        <p:txBody>
-          <a:bodyPr/>
-          <a:lstStyle/>
-          <a:p>
-            <a:endParaRPr lang="en-US"/>
-          </a:p>
-        </p:txBody>
-      </p:sp>
     </p:spTree>
     <p:extLst>
       <p:ext uri="{BB962C8B-B14F-4D97-AF65-F5344CB8AC3E}">
@@ -7022,10 +7285,68 @@
           <a:bodyPr/>
           <a:lstStyle/>
           <a:p>
-            <a:endParaRPr lang="en-US"/>
-          </a:p>
-        </p:txBody>
-      </p:sp>
+            <a:endParaRPr lang="en-US" dirty="0"/>
+          </a:p>
+        </p:txBody>
+      </p:sp>
+      <p:pic>
+        <p:nvPicPr>
+          <p:cNvPr id="3" name="Picture 2" descr="A graph of a stock market&#10;&#10;Description automatically generated">
+            <a:extLst>
+              <a:ext uri="{FF2B5EF4-FFF2-40B4-BE49-F238E27FC236}">
+                <a16:creationId xmlns:a16="http://schemas.microsoft.com/office/drawing/2014/main" id="{C3BF7B2A-A131-07A5-EBD2-96A4793957A9}"/>
+              </a:ext>
+            </a:extLst>
+          </p:cNvPr>
+          <p:cNvPicPr>
+            <a:picLocks noChangeAspect="1"/>
+          </p:cNvPicPr>
+          <p:nvPr/>
+        </p:nvPicPr>
+        <p:blipFill rotWithShape="1">
+          <a:blip r:embed="rId4"/>
+          <a:srcRect l="6416"/>
+          <a:stretch/>
+        </p:blipFill>
+        <p:spPr>
+          <a:xfrm>
+            <a:off x="6164227" y="681037"/>
+            <a:ext cx="5959543" cy="3820887"/>
+          </a:xfrm>
+          <a:prstGeom prst="rect">
+            <a:avLst/>
+          </a:prstGeom>
+        </p:spPr>
+      </p:pic>
+      <p:pic>
+        <p:nvPicPr>
+          <p:cNvPr id="5" name="Picture 4" descr="A graph of a financial graph&#10;&#10;Description automatically generated with medium confidence">
+            <a:extLst>
+              <a:ext uri="{FF2B5EF4-FFF2-40B4-BE49-F238E27FC236}">
+                <a16:creationId xmlns:a16="http://schemas.microsoft.com/office/drawing/2014/main" id="{8A7EC642-919D-496E-65B9-1F0E438C6171}"/>
+              </a:ext>
+            </a:extLst>
+          </p:cNvPr>
+          <p:cNvPicPr>
+            <a:picLocks noChangeAspect="1"/>
+          </p:cNvPicPr>
+          <p:nvPr/>
+        </p:nvPicPr>
+        <p:blipFill rotWithShape="1">
+          <a:blip r:embed="rId5"/>
+          <a:srcRect r="8919"/>
+          <a:stretch/>
+        </p:blipFill>
+        <p:spPr>
+          <a:xfrm>
+            <a:off x="34114" y="2296152"/>
+            <a:ext cx="6095999" cy="4015748"/>
+          </a:xfrm>
+          <a:prstGeom prst="rect">
+            <a:avLst/>
+          </a:prstGeom>
+        </p:spPr>
+      </p:pic>
     </p:spTree>
     <p:extLst>
       <p:ext uri="{BB962C8B-B14F-4D97-AF65-F5344CB8AC3E}">
@@ -7109,36 +7430,70 @@
           <a:p>
             <a:r>
               <a:rPr lang="en-US" dirty="0"/>
-              <a:t>Results: Risk</a:t>
-            </a:r>
-          </a:p>
-        </p:txBody>
-      </p:sp>
-      <p:sp>
-        <p:nvSpPr>
-          <p:cNvPr id="9" name="Content Placeholder 8">
-            <a:extLst>
-              <a:ext uri="{FF2B5EF4-FFF2-40B4-BE49-F238E27FC236}">
-                <a16:creationId xmlns:a16="http://schemas.microsoft.com/office/drawing/2014/main" id="{661EE144-0F6C-2649-B81A-1334F4AFFB37}"/>
-              </a:ext>
-            </a:extLst>
-          </p:cNvPr>
-          <p:cNvSpPr>
-            <a:spLocks noGrp="1"/>
-          </p:cNvSpPr>
+              <a:t>Antifragile Strategy</a:t>
+            </a:r>
+          </a:p>
+        </p:txBody>
+      </p:sp>
+      <p:pic>
+        <p:nvPicPr>
+          <p:cNvPr id="3" name="Content Placeholder 2" descr="A graph with blue dots&#10;&#10;Description automatically generated">
+            <a:extLst>
+              <a:ext uri="{FF2B5EF4-FFF2-40B4-BE49-F238E27FC236}">
+                <a16:creationId xmlns:a16="http://schemas.microsoft.com/office/drawing/2014/main" id="{8A347DE1-345E-3DEC-6871-6C5807BF3F8F}"/>
+              </a:ext>
+            </a:extLst>
+          </p:cNvPr>
+          <p:cNvPicPr>
+            <a:picLocks noGrp="1" noChangeAspect="1"/>
+          </p:cNvPicPr>
           <p:nvPr>
             <p:ph idx="1"/>
           </p:nvPr>
-        </p:nvSpPr>
-        <p:spPr/>
-        <p:txBody>
-          <a:bodyPr/>
-          <a:lstStyle/>
-          <a:p>
-            <a:endParaRPr lang="en-US"/>
-          </a:p>
-        </p:txBody>
-      </p:sp>
+        </p:nvPicPr>
+        <p:blipFill>
+          <a:blip r:embed="rId4"/>
+          <a:stretch>
+            <a:fillRect/>
+          </a:stretch>
+        </p:blipFill>
+        <p:spPr>
+          <a:xfrm>
+            <a:off x="0" y="2122718"/>
+            <a:ext cx="6372808" cy="3823685"/>
+          </a:xfrm>
+        </p:spPr>
+      </p:pic>
+      <p:pic>
+        <p:nvPicPr>
+          <p:cNvPr id="5" name="Picture 4" descr="A graph with blue dots&#10;&#10;Description automatically generated">
+            <a:extLst>
+              <a:ext uri="{FF2B5EF4-FFF2-40B4-BE49-F238E27FC236}">
+                <a16:creationId xmlns:a16="http://schemas.microsoft.com/office/drawing/2014/main" id="{37D2CDAD-9995-17B7-BF86-C0C2C793EF41}"/>
+              </a:ext>
+            </a:extLst>
+          </p:cNvPr>
+          <p:cNvPicPr>
+            <a:picLocks noChangeAspect="1"/>
+          </p:cNvPicPr>
+          <p:nvPr/>
+        </p:nvPicPr>
+        <p:blipFill>
+          <a:blip r:embed="rId5"/>
+          <a:stretch>
+            <a:fillRect/>
+          </a:stretch>
+        </p:blipFill>
+        <p:spPr>
+          <a:xfrm>
+            <a:off x="5874019" y="2122718"/>
+            <a:ext cx="6282613" cy="3769568"/>
+          </a:xfrm>
+          <a:prstGeom prst="rect">
+            <a:avLst/>
+          </a:prstGeom>
+        </p:spPr>
+      </p:pic>
     </p:spTree>
     <p:extLst>
       <p:ext uri="{BB962C8B-B14F-4D97-AF65-F5344CB8AC3E}">
@@ -7227,67 +7582,40 @@
           </a:p>
         </p:txBody>
       </p:sp>
-      <p:sp>
-        <p:nvSpPr>
-          <p:cNvPr id="9" name="Content Placeholder 8">
-            <a:extLst>
-              <a:ext uri="{FF2B5EF4-FFF2-40B4-BE49-F238E27FC236}">
-                <a16:creationId xmlns:a16="http://schemas.microsoft.com/office/drawing/2014/main" id="{661EE144-0F6C-2649-B81A-1334F4AFFB37}"/>
-              </a:ext>
-            </a:extLst>
-          </p:cNvPr>
-          <p:cNvSpPr>
-            <a:spLocks noGrp="1"/>
-          </p:cNvSpPr>
-          <p:nvPr>
-            <p:ph idx="1"/>
-          </p:nvPr>
-        </p:nvSpPr>
-        <p:spPr/>
-        <p:txBody>
-          <a:bodyPr/>
-          <a:lstStyle/>
-          <a:p>
-            <a:endParaRPr lang="en-US"/>
-          </a:p>
-        </p:txBody>
-      </p:sp>
       <p:pic>
         <p:nvPicPr>
-          <p:cNvPr id="3" name="Picture 2">
-            <a:extLst>
-              <a:ext uri="{FF2B5EF4-FFF2-40B4-BE49-F238E27FC236}">
-                <a16:creationId xmlns:a16="http://schemas.microsoft.com/office/drawing/2014/main" id="{14E52140-081F-3634-F676-965151CC3548}"/>
+          <p:cNvPr id="11" name="Content Placeholder 10" descr="A graph with blue dots&#10;&#10;Description automatically generated">
+            <a:extLst>
+              <a:ext uri="{FF2B5EF4-FFF2-40B4-BE49-F238E27FC236}">
+                <a16:creationId xmlns:a16="http://schemas.microsoft.com/office/drawing/2014/main" id="{24830A22-0BF7-6202-4C6C-F229496D065A}"/>
               </a:ext>
             </a:extLst>
           </p:cNvPr>
           <p:cNvPicPr>
-            <a:picLocks noChangeAspect="1"/>
+            <a:picLocks noGrp="1" noChangeAspect="1"/>
           </p:cNvPicPr>
-          <p:nvPr/>
+          <p:nvPr>
+            <p:ph idx="1"/>
+          </p:nvPr>
         </p:nvPicPr>
-        <p:blipFill>
+        <p:blipFill rotWithShape="1">
           <a:blip r:embed="rId4"/>
-          <a:stretch>
-            <a:fillRect/>
-          </a:stretch>
+          <a:srcRect l="6986" t="4970" r="7325"/>
+          <a:stretch/>
         </p:blipFill>
         <p:spPr>
           <a:xfrm>
-            <a:off x="514739" y="2502101"/>
-            <a:ext cx="6476222" cy="3885733"/>
+            <a:off x="116876" y="266135"/>
+            <a:ext cx="5183259" cy="3448990"/>
           </a:xfrm>
-          <a:prstGeom prst="rect">
-            <a:avLst/>
-          </a:prstGeom>
         </p:spPr>
       </p:pic>
       <p:pic>
         <p:nvPicPr>
-          <p:cNvPr id="5" name="Picture 4">
-            <a:extLst>
-              <a:ext uri="{FF2B5EF4-FFF2-40B4-BE49-F238E27FC236}">
-                <a16:creationId xmlns:a16="http://schemas.microsoft.com/office/drawing/2014/main" id="{950BB36A-E30E-1126-2EC7-8B8B18F5A4D0}"/>
+          <p:cNvPr id="3" name="Picture 2">
+            <a:extLst>
+              <a:ext uri="{FF2B5EF4-FFF2-40B4-BE49-F238E27FC236}">
+                <a16:creationId xmlns:a16="http://schemas.microsoft.com/office/drawing/2014/main" id="{14E52140-081F-3634-F676-965151CC3548}"/>
               </a:ext>
             </a:extLst>
           </p:cNvPr>
@@ -7304,8 +7632,8 @@
         </p:blipFill>
         <p:spPr>
           <a:xfrm>
-            <a:off x="6667500" y="2862263"/>
-            <a:ext cx="5524500" cy="3314700"/>
+            <a:off x="6586138" y="75607"/>
+            <a:ext cx="5605862" cy="3363517"/>
           </a:xfrm>
           <a:prstGeom prst="rect">
             <a:avLst/>
@@ -7314,10 +7642,10 @@
       </p:pic>
       <p:pic>
         <p:nvPicPr>
-          <p:cNvPr id="10" name="Picture 9">
-            <a:extLst>
-              <a:ext uri="{FF2B5EF4-FFF2-40B4-BE49-F238E27FC236}">
-                <a16:creationId xmlns:a16="http://schemas.microsoft.com/office/drawing/2014/main" id="{FE5D7BF4-AA2E-6E7C-72FE-AB8D6DFC4AE2}"/>
+          <p:cNvPr id="5" name="Picture 4">
+            <a:extLst>
+              <a:ext uri="{FF2B5EF4-FFF2-40B4-BE49-F238E27FC236}">
+                <a16:creationId xmlns:a16="http://schemas.microsoft.com/office/drawing/2014/main" id="{950BB36A-E30E-1126-2EC7-8B8B18F5A4D0}"/>
               </a:ext>
             </a:extLst>
           </p:cNvPr>
@@ -7334,14 +7662,97 @@
         </p:blipFill>
         <p:spPr>
           <a:xfrm>
-            <a:off x="5140390" y="0"/>
-            <a:ext cx="5896169" cy="3537701"/>
+            <a:off x="6586138" y="3288762"/>
+            <a:ext cx="5605862" cy="3363517"/>
           </a:xfrm>
           <a:prstGeom prst="rect">
             <a:avLst/>
           </a:prstGeom>
         </p:spPr>
       </p:pic>
+      <p:pic>
+        <p:nvPicPr>
+          <p:cNvPr id="10" name="Picture 9">
+            <a:extLst>
+              <a:ext uri="{FF2B5EF4-FFF2-40B4-BE49-F238E27FC236}">
+                <a16:creationId xmlns:a16="http://schemas.microsoft.com/office/drawing/2014/main" id="{FE5D7BF4-AA2E-6E7C-72FE-AB8D6DFC4AE2}"/>
+              </a:ext>
+            </a:extLst>
+          </p:cNvPr>
+          <p:cNvPicPr>
+            <a:picLocks noChangeAspect="1"/>
+          </p:cNvPicPr>
+          <p:nvPr/>
+        </p:nvPicPr>
+        <p:blipFill rotWithShape="1">
+          <a:blip r:embed="rId7"/>
+          <a:srcRect l="6433" t="4303" r="7623"/>
+          <a:stretch/>
+        </p:blipFill>
+        <p:spPr>
+          <a:xfrm>
+            <a:off x="58172" y="3362232"/>
+            <a:ext cx="5281659" cy="3528638"/>
+          </a:xfrm>
+          <a:prstGeom prst="rect">
+            <a:avLst/>
+          </a:prstGeom>
+        </p:spPr>
+      </p:pic>
+      <p:sp>
+        <p:nvSpPr>
+          <p:cNvPr id="12" name="Title 7">
+            <a:extLst>
+              <a:ext uri="{FF2B5EF4-FFF2-40B4-BE49-F238E27FC236}">
+                <a16:creationId xmlns:a16="http://schemas.microsoft.com/office/drawing/2014/main" id="{0CD9814B-EDCB-6FE8-D70F-24036EE0B7DF}"/>
+              </a:ext>
+            </a:extLst>
+          </p:cNvPr>
+          <p:cNvSpPr txBox="1">
+            <a:spLocks/>
+          </p:cNvSpPr>
+          <p:nvPr/>
+        </p:nvSpPr>
+        <p:spPr>
+          <a:xfrm>
+            <a:off x="5185773" y="-194796"/>
+            <a:ext cx="2166750" cy="1325563"/>
+          </a:xfrm>
+          <a:prstGeom prst="rect">
+            <a:avLst/>
+          </a:prstGeom>
+        </p:spPr>
+        <p:txBody>
+          <a:bodyPr vert="horz" lIns="91440" tIns="45720" rIns="91440" bIns="45720" rtlCol="0" anchor="ctr">
+            <a:normAutofit/>
+          </a:bodyPr>
+          <a:lstStyle>
+            <a:lvl1pPr algn="l" defTabSz="914400" rtl="0" eaLnBrk="1" latinLnBrk="0" hangingPunct="1">
+              <a:lnSpc>
+                <a:spcPct val="90000"/>
+              </a:lnSpc>
+              <a:spcBef>
+                <a:spcPct val="0"/>
+              </a:spcBef>
+              <a:buNone/>
+              <a:defRPr sz="4400" kern="1200">
+                <a:solidFill>
+                  <a:schemeClr val="tx1"/>
+                </a:solidFill>
+                <a:latin typeface="+mj-lt"/>
+                <a:ea typeface="+mj-ea"/>
+                <a:cs typeface="+mj-cs"/>
+              </a:defRPr>
+            </a:lvl1pPr>
+          </a:lstStyle>
+          <a:p>
+            <a:r>
+              <a:rPr lang="en-US" sz="4000" dirty="0"/>
+              <a:t>Influence</a:t>
+            </a:r>
+          </a:p>
+        </p:txBody>
+      </p:sp>
     </p:spTree>
     <p:extLst>
       <p:ext uri="{BB962C8B-B14F-4D97-AF65-F5344CB8AC3E}">
@@ -7425,7 +7836,7 @@
           <a:p>
             <a:r>
               <a:rPr lang="en-US" dirty="0"/>
-              <a:t>Highlights of Results</a:t>
+              <a:t>Challenges and Future Work</a:t>
             </a:r>
           </a:p>
         </p:txBody>
@@ -7446,19 +7857,75 @@
             <p:ph idx="1"/>
           </p:nvPr>
         </p:nvSpPr>
-        <p:spPr/>
+        <p:spPr>
+          <a:xfrm>
+            <a:off x="838200" y="1617273"/>
+            <a:ext cx="4872135" cy="4559690"/>
+          </a:xfrm>
+        </p:spPr>
         <p:txBody>
           <a:bodyPr/>
           <a:lstStyle/>
           <a:p>
-            <a:endParaRPr lang="en-US"/>
-          </a:p>
-        </p:txBody>
-      </p:sp>
+            <a:r>
+              <a:rPr lang="en-US" dirty="0"/>
+              <a:t>Influence did not account for partial information flow</a:t>
+            </a:r>
+          </a:p>
+          <a:p>
+            <a:r>
+              <a:rPr lang="en-US" dirty="0"/>
+              <a:t>Data filtration limits which stocks are used</a:t>
+            </a:r>
+          </a:p>
+          <a:p>
+            <a:r>
+              <a:rPr lang="en-US" dirty="0"/>
+              <a:t>Extend broker quantity and friend distribution</a:t>
+            </a:r>
+          </a:p>
+          <a:p>
+            <a:r>
+              <a:rPr lang="en-US" dirty="0"/>
+              <a:t>Expand risk evaluation for greater stock data</a:t>
+            </a:r>
+          </a:p>
+        </p:txBody>
+      </p:sp>
+      <p:pic>
+        <p:nvPicPr>
+          <p:cNvPr id="2" name="Content Placeholder 2" descr="A graph of a graph&#10;&#10;Description automatically generated">
+            <a:extLst>
+              <a:ext uri="{FF2B5EF4-FFF2-40B4-BE49-F238E27FC236}">
+                <a16:creationId xmlns:a16="http://schemas.microsoft.com/office/drawing/2014/main" id="{A55B29B9-2E35-C23D-11D8-4041581283AE}"/>
+              </a:ext>
+            </a:extLst>
+          </p:cNvPr>
+          <p:cNvPicPr>
+            <a:picLocks noChangeAspect="1"/>
+          </p:cNvPicPr>
+          <p:nvPr/>
+        </p:nvPicPr>
+        <p:blipFill>
+          <a:blip r:embed="rId4"/>
+          <a:stretch>
+            <a:fillRect/>
+          </a:stretch>
+        </p:blipFill>
+        <p:spPr>
+          <a:xfrm>
+            <a:off x="6096000" y="1371600"/>
+            <a:ext cx="6079587" cy="4559690"/>
+          </a:xfrm>
+          <a:prstGeom prst="rect">
+            <a:avLst/>
+          </a:prstGeom>
+        </p:spPr>
+      </p:pic>
     </p:spTree>
     <p:extLst>
       <p:ext uri="{BB962C8B-B14F-4D97-AF65-F5344CB8AC3E}">
-        <p14:creationId xmlns:p14="http://schemas.microsoft.com/office/powerpoint/2010/main" val="712412950"/>
+        <p14:creationId xmlns:p14="http://schemas.microsoft.com/office/powerpoint/2010/main" val="844184953"/>
       </p:ext>
     </p:extLst>
   </p:cSld>
@@ -7538,7 +8005,7 @@
           <a:p>
             <a:r>
               <a:rPr lang="en-US" dirty="0"/>
-              <a:t>Challenges and Future Work</a:t>
+              <a:t>References</a:t>
             </a:r>
           </a:p>
         </p:txBody>
@@ -7559,19 +8026,408 @@
             <p:ph idx="1"/>
           </p:nvPr>
         </p:nvSpPr>
-        <p:spPr/>
-        <p:txBody>
-          <a:bodyPr/>
+        <p:spPr>
+          <a:xfrm>
+            <a:off x="412490" y="1595535"/>
+            <a:ext cx="11367019" cy="4665404"/>
+          </a:xfrm>
+        </p:spPr>
+        <p:txBody>
+          <a:bodyPr>
+            <a:normAutofit lnSpcReduction="10000"/>
+          </a:bodyPr>
           <a:lstStyle/>
           <a:p>
-            <a:endParaRPr lang="en-US"/>
+            <a:pPr marL="0" indent="0">
+              <a:buNone/>
+            </a:pPr>
+            <a:r>
+              <a:rPr lang="en-US" sz="1000" dirty="0"/>
+              <a:t>X. </a:t>
+            </a:r>
+            <a:r>
+              <a:rPr lang="en-US" sz="1000" dirty="0" err="1"/>
+              <a:t>Gabaix</a:t>
+            </a:r>
+            <a:r>
+              <a:rPr lang="en-US" sz="1000" dirty="0"/>
+              <a:t>, “Power laws in economics: an introduction,” \</a:t>
+            </a:r>
+            <a:r>
+              <a:rPr lang="en-US" sz="1000" dirty="0" err="1"/>
+              <a:t>textit</a:t>
+            </a:r>
+            <a:r>
+              <a:rPr lang="en-US" sz="1000" dirty="0"/>
+              <a:t>{Journal of Economic Perspectives}, vol. 30, no. 1, pp. 185–206, Feb. 2016.</a:t>
+            </a:r>
+          </a:p>
+          <a:p>
+            <a:pPr marL="0" indent="0">
+              <a:buNone/>
+            </a:pPr>
+            <a:r>
+              <a:rPr lang="en-US" sz="1000" dirty="0"/>
+              <a:t>N. N. </a:t>
+            </a:r>
+            <a:r>
+              <a:rPr lang="en-US" sz="1000" dirty="0" err="1"/>
+              <a:t>Taleb</a:t>
+            </a:r>
+            <a:r>
+              <a:rPr lang="en-US" sz="1000" dirty="0"/>
+              <a:t>, Antifragile: Things that gain from disorder. Harlow, England: Penguin Books, 2013.</a:t>
+            </a:r>
+          </a:p>
+          <a:p>
+            <a:pPr marL="0" indent="0">
+              <a:buNone/>
+            </a:pPr>
+            <a:r>
+              <a:rPr lang="en-US" sz="1000" dirty="0"/>
+              <a:t>D. Easley and J. Kleinberg, Networks, crowds, and markets: Reasoning about a highly connected world. Cambridge, England: Cambridge University Press, 2012.</a:t>
+            </a:r>
+          </a:p>
+          <a:p>
+            <a:pPr marL="0" indent="0">
+              <a:buNone/>
+            </a:pPr>
+            <a:r>
+              <a:rPr lang="en-US" sz="1000" dirty="0"/>
+              <a:t>C. Hommes, “Behavioral and Experimental Macroeconomics and Policy Analysis: A Complex Systems Approach,” Journal of Economic Literature, vol. 59, no. 1, pp. 149–219, Mar. 2021, </a:t>
+            </a:r>
+            <a:r>
+              <a:rPr lang="en-US" sz="1000" dirty="0" err="1"/>
+              <a:t>doi</a:t>
+            </a:r>
+            <a:r>
+              <a:rPr lang="en-US" sz="1000" dirty="0"/>
+              <a:t>: 10.1257/jel.20191434.</a:t>
+            </a:r>
+          </a:p>
+          <a:p>
+            <a:pPr marL="0" indent="0">
+              <a:buNone/>
+            </a:pPr>
+            <a:r>
+              <a:rPr lang="en-US" sz="1000" dirty="0"/>
+              <a:t>C. K. </a:t>
+            </a:r>
+            <a:r>
+              <a:rPr lang="en-US" sz="1000" dirty="0" err="1"/>
+              <a:t>Tse</a:t>
+            </a:r>
+            <a:r>
+              <a:rPr lang="en-US" sz="1000" dirty="0"/>
+              <a:t>, J. Liu, and F. C. M. Lau, “A network perspective of the stock market,” Journal of Empirical Finance, vol. 17, no. 4, pp. 659–667, Sep. 2010, </a:t>
+            </a:r>
+            <a:r>
+              <a:rPr lang="en-US" sz="1000" dirty="0" err="1"/>
+              <a:t>doi</a:t>
+            </a:r>
+            <a:r>
+              <a:rPr lang="en-US" sz="1000" dirty="0"/>
+              <a:t>: 10.1016/j.jempfin.2010.04.008.</a:t>
+            </a:r>
+          </a:p>
+          <a:p>
+            <a:pPr marL="0" indent="0">
+              <a:buNone/>
+            </a:pPr>
+            <a:r>
+              <a:rPr lang="en-US" sz="1000" dirty="0"/>
+              <a:t>M. Kuhlmann, "Explaining financial markets in terms of complex systems," \</a:t>
+            </a:r>
+            <a:r>
+              <a:rPr lang="en-US" sz="1000" dirty="0" err="1"/>
+              <a:t>textit</a:t>
+            </a:r>
+            <a:r>
+              <a:rPr lang="en-US" sz="1000" dirty="0"/>
+              <a:t>{</a:t>
+            </a:r>
+            <a:r>
+              <a:rPr lang="en-US" sz="1000" dirty="0" err="1"/>
+              <a:t>Philosphy</a:t>
+            </a:r>
+            <a:r>
+              <a:rPr lang="en-US" sz="1000" dirty="0"/>
+              <a:t> of Science}, vol. 81, no. 5, pp. 1117-1130, Dec. 2014. %</a:t>
+            </a:r>
+            <a:r>
+              <a:rPr lang="en-US" sz="1000" dirty="0" err="1"/>
+              <a:t>doi</a:t>
+            </a:r>
+            <a:r>
+              <a:rPr lang="en-US" sz="1000" dirty="0"/>
+              <a:t>: 10.1086/677699.</a:t>
+            </a:r>
+          </a:p>
+          <a:p>
+            <a:pPr marL="0" indent="0">
+              <a:buNone/>
+            </a:pPr>
+            <a:r>
+              <a:rPr lang="en-US" sz="1000" dirty="0"/>
+              <a:t>M. Di Maggio, F. </a:t>
+            </a:r>
+            <a:r>
+              <a:rPr lang="en-US" sz="1000" dirty="0" err="1"/>
+              <a:t>Franzoni</a:t>
+            </a:r>
+            <a:r>
+              <a:rPr lang="en-US" sz="1000" dirty="0"/>
+              <a:t>, A. </a:t>
+            </a:r>
+            <a:r>
+              <a:rPr lang="en-US" sz="1000" dirty="0" err="1"/>
+              <a:t>Kermani</a:t>
+            </a:r>
+            <a:r>
+              <a:rPr lang="en-US" sz="1000" dirty="0"/>
+              <a:t>, and C. </a:t>
+            </a:r>
+            <a:r>
+              <a:rPr lang="en-US" sz="1000" dirty="0" err="1"/>
+              <a:t>Sommavilla</a:t>
+            </a:r>
+            <a:r>
+              <a:rPr lang="en-US" sz="1000" dirty="0"/>
+              <a:t>, "The relevance of broker networks for information diffusion in the stock market," \</a:t>
+            </a:r>
+            <a:r>
+              <a:rPr lang="en-US" sz="1000" dirty="0" err="1"/>
+              <a:t>textit</a:t>
+            </a:r>
+            <a:r>
+              <a:rPr lang="en-US" sz="1000" dirty="0"/>
+              <a:t>{Journal of Financial Economics}, vol. 134, no. 2, pp. 419-446, Nov. 2019. </a:t>
+            </a:r>
+          </a:p>
+          <a:p>
+            <a:pPr marL="0" indent="0">
+              <a:buNone/>
+            </a:pPr>
+            <a:r>
+              <a:rPr lang="en-US" sz="1000" dirty="0"/>
+              <a:t>P. Gai and S. Kapadia, "Contagion in financial networks," \</a:t>
+            </a:r>
+            <a:r>
+              <a:rPr lang="en-US" sz="1000" dirty="0" err="1"/>
+              <a:t>textit</a:t>
+            </a:r>
+            <a:r>
+              <a:rPr lang="en-US" sz="1000" dirty="0"/>
+              <a:t>{Proceedings of the Royal Society}, vol. 466, no. 2120, pp. 2401–2423, Aug. 2010.</a:t>
+            </a:r>
+          </a:p>
+          <a:p>
+            <a:pPr marL="0" indent="0">
+              <a:buNone/>
+            </a:pPr>
+            <a:r>
+              <a:rPr lang="en-US" sz="1000" dirty="0"/>
+              <a:t>C. K. </a:t>
+            </a:r>
+            <a:r>
+              <a:rPr lang="en-US" sz="1000" dirty="0" err="1"/>
+              <a:t>Tse</a:t>
+            </a:r>
+            <a:r>
+              <a:rPr lang="en-US" sz="1000" dirty="0"/>
+              <a:t>, J. Liu, and F. C. M. Lau, “A network perspective of the stock market,” \</a:t>
+            </a:r>
+            <a:r>
+              <a:rPr lang="en-US" sz="1000" dirty="0" err="1"/>
+              <a:t>textit</a:t>
+            </a:r>
+            <a:r>
+              <a:rPr lang="en-US" sz="1000" dirty="0"/>
+              <a:t>{Journal of Empirical Finance}, vol. 17, no. 4, pp. 659–667, Sep. 2010. % </a:t>
+            </a:r>
+            <a:r>
+              <a:rPr lang="en-US" sz="1000" dirty="0" err="1"/>
+              <a:t>doi</a:t>
+            </a:r>
+            <a:r>
+              <a:rPr lang="en-US" sz="1000" dirty="0"/>
+              <a:t>: 10.1016/j.jempfin.2010.04.008.</a:t>
+            </a:r>
+          </a:p>
+          <a:p>
+            <a:pPr marL="0" indent="0">
+              <a:buNone/>
+            </a:pPr>
+            <a:r>
+              <a:rPr lang="en-US" sz="1000" dirty="0"/>
+              <a:t>G. Li, A. Zhang, Q. Zhang, D. Wu, and C. Zhan, “Pearson correlation coefficient-based performance enhancement of broad learning system for stock price prediction,” \</a:t>
+            </a:r>
+            <a:r>
+              <a:rPr lang="en-US" sz="1000" dirty="0" err="1"/>
+              <a:t>textit</a:t>
+            </a:r>
+            <a:r>
+              <a:rPr lang="en-US" sz="1000" dirty="0"/>
+              <a:t>{IEEE Transactions on Circuits and Systems II: Express Briefs}, vol. 69, no. 5, pp. 2413–2417, May 2022. </a:t>
+            </a:r>
+          </a:p>
+          <a:p>
+            <a:pPr marL="0" indent="0">
+              <a:buNone/>
+            </a:pPr>
+            <a:r>
+              <a:rPr lang="en-US" sz="1000" dirty="0"/>
+              <a:t>P. </a:t>
+            </a:r>
+            <a:r>
+              <a:rPr lang="en-US" sz="1000" dirty="0" err="1"/>
+              <a:t>Fiedor</a:t>
+            </a:r>
+            <a:r>
+              <a:rPr lang="en-US" sz="1000" dirty="0"/>
+              <a:t>, “Networks in financial markets based on the mutual information rate,” \</a:t>
+            </a:r>
+            <a:r>
+              <a:rPr lang="en-US" sz="1000" dirty="0" err="1"/>
+              <a:t>textit</a:t>
+            </a:r>
+            <a:r>
+              <a:rPr lang="en-US" sz="1000" dirty="0"/>
+              <a:t>{Physical Review E}, vol. 89, no. 5, May 2014. % </a:t>
+            </a:r>
+            <a:r>
+              <a:rPr lang="en-US" sz="1000" dirty="0" err="1"/>
+              <a:t>doi</a:t>
+            </a:r>
+            <a:r>
+              <a:rPr lang="en-US" sz="1000" dirty="0"/>
+              <a:t>: 10.1103/PhysRevE.89.052801.</a:t>
+            </a:r>
+          </a:p>
+          <a:p>
+            <a:pPr marL="0" indent="0">
+              <a:buNone/>
+            </a:pPr>
+            <a:r>
+              <a:rPr lang="en-US" sz="1000" dirty="0"/>
+              <a:t>I. Cooper and R. Priestley. "Real investment and risk dynamics," \</a:t>
+            </a:r>
+            <a:r>
+              <a:rPr lang="en-US" sz="1000" dirty="0" err="1"/>
+              <a:t>textit</a:t>
+            </a:r>
+            <a:r>
+              <a:rPr lang="en-US" sz="1000" dirty="0"/>
+              <a:t>{Journal of Financial Economics}, vol. 101, no. 1, pp. 182-205, July 2011.</a:t>
+            </a:r>
+          </a:p>
+          <a:p>
+            <a:pPr marL="0" indent="0">
+              <a:buNone/>
+            </a:pPr>
+            <a:r>
+              <a:rPr lang="en-US" sz="1000" dirty="0"/>
+              <a:t>K. J. Lansing and S. F. LeRoy, “Risk aversion, investor information and stock market volatility,” \</a:t>
+            </a:r>
+            <a:r>
+              <a:rPr lang="en-US" sz="1000" dirty="0" err="1"/>
+              <a:t>textit</a:t>
+            </a:r>
+            <a:r>
+              <a:rPr lang="en-US" sz="1000" dirty="0"/>
+              <a:t>{European Economic Review}, vol. 70, pp. 88-107, July 2014. </a:t>
+            </a:r>
+          </a:p>
+          <a:p>
+            <a:pPr marL="0" indent="0">
+              <a:buNone/>
+            </a:pPr>
+            <a:r>
+              <a:rPr lang="en-US" sz="1000" dirty="0"/>
+              <a:t>J. E. </a:t>
+            </a:r>
+            <a:r>
+              <a:rPr lang="en-US" sz="1000" dirty="0" err="1"/>
+              <a:t>Corter</a:t>
+            </a:r>
+            <a:r>
+              <a:rPr lang="en-US" sz="1000" dirty="0"/>
+              <a:t> and Y. J. Chen, “Do investment risk tolerance attitudes predict portfolio risk?,” \</a:t>
+            </a:r>
+            <a:r>
+              <a:rPr lang="en-US" sz="1100" dirty="0" err="1"/>
+              <a:t>textit</a:t>
+            </a:r>
+            <a:r>
+              <a:rPr lang="en-US" sz="1000" dirty="0"/>
+              <a:t>{Journal of Business and Psychology}, vol. 20, no. 3, pp. 369-381, 2006.</a:t>
+            </a:r>
+          </a:p>
+          <a:p>
+            <a:pPr marL="0" indent="0">
+              <a:buNone/>
+            </a:pPr>
+            <a:r>
+              <a:rPr lang="en-US" sz="1000" dirty="0"/>
+              <a:t>D. Harmon, B. Stacey, Y. Bar-Yam, and Y. Bar-Yam, "Networks of economic market interdependence and systemic risk," New England Complex Systems Institute, Cambridge, MA, Tech. Report 1011.3707, Mar. 2009.</a:t>
+            </a:r>
+          </a:p>
+          <a:p>
+            <a:pPr marL="0" indent="0">
+              <a:buNone/>
+            </a:pPr>
+            <a:r>
+              <a:rPr lang="en-US" sz="1000" dirty="0"/>
+              <a:t>Y. Y. </a:t>
+            </a:r>
+            <a:r>
+              <a:rPr lang="en-US" sz="1000" dirty="0" err="1"/>
+              <a:t>Baydilli</a:t>
+            </a:r>
+            <a:r>
+              <a:rPr lang="en-US" sz="1000" dirty="0"/>
+              <a:t>, S. </a:t>
+            </a:r>
+            <a:r>
+              <a:rPr lang="en-US" sz="1000" dirty="0" err="1"/>
+              <a:t>Bayir</a:t>
+            </a:r>
+            <a:r>
+              <a:rPr lang="en-US" sz="1000" dirty="0"/>
+              <a:t>, and I. </a:t>
+            </a:r>
+            <a:r>
+              <a:rPr lang="en-US" sz="1000" dirty="0" err="1"/>
+              <a:t>Tuker</a:t>
+            </a:r>
+            <a:r>
+              <a:rPr lang="en-US" sz="1000" dirty="0"/>
+              <a:t>, “A hierarchical view of a national stock market as a complex network,” \</a:t>
+            </a:r>
+            <a:r>
+              <a:rPr lang="en-US" sz="1000" dirty="0" err="1"/>
+              <a:t>textit</a:t>
+            </a:r>
+            <a:r>
+              <a:rPr lang="en-US" sz="1000" dirty="0"/>
+              <a:t>{Economic Computation \&amp; Economic Cybernetics Studies \&amp; Research}, vol. 51, no. 1, pp. 205–222, Jan. 2017.</a:t>
+            </a:r>
+          </a:p>
+          <a:p>
+            <a:pPr marL="0" indent="0">
+              <a:buNone/>
+            </a:pPr>
+            <a:r>
+              <a:rPr lang="en-US" sz="1000" dirty="0"/>
+              <a:t>		</a:t>
+            </a:r>
           </a:p>
         </p:txBody>
       </p:sp>
     </p:spTree>
     <p:extLst>
       <p:ext uri="{BB962C8B-B14F-4D97-AF65-F5344CB8AC3E}">
-        <p14:creationId xmlns:p14="http://schemas.microsoft.com/office/powerpoint/2010/main" val="844184953"/>
+        <p14:creationId xmlns:p14="http://schemas.microsoft.com/office/powerpoint/2010/main" val="3598801279"/>
       </p:ext>
     </p:extLst>
   </p:cSld>

--- a/Project Status Report Final/finalpresentation.pptx
+++ b/Project Status Report Final/finalpresentation.pptx
@@ -124,6 +124,72 @@
 </p:presentation>
 </file>
 
+<file path=ppt/revisionInfo.xml><?xml version="1.0" encoding="utf-8"?>
+<p1510:revInfo xmlns:a="http://schemas.openxmlformats.org/drawingml/2006/main" xmlns:r="http://schemas.openxmlformats.org/officeDocument/2006/relationships" xmlns:p1510="http://schemas.microsoft.com/office/powerpoint/2015/10/main">
+  <p1510:revLst>
+    <p1510:client id="{345E61B9-D4F5-4963-A157-FB30947813D7}" v="1" dt="2024-04-23T20:13:43.893"/>
+  </p1510:revLst>
+</p1510:revInfo>
+</file>
+
+<file path=ppt/changesInfos/changesInfo1.xml><?xml version="1.0" encoding="utf-8"?>
+<pc:chgInfo xmlns:a="http://schemas.openxmlformats.org/drawingml/2006/main" xmlns:r="http://schemas.openxmlformats.org/officeDocument/2006/relationships" xmlns:ac="http://schemas.microsoft.com/office/drawing/2013/main/command" xmlns:pc="http://schemas.microsoft.com/office/powerpoint/2013/main/command">
+  <pc:docChgLst>
+    <pc:chgData name="Connor Klein" userId="78d541d9bbd5520c" providerId="LiveId" clId="{345E61B9-D4F5-4963-A157-FB30947813D7}"/>
+    <pc:docChg chg="undo custSel modSld">
+      <pc:chgData name="Connor Klein" userId="78d541d9bbd5520c" providerId="LiveId" clId="{345E61B9-D4F5-4963-A157-FB30947813D7}" dt="2024-04-23T20:13:55.386" v="164" actId="20577"/>
+      <pc:docMkLst>
+        <pc:docMk/>
+      </pc:docMkLst>
+      <pc:sldChg chg="delSp mod">
+        <pc:chgData name="Connor Klein" userId="78d541d9bbd5520c" providerId="LiveId" clId="{345E61B9-D4F5-4963-A157-FB30947813D7}" dt="2024-04-23T19:11:56.237" v="0" actId="478"/>
+        <pc:sldMkLst>
+          <pc:docMk/>
+          <pc:sldMk cId="89127787" sldId="263"/>
+        </pc:sldMkLst>
+        <pc:spChg chg="del">
+          <ac:chgData name="Connor Klein" userId="78d541d9bbd5520c" providerId="LiveId" clId="{345E61B9-D4F5-4963-A157-FB30947813D7}" dt="2024-04-23T19:11:56.237" v="0" actId="478"/>
+          <ac:spMkLst>
+            <pc:docMk/>
+            <pc:sldMk cId="89127787" sldId="263"/>
+            <ac:spMk id="9" creationId="{661EE144-0F6C-2649-B81A-1334F4AFFB37}"/>
+          </ac:spMkLst>
+        </pc:spChg>
+      </pc:sldChg>
+      <pc:sldChg chg="modNotesTx">
+        <pc:chgData name="Connor Klein" userId="78d541d9bbd5520c" providerId="LiveId" clId="{345E61B9-D4F5-4963-A157-FB30947813D7}" dt="2024-04-23T20:13:55.386" v="164" actId="20577"/>
+        <pc:sldMkLst>
+          <pc:docMk/>
+          <pc:sldMk cId="844184953" sldId="265"/>
+        </pc:sldMkLst>
+      </pc:sldChg>
+      <pc:sldChg chg="modSp mod">
+        <pc:chgData name="Connor Klein" userId="78d541d9bbd5520c" providerId="LiveId" clId="{345E61B9-D4F5-4963-A157-FB30947813D7}" dt="2024-04-23T19:58:29.837" v="109" actId="14100"/>
+        <pc:sldMkLst>
+          <pc:docMk/>
+          <pc:sldMk cId="2255651184" sldId="267"/>
+        </pc:sldMkLst>
+        <pc:picChg chg="mod">
+          <ac:chgData name="Connor Klein" userId="78d541d9bbd5520c" providerId="LiveId" clId="{345E61B9-D4F5-4963-A157-FB30947813D7}" dt="2024-04-23T19:58:29.837" v="109" actId="14100"/>
+          <ac:picMkLst>
+            <pc:docMk/>
+            <pc:sldMk cId="2255651184" sldId="267"/>
+            <ac:picMk id="11" creationId="{24830A22-0BF7-6202-4C6C-F229496D065A}"/>
+          </ac:picMkLst>
+        </pc:picChg>
+      </pc:sldChg>
+      <pc:sldChg chg="modNotesTx">
+        <pc:chgData name="Connor Klein" userId="78d541d9bbd5520c" providerId="LiveId" clId="{345E61B9-D4F5-4963-A157-FB30947813D7}" dt="2024-04-23T20:13:20.056" v="133" actId="20577"/>
+        <pc:sldMkLst>
+          <pc:docMk/>
+          <pc:sldMk cId="2482271579" sldId="269"/>
+        </pc:sldMkLst>
+      </pc:sldChg>
+    </pc:docChg>
+  </pc:docChgLst>
+</pc:chgInfo>
+</file>
+
 <file path=ppt/notesMasters/notesMaster1.xml><?xml version="1.0" encoding="utf-8"?>
 <p:notesMaster xmlns:a="http://schemas.openxmlformats.org/drawingml/2006/main" xmlns:r="http://schemas.openxmlformats.org/officeDocument/2006/relationships" xmlns:p="http://schemas.openxmlformats.org/presentationml/2006/main">
   <p:cSld>
@@ -206,7 +272,7 @@
           <a:p>
             <a:fld id="{716ECBBD-C828-4D65-BAA1-D5361C751F0C}" type="datetimeFigureOut">
               <a:rPr lang="en-US" smtClean="0"/>
-              <a:t>4/22/2024</a:t>
+              <a:t>4/23/2024</a:t>
             </a:fld>
             <a:endParaRPr lang="en-US"/>
           </a:p>
@@ -1322,8 +1388,8 @@
         </p:nvSpPr>
         <p:spPr/>
       </p:sp>
-      <mc:AlternateContent xmlns:mc="http://schemas.openxmlformats.org/markup-compatibility/2006">
-        <mc:Choice xmlns:a14="http://schemas.microsoft.com/office/drawing/2010/main" Requires="a14">
+      <mc:AlternateContent xmlns:mc="http://schemas.openxmlformats.org/markup-compatibility/2006" xmlns:a14="http://schemas.microsoft.com/office/drawing/2010/main">
+        <mc:Choice Requires="a14">
           <p:sp>
             <p:nvSpPr>
               <p:cNvPr id="3" name="Notes Placeholder 2"/>
@@ -1404,7 +1470,7 @@
             </p:txBody>
           </p:sp>
         </mc:Choice>
-        <mc:Fallback>
+        <mc:Fallback xmlns="">
           <p:sp>
             <p:nvSpPr>
               <p:cNvPr id="3" name="Notes Placeholder 2"/>
@@ -2428,6 +2494,142 @@
               <a:t>Could extend stock risk evaluation to better account for more relationships in stocks </a:t>
             </a:r>
           </a:p>
+          <a:p>
+            <a:pPr marL="171450" marR="0" lvl="0" indent="-171450" algn="l" defTabSz="914400" rtl="0" eaLnBrk="1" fontAlgn="auto" latinLnBrk="0" hangingPunct="1">
+              <a:lnSpc>
+                <a:spcPct val="100000"/>
+              </a:lnSpc>
+              <a:spcBef>
+                <a:spcPts val="0"/>
+              </a:spcBef>
+              <a:spcAft>
+                <a:spcPts val="0"/>
+              </a:spcAft>
+              <a:buClrTx/>
+              <a:buSzTx/>
+              <a:buFontTx/>
+              <a:buChar char="-"/>
+              <a:tabLst/>
+              <a:defRPr/>
+            </a:pPr>
+            <a:r>
+              <a:rPr lang="en-US" dirty="0">
+                <a:solidFill>
+                  <a:srgbClr val="BCBEC4"/>
+                </a:solidFill>
+                <a:effectLst/>
+                <a:highlight>
+                  <a:srgbClr val="1E1F22"/>
+                </a:highlight>
+              </a:rPr>
+              <a:t>Negative influence in the market</a:t>
+            </a:r>
+          </a:p>
+          <a:p>
+            <a:pPr marL="171450" marR="0" lvl="0" indent="-171450" algn="l" defTabSz="914400" rtl="0" eaLnBrk="1" fontAlgn="auto" latinLnBrk="0" hangingPunct="1">
+              <a:lnSpc>
+                <a:spcPct val="100000"/>
+              </a:lnSpc>
+              <a:spcBef>
+                <a:spcPts val="0"/>
+              </a:spcBef>
+              <a:spcAft>
+                <a:spcPts val="0"/>
+              </a:spcAft>
+              <a:buClrTx/>
+              <a:buSzTx/>
+              <a:buFontTx/>
+              <a:buChar char="-"/>
+              <a:tabLst/>
+              <a:defRPr/>
+            </a:pPr>
+            <a:r>
+              <a:rPr lang="en-US" dirty="0">
+                <a:solidFill>
+                  <a:srgbClr val="BCBEC4"/>
+                </a:solidFill>
+                <a:effectLst/>
+                <a:highlight>
+                  <a:srgbClr val="1E1F22"/>
+                </a:highlight>
+              </a:rPr>
+              <a:t>Couldn’t actually affect stock prices</a:t>
+            </a:r>
+          </a:p>
+          <a:p>
+            <a:pPr marL="171450" marR="0" lvl="0" indent="-171450" algn="l" defTabSz="914400" rtl="0" eaLnBrk="1" fontAlgn="auto" latinLnBrk="0" hangingPunct="1">
+              <a:lnSpc>
+                <a:spcPct val="100000"/>
+              </a:lnSpc>
+              <a:spcBef>
+                <a:spcPts val="0"/>
+              </a:spcBef>
+              <a:spcAft>
+                <a:spcPts val="0"/>
+              </a:spcAft>
+              <a:buClrTx/>
+              <a:buSzTx/>
+              <a:buFontTx/>
+              <a:buChar char="-"/>
+              <a:tabLst/>
+              <a:defRPr/>
+            </a:pPr>
+            <a:r>
+              <a:rPr lang="en-US" dirty="0">
+                <a:solidFill>
+                  <a:srgbClr val="BCBEC4"/>
+                </a:solidFill>
+                <a:effectLst/>
+                <a:highlight>
+                  <a:srgbClr val="1E1F22"/>
+                </a:highlight>
+              </a:rPr>
+              <a:t>Add thesis statement</a:t>
+            </a:r>
+          </a:p>
+          <a:p>
+            <a:pPr marL="171450" marR="0" lvl="0" indent="-171450" algn="l" defTabSz="914400" rtl="0" eaLnBrk="1" fontAlgn="auto" latinLnBrk="0" hangingPunct="1">
+              <a:lnSpc>
+                <a:spcPct val="100000"/>
+              </a:lnSpc>
+              <a:spcBef>
+                <a:spcPts val="0"/>
+              </a:spcBef>
+              <a:spcAft>
+                <a:spcPts val="0"/>
+              </a:spcAft>
+              <a:buClrTx/>
+              <a:buSzTx/>
+              <a:buFontTx/>
+              <a:buChar char="-"/>
+              <a:tabLst/>
+              <a:defRPr/>
+            </a:pPr>
+            <a:r>
+              <a:rPr lang="en-US" dirty="0">
+                <a:solidFill>
+                  <a:srgbClr val="BCBEC4"/>
+                </a:solidFill>
+                <a:effectLst/>
+                <a:highlight>
+                  <a:srgbClr val="1E1F22"/>
+                </a:highlight>
+              </a:rPr>
+              <a:t>Address </a:t>
+            </a:r>
+            <a:r>
+              <a:rPr lang="en-US">
+                <a:solidFill>
+                  <a:srgbClr val="BCBEC4"/>
+                </a:solidFill>
+                <a:effectLst/>
+                <a:highlight>
+                  <a:srgbClr val="1E1F22"/>
+                </a:highlight>
+              </a:rPr>
+              <a:t>the graph</a:t>
+            </a:r>
+          </a:p>
         </p:txBody>
       </p:sp>
       <p:sp>
@@ -2697,7 +2899,7 @@
           <a:p>
             <a:fld id="{3CC2385E-BAC7-3F42-B91F-3AC00928A3BA}" type="datetimeFigureOut">
               <a:rPr lang="en-US" smtClean="0"/>
-              <a:t>4/22/2024</a:t>
+              <a:t>4/23/2024</a:t>
             </a:fld>
             <a:endParaRPr lang="en-US"/>
           </a:p>
@@ -2895,7 +3097,7 @@
           <a:p>
             <a:fld id="{3CC2385E-BAC7-3F42-B91F-3AC00928A3BA}" type="datetimeFigureOut">
               <a:rPr lang="en-US" smtClean="0"/>
-              <a:t>4/22/2024</a:t>
+              <a:t>4/23/2024</a:t>
             </a:fld>
             <a:endParaRPr lang="en-US"/>
           </a:p>
@@ -3103,7 +3305,7 @@
           <a:p>
             <a:fld id="{3CC2385E-BAC7-3F42-B91F-3AC00928A3BA}" type="datetimeFigureOut">
               <a:rPr lang="en-US" smtClean="0"/>
-              <a:t>4/22/2024</a:t>
+              <a:t>4/23/2024</a:t>
             </a:fld>
             <a:endParaRPr lang="en-US"/>
           </a:p>
@@ -3301,7 +3503,7 @@
           <a:p>
             <a:fld id="{3CC2385E-BAC7-3F42-B91F-3AC00928A3BA}" type="datetimeFigureOut">
               <a:rPr lang="en-US" smtClean="0"/>
-              <a:t>4/22/2024</a:t>
+              <a:t>4/23/2024</a:t>
             </a:fld>
             <a:endParaRPr lang="en-US"/>
           </a:p>
@@ -3576,7 +3778,7 @@
           <a:p>
             <a:fld id="{3CC2385E-BAC7-3F42-B91F-3AC00928A3BA}" type="datetimeFigureOut">
               <a:rPr lang="en-US" smtClean="0"/>
-              <a:t>4/22/2024</a:t>
+              <a:t>4/23/2024</a:t>
             </a:fld>
             <a:endParaRPr lang="en-US"/>
           </a:p>
@@ -3841,7 +4043,7 @@
           <a:p>
             <a:fld id="{3CC2385E-BAC7-3F42-B91F-3AC00928A3BA}" type="datetimeFigureOut">
               <a:rPr lang="en-US" smtClean="0"/>
-              <a:t>4/22/2024</a:t>
+              <a:t>4/23/2024</a:t>
             </a:fld>
             <a:endParaRPr lang="en-US"/>
           </a:p>
@@ -4253,7 +4455,7 @@
           <a:p>
             <a:fld id="{3CC2385E-BAC7-3F42-B91F-3AC00928A3BA}" type="datetimeFigureOut">
               <a:rPr lang="en-US" smtClean="0"/>
-              <a:t>4/22/2024</a:t>
+              <a:t>4/23/2024</a:t>
             </a:fld>
             <a:endParaRPr lang="en-US"/>
           </a:p>
@@ -4394,7 +4596,7 @@
           <a:p>
             <a:fld id="{3CC2385E-BAC7-3F42-B91F-3AC00928A3BA}" type="datetimeFigureOut">
               <a:rPr lang="en-US" smtClean="0"/>
-              <a:t>4/22/2024</a:t>
+              <a:t>4/23/2024</a:t>
             </a:fld>
             <a:endParaRPr lang="en-US"/>
           </a:p>
@@ -4507,7 +4709,7 @@
           <a:p>
             <a:fld id="{3CC2385E-BAC7-3F42-B91F-3AC00928A3BA}" type="datetimeFigureOut">
               <a:rPr lang="en-US" smtClean="0"/>
-              <a:t>4/22/2024</a:t>
+              <a:t>4/23/2024</a:t>
             </a:fld>
             <a:endParaRPr lang="en-US"/>
           </a:p>
@@ -4818,7 +5020,7 @@
           <a:p>
             <a:fld id="{3CC2385E-BAC7-3F42-B91F-3AC00928A3BA}" type="datetimeFigureOut">
               <a:rPr lang="en-US" smtClean="0"/>
-              <a:t>4/22/2024</a:t>
+              <a:t>4/23/2024</a:t>
             </a:fld>
             <a:endParaRPr lang="en-US"/>
           </a:p>
@@ -5106,7 +5308,7 @@
           <a:p>
             <a:fld id="{3CC2385E-BAC7-3F42-B91F-3AC00928A3BA}" type="datetimeFigureOut">
               <a:rPr lang="en-US" smtClean="0"/>
-              <a:t>4/22/2024</a:t>
+              <a:t>4/23/2024</a:t>
             </a:fld>
             <a:endParaRPr lang="en-US"/>
           </a:p>
@@ -5347,7 +5549,7 @@
           <a:p>
             <a:fld id="{3CC2385E-BAC7-3F42-B91F-3AC00928A3BA}" type="datetimeFigureOut">
               <a:rPr lang="en-US" smtClean="0"/>
-              <a:t>4/22/2024</a:t>
+              <a:t>4/23/2024</a:t>
             </a:fld>
             <a:endParaRPr lang="en-US"/>
           </a:p>
@@ -6489,8 +6691,8 @@
           </a:p>
         </p:txBody>
       </p:sp>
-      <mc:AlternateContent xmlns:mc="http://schemas.openxmlformats.org/markup-compatibility/2006">
-        <mc:Choice xmlns:a14="http://schemas.microsoft.com/office/drawing/2010/main" Requires="a14">
+      <mc:AlternateContent xmlns:mc="http://schemas.openxmlformats.org/markup-compatibility/2006" xmlns:a14="http://schemas.microsoft.com/office/drawing/2010/main">
+        <mc:Choice Requires="a14">
           <p:sp>
             <p:nvSpPr>
               <p:cNvPr id="9" name="Content Placeholder 8">
@@ -6594,7 +6796,7 @@
             </p:txBody>
           </p:sp>
         </mc:Choice>
-        <mc:Fallback>
+        <mc:Fallback xmlns="">
           <p:sp>
             <p:nvSpPr>
               <p:cNvPr id="9" name="Content Placeholder 8">
@@ -6812,8 +7014,8 @@
           </a:xfrm>
         </p:spPr>
       </p:pic>
-      <mc:AlternateContent xmlns:mc="http://schemas.openxmlformats.org/markup-compatibility/2006">
-        <mc:Choice xmlns:a14="http://schemas.microsoft.com/office/drawing/2010/main" Requires="a14">
+      <mc:AlternateContent xmlns:mc="http://schemas.openxmlformats.org/markup-compatibility/2006" xmlns:a14="http://schemas.microsoft.com/office/drawing/2010/main">
+        <mc:Choice Requires="a14">
           <p:sp>
             <p:nvSpPr>
               <p:cNvPr id="6" name="Content Placeholder 8">
@@ -7101,7 +7303,7 @@
             </p:txBody>
           </p:sp>
         </mc:Choice>
-        <mc:Fallback>
+        <mc:Fallback xmlns="">
           <p:sp>
             <p:nvSpPr>
               <p:cNvPr id="6" name="Content Placeholder 8">
@@ -7264,31 +7466,6 @@
           </a:p>
         </p:txBody>
       </p:sp>
-      <p:sp>
-        <p:nvSpPr>
-          <p:cNvPr id="9" name="Content Placeholder 8">
-            <a:extLst>
-              <a:ext uri="{FF2B5EF4-FFF2-40B4-BE49-F238E27FC236}">
-                <a16:creationId xmlns:a16="http://schemas.microsoft.com/office/drawing/2014/main" id="{661EE144-0F6C-2649-B81A-1334F4AFFB37}"/>
-              </a:ext>
-            </a:extLst>
-          </p:cNvPr>
-          <p:cNvSpPr>
-            <a:spLocks noGrp="1"/>
-          </p:cNvSpPr>
-          <p:nvPr>
-            <p:ph idx="1"/>
-          </p:nvPr>
-        </p:nvSpPr>
-        <p:spPr/>
-        <p:txBody>
-          <a:bodyPr/>
-          <a:lstStyle/>
-          <a:p>
-            <a:endParaRPr lang="en-US" dirty="0"/>
-          </a:p>
-        </p:txBody>
-      </p:sp>
       <p:pic>
         <p:nvPicPr>
           <p:cNvPr id="3" name="Picture 2" descr="A graph of a stock market&#10;&#10;Description automatically generated">
@@ -7606,7 +7783,7 @@
         <p:spPr>
           <a:xfrm>
             <a:off x="116876" y="266135"/>
-            <a:ext cx="5183259" cy="3448990"/>
+            <a:ext cx="5183259" cy="3363517"/>
           </a:xfrm>
         </p:spPr>
       </p:pic>

--- a/Project Status Report Final/finalpresentation.pptx
+++ b/Project Status Report Final/finalpresentation.pptx
@@ -272,7 +272,7 @@
           <a:p>
             <a:fld id="{716ECBBD-C828-4D65-BAA1-D5361C751F0C}" type="datetimeFigureOut">
               <a:rPr lang="en-US" smtClean="0"/>
-              <a:t>4/23/2024</a:t>
+              <a:t>4/24/2024</a:t>
             </a:fld>
             <a:endParaRPr lang="en-US"/>
           </a:p>
@@ -687,115 +687,15 @@
               <a:tabLst/>
               <a:defRPr/>
             </a:pPr>
-            <a:r>
-              <a:rPr lang="en-US" dirty="0">
-                <a:solidFill>
-                  <a:srgbClr val="BCBEC4"/>
-                </a:solidFill>
-                <a:effectLst/>
-                <a:highlight>
-                  <a:srgbClr val="1E1F22"/>
-                </a:highlight>
-              </a:rPr>
-              <a:t>- Information flow </a:t>
-            </a:r>
-            <a:r>
-              <a:rPr lang="en-US" dirty="0"/>
-              <a:t>mostly accounted for expansion of risk data but needs to be elaborated to better capture the idea of partial information</a:t>
-            </a:r>
-          </a:p>
-          <a:p>
-            <a:pPr marL="171450" marR="0" lvl="0" indent="-171450" algn="l" defTabSz="914400" rtl="0" eaLnBrk="1" fontAlgn="auto" latinLnBrk="0" hangingPunct="1">
-              <a:lnSpc>
-                <a:spcPct val="100000"/>
-              </a:lnSpc>
-              <a:spcBef>
-                <a:spcPts val="0"/>
-              </a:spcBef>
-              <a:spcAft>
-                <a:spcPts val="0"/>
-              </a:spcAft>
-              <a:buClrTx/>
-              <a:buSzTx/>
-              <a:buFontTx/>
-              <a:buChar char="-"/>
-              <a:tabLst/>
-              <a:defRPr/>
-            </a:pPr>
-            <a:r>
-              <a:rPr lang="en-US" dirty="0">
-                <a:solidFill>
-                  <a:srgbClr val="BCBEC4"/>
-                </a:solidFill>
-                <a:effectLst/>
-                <a:highlight>
-                  <a:srgbClr val="1E1F22"/>
-                </a:highlight>
-              </a:rPr>
-              <a:t>Data filtration cuts out stocks in which only partial information is available and stocks that remove from public market for private buyout or bankruptcy limiting types</a:t>
-            </a:r>
-          </a:p>
-          <a:p>
-            <a:pPr marL="171450" marR="0" lvl="0" indent="-171450" algn="l" defTabSz="914400" rtl="0" eaLnBrk="1" fontAlgn="auto" latinLnBrk="0" hangingPunct="1">
-              <a:lnSpc>
-                <a:spcPct val="100000"/>
-              </a:lnSpc>
-              <a:spcBef>
-                <a:spcPts val="0"/>
-              </a:spcBef>
-              <a:spcAft>
-                <a:spcPts val="0"/>
-              </a:spcAft>
-              <a:buClrTx/>
-              <a:buSzTx/>
-              <a:buFontTx/>
-              <a:buChar char="-"/>
-              <a:tabLst/>
-              <a:defRPr/>
-            </a:pPr>
-            <a:r>
-              <a:rPr lang="en-US" dirty="0">
-                <a:solidFill>
-                  <a:srgbClr val="BCBEC4"/>
-                </a:solidFill>
-                <a:effectLst/>
-                <a:highlight>
-                  <a:srgbClr val="1E1F22"/>
-                </a:highlight>
-              </a:rPr>
-              <a:t>Should expand to more brokers and also try to create the power law distribution around which friends are popular instead of random</a:t>
-            </a:r>
-          </a:p>
-          <a:p>
-            <a:pPr marL="171450" marR="0" lvl="0" indent="-171450" algn="l" defTabSz="914400" rtl="0" eaLnBrk="1" fontAlgn="auto" latinLnBrk="0" hangingPunct="1">
-              <a:lnSpc>
-                <a:spcPct val="100000"/>
-              </a:lnSpc>
-              <a:spcBef>
-                <a:spcPts val="0"/>
-              </a:spcBef>
-              <a:spcAft>
-                <a:spcPts val="0"/>
-              </a:spcAft>
-              <a:buClrTx/>
-              <a:buSzTx/>
-              <a:buFontTx/>
-              <a:buChar char="-"/>
-              <a:tabLst/>
-              <a:defRPr/>
-            </a:pPr>
-            <a:r>
-              <a:rPr lang="en-US" dirty="0">
-                <a:solidFill>
-                  <a:srgbClr val="BCBEC4"/>
-                </a:solidFill>
-                <a:effectLst/>
-                <a:highlight>
-                  <a:srgbClr val="1E1F22"/>
-                </a:highlight>
-              </a:rPr>
-              <a:t>Could extend stock risk evaluation to better account for more relationships in stocks </a:t>
-            </a:r>
+            <a:endParaRPr lang="en-US" dirty="0">
+              <a:solidFill>
+                <a:srgbClr val="BCBEC4"/>
+              </a:solidFill>
+              <a:effectLst/>
+              <a:highlight>
+                <a:srgbClr val="1E1F22"/>
+              </a:highlight>
+            </a:endParaRPr>
           </a:p>
         </p:txBody>
       </p:sp>
@@ -1169,7 +1069,7 @@
                   <a:srgbClr val="1E1F22"/>
                 </a:highlight>
               </a:rPr>
-              <a:t>Aside from regulations, system self organizes from varying behaviors</a:t>
+              <a:t>Largely self organizing structure of brokers and stocks within constraints of legal regulation</a:t>
             </a:r>
           </a:p>
           <a:p>
@@ -1228,7 +1128,7 @@
                   <a:srgbClr val="1E1F22"/>
                 </a:highlight>
               </a:rPr>
-              <a:t>Explored in many fields about risk, networks of stocks and brokers, grouping network, modeling crashes and antifragility in those crashes, chosen to explore normal behavior and then crisis events between 2007-2008</a:t>
+              <a:t>Explored in many fields about risk, networks of stocks and brokers, looking for cliches in network of brokers and nodes, modeling crashes,</a:t>
             </a:r>
           </a:p>
           <a:p>
@@ -1259,11 +1159,11 @@
                   <a:srgbClr val="1E1F22"/>
                 </a:highlight>
               </a:rPr>
-              <a:t>This presents an opportunity to explore the market and develop strategies based on risk in simulation with real data.</a:t>
-            </a:r>
-          </a:p>
-          <a:p>
-            <a:pPr marL="171450" marR="0" lvl="0" indent="-171450" algn="l" defTabSz="914400" rtl="0" eaLnBrk="1" fontAlgn="auto" latinLnBrk="0" hangingPunct="1">
+              <a:t>Presents an opportunity to explore the market and develop strategies based on the risk and interconnections in the network. </a:t>
+            </a:r>
+          </a:p>
+          <a:p>
+            <a:pPr marL="0" marR="0" lvl="0" indent="0" algn="l" defTabSz="914400" rtl="0" eaLnBrk="1" fontAlgn="auto" latinLnBrk="0" hangingPunct="1">
               <a:lnSpc>
                 <a:spcPct val="100000"/>
               </a:lnSpc>
@@ -1276,7 +1176,7 @@
               <a:buClrTx/>
               <a:buSzTx/>
               <a:buFontTx/>
-              <a:buChar char="-"/>
+              <a:buNone/>
               <a:tabLst/>
               <a:defRPr/>
             </a:pPr>
@@ -1290,11 +1190,35 @@
                   <a:srgbClr val="1E1F22"/>
                 </a:highlight>
               </a:rPr>
-              <a:t>Also looking for an antifragile strategy based on risk and influence that does better during drastic events</a:t>
-            </a:r>
-          </a:p>
-          <a:p>
-            <a:pPr marL="171450" marR="0" lvl="0" indent="-171450" algn="l" defTabSz="914400" rtl="0" eaLnBrk="1" fontAlgn="auto" latinLnBrk="0" hangingPunct="1">
+              <a:t>We chose to focus on 2003-2013 for our simulations in order to capture what can be considered expected operation of the market but also look for antifragile strategy based on that risk and influence that can do better during drastic Black Swan events that </a:t>
+            </a:r>
+            <a:r>
+              <a:rPr lang="en-US" dirty="0" err="1">
+                <a:solidFill>
+                  <a:srgbClr val="BCBEC4"/>
+                </a:solidFill>
+                <a:effectLst/>
+                <a:highlight>
+                  <a:srgbClr val="1E1F22"/>
+                </a:highlight>
+              </a:rPr>
+              <a:t>Taleb</a:t>
+            </a:r>
+            <a:r>
+              <a:rPr lang="en-US" dirty="0">
+                <a:solidFill>
+                  <a:srgbClr val="BCBEC4"/>
+                </a:solidFill>
+                <a:effectLst/>
+                <a:highlight>
+                  <a:srgbClr val="1E1F22"/>
+                </a:highlight>
+              </a:rPr>
+              <a:t> discusses in his work</a:t>
+            </a:r>
+          </a:p>
+          <a:p>
+            <a:pPr marL="0" marR="0" lvl="0" indent="0" algn="l" defTabSz="914400" rtl="0" eaLnBrk="1" fontAlgn="auto" latinLnBrk="0" hangingPunct="1">
               <a:lnSpc>
                 <a:spcPct val="100000"/>
               </a:lnSpc>
@@ -1307,19 +1231,53 @@
               <a:buClrTx/>
               <a:buSzTx/>
               <a:buFontTx/>
-              <a:buChar char="-"/>
+              <a:buNone/>
               <a:tabLst/>
               <a:defRPr/>
             </a:pPr>
-            <a:endParaRPr lang="en-US" dirty="0">
-              <a:solidFill>
-                <a:srgbClr val="BCBEC4"/>
-              </a:solidFill>
-              <a:effectLst/>
-              <a:highlight>
-                <a:srgbClr val="1E1F22"/>
-              </a:highlight>
-            </a:endParaRPr>
+            <a:r>
+              <a:rPr lang="en-US" dirty="0">
+                <a:solidFill>
+                  <a:srgbClr val="BCBEC4"/>
+                </a:solidFill>
+                <a:effectLst/>
+                <a:highlight>
+                  <a:srgbClr val="1E1F22"/>
+                </a:highlight>
+              </a:rPr>
+              <a:t>We suggested that there may be strategies that do well during normal operations but not as well during drastic events and likewise strategies that are suboptimal in normal events but benefit from drastic changes</a:t>
+            </a:r>
+          </a:p>
+          <a:p>
+            <a:pPr marL="0" marR="0" lvl="0" indent="0" algn="l" defTabSz="914400" rtl="0" eaLnBrk="1" fontAlgn="auto" latinLnBrk="0" hangingPunct="1">
+              <a:lnSpc>
+                <a:spcPct val="100000"/>
+              </a:lnSpc>
+              <a:spcBef>
+                <a:spcPts val="0"/>
+              </a:spcBef>
+              <a:spcAft>
+                <a:spcPts val="0"/>
+              </a:spcAft>
+              <a:buClrTx/>
+              <a:buSzTx/>
+              <a:buFontTx/>
+              <a:buNone/>
+              <a:tabLst/>
+              <a:defRPr/>
+            </a:pPr>
+            <a:r>
+              <a:rPr lang="en-US" dirty="0">
+                <a:solidFill>
+                  <a:srgbClr val="BCBEC4"/>
+                </a:solidFill>
+                <a:effectLst/>
+                <a:highlight>
+                  <a:srgbClr val="1E1F22"/>
+                </a:highlight>
+              </a:rPr>
+              <a:t>In order to do this, we designed a simulation to be run over various time intervals for interconnected brokers that can influence on another and with individually preferred risk levels</a:t>
+            </a:r>
           </a:p>
         </p:txBody>
       </p:sp>
@@ -1407,7 +1365,7 @@
               <a:p>
                 <a:r>
                   <a:rPr lang="en-US" dirty="0"/>
-                  <a:t>1 minute</a:t>
+                  <a:t>2 minute</a:t>
                 </a:r>
               </a:p>
               <a:p>
@@ -1416,13 +1374,21 @@
               <a:p>
                 <a:r>
                   <a:rPr lang="en-US" dirty="0"/>
-                  <a:t>Simulation over 100 brokers, interconnected with the ability to influence each other’s assessment of the risk </a:t>
+                  <a:t>Simulation over 100 brokers, interconnected with the ability to influence each other’s assessment of the risk. We refer to broker’s friends as people who can provide this input, sort of like how a broker might ask the advice of connections in the financial world or copy high performing broker strategies</a:t>
                 </a:r>
               </a:p>
               <a:p>
                 <a:r>
                   <a:rPr lang="en-US" dirty="0"/>
-                  <a:t>Highlight directed graph indicating directional influence resembling real world, distributed number of inputs to influence risk based on </a:t>
+                  <a:t>Important to note was set up directionally (</a:t>
+                </a:r>
+                <a:r>
+                  <a:rPr lang="en-US" dirty="0" err="1"/>
+                  <a:t>ie</a:t>
+                </a:r>
+                <a:r>
+                  <a:rPr lang="en-US" dirty="0"/>
+                  <a:t> a broker might listen to an influencer but not bi directionally), distributed number of inputs to influence risk based on </a:t>
                 </a:r>
                 <a:r>
                   <a:rPr lang="en-US" dirty="0" err="1"/>
@@ -1430,7 +1396,7 @@
                 </a:r>
                 <a:r>
                   <a:rPr lang="en-US" dirty="0"/>
-                  <a:t> distribution with exponent 2.7</a:t>
+                  <a:t> distribution with exponent 2.7, based on approximate in degree of a general social network</a:t>
                 </a:r>
               </a:p>
               <a:p>
@@ -1456,7 +1422,7 @@
               <a:p>
                 <a:r>
                   <a:rPr lang="en-US" dirty="0"/>
-                  <a:t>each friend started with a set percent $</a:t>
+                  <a:t>Equation shows perceived risk for each broker which is a linear combination of the brokers assessment and the friends’ influence, each friend started with a set percent $</a:t>
                 </a:r>
                 <a:r>
                   <a:rPr lang="en-US" dirty="0" err="1"/>
@@ -1464,8 +1430,41 @@
                 </a:r>
                 <a:r>
                   <a:rPr lang="en-US" dirty="0"/>
-                  <a:t> = .04$</a:t>
+                  <a:t> = .04$, limited to 0 to 1</a:t>
                 </a:r>
+              </a:p>
+              <a:p>
+                <a:r>
+                  <a:rPr lang="en-US" dirty="0"/>
+                  <a:t>Connections were strengthened if the advising broker was doing better in the last couple days than the given broker and weakened if doing more poorly.</a:t>
+                </a:r>
+              </a:p>
+              <a:p>
+                <a:endParaRPr lang="en-US" dirty="0"/>
+              </a:p>
+              <a:p>
+                <a:r>
+                  <a:rPr lang="en-US" dirty="0"/>
+                  <a:t>The agent’s strategies in this case were to attempt to maintain their perceived levels of risk within 10% of their desired risk level. We also briefly explored achieving desired level and just holding the portfolio.</a:t>
+                </a:r>
+              </a:p>
+              <a:p>
+                <a:r>
+                  <a:rPr lang="en-US" dirty="0"/>
+                  <a:t>Each agent would look at all the stocks available on a given day and perform their assessment of risk + get neighbor’s assessment according to equation here. If too low, they would sell some low risk stocks and purchase some higher risk stocks. If too high, they would sell some higher risk stocks. They also had a tertiary priority of buying stocks and not sit on the money they had either initially or from dividends. If they achieved desired level, they would stop or if they hit their max transactions for the day. </a:t>
+                </a:r>
+              </a:p>
+              <a:p>
+                <a:endParaRPr lang="en-US" dirty="0"/>
+              </a:p>
+              <a:p>
+                <a:r>
+                  <a:rPr lang="en-US" dirty="0"/>
+                  <a:t>This perceived risk and individual risk would also be considered distributed according to a power law distribution; agents were given a default preferred risk which for simplicity of interpreting corresponded to a constant times their broker id</a:t>
+                </a:r>
+              </a:p>
+              <a:p>
+                <a:endParaRPr lang="en-US" dirty="0"/>
               </a:p>
             </p:txBody>
           </p:sp>
@@ -1630,8 +1629,60 @@
           <a:p>
             <a:r>
               <a:rPr lang="en-US" dirty="0"/>
-              <a:t>Add plots showing how high risk ends up with low liquidity, high dollar value of stocks, fewer stocks</a:t>
-            </a:r>
+              <a:t>3 minutes</a:t>
+            </a:r>
+          </a:p>
+          <a:p>
+            <a:endParaRPr lang="en-US" dirty="0"/>
+          </a:p>
+          <a:p>
+            <a:r>
+              <a:rPr lang="en-US" dirty="0"/>
+              <a:t>NOTES FROM MINAI ON REPORT:</a:t>
+            </a:r>
+          </a:p>
+          <a:p>
+            <a:pPr marL="171450" indent="-171450">
+              <a:buFontTx/>
+              <a:buChar char="-"/>
+            </a:pPr>
+            <a:r>
+              <a:rPr lang="en-US" dirty="0"/>
+              <a:t>Justify why k=3 was chosen</a:t>
+            </a:r>
+          </a:p>
+          <a:p>
+            <a:pPr marL="171450" indent="-171450">
+              <a:buFontTx/>
+              <a:buChar char="-"/>
+            </a:pPr>
+            <a:r>
+              <a:rPr lang="en-US" dirty="0"/>
+              <a:t>Explain more about why these parameters were chosen for the model; What is the source of this model, and what is its logic?</a:t>
+            </a:r>
+          </a:p>
+          <a:p>
+            <a:pPr marL="171450" indent="-171450">
+              <a:buFontTx/>
+              <a:buChar char="-"/>
+            </a:pPr>
+            <a:r>
+              <a:rPr lang="en-US" dirty="0"/>
+              <a:t>What does impact mean here?</a:t>
+            </a:r>
+          </a:p>
+          <a:p>
+            <a:pPr marL="171450" indent="-171450">
+              <a:buFontTx/>
+              <a:buChar char="-"/>
+            </a:pPr>
+            <a:r>
+              <a:rPr lang="en-US" dirty="0"/>
+              <a:t>From Rachael: maybe note that this behavioral model of purchasing fewer stocks but more expensive ones at high risk emerged naturally and was not enforced</a:t>
+            </a:r>
+          </a:p>
+          <a:p>
+            <a:endParaRPr lang="en-US" dirty="0"/>
           </a:p>
           <a:p>
             <a:endParaRPr lang="en-US" dirty="0"/>
@@ -1826,6 +1877,115 @@
             </a:pPr>
             <a:r>
               <a:rPr lang="en-US" dirty="0"/>
+              <a:t>1.5 minutes</a:t>
+            </a:r>
+          </a:p>
+          <a:p>
+            <a:pPr marL="0" marR="0" lvl="0" indent="0" algn="l" defTabSz="914400" rtl="0" eaLnBrk="1" fontAlgn="auto" latinLnBrk="0" hangingPunct="1">
+              <a:lnSpc>
+                <a:spcPct val="100000"/>
+              </a:lnSpc>
+              <a:spcBef>
+                <a:spcPts val="0"/>
+              </a:spcBef>
+              <a:spcAft>
+                <a:spcPts val="0"/>
+              </a:spcAft>
+              <a:buClrTx/>
+              <a:buSzTx/>
+              <a:buFontTx/>
+              <a:buNone/>
+              <a:tabLst/>
+              <a:defRPr/>
+            </a:pPr>
+            <a:endParaRPr lang="en-US" dirty="0"/>
+          </a:p>
+          <a:p>
+            <a:pPr marL="0" marR="0" lvl="0" indent="0" algn="l" defTabSz="914400" rtl="0" eaLnBrk="1" fontAlgn="auto" latinLnBrk="0" hangingPunct="1">
+              <a:lnSpc>
+                <a:spcPct val="100000"/>
+              </a:lnSpc>
+              <a:spcBef>
+                <a:spcPts val="0"/>
+              </a:spcBef>
+              <a:spcAft>
+                <a:spcPts val="0"/>
+              </a:spcAft>
+              <a:buClrTx/>
+              <a:buSzTx/>
+              <a:buFontTx/>
+              <a:buNone/>
+              <a:tabLst/>
+              <a:defRPr/>
+            </a:pPr>
+            <a:r>
+              <a:rPr lang="en-US" dirty="0"/>
+              <a:t>NOTES FROM MINAI’S COMMENTS:</a:t>
+            </a:r>
+          </a:p>
+          <a:p>
+            <a:pPr marL="0" marR="0" lvl="0" indent="0" algn="l" defTabSz="914400" rtl="0" eaLnBrk="1" fontAlgn="auto" latinLnBrk="0" hangingPunct="1">
+              <a:lnSpc>
+                <a:spcPct val="100000"/>
+              </a:lnSpc>
+              <a:spcBef>
+                <a:spcPts val="0"/>
+              </a:spcBef>
+              <a:spcAft>
+                <a:spcPts val="0"/>
+              </a:spcAft>
+              <a:buClrTx/>
+              <a:buSzTx/>
+              <a:buFontTx/>
+              <a:buNone/>
+              <a:tabLst/>
+              <a:defRPr/>
+            </a:pPr>
+            <a:r>
+              <a:rPr lang="en-US" dirty="0"/>
+              <a:t>- don’t say stop investing, say stop buying stocks </a:t>
+            </a:r>
+          </a:p>
+          <a:p>
+            <a:pPr marL="0" marR="0" lvl="0" indent="0" algn="l" defTabSz="914400" rtl="0" eaLnBrk="1" fontAlgn="auto" latinLnBrk="0" hangingPunct="1">
+              <a:lnSpc>
+                <a:spcPct val="100000"/>
+              </a:lnSpc>
+              <a:spcBef>
+                <a:spcPts val="0"/>
+              </a:spcBef>
+              <a:spcAft>
+                <a:spcPts val="0"/>
+              </a:spcAft>
+              <a:buClrTx/>
+              <a:buSzTx/>
+              <a:buFontTx/>
+              <a:buNone/>
+              <a:tabLst/>
+              <a:defRPr/>
+            </a:pPr>
+            <a:endParaRPr lang="en-US" dirty="0"/>
+          </a:p>
+          <a:p>
+            <a:pPr marL="0" marR="0" lvl="0" indent="0" algn="l" defTabSz="914400" rtl="0" eaLnBrk="1" fontAlgn="auto" latinLnBrk="0" hangingPunct="1">
+              <a:lnSpc>
+                <a:spcPct val="100000"/>
+              </a:lnSpc>
+              <a:spcBef>
+                <a:spcPts val="0"/>
+              </a:spcBef>
+              <a:spcAft>
+                <a:spcPts val="0"/>
+              </a:spcAft>
+              <a:buClrTx/>
+              <a:buSzTx/>
+              <a:buFontTx/>
+              <a:buNone/>
+              <a:tabLst/>
+              <a:defRPr/>
+            </a:pPr>
+            <a:r>
+              <a:rPr lang="en-US" dirty="0"/>
               <a:t>Example of portfolio behavior over time</a:t>
             </a:r>
           </a:p>
@@ -2097,6 +2257,15 @@
           <a:p>
             <a:r>
               <a:rPr lang="en-US" dirty="0"/>
+              <a:t>1.5 minutes</a:t>
+            </a:r>
+          </a:p>
+          <a:p>
+            <a:endParaRPr lang="en-US" dirty="0"/>
+          </a:p>
+          <a:p>
+            <a:r>
+              <a:rPr lang="en-US" dirty="0"/>
               <a:t>Left figure show interim portfolio values before the 2007-2008 financial crisis</a:t>
             </a:r>
           </a:p>
@@ -2244,7 +2413,7 @@
           <a:p>
             <a:r>
               <a:rPr lang="en-US" dirty="0"/>
-              <a:t>Influence aspect was adjusted. Two different possibilities were explored. As mentioned, influence kept with positive weight was the main approach</a:t>
+              <a:t>1.5 minute</a:t>
             </a:r>
           </a:p>
           <a:p>
@@ -2276,8 +2445,23 @@
           <a:p>
             <a:r>
               <a:rPr lang="en-US" dirty="0"/>
-              <a:t>Note expected difference in time series final values with the high and low risk</a:t>
-            </a:r>
+              <a:t>Benefit of influence consistent across different levels of risk; when assigning a 1/3 of brokers low, 1/3 med, 1/3 high and just adjusting influence, see a couple examples</a:t>
+            </a:r>
+          </a:p>
+          <a:p>
+            <a:r>
+              <a:rPr lang="en-US" dirty="0"/>
+              <a:t>Red and green in high risk do better than blue who took less input</a:t>
+            </a:r>
+          </a:p>
+          <a:p>
+            <a:r>
+              <a:rPr lang="en-US" dirty="0"/>
+              <a:t>Dark blue and orange doing much more poorly than mustard in </a:t>
+            </a:r>
+          </a:p>
+          <a:p>
+            <a:endParaRPr lang="en-US" dirty="0"/>
           </a:p>
           <a:p>
             <a:r>
@@ -2394,6 +2578,65 @@
                   <a:srgbClr val="1E1F22"/>
                 </a:highlight>
               </a:rPr>
+              <a:t>1.5 minutes</a:t>
+            </a:r>
+          </a:p>
+          <a:p>
+            <a:pPr marL="0" marR="0" lvl="0" indent="0" algn="l" defTabSz="914400" rtl="0" eaLnBrk="1" fontAlgn="auto" latinLnBrk="0" hangingPunct="1">
+              <a:lnSpc>
+                <a:spcPct val="100000"/>
+              </a:lnSpc>
+              <a:spcBef>
+                <a:spcPts val="0"/>
+              </a:spcBef>
+              <a:spcAft>
+                <a:spcPts val="0"/>
+              </a:spcAft>
+              <a:buClrTx/>
+              <a:buSzTx/>
+              <a:buFontTx/>
+              <a:buNone/>
+              <a:tabLst/>
+              <a:defRPr/>
+            </a:pPr>
+            <a:endParaRPr lang="en-US" dirty="0">
+              <a:solidFill>
+                <a:srgbClr val="BCBEC4"/>
+              </a:solidFill>
+              <a:effectLst/>
+              <a:highlight>
+                <a:srgbClr val="1E1F22"/>
+              </a:highlight>
+            </a:endParaRPr>
+          </a:p>
+          <a:p>
+            <a:pPr marL="0" marR="0" lvl="0" indent="0" algn="l" defTabSz="914400" rtl="0" eaLnBrk="1" fontAlgn="auto" latinLnBrk="0" hangingPunct="1">
+              <a:lnSpc>
+                <a:spcPct val="100000"/>
+              </a:lnSpc>
+              <a:spcBef>
+                <a:spcPts val="0"/>
+              </a:spcBef>
+              <a:spcAft>
+                <a:spcPts val="0"/>
+              </a:spcAft>
+              <a:buClrTx/>
+              <a:buSzTx/>
+              <a:buFontTx/>
+              <a:buNone/>
+              <a:tabLst/>
+              <a:defRPr/>
+            </a:pPr>
+            <a:r>
+              <a:rPr lang="en-US" dirty="0">
+                <a:solidFill>
+                  <a:srgbClr val="BCBEC4"/>
+                </a:solidFill>
+                <a:effectLst/>
+                <a:highlight>
+                  <a:srgbClr val="1E1F22"/>
+                </a:highlight>
+              </a:rPr>
               <a:t>- Information flow </a:t>
             </a:r>
             <a:r>
@@ -2429,7 +2672,7 @@
                   <a:srgbClr val="1E1F22"/>
                 </a:highlight>
               </a:rPr>
-              <a:t>Data filtration cuts out stocks in which only partial information is available and stocks that remove from public market for private buyout or bankruptcy limiting types</a:t>
+              <a:t>Data filtration cuts out stocks in which only partial information is available and stocks were removed from public market for private buyout or bankruptcy limiting types of stocks being considered – need to reference figure if keeping it to say the distribution isn’t entirely clear</a:t>
             </a:r>
           </a:p>
           <a:p>
@@ -2460,7 +2703,31 @@
                   <a:srgbClr val="1E1F22"/>
                 </a:highlight>
               </a:rPr>
-              <a:t>Should expand to more brokers and also try to create the power law distribution around which friends are popular instead of random</a:t>
+              <a:t>Should expand to more brokers and possible make the connections more dynamic </a:t>
+            </a:r>
+            <a:r>
+              <a:rPr lang="en-US" dirty="0" err="1">
+                <a:solidFill>
+                  <a:srgbClr val="BCBEC4"/>
+                </a:solidFill>
+                <a:effectLst/>
+                <a:highlight>
+                  <a:srgbClr val="1E1F22"/>
+                </a:highlight>
+              </a:rPr>
+              <a:t>ie</a:t>
+            </a:r>
+            <a:r>
+              <a:rPr lang="en-US" dirty="0">
+                <a:solidFill>
+                  <a:srgbClr val="BCBEC4"/>
+                </a:solidFill>
+                <a:effectLst/>
+                <a:highlight>
+                  <a:srgbClr val="1E1F22"/>
+                </a:highlight>
+              </a:rPr>
+              <a:t> follow the best broker instead of being stuck entirely with initial connections</a:t>
             </a:r>
           </a:p>
           <a:p>
@@ -2491,7 +2758,7 @@
                   <a:srgbClr val="1E1F22"/>
                 </a:highlight>
               </a:rPr>
-              <a:t>Could extend stock risk evaluation to better account for more relationships in stocks </a:t>
+              <a:t>Could extend stock risk evaluation to better account for more relationships in stock statistics </a:t>
             </a:r>
           </a:p>
           <a:p>
@@ -2522,7 +2789,7 @@
                   <a:srgbClr val="1E1F22"/>
                 </a:highlight>
               </a:rPr>
-              <a:t>Negative influence in the market</a:t>
+              <a:t>Explore idea of negative influence in the market</a:t>
             </a:r>
           </a:p>
           <a:p>
@@ -2553,7 +2820,7 @@
                   <a:srgbClr val="1E1F22"/>
                 </a:highlight>
               </a:rPr>
-              <a:t>Couldn’t actually affect stock prices</a:t>
+              <a:t>Couldn’t actually affect stock prices – assumed small enough subset of actors to be able to use historical data</a:t>
             </a:r>
           </a:p>
           <a:p>
@@ -2574,18 +2841,15 @@
               <a:tabLst/>
               <a:defRPr/>
             </a:pPr>
-            <a:r>
-              <a:rPr lang="en-US" dirty="0">
-                <a:solidFill>
-                  <a:srgbClr val="BCBEC4"/>
-                </a:solidFill>
-                <a:effectLst/>
-                <a:highlight>
-                  <a:srgbClr val="1E1F22"/>
-                </a:highlight>
-              </a:rPr>
-              <a:t>Add thesis statement</a:t>
-            </a:r>
+            <a:endParaRPr lang="en-US" dirty="0">
+              <a:solidFill>
+                <a:srgbClr val="BCBEC4"/>
+              </a:solidFill>
+              <a:effectLst/>
+              <a:highlight>
+                <a:srgbClr val="1E1F22"/>
+              </a:highlight>
+            </a:endParaRPr>
           </a:p>
           <a:p>
             <a:pPr marL="171450" marR="0" lvl="0" indent="-171450" algn="l" defTabSz="914400" rtl="0" eaLnBrk="1" fontAlgn="auto" latinLnBrk="0" hangingPunct="1">
@@ -2615,10 +2879,29 @@
                   <a:srgbClr val="1E1F22"/>
                 </a:highlight>
               </a:rPr>
-              <a:t>Address </a:t>
-            </a:r>
-            <a:r>
-              <a:rPr lang="en-US">
+              <a:t>Add thesis statement</a:t>
+            </a:r>
+          </a:p>
+          <a:p>
+            <a:pPr marL="171450" marR="0" lvl="0" indent="-171450" algn="l" defTabSz="914400" rtl="0" eaLnBrk="1" fontAlgn="auto" latinLnBrk="0" hangingPunct="1">
+              <a:lnSpc>
+                <a:spcPct val="100000"/>
+              </a:lnSpc>
+              <a:spcBef>
+                <a:spcPts val="0"/>
+              </a:spcBef>
+              <a:spcAft>
+                <a:spcPts val="0"/>
+              </a:spcAft>
+              <a:buClrTx/>
+              <a:buSzTx/>
+              <a:buFontTx/>
+              <a:buChar char="-"/>
+              <a:tabLst/>
+              <a:defRPr/>
+            </a:pPr>
+            <a:r>
+              <a:rPr lang="en-US" dirty="0">
                 <a:solidFill>
                   <a:srgbClr val="BCBEC4"/>
                 </a:solidFill>
@@ -2627,7 +2910,7 @@
                   <a:srgbClr val="1E1F22"/>
                 </a:highlight>
               </a:rPr>
-              <a:t>the graph</a:t>
+              <a:t>Address the graph</a:t>
             </a:r>
           </a:p>
         </p:txBody>
@@ -2712,7 +2995,10 @@
           <a:bodyPr/>
           <a:lstStyle/>
           <a:p>
-            <a:endParaRPr lang="en-US" dirty="0"/>
+            <a:r>
+              <a:rPr lang="en-US" dirty="0"/>
+              <a:t>Here’s our references for the model</a:t>
+            </a:r>
           </a:p>
         </p:txBody>
       </p:sp>
@@ -2899,7 +3185,7 @@
           <a:p>
             <a:fld id="{3CC2385E-BAC7-3F42-B91F-3AC00928A3BA}" type="datetimeFigureOut">
               <a:rPr lang="en-US" smtClean="0"/>
-              <a:t>4/23/2024</a:t>
+              <a:t>4/24/2024</a:t>
             </a:fld>
             <a:endParaRPr lang="en-US"/>
           </a:p>
@@ -3097,7 +3383,7 @@
           <a:p>
             <a:fld id="{3CC2385E-BAC7-3F42-B91F-3AC00928A3BA}" type="datetimeFigureOut">
               <a:rPr lang="en-US" smtClean="0"/>
-              <a:t>4/23/2024</a:t>
+              <a:t>4/24/2024</a:t>
             </a:fld>
             <a:endParaRPr lang="en-US"/>
           </a:p>
@@ -3305,7 +3591,7 @@
           <a:p>
             <a:fld id="{3CC2385E-BAC7-3F42-B91F-3AC00928A3BA}" type="datetimeFigureOut">
               <a:rPr lang="en-US" smtClean="0"/>
-              <a:t>4/23/2024</a:t>
+              <a:t>4/24/2024</a:t>
             </a:fld>
             <a:endParaRPr lang="en-US"/>
           </a:p>
@@ -3503,7 +3789,7 @@
           <a:p>
             <a:fld id="{3CC2385E-BAC7-3F42-B91F-3AC00928A3BA}" type="datetimeFigureOut">
               <a:rPr lang="en-US" smtClean="0"/>
-              <a:t>4/23/2024</a:t>
+              <a:t>4/24/2024</a:t>
             </a:fld>
             <a:endParaRPr lang="en-US"/>
           </a:p>
@@ -3778,7 +4064,7 @@
           <a:p>
             <a:fld id="{3CC2385E-BAC7-3F42-B91F-3AC00928A3BA}" type="datetimeFigureOut">
               <a:rPr lang="en-US" smtClean="0"/>
-              <a:t>4/23/2024</a:t>
+              <a:t>4/24/2024</a:t>
             </a:fld>
             <a:endParaRPr lang="en-US"/>
           </a:p>
@@ -4043,7 +4329,7 @@
           <a:p>
             <a:fld id="{3CC2385E-BAC7-3F42-B91F-3AC00928A3BA}" type="datetimeFigureOut">
               <a:rPr lang="en-US" smtClean="0"/>
-              <a:t>4/23/2024</a:t>
+              <a:t>4/24/2024</a:t>
             </a:fld>
             <a:endParaRPr lang="en-US"/>
           </a:p>
@@ -4455,7 +4741,7 @@
           <a:p>
             <a:fld id="{3CC2385E-BAC7-3F42-B91F-3AC00928A3BA}" type="datetimeFigureOut">
               <a:rPr lang="en-US" smtClean="0"/>
-              <a:t>4/23/2024</a:t>
+              <a:t>4/24/2024</a:t>
             </a:fld>
             <a:endParaRPr lang="en-US"/>
           </a:p>
@@ -4596,7 +4882,7 @@
           <a:p>
             <a:fld id="{3CC2385E-BAC7-3F42-B91F-3AC00928A3BA}" type="datetimeFigureOut">
               <a:rPr lang="en-US" smtClean="0"/>
-              <a:t>4/23/2024</a:t>
+              <a:t>4/24/2024</a:t>
             </a:fld>
             <a:endParaRPr lang="en-US"/>
           </a:p>
@@ -4709,7 +4995,7 @@
           <a:p>
             <a:fld id="{3CC2385E-BAC7-3F42-B91F-3AC00928A3BA}" type="datetimeFigureOut">
               <a:rPr lang="en-US" smtClean="0"/>
-              <a:t>4/23/2024</a:t>
+              <a:t>4/24/2024</a:t>
             </a:fld>
             <a:endParaRPr lang="en-US"/>
           </a:p>
@@ -5020,7 +5306,7 @@
           <a:p>
             <a:fld id="{3CC2385E-BAC7-3F42-B91F-3AC00928A3BA}" type="datetimeFigureOut">
               <a:rPr lang="en-US" smtClean="0"/>
-              <a:t>4/23/2024</a:t>
+              <a:t>4/24/2024</a:t>
             </a:fld>
             <a:endParaRPr lang="en-US"/>
           </a:p>
@@ -5308,7 +5594,7 @@
           <a:p>
             <a:fld id="{3CC2385E-BAC7-3F42-B91F-3AC00928A3BA}" type="datetimeFigureOut">
               <a:rPr lang="en-US" smtClean="0"/>
-              <a:t>4/23/2024</a:t>
+              <a:t>4/24/2024</a:t>
             </a:fld>
             <a:endParaRPr lang="en-US"/>
           </a:p>
@@ -5549,7 +5835,7 @@
           <a:p>
             <a:fld id="{3CC2385E-BAC7-3F42-B91F-3AC00928A3BA}" type="datetimeFigureOut">
               <a:rPr lang="en-US" smtClean="0"/>
-              <a:t>4/23/2024</a:t>
+              <a:t>4/24/2024</a:t>
             </a:fld>
             <a:endParaRPr lang="en-US"/>
           </a:p>
@@ -7782,7 +8068,7 @@
         </p:blipFill>
         <p:spPr>
           <a:xfrm>
-            <a:off x="116876" y="266135"/>
+            <a:off x="58172" y="75607"/>
             <a:ext cx="5183259" cy="3363517"/>
           </a:xfrm>
         </p:spPr>
@@ -7868,7 +8154,7 @@
         </p:blipFill>
         <p:spPr>
           <a:xfrm>
-            <a:off x="58172" y="3362232"/>
+            <a:off x="0" y="3329362"/>
             <a:ext cx="5281659" cy="3528638"/>
           </a:xfrm>
           <a:prstGeom prst="rect">
@@ -8041,7 +8327,9 @@
           </a:xfrm>
         </p:spPr>
         <p:txBody>
-          <a:bodyPr/>
+          <a:bodyPr>
+            <a:normAutofit fontScale="92500" lnSpcReduction="10000"/>
+          </a:bodyPr>
           <a:lstStyle/>
           <a:p>
             <a:r>
@@ -8066,6 +8354,21 @@
               <a:rPr lang="en-US" dirty="0"/>
               <a:t>Expand risk evaluation for greater stock data</a:t>
             </a:r>
+          </a:p>
+          <a:p>
+            <a:r>
+              <a:rPr lang="en-US" dirty="0"/>
+              <a:t>Explore and define the idea of negative influence</a:t>
+            </a:r>
+          </a:p>
+          <a:p>
+            <a:r>
+              <a:rPr lang="en-US" dirty="0"/>
+              <a:t>Make model more dynamic to actually adjust stock prices</a:t>
+            </a:r>
+          </a:p>
+          <a:p>
+            <a:endParaRPr lang="en-US" dirty="0"/>
           </a:p>
         </p:txBody>
       </p:sp>

--- a/Project Status Report Final/finalpresentation.pptx
+++ b/Project Status Report Final/finalpresentation.pptx
@@ -6300,8 +6300,8 @@
         </p:nvSpPr>
         <p:spPr>
           <a:xfrm>
-            <a:off x="1524000" y="2326855"/>
-            <a:ext cx="9144000" cy="2387600"/>
+            <a:off x="1523999" y="2326855"/>
+            <a:ext cx="9520989" cy="2387600"/>
           </a:xfrm>
         </p:spPr>
         <p:txBody>
@@ -6312,7 +6312,7 @@
           <a:p>
             <a:r>
               <a:rPr lang="en-US" dirty="0"/>
-              <a:t>Exploring Stock Market Strategies with Risk and Influence with Complex Networks</a:t>
+              <a:t>Exploring Stock Market Strategies with Risk and Influence using Complex Networks</a:t>
             </a:r>
           </a:p>
         </p:txBody>

--- a/Project Status Report Final/finalpresentation.pptx
+++ b/Project Status Report Final/finalpresentation.pptx
@@ -806,7 +806,7 @@
                   <a:srgbClr val="1E1F22"/>
                 </a:highlight>
               </a:rPr>
-              <a:t>1 minute</a:t>
+              <a:t>1.5 minute</a:t>
             </a:r>
           </a:p>
           <a:p>
@@ -1404,17 +1404,6 @@
                   <a:rPr lang="en-US" dirty="0"/>
                   <a:t>To populate the set of friends, the brokers were sampled randomly uniformly</a:t>
                 </a:r>
-                <a14:m>
-                  <m:oMath xmlns:m="http://schemas.openxmlformats.org/officeDocument/2006/math">
-                    <a:fld id="{825F15A7-03F4-43D7-82C5-3E23DA2F108C}" type="mathplaceholder">
-                      <a:rPr lang="en-US" i="1" smtClean="0">
-                        <a:latin typeface="Cambria Math" panose="02040503050406030204" pitchFamily="18" charset="0"/>
-                      </a:rPr>
-                      <a:t>Type equation here.</a:t>
-                    </a:fld>
-                  </m:oMath>
-                </a14:m>
-                <a:endParaRPr lang="en-US" dirty="0"/>
               </a:p>
               <a:p>
                 <a:endParaRPr lang="en-US" dirty="0"/>
@@ -1445,13 +1434,19 @@
               <a:p>
                 <a:r>
                   <a:rPr lang="en-US" dirty="0"/>
-                  <a:t>The agent’s strategies in this case were to attempt to maintain their perceived levels of risk within 10% of their desired risk level. We also briefly explored achieving desired level and just holding the portfolio.</a:t>
+                  <a:t>The agent’s strategies = maintain perceived levels of risk within 10% of their desired risk level. We also briefly explored achieving desired level and just holding the portfolio.</a:t>
                 </a:r>
               </a:p>
               <a:p>
                 <a:r>
                   <a:rPr lang="en-US" dirty="0"/>
-                  <a:t>Each agent would look at all the stocks available on a given day and perform their assessment of risk + get neighbor’s assessment according to equation here. If too low, they would sell some low risk stocks and purchase some higher risk stocks. If too high, they would sell some higher risk stocks. They also had a tertiary priority of buying stocks and not sit on the money they had either initially or from dividends. If they achieved desired level, they would stop or if they hit their max transactions for the day. </a:t>
+                  <a:t>Each agent would look at all the stocks available on a given day and perform their assessment of risk + get neighbor’s assessment according to equation here. . If they achieved desired level, they would stop or if they hit their max transactions for the day. </a:t>
+                </a:r>
+              </a:p>
+              <a:p>
+                <a:r>
+                  <a:rPr lang="en-US" dirty="0"/>
+                  <a:t>If too low, they would sell some low risk stocks and purchase some higher risk stocks. If too high, they would sell some higher risk stocks. They also had a tertiary priority of buying stocks and not sit on the money they had either initially or from dividends</a:t>
                 </a:r>
               </a:p>
               <a:p>
@@ -2422,21 +2417,22 @@
           <a:p>
             <a:r>
               <a:rPr lang="en-US" dirty="0"/>
-              <a:t>The idea of allowing influence to be negative, </a:t>
-            </a:r>
-            <a:r>
-              <a:rPr lang="en-US" dirty="0" err="1"/>
-              <a:t>ie</a:t>
-            </a:r>
+              <a:t>Left side shows a couple of total influence to final portfolio value</a:t>
+            </a:r>
+          </a:p>
+          <a:p>
             <a:r>
               <a:rPr lang="en-US" dirty="0"/>
-              <a:t> if a broker doing poorly recommends a stock, then the broker is even less likely to acquire it; however with current risk formulation this measure didn’t fully work with risk being forced to be positive</a:t>
-            </a:r>
+              <a:t>Top left looked at having a negative influence but this didn’t exactly make sense with perceived risk calculation, further eval necessary</a:t>
+            </a:r>
+          </a:p>
+          <a:p>
+            <a:endParaRPr lang="en-US" dirty="0"/>
           </a:p>
           <a:p>
             <a:r>
               <a:rPr lang="en-US" dirty="0"/>
-              <a:t>Further evaluation would be necessary of the meaning of negative impact on risk. With the negative, the trend was more significant but even with it normalized positive as in bottom right, showed that having some influence useful as taking multiple neighbors’ input highlights stocks doing well for different brokers, and capturing change in value the risk assessment did not capture</a:t>
+              <a:t>Even with the limitation of influence from 0 to 1, over 50% of assessment provided by neighbor seemed to give most benefit in capturing change in value the risk assessment did not capture</a:t>
             </a:r>
           </a:p>
           <a:p>
@@ -2445,7 +2441,13 @@
           <a:p>
             <a:r>
               <a:rPr lang="en-US" dirty="0"/>
-              <a:t>Benefit of influence consistent across different levels of risk; when assigning a 1/3 of brokers low, 1/3 med, 1/3 high and just adjusting influence, see a couple examples</a:t>
+              <a:t>On right, see time series, high risk had more money as noted but influence still benefits across different levels</a:t>
+            </a:r>
+          </a:p>
+          <a:p>
+            <a:r>
+              <a:rPr lang="en-US" dirty="0"/>
+              <a:t>When assigning a 1/3 of brokers low, 1/3 med, 1/3 high and just adjusting influence, see a couple examples</a:t>
             </a:r>
           </a:p>
           <a:p>
@@ -2579,6 +2581,65 @@
                 </a:highlight>
               </a:rPr>
               <a:t>1.5 minutes</a:t>
+            </a:r>
+          </a:p>
+          <a:p>
+            <a:pPr marL="0" marR="0" lvl="0" indent="0" algn="l" defTabSz="914400" rtl="0" eaLnBrk="1" fontAlgn="auto" latinLnBrk="0" hangingPunct="1">
+              <a:lnSpc>
+                <a:spcPct val="100000"/>
+              </a:lnSpc>
+              <a:spcBef>
+                <a:spcPts val="0"/>
+              </a:spcBef>
+              <a:spcAft>
+                <a:spcPts val="0"/>
+              </a:spcAft>
+              <a:buClrTx/>
+              <a:buSzTx/>
+              <a:buFontTx/>
+              <a:buNone/>
+              <a:tabLst/>
+              <a:defRPr/>
+            </a:pPr>
+            <a:endParaRPr lang="en-US" dirty="0">
+              <a:solidFill>
+                <a:srgbClr val="BCBEC4"/>
+              </a:solidFill>
+              <a:effectLst/>
+              <a:highlight>
+                <a:srgbClr val="1E1F22"/>
+              </a:highlight>
+            </a:endParaRPr>
+          </a:p>
+          <a:p>
+            <a:pPr marL="0" marR="0" lvl="0" indent="0" algn="l" defTabSz="914400" rtl="0" eaLnBrk="1" fontAlgn="auto" latinLnBrk="0" hangingPunct="1">
+              <a:lnSpc>
+                <a:spcPct val="100000"/>
+              </a:lnSpc>
+              <a:spcBef>
+                <a:spcPts val="0"/>
+              </a:spcBef>
+              <a:spcAft>
+                <a:spcPts val="0"/>
+              </a:spcAft>
+              <a:buClrTx/>
+              <a:buSzTx/>
+              <a:buFontTx/>
+              <a:buNone/>
+              <a:tabLst/>
+              <a:defRPr/>
+            </a:pPr>
+            <a:r>
+              <a:rPr lang="en-US" dirty="0">
+                <a:solidFill>
+                  <a:srgbClr val="BCBEC4"/>
+                </a:solidFill>
+                <a:effectLst/>
+                <a:highlight>
+                  <a:srgbClr val="1E1F22"/>
+                </a:highlight>
+              </a:rPr>
+              <a:t>From this simulation, we achieved a better understanding of risk and influence but there were some limitations of our model to be explored later such as:</a:t>
             </a:r>
           </a:p>
           <a:p>
@@ -6300,7 +6361,7 @@
         </p:nvSpPr>
         <p:spPr>
           <a:xfrm>
-            <a:off x="1523999" y="2326855"/>
+            <a:off x="1523999" y="2062160"/>
             <a:ext cx="9520989" cy="2387600"/>
           </a:xfrm>
         </p:spPr>
@@ -8087,16 +8148,15 @@
           </p:cNvPicPr>
           <p:nvPr/>
         </p:nvPicPr>
-        <p:blipFill>
+        <p:blipFill rotWithShape="1">
           <a:blip r:embed="rId5"/>
-          <a:stretch>
-            <a:fillRect/>
-          </a:stretch>
+          <a:srcRect r="7539"/>
+          <a:stretch/>
         </p:blipFill>
         <p:spPr>
           <a:xfrm>
-            <a:off x="6586138" y="75607"/>
-            <a:ext cx="5605862" cy="3363517"/>
+            <a:off x="6836850" y="8929"/>
+            <a:ext cx="5183259" cy="3363517"/>
           </a:xfrm>
           <a:prstGeom prst="rect">
             <a:avLst/>
@@ -8117,16 +8177,15 @@
           </p:cNvPicPr>
           <p:nvPr/>
         </p:nvPicPr>
-        <p:blipFill>
+        <p:blipFill rotWithShape="1">
           <a:blip r:embed="rId6"/>
-          <a:stretch>
-            <a:fillRect/>
-          </a:stretch>
+          <a:srcRect r="5783"/>
+          <a:stretch/>
         </p:blipFill>
         <p:spPr>
           <a:xfrm>
-            <a:off x="6586138" y="3288762"/>
-            <a:ext cx="5605862" cy="3363517"/>
+            <a:off x="6836850" y="3329362"/>
+            <a:ext cx="5281659" cy="3363517"/>
           </a:xfrm>
           <a:prstGeom prst="rect">
             <a:avLst/>

--- a/Project Status Report Final/finalpresentation.pptx
+++ b/Project Status Report Final/finalpresentation.pptx
@@ -1190,7 +1190,7 @@
                   <a:srgbClr val="1E1F22"/>
                 </a:highlight>
               </a:rPr>
-              <a:t>We chose to focus on 2003-2013 for our simulations in order to capture what can be considered expected operation of the market but also look for antifragile strategy based on that risk and influence that can do better during drastic Black Swan events that </a:t>
+              <a:t>Our simulation could do many intervals, but we chose to focus on 2003-2013 for our simulations to capture what can be considered expected operation of the market but also look for antifragile strategy based on that risk and influence that can do better during drastic Black Swan events that </a:t>
             </a:r>
             <a:r>
               <a:rPr lang="en-US" dirty="0" err="1">
@@ -1235,18 +1235,15 @@
               <a:tabLst/>
               <a:defRPr/>
             </a:pPr>
-            <a:r>
-              <a:rPr lang="en-US" dirty="0">
-                <a:solidFill>
-                  <a:srgbClr val="BCBEC4"/>
-                </a:solidFill>
-                <a:effectLst/>
-                <a:highlight>
-                  <a:srgbClr val="1E1F22"/>
-                </a:highlight>
-              </a:rPr>
-              <a:t>We suggested that there may be strategies that do well during normal operations but not as well during drastic events and likewise strategies that are suboptimal in normal events but benefit from drastic changes</a:t>
-            </a:r>
+            <a:endParaRPr lang="en-US" dirty="0">
+              <a:solidFill>
+                <a:srgbClr val="BCBEC4"/>
+              </a:solidFill>
+              <a:effectLst/>
+              <a:highlight>
+                <a:srgbClr val="1E1F22"/>
+              </a:highlight>
+            </a:endParaRPr>
           </a:p>
           <a:p>
             <a:pPr marL="0" marR="0" lvl="0" indent="0" algn="l" defTabSz="914400" rtl="0" eaLnBrk="1" fontAlgn="auto" latinLnBrk="0" hangingPunct="1">
@@ -1276,7 +1273,7 @@
                   <a:srgbClr val="1E1F22"/>
                 </a:highlight>
               </a:rPr>
-              <a:t>In order to do this, we designed a simulation to be run over various time intervals for interconnected brokers that can influence on another and with individually preferred risk levels</a:t>
+              <a:t>To do this, we designed a simulation to be run over various time intervals for interconnected brokers that can influence one another and with individually preferred risk levels</a:t>
             </a:r>
           </a:p>
         </p:txBody>
@@ -1374,13 +1371,7 @@
               <a:p>
                 <a:r>
                   <a:rPr lang="en-US" dirty="0"/>
-                  <a:t>Simulation over 100 brokers, interconnected with the ability to influence each other’s assessment of the risk. We refer to broker’s friends as people who can provide this input, sort of like how a broker might ask the advice of connections in the financial world or copy high performing broker strategies</a:t>
-                </a:r>
-              </a:p>
-              <a:p>
-                <a:r>
-                  <a:rPr lang="en-US" dirty="0"/>
-                  <a:t>Important to note was set up directionally (</a:t>
+                  <a:t>100 brokers, influence perceived risk, friends = input like connections in the field or copying high performing strategies they know; set up directionally (</a:t>
                 </a:r>
                 <a:r>
                   <a:rPr lang="en-US" dirty="0" err="1"/>
@@ -1388,15 +1379,13 @@
                 </a:r>
                 <a:r>
                   <a:rPr lang="en-US" dirty="0"/>
-                  <a:t> a broker might listen to an influencer but not bi directionally), distributed number of inputs to influence risk based on </a:t>
+                  <a:t> a broker might listen to an influencer but not bi directionally), </a:t>
                 </a:r>
-                <a:r>
-                  <a:rPr lang="en-US" dirty="0" err="1"/>
-                  <a:t>fattailed</a:t>
-                </a:r>
+              </a:p>
+              <a:p>
                 <a:r>
                   <a:rPr lang="en-US" dirty="0"/>
-                  <a:t> distribution with exponent 2.7, based on approximate in degree of a general social network</a:t>
+                  <a:t>distributed number of inputs based on fat-tailed distribution with exponent 2.7 approximate in degree of a general directed social network</a:t>
                 </a:r>
               </a:p>
               <a:p>
@@ -1419,13 +1408,7 @@
                 </a:r>
                 <a:r>
                   <a:rPr lang="en-US" dirty="0"/>
-                  <a:t> = .04$, limited to 0 to 1</a:t>
-                </a:r>
-              </a:p>
-              <a:p>
-                <a:r>
-                  <a:rPr lang="en-US" dirty="0"/>
-                  <a:t>Connections were strengthened if the advising broker was doing better in the last couple days than the given broker and weakened if doing more poorly.</a:t>
+                  <a:t> = .04$, total weight of neighbors limited to 0 to 1; connections strengthen if better, weakened if poorer</a:t>
                 </a:r>
               </a:p>
               <a:p>
@@ -1434,32 +1417,23 @@
               <a:p>
                 <a:r>
                   <a:rPr lang="en-US" dirty="0"/>
-                  <a:t>The agent’s strategies = maintain perceived levels of risk within 10% of their desired risk level. We also briefly explored achieving desired level and just holding the portfolio.</a:t>
+                  <a:t>The agent’s goal = maintain perceived levels of risk within 10% of their desired risk level. For simplicity of interpretation, we gave each broker id a correlated level of risk. We also briefly explored achieving desired level and just holding the portfolio.</a:t>
                 </a:r>
               </a:p>
               <a:p>
                 <a:r>
                   <a:rPr lang="en-US" dirty="0"/>
-                  <a:t>Each agent would look at all the stocks available on a given day and perform their assessment of risk + get neighbor’s assessment according to equation here. . If they achieved desired level, they would stop or if they hit their max transactions for the day. </a:t>
+                  <a:t>The way they would do this was look stocks available on a given day and perform their assessment of risk (changes by day) per eq. If too low, sell low risk and buy high risk. If too high, sell high risk, secondary priority of not keeping too much liquid money They would do this until hit daily limit or at desired level. </a:t>
                 </a:r>
               </a:p>
               <a:p>
+                <a:br>
+                  <a:rPr lang="en-US" dirty="0"/>
+                </a:br>
                 <a:r>
                   <a:rPr lang="en-US" dirty="0"/>
-                  <a:t>If too low, they would sell some low risk stocks and purchase some higher risk stocks. If too high, they would sell some higher risk stocks. They also had a tertiary priority of buying stocks and not sit on the money they had either initially or from dividends</a:t>
+                  <a:t>It is also important to demonstrate how we computed risk…</a:t>
                 </a:r>
-              </a:p>
-              <a:p>
-                <a:endParaRPr lang="en-US" dirty="0"/>
-              </a:p>
-              <a:p>
-                <a:r>
-                  <a:rPr lang="en-US" dirty="0"/>
-                  <a:t>This perceived risk and individual risk would also be considered distributed according to a power law distribution; agents were given a default preferred risk which for simplicity of interpreting corresponded to a constant times their broker id</a:t>
-                </a:r>
-              </a:p>
-              <a:p>
-                <a:endParaRPr lang="en-US" dirty="0"/>
               </a:p>
             </p:txBody>
           </p:sp>
@@ -2432,7 +2406,7 @@
           <a:p>
             <a:r>
               <a:rPr lang="en-US" dirty="0"/>
-              <a:t>Even with the limitation of influence from 0 to 1, over 50% of assessment provided by neighbor seemed to give most benefit in capturing change in value the risk assessment did not capture</a:t>
+              <a:t>Even with the limitation of influence from 0 to 1, up to 50% of assessment provided by neighbor seemed to give increasing benefit</a:t>
             </a:r>
           </a:p>
           <a:p>
@@ -2468,7 +2442,7 @@
           <a:p>
             <a:r>
               <a:rPr lang="en-US" dirty="0"/>
-              <a:t>Basing the influence connections of the network around the risk assessment provides an expansion on a single broker's understanding of the stocks behavior but did not entirely capture the additional benefit of accessing partial information as desired.</a:t>
+              <a:t>Basing the influence connections of the network around the risk assessment provides an expansion on a single broker's understanding of the stocks behavior to see higher ratio of good stocks but did not entirely capture the additional benefit of accessing partial information as desired.</a:t>
             </a:r>
           </a:p>
         </p:txBody>
@@ -6832,7 +6806,7 @@
             </a:pPr>
             <a:r>
               <a:rPr lang="en-US" sz="2000" dirty="0"/>
-              <a:t>Volatility in prices, returns, behaviors</a:t>
+              <a:t>Volatility</a:t>
             </a:r>
           </a:p>
           <a:p>
@@ -6845,7 +6819,7 @@
             </a:pPr>
             <a:r>
               <a:rPr lang="en-US" sz="2000" dirty="0"/>
-              <a:t>Contain many fat-tailed distributions</a:t>
+              <a:t>Fat-tailed distributions</a:t>
             </a:r>
           </a:p>
           <a:p>

--- a/Project Status Report Final/finalpresentation.pptx
+++ b/Project Status Report Final/finalpresentation.pptx
@@ -5,7 +5,7 @@
     <p:sldMasterId id="2147483648" r:id="rId1"/>
   </p:sldMasterIdLst>
   <p:notesMasterIdLst>
-    <p:notesMasterId r:id="rId12"/>
+    <p:notesMasterId r:id="rId14"/>
   </p:notesMasterIdLst>
   <p:sldIdLst>
     <p:sldId id="256" r:id="rId2"/>
@@ -13,11 +13,13 @@
     <p:sldId id="260" r:id="rId4"/>
     <p:sldId id="264" r:id="rId5"/>
     <p:sldId id="263" r:id="rId6"/>
-    <p:sldId id="266" r:id="rId7"/>
-    <p:sldId id="267" r:id="rId8"/>
-    <p:sldId id="265" r:id="rId9"/>
-    <p:sldId id="268" r:id="rId10"/>
-    <p:sldId id="269" r:id="rId11"/>
+    <p:sldId id="270" r:id="rId7"/>
+    <p:sldId id="272" r:id="rId8"/>
+    <p:sldId id="266" r:id="rId9"/>
+    <p:sldId id="267" r:id="rId10"/>
+    <p:sldId id="265" r:id="rId11"/>
+    <p:sldId id="268" r:id="rId12"/>
+    <p:sldId id="269" r:id="rId13"/>
   </p:sldIdLst>
   <p:sldSz cx="12192000" cy="6858000"/>
   <p:notesSz cx="6858000" cy="9144000"/>
@@ -122,72 +124,6 @@
     </p:ext>
   </p:extLst>
 </p:presentation>
-</file>
-
-<file path=ppt/revisionInfo.xml><?xml version="1.0" encoding="utf-8"?>
-<p1510:revInfo xmlns:a="http://schemas.openxmlformats.org/drawingml/2006/main" xmlns:r="http://schemas.openxmlformats.org/officeDocument/2006/relationships" xmlns:p1510="http://schemas.microsoft.com/office/powerpoint/2015/10/main">
-  <p1510:revLst>
-    <p1510:client id="{345E61B9-D4F5-4963-A157-FB30947813D7}" v="1" dt="2024-04-23T20:13:43.893"/>
-  </p1510:revLst>
-</p1510:revInfo>
-</file>
-
-<file path=ppt/changesInfos/changesInfo1.xml><?xml version="1.0" encoding="utf-8"?>
-<pc:chgInfo xmlns:a="http://schemas.openxmlformats.org/drawingml/2006/main" xmlns:r="http://schemas.openxmlformats.org/officeDocument/2006/relationships" xmlns:ac="http://schemas.microsoft.com/office/drawing/2013/main/command" xmlns:pc="http://schemas.microsoft.com/office/powerpoint/2013/main/command">
-  <pc:docChgLst>
-    <pc:chgData name="Connor Klein" userId="78d541d9bbd5520c" providerId="LiveId" clId="{345E61B9-D4F5-4963-A157-FB30947813D7}"/>
-    <pc:docChg chg="undo custSel modSld">
-      <pc:chgData name="Connor Klein" userId="78d541d9bbd5520c" providerId="LiveId" clId="{345E61B9-D4F5-4963-A157-FB30947813D7}" dt="2024-04-23T20:13:55.386" v="164" actId="20577"/>
-      <pc:docMkLst>
-        <pc:docMk/>
-      </pc:docMkLst>
-      <pc:sldChg chg="delSp mod">
-        <pc:chgData name="Connor Klein" userId="78d541d9bbd5520c" providerId="LiveId" clId="{345E61B9-D4F5-4963-A157-FB30947813D7}" dt="2024-04-23T19:11:56.237" v="0" actId="478"/>
-        <pc:sldMkLst>
-          <pc:docMk/>
-          <pc:sldMk cId="89127787" sldId="263"/>
-        </pc:sldMkLst>
-        <pc:spChg chg="del">
-          <ac:chgData name="Connor Klein" userId="78d541d9bbd5520c" providerId="LiveId" clId="{345E61B9-D4F5-4963-A157-FB30947813D7}" dt="2024-04-23T19:11:56.237" v="0" actId="478"/>
-          <ac:spMkLst>
-            <pc:docMk/>
-            <pc:sldMk cId="89127787" sldId="263"/>
-            <ac:spMk id="9" creationId="{661EE144-0F6C-2649-B81A-1334F4AFFB37}"/>
-          </ac:spMkLst>
-        </pc:spChg>
-      </pc:sldChg>
-      <pc:sldChg chg="modNotesTx">
-        <pc:chgData name="Connor Klein" userId="78d541d9bbd5520c" providerId="LiveId" clId="{345E61B9-D4F5-4963-A157-FB30947813D7}" dt="2024-04-23T20:13:55.386" v="164" actId="20577"/>
-        <pc:sldMkLst>
-          <pc:docMk/>
-          <pc:sldMk cId="844184953" sldId="265"/>
-        </pc:sldMkLst>
-      </pc:sldChg>
-      <pc:sldChg chg="modSp mod">
-        <pc:chgData name="Connor Klein" userId="78d541d9bbd5520c" providerId="LiveId" clId="{345E61B9-D4F5-4963-A157-FB30947813D7}" dt="2024-04-23T19:58:29.837" v="109" actId="14100"/>
-        <pc:sldMkLst>
-          <pc:docMk/>
-          <pc:sldMk cId="2255651184" sldId="267"/>
-        </pc:sldMkLst>
-        <pc:picChg chg="mod">
-          <ac:chgData name="Connor Klein" userId="78d541d9bbd5520c" providerId="LiveId" clId="{345E61B9-D4F5-4963-A157-FB30947813D7}" dt="2024-04-23T19:58:29.837" v="109" actId="14100"/>
-          <ac:picMkLst>
-            <pc:docMk/>
-            <pc:sldMk cId="2255651184" sldId="267"/>
-            <ac:picMk id="11" creationId="{24830A22-0BF7-6202-4C6C-F229496D065A}"/>
-          </ac:picMkLst>
-        </pc:picChg>
-      </pc:sldChg>
-      <pc:sldChg chg="modNotesTx">
-        <pc:chgData name="Connor Klein" userId="78d541d9bbd5520c" providerId="LiveId" clId="{345E61B9-D4F5-4963-A157-FB30947813D7}" dt="2024-04-23T20:13:20.056" v="133" actId="20577"/>
-        <pc:sldMkLst>
-          <pc:docMk/>
-          <pc:sldMk cId="2482271579" sldId="269"/>
-        </pc:sldMkLst>
-      </pc:sldChg>
-    </pc:docChg>
-  </pc:docChgLst>
-</pc:chgInfo>
 </file>
 
 <file path=ppt/notesMasters/notesMaster1.xml><?xml version="1.0" encoding="utf-8"?>
@@ -687,6 +623,37 @@
               <a:tabLst/>
               <a:defRPr/>
             </a:pPr>
+            <a:r>
+              <a:rPr lang="en-US" dirty="0">
+                <a:solidFill>
+                  <a:srgbClr val="BCBEC4"/>
+                </a:solidFill>
+                <a:effectLst/>
+                <a:highlight>
+                  <a:srgbClr val="1E1F22"/>
+                </a:highlight>
+              </a:rPr>
+              <a:t>1.5 minutes</a:t>
+            </a:r>
+          </a:p>
+          <a:p>
+            <a:pPr marL="0" marR="0" lvl="0" indent="0" algn="l" defTabSz="914400" rtl="0" eaLnBrk="1" fontAlgn="auto" latinLnBrk="0" hangingPunct="1">
+              <a:lnSpc>
+                <a:spcPct val="100000"/>
+              </a:lnSpc>
+              <a:spcBef>
+                <a:spcPts val="0"/>
+              </a:spcBef>
+              <a:spcAft>
+                <a:spcPts val="0"/>
+              </a:spcAft>
+              <a:buClrTx/>
+              <a:buSzTx/>
+              <a:buFontTx/>
+              <a:buNone/>
+              <a:tabLst/>
+              <a:defRPr/>
+            </a:pPr>
             <a:endParaRPr lang="en-US" dirty="0">
               <a:solidFill>
                 <a:srgbClr val="BCBEC4"/>
@@ -697,6 +664,369 @@
               </a:highlight>
             </a:endParaRPr>
           </a:p>
+          <a:p>
+            <a:pPr marL="0" marR="0" lvl="0" indent="0" algn="l" defTabSz="914400" rtl="0" eaLnBrk="1" fontAlgn="auto" latinLnBrk="0" hangingPunct="1">
+              <a:lnSpc>
+                <a:spcPct val="100000"/>
+              </a:lnSpc>
+              <a:spcBef>
+                <a:spcPts val="0"/>
+              </a:spcBef>
+              <a:spcAft>
+                <a:spcPts val="0"/>
+              </a:spcAft>
+              <a:buClrTx/>
+              <a:buSzTx/>
+              <a:buFontTx/>
+              <a:buNone/>
+              <a:tabLst/>
+              <a:defRPr/>
+            </a:pPr>
+            <a:r>
+              <a:rPr lang="en-US" dirty="0">
+                <a:solidFill>
+                  <a:srgbClr val="BCBEC4"/>
+                </a:solidFill>
+                <a:effectLst/>
+                <a:highlight>
+                  <a:srgbClr val="1E1F22"/>
+                </a:highlight>
+              </a:rPr>
+              <a:t>From this simulation, we achieved a better understanding of risk and influence but there were some limitations of our model to be explored later such as:</a:t>
+            </a:r>
+          </a:p>
+          <a:p>
+            <a:pPr marL="0" marR="0" lvl="0" indent="0" algn="l" defTabSz="914400" rtl="0" eaLnBrk="1" fontAlgn="auto" latinLnBrk="0" hangingPunct="1">
+              <a:lnSpc>
+                <a:spcPct val="100000"/>
+              </a:lnSpc>
+              <a:spcBef>
+                <a:spcPts val="0"/>
+              </a:spcBef>
+              <a:spcAft>
+                <a:spcPts val="0"/>
+              </a:spcAft>
+              <a:buClrTx/>
+              <a:buSzTx/>
+              <a:buFontTx/>
+              <a:buNone/>
+              <a:tabLst/>
+              <a:defRPr/>
+            </a:pPr>
+            <a:endParaRPr lang="en-US" dirty="0">
+              <a:solidFill>
+                <a:srgbClr val="BCBEC4"/>
+              </a:solidFill>
+              <a:effectLst/>
+              <a:highlight>
+                <a:srgbClr val="1E1F22"/>
+              </a:highlight>
+            </a:endParaRPr>
+          </a:p>
+          <a:p>
+            <a:pPr marL="0" marR="0" lvl="0" indent="0" algn="l" defTabSz="914400" rtl="0" eaLnBrk="1" fontAlgn="auto" latinLnBrk="0" hangingPunct="1">
+              <a:lnSpc>
+                <a:spcPct val="100000"/>
+              </a:lnSpc>
+              <a:spcBef>
+                <a:spcPts val="0"/>
+              </a:spcBef>
+              <a:spcAft>
+                <a:spcPts val="0"/>
+              </a:spcAft>
+              <a:buClrTx/>
+              <a:buSzTx/>
+              <a:buFontTx/>
+              <a:buNone/>
+              <a:tabLst/>
+              <a:defRPr/>
+            </a:pPr>
+            <a:r>
+              <a:rPr lang="en-US" dirty="0">
+                <a:solidFill>
+                  <a:srgbClr val="BCBEC4"/>
+                </a:solidFill>
+                <a:effectLst/>
+                <a:highlight>
+                  <a:srgbClr val="1E1F22"/>
+                </a:highlight>
+              </a:rPr>
+              <a:t>- Information flow </a:t>
+            </a:r>
+            <a:r>
+              <a:rPr lang="en-US" dirty="0"/>
+              <a:t>mostly accounted for expansion of risk data but needs to be elaborated to better capture the idea of partial information</a:t>
+            </a:r>
+          </a:p>
+          <a:p>
+            <a:pPr marL="171450" marR="0" lvl="0" indent="-171450" algn="l" defTabSz="914400" rtl="0" eaLnBrk="1" fontAlgn="auto" latinLnBrk="0" hangingPunct="1">
+              <a:lnSpc>
+                <a:spcPct val="100000"/>
+              </a:lnSpc>
+              <a:spcBef>
+                <a:spcPts val="0"/>
+              </a:spcBef>
+              <a:spcAft>
+                <a:spcPts val="0"/>
+              </a:spcAft>
+              <a:buClrTx/>
+              <a:buSzTx/>
+              <a:buFontTx/>
+              <a:buChar char="-"/>
+              <a:tabLst/>
+              <a:defRPr/>
+            </a:pPr>
+            <a:r>
+              <a:rPr lang="en-US" dirty="0">
+                <a:solidFill>
+                  <a:srgbClr val="BCBEC4"/>
+                </a:solidFill>
+                <a:effectLst/>
+                <a:highlight>
+                  <a:srgbClr val="1E1F22"/>
+                </a:highlight>
+              </a:rPr>
+              <a:t>Data filtration cuts out stocks in which only partial information is available and stocks were removed from public market for private buyout or bankruptcy limiting types of stocks being considered – need to reference figure if keeping it to say the distribution isn’t entirely clear</a:t>
+            </a:r>
+          </a:p>
+          <a:p>
+            <a:pPr marL="171450" marR="0" lvl="0" indent="-171450" algn="l" defTabSz="914400" rtl="0" eaLnBrk="1" fontAlgn="auto" latinLnBrk="0" hangingPunct="1">
+              <a:lnSpc>
+                <a:spcPct val="100000"/>
+              </a:lnSpc>
+              <a:spcBef>
+                <a:spcPts val="0"/>
+              </a:spcBef>
+              <a:spcAft>
+                <a:spcPts val="0"/>
+              </a:spcAft>
+              <a:buClrTx/>
+              <a:buSzTx/>
+              <a:buFontTx/>
+              <a:buChar char="-"/>
+              <a:tabLst/>
+              <a:defRPr/>
+            </a:pPr>
+            <a:r>
+              <a:rPr lang="en-US" dirty="0">
+                <a:solidFill>
+                  <a:srgbClr val="BCBEC4"/>
+                </a:solidFill>
+                <a:effectLst/>
+                <a:highlight>
+                  <a:srgbClr val="1E1F22"/>
+                </a:highlight>
+              </a:rPr>
+              <a:t>Should expand to more brokers and possible make the connections more dynamic </a:t>
+            </a:r>
+            <a:r>
+              <a:rPr lang="en-US" dirty="0" err="1">
+                <a:solidFill>
+                  <a:srgbClr val="BCBEC4"/>
+                </a:solidFill>
+                <a:effectLst/>
+                <a:highlight>
+                  <a:srgbClr val="1E1F22"/>
+                </a:highlight>
+              </a:rPr>
+              <a:t>ie</a:t>
+            </a:r>
+            <a:r>
+              <a:rPr lang="en-US" dirty="0">
+                <a:solidFill>
+                  <a:srgbClr val="BCBEC4"/>
+                </a:solidFill>
+                <a:effectLst/>
+                <a:highlight>
+                  <a:srgbClr val="1E1F22"/>
+                </a:highlight>
+              </a:rPr>
+              <a:t> follow the best broker instead of being stuck entirely with initial connections</a:t>
+            </a:r>
+          </a:p>
+          <a:p>
+            <a:pPr marL="171450" marR="0" lvl="0" indent="-171450" algn="l" defTabSz="914400" rtl="0" eaLnBrk="1" fontAlgn="auto" latinLnBrk="0" hangingPunct="1">
+              <a:lnSpc>
+                <a:spcPct val="100000"/>
+              </a:lnSpc>
+              <a:spcBef>
+                <a:spcPts val="0"/>
+              </a:spcBef>
+              <a:spcAft>
+                <a:spcPts val="0"/>
+              </a:spcAft>
+              <a:buClrTx/>
+              <a:buSzTx/>
+              <a:buFontTx/>
+              <a:buChar char="-"/>
+              <a:tabLst/>
+              <a:defRPr/>
+            </a:pPr>
+            <a:r>
+              <a:rPr lang="en-US" dirty="0">
+                <a:solidFill>
+                  <a:srgbClr val="BCBEC4"/>
+                </a:solidFill>
+                <a:effectLst/>
+                <a:highlight>
+                  <a:srgbClr val="1E1F22"/>
+                </a:highlight>
+              </a:rPr>
+              <a:t>Could extend stock risk evaluation to better account for more relationships in stock statistics </a:t>
+            </a:r>
+          </a:p>
+          <a:p>
+            <a:pPr marL="171450" marR="0" lvl="0" indent="-171450" algn="l" defTabSz="914400" rtl="0" eaLnBrk="1" fontAlgn="auto" latinLnBrk="0" hangingPunct="1">
+              <a:lnSpc>
+                <a:spcPct val="100000"/>
+              </a:lnSpc>
+              <a:spcBef>
+                <a:spcPts val="0"/>
+              </a:spcBef>
+              <a:spcAft>
+                <a:spcPts val="0"/>
+              </a:spcAft>
+              <a:buClrTx/>
+              <a:buSzTx/>
+              <a:buFontTx/>
+              <a:buChar char="-"/>
+              <a:tabLst/>
+              <a:defRPr/>
+            </a:pPr>
+            <a:r>
+              <a:rPr lang="en-US" dirty="0">
+                <a:solidFill>
+                  <a:srgbClr val="BCBEC4"/>
+                </a:solidFill>
+                <a:effectLst/>
+                <a:highlight>
+                  <a:srgbClr val="1E1F22"/>
+                </a:highlight>
+              </a:rPr>
+              <a:t>Explore idea of negative influence in the market</a:t>
+            </a:r>
+          </a:p>
+          <a:p>
+            <a:pPr marL="171450" marR="0" lvl="0" indent="-171450" algn="l" defTabSz="914400" rtl="0" eaLnBrk="1" fontAlgn="auto" latinLnBrk="0" hangingPunct="1">
+              <a:lnSpc>
+                <a:spcPct val="100000"/>
+              </a:lnSpc>
+              <a:spcBef>
+                <a:spcPts val="0"/>
+              </a:spcBef>
+              <a:spcAft>
+                <a:spcPts val="0"/>
+              </a:spcAft>
+              <a:buClrTx/>
+              <a:buSzTx/>
+              <a:buFontTx/>
+              <a:buChar char="-"/>
+              <a:tabLst/>
+              <a:defRPr/>
+            </a:pPr>
+            <a:r>
+              <a:rPr lang="en-US" dirty="0">
+                <a:solidFill>
+                  <a:srgbClr val="BCBEC4"/>
+                </a:solidFill>
+                <a:effectLst/>
+                <a:highlight>
+                  <a:srgbClr val="1E1F22"/>
+                </a:highlight>
+              </a:rPr>
+              <a:t>Couldn’t actually affect stock prices – assumed small enough subset of actors to be able to use historical data</a:t>
+            </a:r>
+          </a:p>
+          <a:p>
+            <a:pPr marL="171450" marR="0" lvl="0" indent="-171450" algn="l" defTabSz="914400" rtl="0" eaLnBrk="1" fontAlgn="auto" latinLnBrk="0" hangingPunct="1">
+              <a:lnSpc>
+                <a:spcPct val="100000"/>
+              </a:lnSpc>
+              <a:spcBef>
+                <a:spcPts val="0"/>
+              </a:spcBef>
+              <a:spcAft>
+                <a:spcPts val="0"/>
+              </a:spcAft>
+              <a:buClrTx/>
+              <a:buSzTx/>
+              <a:buFontTx/>
+              <a:buChar char="-"/>
+              <a:tabLst/>
+              <a:defRPr/>
+            </a:pPr>
+            <a:endParaRPr lang="en-US" dirty="0">
+              <a:solidFill>
+                <a:srgbClr val="BCBEC4"/>
+              </a:solidFill>
+              <a:effectLst/>
+              <a:highlight>
+                <a:srgbClr val="1E1F22"/>
+              </a:highlight>
+            </a:endParaRPr>
+          </a:p>
+          <a:p>
+            <a:pPr marL="171450" marR="0" lvl="0" indent="-171450" algn="l" defTabSz="914400" rtl="0" eaLnBrk="1" fontAlgn="auto" latinLnBrk="0" hangingPunct="1">
+              <a:lnSpc>
+                <a:spcPct val="100000"/>
+              </a:lnSpc>
+              <a:spcBef>
+                <a:spcPts val="0"/>
+              </a:spcBef>
+              <a:spcAft>
+                <a:spcPts val="0"/>
+              </a:spcAft>
+              <a:buClrTx/>
+              <a:buSzTx/>
+              <a:buFontTx/>
+              <a:buChar char="-"/>
+              <a:tabLst/>
+              <a:defRPr/>
+            </a:pPr>
+            <a:r>
+              <a:rPr lang="en-US" dirty="0">
+                <a:solidFill>
+                  <a:srgbClr val="BCBEC4"/>
+                </a:solidFill>
+                <a:effectLst/>
+                <a:highlight>
+                  <a:srgbClr val="1E1F22"/>
+                </a:highlight>
+              </a:rPr>
+              <a:t>Add thesis statement</a:t>
+            </a:r>
+          </a:p>
+          <a:p>
+            <a:pPr marL="171450" marR="0" lvl="0" indent="-171450" algn="l" defTabSz="914400" rtl="0" eaLnBrk="1" fontAlgn="auto" latinLnBrk="0" hangingPunct="1">
+              <a:lnSpc>
+                <a:spcPct val="100000"/>
+              </a:lnSpc>
+              <a:spcBef>
+                <a:spcPts val="0"/>
+              </a:spcBef>
+              <a:spcAft>
+                <a:spcPts val="0"/>
+              </a:spcAft>
+              <a:buClrTx/>
+              <a:buSzTx/>
+              <a:buFontTx/>
+              <a:buChar char="-"/>
+              <a:tabLst/>
+              <a:defRPr/>
+            </a:pPr>
+            <a:r>
+              <a:rPr lang="en-US" dirty="0">
+                <a:solidFill>
+                  <a:srgbClr val="BCBEC4"/>
+                </a:solidFill>
+                <a:effectLst/>
+                <a:highlight>
+                  <a:srgbClr val="1E1F22"/>
+                </a:highlight>
+              </a:rPr>
+              <a:t>Address the graph</a:t>
+            </a:r>
+          </a:p>
         </p:txBody>
       </p:sp>
       <p:sp>
@@ -717,6 +1047,202 @@
             <a:fld id="{DEE414AA-92EB-4865-A5F7-560118F2768E}" type="slidenum">
               <a:rPr lang="en-US" smtClean="0"/>
               <a:t>10</a:t>
+            </a:fld>
+            <a:endParaRPr lang="en-US"/>
+          </a:p>
+        </p:txBody>
+      </p:sp>
+    </p:spTree>
+    <p:extLst>
+      <p:ext uri="{BB962C8B-B14F-4D97-AF65-F5344CB8AC3E}">
+        <p14:creationId xmlns:p14="http://schemas.microsoft.com/office/powerpoint/2010/main" val="1611523902"/>
+      </p:ext>
+    </p:extLst>
+  </p:cSld>
+  <p:clrMapOvr>
+    <a:masterClrMapping/>
+  </p:clrMapOvr>
+</p:notes>
+</file>
+
+<file path=ppt/notesSlides/notesSlide11.xml><?xml version="1.0" encoding="utf-8"?>
+<p:notes xmlns:a="http://schemas.openxmlformats.org/drawingml/2006/main" xmlns:r="http://schemas.openxmlformats.org/officeDocument/2006/relationships" xmlns:p="http://schemas.openxmlformats.org/presentationml/2006/main">
+  <p:cSld>
+    <p:spTree>
+      <p:nvGrpSpPr>
+        <p:cNvPr id="1" name=""/>
+        <p:cNvGrpSpPr/>
+        <p:nvPr/>
+      </p:nvGrpSpPr>
+      <p:grpSpPr>
+        <a:xfrm>
+          <a:off x="0" y="0"/>
+          <a:ext cx="0" cy="0"/>
+          <a:chOff x="0" y="0"/>
+          <a:chExt cx="0" cy="0"/>
+        </a:xfrm>
+      </p:grpSpPr>
+      <p:sp>
+        <p:nvSpPr>
+          <p:cNvPr id="2" name="Slide Image Placeholder 1"/>
+          <p:cNvSpPr>
+            <a:spLocks noGrp="1" noRot="1" noChangeAspect="1"/>
+          </p:cNvSpPr>
+          <p:nvPr>
+            <p:ph type="sldImg"/>
+          </p:nvPr>
+        </p:nvSpPr>
+        <p:spPr/>
+      </p:sp>
+      <p:sp>
+        <p:nvSpPr>
+          <p:cNvPr id="3" name="Notes Placeholder 2"/>
+          <p:cNvSpPr>
+            <a:spLocks noGrp="1"/>
+          </p:cNvSpPr>
+          <p:nvPr>
+            <p:ph type="body" idx="1"/>
+          </p:nvPr>
+        </p:nvSpPr>
+        <p:spPr/>
+        <p:txBody>
+          <a:bodyPr/>
+          <a:lstStyle/>
+          <a:p>
+            <a:r>
+              <a:rPr lang="en-US" dirty="0"/>
+              <a:t>Here’s our references for the model</a:t>
+            </a:r>
+          </a:p>
+        </p:txBody>
+      </p:sp>
+      <p:sp>
+        <p:nvSpPr>
+          <p:cNvPr id="4" name="Slide Number Placeholder 3"/>
+          <p:cNvSpPr>
+            <a:spLocks noGrp="1"/>
+          </p:cNvSpPr>
+          <p:nvPr>
+            <p:ph type="sldNum" sz="quarter" idx="5"/>
+          </p:nvPr>
+        </p:nvSpPr>
+        <p:spPr/>
+        <p:txBody>
+          <a:bodyPr/>
+          <a:lstStyle/>
+          <a:p>
+            <a:fld id="{DEE414AA-92EB-4865-A5F7-560118F2768E}" type="slidenum">
+              <a:rPr lang="en-US" smtClean="0"/>
+              <a:t>11</a:t>
+            </a:fld>
+            <a:endParaRPr lang="en-US"/>
+          </a:p>
+        </p:txBody>
+      </p:sp>
+    </p:spTree>
+    <p:extLst>
+      <p:ext uri="{BB962C8B-B14F-4D97-AF65-F5344CB8AC3E}">
+        <p14:creationId xmlns:p14="http://schemas.microsoft.com/office/powerpoint/2010/main" val="108912732"/>
+      </p:ext>
+    </p:extLst>
+  </p:cSld>
+  <p:clrMapOvr>
+    <a:masterClrMapping/>
+  </p:clrMapOvr>
+</p:notes>
+</file>
+
+<file path=ppt/notesSlides/notesSlide12.xml><?xml version="1.0" encoding="utf-8"?>
+<p:notes xmlns:a="http://schemas.openxmlformats.org/drawingml/2006/main" xmlns:r="http://schemas.openxmlformats.org/officeDocument/2006/relationships" xmlns:p="http://schemas.openxmlformats.org/presentationml/2006/main">
+  <p:cSld>
+    <p:spTree>
+      <p:nvGrpSpPr>
+        <p:cNvPr id="1" name=""/>
+        <p:cNvGrpSpPr/>
+        <p:nvPr/>
+      </p:nvGrpSpPr>
+      <p:grpSpPr>
+        <a:xfrm>
+          <a:off x="0" y="0"/>
+          <a:ext cx="0" cy="0"/>
+          <a:chOff x="0" y="0"/>
+          <a:chExt cx="0" cy="0"/>
+        </a:xfrm>
+      </p:grpSpPr>
+      <p:sp>
+        <p:nvSpPr>
+          <p:cNvPr id="2" name="Slide Image Placeholder 1"/>
+          <p:cNvSpPr>
+            <a:spLocks noGrp="1" noRot="1" noChangeAspect="1"/>
+          </p:cNvSpPr>
+          <p:nvPr>
+            <p:ph type="sldImg"/>
+          </p:nvPr>
+        </p:nvSpPr>
+        <p:spPr/>
+      </p:sp>
+      <p:sp>
+        <p:nvSpPr>
+          <p:cNvPr id="3" name="Notes Placeholder 2"/>
+          <p:cNvSpPr>
+            <a:spLocks noGrp="1"/>
+          </p:cNvSpPr>
+          <p:nvPr>
+            <p:ph type="body" idx="1"/>
+          </p:nvPr>
+        </p:nvSpPr>
+        <p:spPr/>
+        <p:txBody>
+          <a:bodyPr/>
+          <a:lstStyle/>
+          <a:p>
+            <a:pPr marL="0" marR="0" lvl="0" indent="0" algn="l" defTabSz="914400" rtl="0" eaLnBrk="1" fontAlgn="auto" latinLnBrk="0" hangingPunct="1">
+              <a:lnSpc>
+                <a:spcPct val="100000"/>
+              </a:lnSpc>
+              <a:spcBef>
+                <a:spcPts val="0"/>
+              </a:spcBef>
+              <a:spcAft>
+                <a:spcPts val="0"/>
+              </a:spcAft>
+              <a:buClrTx/>
+              <a:buSzTx/>
+              <a:buFontTx/>
+              <a:buNone/>
+              <a:tabLst/>
+              <a:defRPr/>
+            </a:pPr>
+            <a:endParaRPr lang="en-US" dirty="0">
+              <a:solidFill>
+                <a:srgbClr val="BCBEC4"/>
+              </a:solidFill>
+              <a:effectLst/>
+              <a:highlight>
+                <a:srgbClr val="1E1F22"/>
+              </a:highlight>
+            </a:endParaRPr>
+          </a:p>
+        </p:txBody>
+      </p:sp>
+      <p:sp>
+        <p:nvSpPr>
+          <p:cNvPr id="4" name="Slide Number Placeholder 3"/>
+          <p:cNvSpPr>
+            <a:spLocks noGrp="1"/>
+          </p:cNvSpPr>
+          <p:nvPr>
+            <p:ph type="sldNum" sz="quarter" idx="5"/>
+          </p:nvPr>
+        </p:nvSpPr>
+        <p:spPr/>
+        <p:txBody>
+          <a:bodyPr/>
+          <a:lstStyle/>
+          <a:p>
+            <a:fld id="{DEE414AA-92EB-4865-A5F7-560118F2768E}" type="slidenum">
+              <a:rPr lang="en-US" smtClean="0"/>
+              <a:t>12</a:t>
             </a:fld>
             <a:endParaRPr lang="en-US"/>
           </a:p>
@@ -2224,27 +2750,203 @@
           <a:bodyPr/>
           <a:lstStyle/>
           <a:p>
+            <a:pPr marL="0" marR="0" lvl="0" indent="0" algn="l" defTabSz="914400" rtl="0" eaLnBrk="1" fontAlgn="auto" latinLnBrk="0" hangingPunct="1">
+              <a:lnSpc>
+                <a:spcPct val="100000"/>
+              </a:lnSpc>
+              <a:spcBef>
+                <a:spcPts val="0"/>
+              </a:spcBef>
+              <a:spcAft>
+                <a:spcPts val="0"/>
+              </a:spcAft>
+              <a:buClrTx/>
+              <a:buSzTx/>
+              <a:buFontTx/>
+              <a:buNone/>
+              <a:tabLst/>
+              <a:defRPr/>
+            </a:pPr>
             <a:r>
               <a:rPr lang="en-US" dirty="0"/>
               <a:t>1.5 minutes</a:t>
             </a:r>
           </a:p>
           <a:p>
+            <a:pPr marL="0" marR="0" lvl="0" indent="0" algn="l" defTabSz="914400" rtl="0" eaLnBrk="1" fontAlgn="auto" latinLnBrk="0" hangingPunct="1">
+              <a:lnSpc>
+                <a:spcPct val="100000"/>
+              </a:lnSpc>
+              <a:spcBef>
+                <a:spcPts val="0"/>
+              </a:spcBef>
+              <a:spcAft>
+                <a:spcPts val="0"/>
+              </a:spcAft>
+              <a:buClrTx/>
+              <a:buSzTx/>
+              <a:buFontTx/>
+              <a:buNone/>
+              <a:tabLst/>
+              <a:defRPr/>
+            </a:pPr>
             <a:endParaRPr lang="en-US" dirty="0"/>
           </a:p>
           <a:p>
+            <a:pPr marL="0" marR="0" lvl="0" indent="0" algn="l" defTabSz="914400" rtl="0" eaLnBrk="1" fontAlgn="auto" latinLnBrk="0" hangingPunct="1">
+              <a:lnSpc>
+                <a:spcPct val="100000"/>
+              </a:lnSpc>
+              <a:spcBef>
+                <a:spcPts val="0"/>
+              </a:spcBef>
+              <a:spcAft>
+                <a:spcPts val="0"/>
+              </a:spcAft>
+              <a:buClrTx/>
+              <a:buSzTx/>
+              <a:buFontTx/>
+              <a:buNone/>
+              <a:tabLst/>
+              <a:defRPr/>
+            </a:pPr>
             <a:r>
               <a:rPr lang="en-US" dirty="0"/>
-              <a:t>Left figure show interim portfolio values before the 2007-2008 financial crisis</a:t>
-            </a:r>
-          </a:p>
-          <a:p>
+              <a:t>NOTES FROM MINAI’S COMMENTS:</a:t>
+            </a:r>
+          </a:p>
+          <a:p>
+            <a:pPr marL="0" marR="0" lvl="0" indent="0" algn="l" defTabSz="914400" rtl="0" eaLnBrk="1" fontAlgn="auto" latinLnBrk="0" hangingPunct="1">
+              <a:lnSpc>
+                <a:spcPct val="100000"/>
+              </a:lnSpc>
+              <a:spcBef>
+                <a:spcPts val="0"/>
+              </a:spcBef>
+              <a:spcAft>
+                <a:spcPts val="0"/>
+              </a:spcAft>
+              <a:buClrTx/>
+              <a:buSzTx/>
+              <a:buFontTx/>
+              <a:buNone/>
+              <a:tabLst/>
+              <a:defRPr/>
+            </a:pPr>
+            <a:r>
+              <a:rPr lang="en-US" dirty="0"/>
+              <a:t>- don’t say stop investing, say stop buying stocks </a:t>
+            </a:r>
+          </a:p>
+          <a:p>
+            <a:pPr marL="0" marR="0" lvl="0" indent="0" algn="l" defTabSz="914400" rtl="0" eaLnBrk="1" fontAlgn="auto" latinLnBrk="0" hangingPunct="1">
+              <a:lnSpc>
+                <a:spcPct val="100000"/>
+              </a:lnSpc>
+              <a:spcBef>
+                <a:spcPts val="0"/>
+              </a:spcBef>
+              <a:spcAft>
+                <a:spcPts val="0"/>
+              </a:spcAft>
+              <a:buClrTx/>
+              <a:buSzTx/>
+              <a:buFontTx/>
+              <a:buNone/>
+              <a:tabLst/>
+              <a:defRPr/>
+            </a:pPr>
             <a:endParaRPr lang="en-US" dirty="0"/>
           </a:p>
           <a:p>
-            <a:pPr marL="171450" indent="-171450">
+            <a:pPr marL="0" marR="0" lvl="0" indent="0" algn="l" defTabSz="914400" rtl="0" eaLnBrk="1" fontAlgn="auto" latinLnBrk="0" hangingPunct="1">
+              <a:lnSpc>
+                <a:spcPct val="100000"/>
+              </a:lnSpc>
+              <a:spcBef>
+                <a:spcPts val="0"/>
+              </a:spcBef>
+              <a:spcAft>
+                <a:spcPts val="0"/>
+              </a:spcAft>
+              <a:buClrTx/>
+              <a:buSzTx/>
+              <a:buFontTx/>
+              <a:buNone/>
+              <a:tabLst/>
+              <a:defRPr/>
+            </a:pPr>
+            <a:r>
+              <a:rPr lang="en-US" dirty="0"/>
+              <a:t>Example of portfolio behavior over time</a:t>
+            </a:r>
+          </a:p>
+          <a:p>
+            <a:endParaRPr lang="en-US" dirty="0"/>
+          </a:p>
+          <a:p>
+            <a:pPr marL="171450" marR="0" lvl="0" indent="-171450" algn="l" defTabSz="914400" rtl="0" eaLnBrk="1" fontAlgn="auto" latinLnBrk="0" hangingPunct="1">
+              <a:lnSpc>
+                <a:spcPct val="100000"/>
+              </a:lnSpc>
+              <a:spcBef>
+                <a:spcPts val="0"/>
+              </a:spcBef>
+              <a:spcAft>
+                <a:spcPts val="0"/>
+              </a:spcAft>
+              <a:buClrTx/>
+              <a:buSzTx/>
               <a:buFontTx/>
               <a:buChar char="-"/>
+              <a:tabLst/>
+              <a:defRPr/>
+            </a:pPr>
+            <a:r>
+              <a:rPr lang="en-US" dirty="0"/>
+              <a:t>Brokers follow the general market trends and grow over time.</a:t>
+            </a:r>
+          </a:p>
+          <a:p>
+            <a:pPr marL="171450" marR="0" lvl="0" indent="-171450" algn="l" defTabSz="914400" rtl="0" eaLnBrk="1" fontAlgn="auto" latinLnBrk="0" hangingPunct="1">
+              <a:lnSpc>
+                <a:spcPct val="100000"/>
+              </a:lnSpc>
+              <a:spcBef>
+                <a:spcPts val="0"/>
+              </a:spcBef>
+              <a:spcAft>
+                <a:spcPts val="0"/>
+              </a:spcAft>
+              <a:buClrTx/>
+              <a:buSzTx/>
+              <a:buFontTx/>
+              <a:buChar char="-"/>
+              <a:tabLst/>
+              <a:defRPr/>
+            </a:pPr>
+            <a:r>
+              <a:rPr lang="en-US" dirty="0"/>
+              <a:t>Can see significant loss at 2007-2008, and spike in risk evaluations with plunging and rising market</a:t>
+            </a:r>
+          </a:p>
+          <a:p>
+            <a:pPr marL="171450" marR="0" lvl="0" indent="-171450" algn="l" defTabSz="914400" rtl="0" eaLnBrk="1" fontAlgn="auto" latinLnBrk="0" hangingPunct="1">
+              <a:lnSpc>
+                <a:spcPct val="100000"/>
+              </a:lnSpc>
+              <a:spcBef>
+                <a:spcPts val="0"/>
+              </a:spcBef>
+              <a:spcAft>
+                <a:spcPts val="0"/>
+              </a:spcAft>
+              <a:buClrTx/>
+              <a:buSzTx/>
+              <a:buFontTx/>
+              <a:buChar char="-"/>
+              <a:tabLst/>
+              <a:defRPr/>
             </a:pPr>
             <a:r>
               <a:rPr lang="en-US" dirty="0"/>
@@ -2252,49 +2954,114 @@
             </a:r>
           </a:p>
           <a:p>
-            <a:pPr marL="171450" indent="-171450">
+            <a:pPr marL="171450" marR="0" lvl="0" indent="-171450" algn="l" defTabSz="914400" rtl="0" eaLnBrk="1" fontAlgn="auto" latinLnBrk="0" hangingPunct="1">
+              <a:lnSpc>
+                <a:spcPct val="100000"/>
+              </a:lnSpc>
+              <a:spcBef>
+                <a:spcPts val="0"/>
+              </a:spcBef>
+              <a:spcAft>
+                <a:spcPts val="0"/>
+              </a:spcAft>
+              <a:buClrTx/>
+              <a:buSzTx/>
               <a:buFontTx/>
               <a:buChar char="-"/>
+              <a:tabLst/>
+              <a:defRPr/>
             </a:pPr>
             <a:r>
               <a:rPr lang="en-US" dirty="0"/>
-              <a:t>The high risk brokers can be seen to rebound more quickly and exceed their peers of medium risk in some cases.</a:t>
-            </a:r>
-          </a:p>
-          <a:p>
-            <a:pPr marL="171450" indent="-171450">
+              <a:t>By 2010, the typical brokers regained the wealth that they had acquired before 2008.</a:t>
+            </a:r>
+          </a:p>
+          <a:p>
+            <a:pPr marL="171450" marR="0" lvl="0" indent="-171450" algn="l" defTabSz="914400" rtl="0" eaLnBrk="1" fontAlgn="auto" latinLnBrk="0" hangingPunct="1">
+              <a:lnSpc>
+                <a:spcPct val="100000"/>
+              </a:lnSpc>
+              <a:spcBef>
+                <a:spcPts val="0"/>
+              </a:spcBef>
+              <a:spcAft>
+                <a:spcPts val="0"/>
+              </a:spcAft>
+              <a:buClrTx/>
+              <a:buSzTx/>
               <a:buFontTx/>
               <a:buChar char="-"/>
+              <a:tabLst/>
+              <a:defRPr/>
             </a:pPr>
             <a:r>
               <a:rPr lang="en-US" dirty="0"/>
-              <a:t>Final values shows slightly different behavior; at event, risky brokers could make the most money but didn’t necessarily win over the large period of normal operation </a:t>
-            </a:r>
-          </a:p>
-          <a:p>
-            <a:pPr marL="171450" indent="-171450">
+              <a:t>The high risk brokers can be seen to rebound more quickly and exceed their peers of medium risk in some cases. (see example of broker 80, broker 2, broker 20, broker 15</a:t>
+            </a:r>
+          </a:p>
+          <a:p>
+            <a:pPr marL="171450" marR="0" lvl="0" indent="-171450" algn="l" defTabSz="914400" rtl="0" eaLnBrk="1" fontAlgn="auto" latinLnBrk="0" hangingPunct="1">
+              <a:lnSpc>
+                <a:spcPct val="100000"/>
+              </a:lnSpc>
+              <a:spcBef>
+                <a:spcPts val="0"/>
+              </a:spcBef>
+              <a:spcAft>
+                <a:spcPts val="0"/>
+              </a:spcAft>
+              <a:buClrTx/>
+              <a:buSzTx/>
               <a:buFontTx/>
               <a:buChar char="-"/>
+              <a:tabLst/>
+              <a:defRPr/>
             </a:pPr>
             <a:r>
               <a:rPr lang="en-US" dirty="0"/>
-              <a:t>by not exiting when their portfolios spiked, did not achieve the same levels of wealth as the more moderate brokers after the Black Swan event. </a:t>
-            </a:r>
-          </a:p>
-          <a:p>
-            <a:pPr marL="171450" indent="-171450">
+              <a:t>Further, it showed buying at the crash showed significant increase in portfolio value for brokers seeking medium and high levels of risk.</a:t>
+            </a:r>
+          </a:p>
+          <a:p>
+            <a:pPr marL="171450" marR="0" lvl="0" indent="-171450" algn="l" defTabSz="914400" rtl="0" eaLnBrk="1" fontAlgn="auto" latinLnBrk="0" hangingPunct="1">
+              <a:lnSpc>
+                <a:spcPct val="100000"/>
+              </a:lnSpc>
+              <a:spcBef>
+                <a:spcPts val="0"/>
+              </a:spcBef>
+              <a:spcAft>
+                <a:spcPts val="0"/>
+              </a:spcAft>
+              <a:buClrTx/>
+              <a:buSzTx/>
               <a:buFontTx/>
               <a:buChar char="-"/>
+              <a:tabLst/>
+              <a:defRPr/>
             </a:pPr>
             <a:r>
               <a:rPr lang="en-US" dirty="0"/>
-              <a:t>At the end, with our method of risk formulation, moderate risk brokers won overall</a:t>
-            </a:r>
-          </a:p>
-          <a:p>
-            <a:pPr marL="171450" indent="-171450">
+              <a:t>Note also stopping at fixed risk once the preferred risk level is reached and keeping portfolio does similarly to buying and selling to keep the risk</a:t>
+            </a:r>
+          </a:p>
+          <a:p>
+            <a:pPr marL="171450" marR="0" lvl="0" indent="-171450" algn="l" defTabSz="914400" rtl="0" eaLnBrk="1" fontAlgn="auto" latinLnBrk="0" hangingPunct="1">
+              <a:lnSpc>
+                <a:spcPct val="100000"/>
+              </a:lnSpc>
+              <a:spcBef>
+                <a:spcPts val="0"/>
+              </a:spcBef>
+              <a:spcAft>
+                <a:spcPts val="0"/>
+              </a:spcAft>
+              <a:buClrTx/>
+              <a:buSzTx/>
               <a:buFontTx/>
               <a:buChar char="-"/>
+              <a:tabLst/>
+              <a:defRPr/>
             </a:pPr>
             <a:endParaRPr lang="en-US" dirty="0"/>
           </a:p>
@@ -2326,7 +3093,7 @@
     </p:spTree>
     <p:extLst>
       <p:ext uri="{BB962C8B-B14F-4D97-AF65-F5344CB8AC3E}">
-        <p14:creationId xmlns:p14="http://schemas.microsoft.com/office/powerpoint/2010/main" val="2683265447"/>
+        <p14:creationId xmlns:p14="http://schemas.microsoft.com/office/powerpoint/2010/main" val="3022597172"/>
       </p:ext>
     </p:extLst>
   </p:cSld>
@@ -2380,70 +3147,320 @@
           <a:bodyPr/>
           <a:lstStyle/>
           <a:p>
+            <a:pPr marL="0" marR="0" lvl="0" indent="0" algn="l" defTabSz="914400" rtl="0" eaLnBrk="1" fontAlgn="auto" latinLnBrk="0" hangingPunct="1">
+              <a:lnSpc>
+                <a:spcPct val="100000"/>
+              </a:lnSpc>
+              <a:spcBef>
+                <a:spcPts val="0"/>
+              </a:spcBef>
+              <a:spcAft>
+                <a:spcPts val="0"/>
+              </a:spcAft>
+              <a:buClrTx/>
+              <a:buSzTx/>
+              <a:buFontTx/>
+              <a:buNone/>
+              <a:tabLst/>
+              <a:defRPr/>
+            </a:pPr>
             <a:r>
               <a:rPr lang="en-US" dirty="0"/>
-              <a:t>1.5 minute</a:t>
-            </a:r>
-          </a:p>
-          <a:p>
+              <a:t>1.5 minutes</a:t>
+            </a:r>
+          </a:p>
+          <a:p>
+            <a:pPr marL="0" marR="0" lvl="0" indent="0" algn="l" defTabSz="914400" rtl="0" eaLnBrk="1" fontAlgn="auto" latinLnBrk="0" hangingPunct="1">
+              <a:lnSpc>
+                <a:spcPct val="100000"/>
+              </a:lnSpc>
+              <a:spcBef>
+                <a:spcPts val="0"/>
+              </a:spcBef>
+              <a:spcAft>
+                <a:spcPts val="0"/>
+              </a:spcAft>
+              <a:buClrTx/>
+              <a:buSzTx/>
+              <a:buFontTx/>
+              <a:buNone/>
+              <a:tabLst/>
+              <a:defRPr/>
+            </a:pPr>
             <a:endParaRPr lang="en-US" dirty="0"/>
           </a:p>
           <a:p>
+            <a:pPr marL="0" marR="0" lvl="0" indent="0" algn="l" defTabSz="914400" rtl="0" eaLnBrk="1" fontAlgn="auto" latinLnBrk="0" hangingPunct="1">
+              <a:lnSpc>
+                <a:spcPct val="100000"/>
+              </a:lnSpc>
+              <a:spcBef>
+                <a:spcPts val="0"/>
+              </a:spcBef>
+              <a:spcAft>
+                <a:spcPts val="0"/>
+              </a:spcAft>
+              <a:buClrTx/>
+              <a:buSzTx/>
+              <a:buFontTx/>
+              <a:buNone/>
+              <a:tabLst/>
+              <a:defRPr/>
+            </a:pPr>
             <a:r>
               <a:rPr lang="en-US" dirty="0"/>
-              <a:t>Left side shows a couple of total influence to final portfolio value</a:t>
-            </a:r>
-          </a:p>
-          <a:p>
+              <a:t>NOTES FROM MINAI’S COMMENTS:</a:t>
+            </a:r>
+          </a:p>
+          <a:p>
+            <a:pPr marL="0" marR="0" lvl="0" indent="0" algn="l" defTabSz="914400" rtl="0" eaLnBrk="1" fontAlgn="auto" latinLnBrk="0" hangingPunct="1">
+              <a:lnSpc>
+                <a:spcPct val="100000"/>
+              </a:lnSpc>
+              <a:spcBef>
+                <a:spcPts val="0"/>
+              </a:spcBef>
+              <a:spcAft>
+                <a:spcPts val="0"/>
+              </a:spcAft>
+              <a:buClrTx/>
+              <a:buSzTx/>
+              <a:buFontTx/>
+              <a:buNone/>
+              <a:tabLst/>
+              <a:defRPr/>
+            </a:pPr>
             <a:r>
               <a:rPr lang="en-US" dirty="0"/>
-              <a:t>Top left looked at having a negative influence but this didn’t exactly make sense with perceived risk calculation, further eval necessary</a:t>
-            </a:r>
-          </a:p>
-          <a:p>
+              <a:t>- don’t say stop investing, say stop buying stocks </a:t>
+            </a:r>
+          </a:p>
+          <a:p>
+            <a:pPr marL="0" marR="0" lvl="0" indent="0" algn="l" defTabSz="914400" rtl="0" eaLnBrk="1" fontAlgn="auto" latinLnBrk="0" hangingPunct="1">
+              <a:lnSpc>
+                <a:spcPct val="100000"/>
+              </a:lnSpc>
+              <a:spcBef>
+                <a:spcPts val="0"/>
+              </a:spcBef>
+              <a:spcAft>
+                <a:spcPts val="0"/>
+              </a:spcAft>
+              <a:buClrTx/>
+              <a:buSzTx/>
+              <a:buFontTx/>
+              <a:buNone/>
+              <a:tabLst/>
+              <a:defRPr/>
+            </a:pPr>
             <a:endParaRPr lang="en-US" dirty="0"/>
           </a:p>
           <a:p>
+            <a:pPr marL="0" marR="0" lvl="0" indent="0" algn="l" defTabSz="914400" rtl="0" eaLnBrk="1" fontAlgn="auto" latinLnBrk="0" hangingPunct="1">
+              <a:lnSpc>
+                <a:spcPct val="100000"/>
+              </a:lnSpc>
+              <a:spcBef>
+                <a:spcPts val="0"/>
+              </a:spcBef>
+              <a:spcAft>
+                <a:spcPts val="0"/>
+              </a:spcAft>
+              <a:buClrTx/>
+              <a:buSzTx/>
+              <a:buFontTx/>
+              <a:buNone/>
+              <a:tabLst/>
+              <a:defRPr/>
+            </a:pPr>
             <a:r>
               <a:rPr lang="en-US" dirty="0"/>
-              <a:t>Even with the limitation of influence from 0 to 1, up to 50% of assessment provided by neighbor seemed to give increasing benefit</a:t>
+              <a:t>Example of portfolio behavior over time</a:t>
             </a:r>
           </a:p>
           <a:p>
             <a:endParaRPr lang="en-US" dirty="0"/>
           </a:p>
           <a:p>
+            <a:pPr marL="171450" marR="0" lvl="0" indent="-171450" algn="l" defTabSz="914400" rtl="0" eaLnBrk="1" fontAlgn="auto" latinLnBrk="0" hangingPunct="1">
+              <a:lnSpc>
+                <a:spcPct val="100000"/>
+              </a:lnSpc>
+              <a:spcBef>
+                <a:spcPts val="0"/>
+              </a:spcBef>
+              <a:spcAft>
+                <a:spcPts val="0"/>
+              </a:spcAft>
+              <a:buClrTx/>
+              <a:buSzTx/>
+              <a:buFontTx/>
+              <a:buChar char="-"/>
+              <a:tabLst/>
+              <a:defRPr/>
+            </a:pPr>
             <a:r>
               <a:rPr lang="en-US" dirty="0"/>
-              <a:t>On right, see time series, high risk had more money as noted but influence still benefits across different levels</a:t>
-            </a:r>
-          </a:p>
-          <a:p>
+              <a:t>Brokers follow the general market trends and grow over time.</a:t>
+            </a:r>
+          </a:p>
+          <a:p>
+            <a:pPr marL="171450" marR="0" lvl="0" indent="-171450" algn="l" defTabSz="914400" rtl="0" eaLnBrk="1" fontAlgn="auto" latinLnBrk="0" hangingPunct="1">
+              <a:lnSpc>
+                <a:spcPct val="100000"/>
+              </a:lnSpc>
+              <a:spcBef>
+                <a:spcPts val="0"/>
+              </a:spcBef>
+              <a:spcAft>
+                <a:spcPts val="0"/>
+              </a:spcAft>
+              <a:buClrTx/>
+              <a:buSzTx/>
+              <a:buFontTx/>
+              <a:buChar char="-"/>
+              <a:tabLst/>
+              <a:defRPr/>
+            </a:pPr>
             <a:r>
               <a:rPr lang="en-US" dirty="0"/>
-              <a:t>When assigning a 1/3 of brokers low, 1/3 med, 1/3 high and just adjusting influence, see a couple examples</a:t>
-            </a:r>
-          </a:p>
-          <a:p>
+              <a:t>Can see significant loss at 2007-2008, and spike in risk evaluations with plunging and rising market</a:t>
+            </a:r>
+          </a:p>
+          <a:p>
+            <a:pPr marL="171450" marR="0" lvl="0" indent="-171450" algn="l" defTabSz="914400" rtl="0" eaLnBrk="1" fontAlgn="auto" latinLnBrk="0" hangingPunct="1">
+              <a:lnSpc>
+                <a:spcPct val="100000"/>
+              </a:lnSpc>
+              <a:spcBef>
+                <a:spcPts val="0"/>
+              </a:spcBef>
+              <a:spcAft>
+                <a:spcPts val="0"/>
+              </a:spcAft>
+              <a:buClrTx/>
+              <a:buSzTx/>
+              <a:buFontTx/>
+              <a:buChar char="-"/>
+              <a:tabLst/>
+              <a:defRPr/>
+            </a:pPr>
             <a:r>
               <a:rPr lang="en-US" dirty="0"/>
-              <a:t>Red and green in high risk do better than blue who took less input</a:t>
-            </a:r>
-          </a:p>
-          <a:p>
+              <a:t>the brokers, who did not cash out when the stocks crashed, rebounded after the crisis</a:t>
+            </a:r>
+          </a:p>
+          <a:p>
+            <a:pPr marL="171450" marR="0" lvl="0" indent="-171450" algn="l" defTabSz="914400" rtl="0" eaLnBrk="1" fontAlgn="auto" latinLnBrk="0" hangingPunct="1">
+              <a:lnSpc>
+                <a:spcPct val="100000"/>
+              </a:lnSpc>
+              <a:spcBef>
+                <a:spcPts val="0"/>
+              </a:spcBef>
+              <a:spcAft>
+                <a:spcPts val="0"/>
+              </a:spcAft>
+              <a:buClrTx/>
+              <a:buSzTx/>
+              <a:buFontTx/>
+              <a:buChar char="-"/>
+              <a:tabLst/>
+              <a:defRPr/>
+            </a:pPr>
             <a:r>
               <a:rPr lang="en-US" dirty="0"/>
-              <a:t>Dark blue and orange doing much more poorly than mustard in </a:t>
-            </a:r>
-          </a:p>
-          <a:p>
+              <a:t>By 2010, the typical brokers regained the wealth that they had acquired before 2008.</a:t>
+            </a:r>
+          </a:p>
+          <a:p>
+            <a:pPr marL="171450" marR="0" lvl="0" indent="-171450" algn="l" defTabSz="914400" rtl="0" eaLnBrk="1" fontAlgn="auto" latinLnBrk="0" hangingPunct="1">
+              <a:lnSpc>
+                <a:spcPct val="100000"/>
+              </a:lnSpc>
+              <a:spcBef>
+                <a:spcPts val="0"/>
+              </a:spcBef>
+              <a:spcAft>
+                <a:spcPts val="0"/>
+              </a:spcAft>
+              <a:buClrTx/>
+              <a:buSzTx/>
+              <a:buFontTx/>
+              <a:buChar char="-"/>
+              <a:tabLst/>
+              <a:defRPr/>
+            </a:pPr>
+            <a:r>
+              <a:rPr lang="en-US" dirty="0"/>
+              <a:t>The high risk brokers can be seen to rebound more quickly and exceed their peers of medium risk in some cases. (see example of broker 80, broker 2, broker 20, broker 15</a:t>
+            </a:r>
+          </a:p>
+          <a:p>
+            <a:pPr marL="171450" marR="0" lvl="0" indent="-171450" algn="l" defTabSz="914400" rtl="0" eaLnBrk="1" fontAlgn="auto" latinLnBrk="0" hangingPunct="1">
+              <a:lnSpc>
+                <a:spcPct val="100000"/>
+              </a:lnSpc>
+              <a:spcBef>
+                <a:spcPts val="0"/>
+              </a:spcBef>
+              <a:spcAft>
+                <a:spcPts val="0"/>
+              </a:spcAft>
+              <a:buClrTx/>
+              <a:buSzTx/>
+              <a:buFontTx/>
+              <a:buChar char="-"/>
+              <a:tabLst/>
+              <a:defRPr/>
+            </a:pPr>
+            <a:r>
+              <a:rPr lang="en-US" dirty="0"/>
+              <a:t>Further, it showed buying at the crash showed significant increase in portfolio value for brokers seeking medium and high levels of risk.</a:t>
+            </a:r>
+          </a:p>
+          <a:p>
+            <a:pPr marL="171450" marR="0" lvl="0" indent="-171450" algn="l" defTabSz="914400" rtl="0" eaLnBrk="1" fontAlgn="auto" latinLnBrk="0" hangingPunct="1">
+              <a:lnSpc>
+                <a:spcPct val="100000"/>
+              </a:lnSpc>
+              <a:spcBef>
+                <a:spcPts val="0"/>
+              </a:spcBef>
+              <a:spcAft>
+                <a:spcPts val="0"/>
+              </a:spcAft>
+              <a:buClrTx/>
+              <a:buSzTx/>
+              <a:buFontTx/>
+              <a:buChar char="-"/>
+              <a:tabLst/>
+              <a:defRPr/>
+            </a:pPr>
+            <a:r>
+              <a:rPr lang="en-US" dirty="0"/>
+              <a:t>Note also stopping at fixed risk once the preferred risk level is reached and keeping portfolio does similarly to buying and selling to keep the risk</a:t>
+            </a:r>
+          </a:p>
+          <a:p>
+            <a:pPr marL="171450" marR="0" lvl="0" indent="-171450" algn="l" defTabSz="914400" rtl="0" eaLnBrk="1" fontAlgn="auto" latinLnBrk="0" hangingPunct="1">
+              <a:lnSpc>
+                <a:spcPct val="100000"/>
+              </a:lnSpc>
+              <a:spcBef>
+                <a:spcPts val="0"/>
+              </a:spcBef>
+              <a:spcAft>
+                <a:spcPts val="0"/>
+              </a:spcAft>
+              <a:buClrTx/>
+              <a:buSzTx/>
+              <a:buFontTx/>
+              <a:buChar char="-"/>
+              <a:tabLst/>
+              <a:defRPr/>
+            </a:pPr>
             <a:endParaRPr lang="en-US" dirty="0"/>
-          </a:p>
-          <a:p>
-            <a:r>
-              <a:rPr lang="en-US" dirty="0"/>
-              <a:t>Basing the influence connections of the network around the risk assessment provides an expansion on a single broker's understanding of the stocks behavior to see higher ratio of good stocks but did not entirely capture the additional benefit of accessing partial information as desired.</a:t>
-            </a:r>
           </a:p>
         </p:txBody>
       </p:sp>
@@ -2473,7 +3490,7 @@
     </p:spTree>
     <p:extLst>
       <p:ext uri="{BB962C8B-B14F-4D97-AF65-F5344CB8AC3E}">
-        <p14:creationId xmlns:p14="http://schemas.microsoft.com/office/powerpoint/2010/main" val="3939197585"/>
+        <p14:creationId xmlns:p14="http://schemas.microsoft.com/office/powerpoint/2010/main" val="2779437902"/>
       </p:ext>
     </p:extLst>
   </p:cSld>
@@ -2527,426 +3544,79 @@
           <a:bodyPr/>
           <a:lstStyle/>
           <a:p>
-            <a:pPr marL="0" marR="0" lvl="0" indent="0" algn="l" defTabSz="914400" rtl="0" eaLnBrk="1" fontAlgn="auto" latinLnBrk="0" hangingPunct="1">
-              <a:lnSpc>
-                <a:spcPct val="100000"/>
-              </a:lnSpc>
-              <a:spcBef>
-                <a:spcPts val="0"/>
-              </a:spcBef>
-              <a:spcAft>
-                <a:spcPts val="0"/>
-              </a:spcAft>
-              <a:buClrTx/>
-              <a:buSzTx/>
-              <a:buFontTx/>
-              <a:buNone/>
-              <a:tabLst/>
-              <a:defRPr/>
-            </a:pPr>
-            <a:r>
-              <a:rPr lang="en-US" dirty="0">
-                <a:solidFill>
-                  <a:srgbClr val="BCBEC4"/>
-                </a:solidFill>
-                <a:effectLst/>
-                <a:highlight>
-                  <a:srgbClr val="1E1F22"/>
-                </a:highlight>
-              </a:rPr>
+            <a:r>
+              <a:rPr lang="en-US" dirty="0"/>
               <a:t>1.5 minutes</a:t>
             </a:r>
           </a:p>
           <a:p>
-            <a:pPr marL="0" marR="0" lvl="0" indent="0" algn="l" defTabSz="914400" rtl="0" eaLnBrk="1" fontAlgn="auto" latinLnBrk="0" hangingPunct="1">
-              <a:lnSpc>
-                <a:spcPct val="100000"/>
-              </a:lnSpc>
-              <a:spcBef>
-                <a:spcPts val="0"/>
-              </a:spcBef>
-              <a:spcAft>
-                <a:spcPts val="0"/>
-              </a:spcAft>
-              <a:buClrTx/>
-              <a:buSzTx/>
-              <a:buFontTx/>
-              <a:buNone/>
-              <a:tabLst/>
-              <a:defRPr/>
-            </a:pPr>
-            <a:endParaRPr lang="en-US" dirty="0">
-              <a:solidFill>
-                <a:srgbClr val="BCBEC4"/>
-              </a:solidFill>
-              <a:effectLst/>
-              <a:highlight>
-                <a:srgbClr val="1E1F22"/>
-              </a:highlight>
-            </a:endParaRPr>
-          </a:p>
-          <a:p>
-            <a:pPr marL="0" marR="0" lvl="0" indent="0" algn="l" defTabSz="914400" rtl="0" eaLnBrk="1" fontAlgn="auto" latinLnBrk="0" hangingPunct="1">
-              <a:lnSpc>
-                <a:spcPct val="100000"/>
-              </a:lnSpc>
-              <a:spcBef>
-                <a:spcPts val="0"/>
-              </a:spcBef>
-              <a:spcAft>
-                <a:spcPts val="0"/>
-              </a:spcAft>
-              <a:buClrTx/>
-              <a:buSzTx/>
-              <a:buFontTx/>
-              <a:buNone/>
-              <a:tabLst/>
-              <a:defRPr/>
-            </a:pPr>
-            <a:r>
-              <a:rPr lang="en-US" dirty="0">
-                <a:solidFill>
-                  <a:srgbClr val="BCBEC4"/>
-                </a:solidFill>
-                <a:effectLst/>
-                <a:highlight>
-                  <a:srgbClr val="1E1F22"/>
-                </a:highlight>
-              </a:rPr>
-              <a:t>From this simulation, we achieved a better understanding of risk and influence but there were some limitations of our model to be explored later such as:</a:t>
-            </a:r>
-          </a:p>
-          <a:p>
-            <a:pPr marL="0" marR="0" lvl="0" indent="0" algn="l" defTabSz="914400" rtl="0" eaLnBrk="1" fontAlgn="auto" latinLnBrk="0" hangingPunct="1">
-              <a:lnSpc>
-                <a:spcPct val="100000"/>
-              </a:lnSpc>
-              <a:spcBef>
-                <a:spcPts val="0"/>
-              </a:spcBef>
-              <a:spcAft>
-                <a:spcPts val="0"/>
-              </a:spcAft>
-              <a:buClrTx/>
-              <a:buSzTx/>
-              <a:buFontTx/>
-              <a:buNone/>
-              <a:tabLst/>
-              <a:defRPr/>
-            </a:pPr>
-            <a:endParaRPr lang="en-US" dirty="0">
-              <a:solidFill>
-                <a:srgbClr val="BCBEC4"/>
-              </a:solidFill>
-              <a:effectLst/>
-              <a:highlight>
-                <a:srgbClr val="1E1F22"/>
-              </a:highlight>
-            </a:endParaRPr>
-          </a:p>
-          <a:p>
-            <a:pPr marL="0" marR="0" lvl="0" indent="0" algn="l" defTabSz="914400" rtl="0" eaLnBrk="1" fontAlgn="auto" latinLnBrk="0" hangingPunct="1">
-              <a:lnSpc>
-                <a:spcPct val="100000"/>
-              </a:lnSpc>
-              <a:spcBef>
-                <a:spcPts val="0"/>
-              </a:spcBef>
-              <a:spcAft>
-                <a:spcPts val="0"/>
-              </a:spcAft>
-              <a:buClrTx/>
-              <a:buSzTx/>
-              <a:buFontTx/>
-              <a:buNone/>
-              <a:tabLst/>
-              <a:defRPr/>
-            </a:pPr>
-            <a:r>
-              <a:rPr lang="en-US" dirty="0">
-                <a:solidFill>
-                  <a:srgbClr val="BCBEC4"/>
-                </a:solidFill>
-                <a:effectLst/>
-                <a:highlight>
-                  <a:srgbClr val="1E1F22"/>
-                </a:highlight>
-              </a:rPr>
-              <a:t>- Information flow </a:t>
-            </a:r>
+            <a:endParaRPr lang="en-US" dirty="0"/>
+          </a:p>
+          <a:p>
             <a:r>
               <a:rPr lang="en-US" dirty="0"/>
-              <a:t>mostly accounted for expansion of risk data but needs to be elaborated to better capture the idea of partial information</a:t>
-            </a:r>
-          </a:p>
-          <a:p>
-            <a:pPr marL="171450" marR="0" lvl="0" indent="-171450" algn="l" defTabSz="914400" rtl="0" eaLnBrk="1" fontAlgn="auto" latinLnBrk="0" hangingPunct="1">
-              <a:lnSpc>
-                <a:spcPct val="100000"/>
-              </a:lnSpc>
-              <a:spcBef>
-                <a:spcPts val="0"/>
-              </a:spcBef>
-              <a:spcAft>
-                <a:spcPts val="0"/>
-              </a:spcAft>
-              <a:buClrTx/>
-              <a:buSzTx/>
+              <a:t>Left figure show interim portfolio values before the 2007-2008 financial crisis</a:t>
+            </a:r>
+          </a:p>
+          <a:p>
+            <a:endParaRPr lang="en-US" dirty="0"/>
+          </a:p>
+          <a:p>
+            <a:pPr marL="171450" indent="-171450">
               <a:buFontTx/>
               <a:buChar char="-"/>
-              <a:tabLst/>
-              <a:defRPr/>
-            </a:pPr>
-            <a:r>
-              <a:rPr lang="en-US" dirty="0">
-                <a:solidFill>
-                  <a:srgbClr val="BCBEC4"/>
-                </a:solidFill>
-                <a:effectLst/>
-                <a:highlight>
-                  <a:srgbClr val="1E1F22"/>
-                </a:highlight>
-              </a:rPr>
-              <a:t>Data filtration cuts out stocks in which only partial information is available and stocks were removed from public market for private buyout or bankruptcy limiting types of stocks being considered – need to reference figure if keeping it to say the distribution isn’t entirely clear</a:t>
-            </a:r>
-          </a:p>
-          <a:p>
-            <a:pPr marL="171450" marR="0" lvl="0" indent="-171450" algn="l" defTabSz="914400" rtl="0" eaLnBrk="1" fontAlgn="auto" latinLnBrk="0" hangingPunct="1">
-              <a:lnSpc>
-                <a:spcPct val="100000"/>
-              </a:lnSpc>
-              <a:spcBef>
-                <a:spcPts val="0"/>
-              </a:spcBef>
-              <a:spcAft>
-                <a:spcPts val="0"/>
-              </a:spcAft>
-              <a:buClrTx/>
-              <a:buSzTx/>
+            </a:pPr>
+            <a:r>
+              <a:rPr lang="en-US" dirty="0"/>
+              <a:t>the brokers, who did not cash out when the stocks crashed, rebounded after the crisis</a:t>
+            </a:r>
+          </a:p>
+          <a:p>
+            <a:pPr marL="171450" indent="-171450">
               <a:buFontTx/>
               <a:buChar char="-"/>
-              <a:tabLst/>
-              <a:defRPr/>
-            </a:pPr>
-            <a:r>
-              <a:rPr lang="en-US" dirty="0">
-                <a:solidFill>
-                  <a:srgbClr val="BCBEC4"/>
-                </a:solidFill>
-                <a:effectLst/>
-                <a:highlight>
-                  <a:srgbClr val="1E1F22"/>
-                </a:highlight>
-              </a:rPr>
-              <a:t>Should expand to more brokers and possible make the connections more dynamic </a:t>
-            </a:r>
-            <a:r>
-              <a:rPr lang="en-US" dirty="0" err="1">
-                <a:solidFill>
-                  <a:srgbClr val="BCBEC4"/>
-                </a:solidFill>
-                <a:effectLst/>
-                <a:highlight>
-                  <a:srgbClr val="1E1F22"/>
-                </a:highlight>
-              </a:rPr>
-              <a:t>ie</a:t>
-            </a:r>
-            <a:r>
-              <a:rPr lang="en-US" dirty="0">
-                <a:solidFill>
-                  <a:srgbClr val="BCBEC4"/>
-                </a:solidFill>
-                <a:effectLst/>
-                <a:highlight>
-                  <a:srgbClr val="1E1F22"/>
-                </a:highlight>
-              </a:rPr>
-              <a:t> follow the best broker instead of being stuck entirely with initial connections</a:t>
-            </a:r>
-          </a:p>
-          <a:p>
-            <a:pPr marL="171450" marR="0" lvl="0" indent="-171450" algn="l" defTabSz="914400" rtl="0" eaLnBrk="1" fontAlgn="auto" latinLnBrk="0" hangingPunct="1">
-              <a:lnSpc>
-                <a:spcPct val="100000"/>
-              </a:lnSpc>
-              <a:spcBef>
-                <a:spcPts val="0"/>
-              </a:spcBef>
-              <a:spcAft>
-                <a:spcPts val="0"/>
-              </a:spcAft>
-              <a:buClrTx/>
-              <a:buSzTx/>
+            </a:pPr>
+            <a:r>
+              <a:rPr lang="en-US" dirty="0"/>
+              <a:t>The high risk brokers can be seen to rebound more quickly and exceed their peers of medium risk in some cases.</a:t>
+            </a:r>
+          </a:p>
+          <a:p>
+            <a:pPr marL="171450" indent="-171450">
               <a:buFontTx/>
               <a:buChar char="-"/>
-              <a:tabLst/>
-              <a:defRPr/>
-            </a:pPr>
-            <a:r>
-              <a:rPr lang="en-US" dirty="0">
-                <a:solidFill>
-                  <a:srgbClr val="BCBEC4"/>
-                </a:solidFill>
-                <a:effectLst/>
-                <a:highlight>
-                  <a:srgbClr val="1E1F22"/>
-                </a:highlight>
-              </a:rPr>
-              <a:t>Could extend stock risk evaluation to better account for more relationships in stock statistics </a:t>
-            </a:r>
-          </a:p>
-          <a:p>
-            <a:pPr marL="171450" marR="0" lvl="0" indent="-171450" algn="l" defTabSz="914400" rtl="0" eaLnBrk="1" fontAlgn="auto" latinLnBrk="0" hangingPunct="1">
-              <a:lnSpc>
-                <a:spcPct val="100000"/>
-              </a:lnSpc>
-              <a:spcBef>
-                <a:spcPts val="0"/>
-              </a:spcBef>
-              <a:spcAft>
-                <a:spcPts val="0"/>
-              </a:spcAft>
-              <a:buClrTx/>
-              <a:buSzTx/>
+            </a:pPr>
+            <a:r>
+              <a:rPr lang="en-US" dirty="0"/>
+              <a:t>Final values shows slightly different behavior; at event, risky brokers could make the most money but didn’t necessarily win over the large period of normal operation </a:t>
+            </a:r>
+          </a:p>
+          <a:p>
+            <a:pPr marL="171450" indent="-171450">
               <a:buFontTx/>
               <a:buChar char="-"/>
-              <a:tabLst/>
-              <a:defRPr/>
-            </a:pPr>
-            <a:r>
-              <a:rPr lang="en-US" dirty="0">
-                <a:solidFill>
-                  <a:srgbClr val="BCBEC4"/>
-                </a:solidFill>
-                <a:effectLst/>
-                <a:highlight>
-                  <a:srgbClr val="1E1F22"/>
-                </a:highlight>
-              </a:rPr>
-              <a:t>Explore idea of negative influence in the market</a:t>
-            </a:r>
-          </a:p>
-          <a:p>
-            <a:pPr marL="171450" marR="0" lvl="0" indent="-171450" algn="l" defTabSz="914400" rtl="0" eaLnBrk="1" fontAlgn="auto" latinLnBrk="0" hangingPunct="1">
-              <a:lnSpc>
-                <a:spcPct val="100000"/>
-              </a:lnSpc>
-              <a:spcBef>
-                <a:spcPts val="0"/>
-              </a:spcBef>
-              <a:spcAft>
-                <a:spcPts val="0"/>
-              </a:spcAft>
-              <a:buClrTx/>
-              <a:buSzTx/>
+            </a:pPr>
+            <a:r>
+              <a:rPr lang="en-US" dirty="0"/>
+              <a:t>by not exiting when their portfolios spiked, did not achieve the same levels of wealth as the more moderate brokers after the Black Swan event. </a:t>
+            </a:r>
+          </a:p>
+          <a:p>
+            <a:pPr marL="171450" indent="-171450">
               <a:buFontTx/>
               <a:buChar char="-"/>
-              <a:tabLst/>
-              <a:defRPr/>
-            </a:pPr>
-            <a:r>
-              <a:rPr lang="en-US" dirty="0">
-                <a:solidFill>
-                  <a:srgbClr val="BCBEC4"/>
-                </a:solidFill>
-                <a:effectLst/>
-                <a:highlight>
-                  <a:srgbClr val="1E1F22"/>
-                </a:highlight>
-              </a:rPr>
-              <a:t>Couldn’t actually affect stock prices – assumed small enough subset of actors to be able to use historical data</a:t>
-            </a:r>
-          </a:p>
-          <a:p>
-            <a:pPr marL="171450" marR="0" lvl="0" indent="-171450" algn="l" defTabSz="914400" rtl="0" eaLnBrk="1" fontAlgn="auto" latinLnBrk="0" hangingPunct="1">
-              <a:lnSpc>
-                <a:spcPct val="100000"/>
-              </a:lnSpc>
-              <a:spcBef>
-                <a:spcPts val="0"/>
-              </a:spcBef>
-              <a:spcAft>
-                <a:spcPts val="0"/>
-              </a:spcAft>
-              <a:buClrTx/>
-              <a:buSzTx/>
+            </a:pPr>
+            <a:r>
+              <a:rPr lang="en-US" dirty="0"/>
+              <a:t>At the end, with our method of risk formulation, moderate risk brokers won overall</a:t>
+            </a:r>
+          </a:p>
+          <a:p>
+            <a:pPr marL="171450" indent="-171450">
               <a:buFontTx/>
               <a:buChar char="-"/>
-              <a:tabLst/>
-              <a:defRPr/>
-            </a:pPr>
-            <a:endParaRPr lang="en-US" dirty="0">
-              <a:solidFill>
-                <a:srgbClr val="BCBEC4"/>
-              </a:solidFill>
-              <a:effectLst/>
-              <a:highlight>
-                <a:srgbClr val="1E1F22"/>
-              </a:highlight>
-            </a:endParaRPr>
-          </a:p>
-          <a:p>
-            <a:pPr marL="171450" marR="0" lvl="0" indent="-171450" algn="l" defTabSz="914400" rtl="0" eaLnBrk="1" fontAlgn="auto" latinLnBrk="0" hangingPunct="1">
-              <a:lnSpc>
-                <a:spcPct val="100000"/>
-              </a:lnSpc>
-              <a:spcBef>
-                <a:spcPts val="0"/>
-              </a:spcBef>
-              <a:spcAft>
-                <a:spcPts val="0"/>
-              </a:spcAft>
-              <a:buClrTx/>
-              <a:buSzTx/>
-              <a:buFontTx/>
-              <a:buChar char="-"/>
-              <a:tabLst/>
-              <a:defRPr/>
-            </a:pPr>
-            <a:r>
-              <a:rPr lang="en-US" dirty="0">
-                <a:solidFill>
-                  <a:srgbClr val="BCBEC4"/>
-                </a:solidFill>
-                <a:effectLst/>
-                <a:highlight>
-                  <a:srgbClr val="1E1F22"/>
-                </a:highlight>
-              </a:rPr>
-              <a:t>Add thesis statement</a:t>
-            </a:r>
-          </a:p>
-          <a:p>
-            <a:pPr marL="171450" marR="0" lvl="0" indent="-171450" algn="l" defTabSz="914400" rtl="0" eaLnBrk="1" fontAlgn="auto" latinLnBrk="0" hangingPunct="1">
-              <a:lnSpc>
-                <a:spcPct val="100000"/>
-              </a:lnSpc>
-              <a:spcBef>
-                <a:spcPts val="0"/>
-              </a:spcBef>
-              <a:spcAft>
-                <a:spcPts val="0"/>
-              </a:spcAft>
-              <a:buClrTx/>
-              <a:buSzTx/>
-              <a:buFontTx/>
-              <a:buChar char="-"/>
-              <a:tabLst/>
-              <a:defRPr/>
-            </a:pPr>
-            <a:r>
-              <a:rPr lang="en-US" dirty="0">
-                <a:solidFill>
-                  <a:srgbClr val="BCBEC4"/>
-                </a:solidFill>
-                <a:effectLst/>
-                <a:highlight>
-                  <a:srgbClr val="1E1F22"/>
-                </a:highlight>
-              </a:rPr>
-              <a:t>Address the graph</a:t>
-            </a:r>
+            </a:pPr>
+            <a:endParaRPr lang="en-US" dirty="0"/>
           </a:p>
         </p:txBody>
       </p:sp>
@@ -2976,7 +3646,7 @@
     </p:spTree>
     <p:extLst>
       <p:ext uri="{BB962C8B-B14F-4D97-AF65-F5344CB8AC3E}">
-        <p14:creationId xmlns:p14="http://schemas.microsoft.com/office/powerpoint/2010/main" val="1611523902"/>
+        <p14:creationId xmlns:p14="http://schemas.microsoft.com/office/powerpoint/2010/main" val="2683265447"/>
       </p:ext>
     </p:extLst>
   </p:cSld>
@@ -3032,7 +3702,67 @@
           <a:p>
             <a:r>
               <a:rPr lang="en-US" dirty="0"/>
-              <a:t>Here’s our references for the model</a:t>
+              <a:t>1.5 minute</a:t>
+            </a:r>
+          </a:p>
+          <a:p>
+            <a:endParaRPr lang="en-US" dirty="0"/>
+          </a:p>
+          <a:p>
+            <a:r>
+              <a:rPr lang="en-US" dirty="0"/>
+              <a:t>Left side shows a couple of total influence to final portfolio value</a:t>
+            </a:r>
+          </a:p>
+          <a:p>
+            <a:r>
+              <a:rPr lang="en-US" dirty="0"/>
+              <a:t>Top left looked at having a negative influence but this didn’t exactly make sense with perceived risk calculation, further eval necessary</a:t>
+            </a:r>
+          </a:p>
+          <a:p>
+            <a:endParaRPr lang="en-US" dirty="0"/>
+          </a:p>
+          <a:p>
+            <a:r>
+              <a:rPr lang="en-US" dirty="0"/>
+              <a:t>Even with the limitation of influence from 0 to 1, up to 50% of assessment provided by neighbor seemed to give increasing benefit</a:t>
+            </a:r>
+          </a:p>
+          <a:p>
+            <a:endParaRPr lang="en-US" dirty="0"/>
+          </a:p>
+          <a:p>
+            <a:r>
+              <a:rPr lang="en-US" dirty="0"/>
+              <a:t>On right, see time series, high risk had more money as noted but influence still benefits across different levels</a:t>
+            </a:r>
+          </a:p>
+          <a:p>
+            <a:r>
+              <a:rPr lang="en-US" dirty="0"/>
+              <a:t>When assigning a 1/3 of brokers low, 1/3 med, 1/3 high and just adjusting influence, see a couple examples</a:t>
+            </a:r>
+          </a:p>
+          <a:p>
+            <a:r>
+              <a:rPr lang="en-US" dirty="0"/>
+              <a:t>Red and green in high risk do better than blue who took less input</a:t>
+            </a:r>
+          </a:p>
+          <a:p>
+            <a:r>
+              <a:rPr lang="en-US" dirty="0"/>
+              <a:t>Dark blue and orange doing much more poorly than mustard in </a:t>
+            </a:r>
+          </a:p>
+          <a:p>
+            <a:endParaRPr lang="en-US" dirty="0"/>
+          </a:p>
+          <a:p>
+            <a:r>
+              <a:rPr lang="en-US" dirty="0"/>
+              <a:t>Basing the influence connections of the network around the risk assessment provides an expansion on a single broker's understanding of the stocks behavior to see higher ratio of good stocks but did not entirely capture the additional benefit of accessing partial information as desired.</a:t>
             </a:r>
           </a:p>
         </p:txBody>
@@ -3063,7 +3793,7 @@
     </p:spTree>
     <p:extLst>
       <p:ext uri="{BB962C8B-B14F-4D97-AF65-F5344CB8AC3E}">
-        <p14:creationId xmlns:p14="http://schemas.microsoft.com/office/powerpoint/2010/main" val="108912732"/>
+        <p14:creationId xmlns:p14="http://schemas.microsoft.com/office/powerpoint/2010/main" val="3939197585"/>
       </p:ext>
     </p:extLst>
   </p:cSld>
@@ -6399,6 +7129,694 @@
 </file>
 
 <file path=ppt/slides/slide10.xml><?xml version="1.0" encoding="utf-8"?>
+<p:sld xmlns:a="http://schemas.openxmlformats.org/drawingml/2006/main" xmlns:r="http://schemas.openxmlformats.org/officeDocument/2006/relationships" xmlns:p="http://schemas.openxmlformats.org/presentationml/2006/main">
+  <p:cSld>
+    <p:spTree>
+      <p:nvGrpSpPr>
+        <p:cNvPr id="1" name=""/>
+        <p:cNvGrpSpPr/>
+        <p:nvPr/>
+      </p:nvGrpSpPr>
+      <p:grpSpPr>
+        <a:xfrm>
+          <a:off x="0" y="0"/>
+          <a:ext cx="0" cy="0"/>
+          <a:chOff x="0" y="0"/>
+          <a:chExt cx="0" cy="0"/>
+        </a:xfrm>
+      </p:grpSpPr>
+      <p:pic>
+        <p:nvPicPr>
+          <p:cNvPr id="7" name="Picture 6">
+            <a:extLst>
+              <a:ext uri="{FF2B5EF4-FFF2-40B4-BE49-F238E27FC236}">
+                <a16:creationId xmlns:a16="http://schemas.microsoft.com/office/drawing/2014/main" id="{30CC9A47-2D13-1543-A7C8-F8088C1A337E}"/>
+              </a:ext>
+            </a:extLst>
+          </p:cNvPr>
+          <p:cNvPicPr>
+            <a:picLocks noChangeAspect="1"/>
+          </p:cNvPicPr>
+          <p:nvPr/>
+        </p:nvPicPr>
+        <p:blipFill>
+          <a:blip r:embed="rId3"/>
+          <a:stretch>
+            <a:fillRect/>
+          </a:stretch>
+        </p:blipFill>
+        <p:spPr>
+          <a:xfrm>
+            <a:off x="0" y="0"/>
+            <a:ext cx="12192000" cy="6858000"/>
+          </a:xfrm>
+          <a:prstGeom prst="rect">
+            <a:avLst/>
+          </a:prstGeom>
+        </p:spPr>
+      </p:pic>
+      <p:sp>
+        <p:nvSpPr>
+          <p:cNvPr id="8" name="Title 7">
+            <a:extLst>
+              <a:ext uri="{FF2B5EF4-FFF2-40B4-BE49-F238E27FC236}">
+                <a16:creationId xmlns:a16="http://schemas.microsoft.com/office/drawing/2014/main" id="{A9A7AB69-D1A4-194D-B544-292C74F04FCD}"/>
+              </a:ext>
+            </a:extLst>
+          </p:cNvPr>
+          <p:cNvSpPr>
+            <a:spLocks noGrp="1"/>
+          </p:cNvSpPr>
+          <p:nvPr>
+            <p:ph type="title"/>
+          </p:nvPr>
+        </p:nvSpPr>
+        <p:spPr/>
+        <p:txBody>
+          <a:bodyPr/>
+          <a:lstStyle/>
+          <a:p>
+            <a:r>
+              <a:rPr lang="en-US" dirty="0"/>
+              <a:t>Challenges and Future Work</a:t>
+            </a:r>
+          </a:p>
+        </p:txBody>
+      </p:sp>
+      <p:sp>
+        <p:nvSpPr>
+          <p:cNvPr id="9" name="Content Placeholder 8">
+            <a:extLst>
+              <a:ext uri="{FF2B5EF4-FFF2-40B4-BE49-F238E27FC236}">
+                <a16:creationId xmlns:a16="http://schemas.microsoft.com/office/drawing/2014/main" id="{661EE144-0F6C-2649-B81A-1334F4AFFB37}"/>
+              </a:ext>
+            </a:extLst>
+          </p:cNvPr>
+          <p:cNvSpPr>
+            <a:spLocks noGrp="1"/>
+          </p:cNvSpPr>
+          <p:nvPr>
+            <p:ph idx="1"/>
+          </p:nvPr>
+        </p:nvSpPr>
+        <p:spPr>
+          <a:xfrm>
+            <a:off x="838200" y="1617273"/>
+            <a:ext cx="4872135" cy="4559690"/>
+          </a:xfrm>
+        </p:spPr>
+        <p:txBody>
+          <a:bodyPr>
+            <a:normAutofit fontScale="92500" lnSpcReduction="10000"/>
+          </a:bodyPr>
+          <a:lstStyle/>
+          <a:p>
+            <a:r>
+              <a:rPr lang="en-US" dirty="0"/>
+              <a:t>Influence did not account for partial information flow</a:t>
+            </a:r>
+          </a:p>
+          <a:p>
+            <a:r>
+              <a:rPr lang="en-US" dirty="0"/>
+              <a:t>Data filtration limits which stocks are used</a:t>
+            </a:r>
+          </a:p>
+          <a:p>
+            <a:r>
+              <a:rPr lang="en-US" dirty="0"/>
+              <a:t>Extend broker quantity and friend distribution</a:t>
+            </a:r>
+          </a:p>
+          <a:p>
+            <a:r>
+              <a:rPr lang="en-US" dirty="0"/>
+              <a:t>Expand risk evaluation for greater stock data</a:t>
+            </a:r>
+          </a:p>
+          <a:p>
+            <a:r>
+              <a:rPr lang="en-US" dirty="0"/>
+              <a:t>Explore and define the idea of negative influence</a:t>
+            </a:r>
+          </a:p>
+          <a:p>
+            <a:r>
+              <a:rPr lang="en-US" dirty="0"/>
+              <a:t>Make model more dynamic to actually adjust stock prices</a:t>
+            </a:r>
+          </a:p>
+          <a:p>
+            <a:endParaRPr lang="en-US" dirty="0"/>
+          </a:p>
+        </p:txBody>
+      </p:sp>
+      <p:pic>
+        <p:nvPicPr>
+          <p:cNvPr id="2" name="Content Placeholder 2" descr="A graph of a graph&#10;&#10;Description automatically generated">
+            <a:extLst>
+              <a:ext uri="{FF2B5EF4-FFF2-40B4-BE49-F238E27FC236}">
+                <a16:creationId xmlns:a16="http://schemas.microsoft.com/office/drawing/2014/main" id="{A55B29B9-2E35-C23D-11D8-4041581283AE}"/>
+              </a:ext>
+            </a:extLst>
+          </p:cNvPr>
+          <p:cNvPicPr>
+            <a:picLocks noChangeAspect="1"/>
+          </p:cNvPicPr>
+          <p:nvPr/>
+        </p:nvPicPr>
+        <p:blipFill>
+          <a:blip r:embed="rId4"/>
+          <a:stretch>
+            <a:fillRect/>
+          </a:stretch>
+        </p:blipFill>
+        <p:spPr>
+          <a:xfrm>
+            <a:off x="6096000" y="1371600"/>
+            <a:ext cx="6079587" cy="4559690"/>
+          </a:xfrm>
+          <a:prstGeom prst="rect">
+            <a:avLst/>
+          </a:prstGeom>
+        </p:spPr>
+      </p:pic>
+    </p:spTree>
+    <p:extLst>
+      <p:ext uri="{BB962C8B-B14F-4D97-AF65-F5344CB8AC3E}">
+        <p14:creationId xmlns:p14="http://schemas.microsoft.com/office/powerpoint/2010/main" val="844184953"/>
+      </p:ext>
+    </p:extLst>
+  </p:cSld>
+  <p:clrMapOvr>
+    <a:masterClrMapping/>
+  </p:clrMapOvr>
+</p:sld>
+</file>
+
+<file path=ppt/slides/slide11.xml><?xml version="1.0" encoding="utf-8"?>
+<p:sld xmlns:a="http://schemas.openxmlformats.org/drawingml/2006/main" xmlns:r="http://schemas.openxmlformats.org/officeDocument/2006/relationships" xmlns:p="http://schemas.openxmlformats.org/presentationml/2006/main">
+  <p:cSld>
+    <p:spTree>
+      <p:nvGrpSpPr>
+        <p:cNvPr id="1" name=""/>
+        <p:cNvGrpSpPr/>
+        <p:nvPr/>
+      </p:nvGrpSpPr>
+      <p:grpSpPr>
+        <a:xfrm>
+          <a:off x="0" y="0"/>
+          <a:ext cx="0" cy="0"/>
+          <a:chOff x="0" y="0"/>
+          <a:chExt cx="0" cy="0"/>
+        </a:xfrm>
+      </p:grpSpPr>
+      <p:pic>
+        <p:nvPicPr>
+          <p:cNvPr id="7" name="Picture 6">
+            <a:extLst>
+              <a:ext uri="{FF2B5EF4-FFF2-40B4-BE49-F238E27FC236}">
+                <a16:creationId xmlns:a16="http://schemas.microsoft.com/office/drawing/2014/main" id="{30CC9A47-2D13-1543-A7C8-F8088C1A337E}"/>
+              </a:ext>
+            </a:extLst>
+          </p:cNvPr>
+          <p:cNvPicPr>
+            <a:picLocks noChangeAspect="1"/>
+          </p:cNvPicPr>
+          <p:nvPr/>
+        </p:nvPicPr>
+        <p:blipFill>
+          <a:blip r:embed="rId3"/>
+          <a:stretch>
+            <a:fillRect/>
+          </a:stretch>
+        </p:blipFill>
+        <p:spPr>
+          <a:xfrm>
+            <a:off x="0" y="0"/>
+            <a:ext cx="12192000" cy="6858000"/>
+          </a:xfrm>
+          <a:prstGeom prst="rect">
+            <a:avLst/>
+          </a:prstGeom>
+        </p:spPr>
+      </p:pic>
+      <p:sp>
+        <p:nvSpPr>
+          <p:cNvPr id="8" name="Title 7">
+            <a:extLst>
+              <a:ext uri="{FF2B5EF4-FFF2-40B4-BE49-F238E27FC236}">
+                <a16:creationId xmlns:a16="http://schemas.microsoft.com/office/drawing/2014/main" id="{A9A7AB69-D1A4-194D-B544-292C74F04FCD}"/>
+              </a:ext>
+            </a:extLst>
+          </p:cNvPr>
+          <p:cNvSpPr>
+            <a:spLocks noGrp="1"/>
+          </p:cNvSpPr>
+          <p:nvPr>
+            <p:ph type="title"/>
+          </p:nvPr>
+        </p:nvSpPr>
+        <p:spPr/>
+        <p:txBody>
+          <a:bodyPr/>
+          <a:lstStyle/>
+          <a:p>
+            <a:r>
+              <a:rPr lang="en-US" dirty="0"/>
+              <a:t>References</a:t>
+            </a:r>
+          </a:p>
+        </p:txBody>
+      </p:sp>
+      <p:sp>
+        <p:nvSpPr>
+          <p:cNvPr id="9" name="Content Placeholder 8">
+            <a:extLst>
+              <a:ext uri="{FF2B5EF4-FFF2-40B4-BE49-F238E27FC236}">
+                <a16:creationId xmlns:a16="http://schemas.microsoft.com/office/drawing/2014/main" id="{661EE144-0F6C-2649-B81A-1334F4AFFB37}"/>
+              </a:ext>
+            </a:extLst>
+          </p:cNvPr>
+          <p:cNvSpPr>
+            <a:spLocks noGrp="1"/>
+          </p:cNvSpPr>
+          <p:nvPr>
+            <p:ph idx="1"/>
+          </p:nvPr>
+        </p:nvSpPr>
+        <p:spPr>
+          <a:xfrm>
+            <a:off x="412490" y="1595535"/>
+            <a:ext cx="11367019" cy="4665404"/>
+          </a:xfrm>
+        </p:spPr>
+        <p:txBody>
+          <a:bodyPr>
+            <a:normAutofit lnSpcReduction="10000"/>
+          </a:bodyPr>
+          <a:lstStyle/>
+          <a:p>
+            <a:pPr marL="0" indent="0">
+              <a:buNone/>
+            </a:pPr>
+            <a:r>
+              <a:rPr lang="en-US" sz="1000" dirty="0"/>
+              <a:t>X. </a:t>
+            </a:r>
+            <a:r>
+              <a:rPr lang="en-US" sz="1000" dirty="0" err="1"/>
+              <a:t>Gabaix</a:t>
+            </a:r>
+            <a:r>
+              <a:rPr lang="en-US" sz="1000" dirty="0"/>
+              <a:t>, “Power laws in economics: an introduction,” \</a:t>
+            </a:r>
+            <a:r>
+              <a:rPr lang="en-US" sz="1000" dirty="0" err="1"/>
+              <a:t>textit</a:t>
+            </a:r>
+            <a:r>
+              <a:rPr lang="en-US" sz="1000" dirty="0"/>
+              <a:t>{Journal of Economic Perspectives}, vol. 30, no. 1, pp. 185–206, Feb. 2016.</a:t>
+            </a:r>
+          </a:p>
+          <a:p>
+            <a:pPr marL="0" indent="0">
+              <a:buNone/>
+            </a:pPr>
+            <a:r>
+              <a:rPr lang="en-US" sz="1000" dirty="0"/>
+              <a:t>N. N. </a:t>
+            </a:r>
+            <a:r>
+              <a:rPr lang="en-US" sz="1000" dirty="0" err="1"/>
+              <a:t>Taleb</a:t>
+            </a:r>
+            <a:r>
+              <a:rPr lang="en-US" sz="1000" dirty="0"/>
+              <a:t>, Antifragile: Things that gain from disorder. Harlow, England: Penguin Books, 2013.</a:t>
+            </a:r>
+          </a:p>
+          <a:p>
+            <a:pPr marL="0" indent="0">
+              <a:buNone/>
+            </a:pPr>
+            <a:r>
+              <a:rPr lang="en-US" sz="1000" dirty="0"/>
+              <a:t>D. Easley and J. Kleinberg, Networks, crowds, and markets: Reasoning about a highly connected world. Cambridge, England: Cambridge University Press, 2012.</a:t>
+            </a:r>
+          </a:p>
+          <a:p>
+            <a:pPr marL="0" indent="0">
+              <a:buNone/>
+            </a:pPr>
+            <a:r>
+              <a:rPr lang="en-US" sz="1000" dirty="0"/>
+              <a:t>C. Hommes, “Behavioral and Experimental Macroeconomics and Policy Analysis: A Complex Systems Approach,” Journal of Economic Literature, vol. 59, no. 1, pp. 149–219, Mar. 2021, </a:t>
+            </a:r>
+            <a:r>
+              <a:rPr lang="en-US" sz="1000" dirty="0" err="1"/>
+              <a:t>doi</a:t>
+            </a:r>
+            <a:r>
+              <a:rPr lang="en-US" sz="1000" dirty="0"/>
+              <a:t>: 10.1257/jel.20191434.</a:t>
+            </a:r>
+          </a:p>
+          <a:p>
+            <a:pPr marL="0" indent="0">
+              <a:buNone/>
+            </a:pPr>
+            <a:r>
+              <a:rPr lang="en-US" sz="1000" dirty="0"/>
+              <a:t>C. K. </a:t>
+            </a:r>
+            <a:r>
+              <a:rPr lang="en-US" sz="1000" dirty="0" err="1"/>
+              <a:t>Tse</a:t>
+            </a:r>
+            <a:r>
+              <a:rPr lang="en-US" sz="1000" dirty="0"/>
+              <a:t>, J. Liu, and F. C. M. Lau, “A network perspective of the stock market,” Journal of Empirical Finance, vol. 17, no. 4, pp. 659–667, Sep. 2010, </a:t>
+            </a:r>
+            <a:r>
+              <a:rPr lang="en-US" sz="1000" dirty="0" err="1"/>
+              <a:t>doi</a:t>
+            </a:r>
+            <a:r>
+              <a:rPr lang="en-US" sz="1000" dirty="0"/>
+              <a:t>: 10.1016/j.jempfin.2010.04.008.</a:t>
+            </a:r>
+          </a:p>
+          <a:p>
+            <a:pPr marL="0" indent="0">
+              <a:buNone/>
+            </a:pPr>
+            <a:r>
+              <a:rPr lang="en-US" sz="1000" dirty="0"/>
+              <a:t>M. Kuhlmann, "Explaining financial markets in terms of complex systems," \</a:t>
+            </a:r>
+            <a:r>
+              <a:rPr lang="en-US" sz="1000" dirty="0" err="1"/>
+              <a:t>textit</a:t>
+            </a:r>
+            <a:r>
+              <a:rPr lang="en-US" sz="1000" dirty="0"/>
+              <a:t>{</a:t>
+            </a:r>
+            <a:r>
+              <a:rPr lang="en-US" sz="1000" dirty="0" err="1"/>
+              <a:t>Philosphy</a:t>
+            </a:r>
+            <a:r>
+              <a:rPr lang="en-US" sz="1000" dirty="0"/>
+              <a:t> of Science}, vol. 81, no. 5, pp. 1117-1130, Dec. 2014. %</a:t>
+            </a:r>
+            <a:r>
+              <a:rPr lang="en-US" sz="1000" dirty="0" err="1"/>
+              <a:t>doi</a:t>
+            </a:r>
+            <a:r>
+              <a:rPr lang="en-US" sz="1000" dirty="0"/>
+              <a:t>: 10.1086/677699.</a:t>
+            </a:r>
+          </a:p>
+          <a:p>
+            <a:pPr marL="0" indent="0">
+              <a:buNone/>
+            </a:pPr>
+            <a:r>
+              <a:rPr lang="en-US" sz="1000" dirty="0"/>
+              <a:t>M. Di Maggio, F. </a:t>
+            </a:r>
+            <a:r>
+              <a:rPr lang="en-US" sz="1000" dirty="0" err="1"/>
+              <a:t>Franzoni</a:t>
+            </a:r>
+            <a:r>
+              <a:rPr lang="en-US" sz="1000" dirty="0"/>
+              <a:t>, A. </a:t>
+            </a:r>
+            <a:r>
+              <a:rPr lang="en-US" sz="1000" dirty="0" err="1"/>
+              <a:t>Kermani</a:t>
+            </a:r>
+            <a:r>
+              <a:rPr lang="en-US" sz="1000" dirty="0"/>
+              <a:t>, and C. </a:t>
+            </a:r>
+            <a:r>
+              <a:rPr lang="en-US" sz="1000" dirty="0" err="1"/>
+              <a:t>Sommavilla</a:t>
+            </a:r>
+            <a:r>
+              <a:rPr lang="en-US" sz="1000" dirty="0"/>
+              <a:t>, "The relevance of broker networks for information diffusion in the stock market," \</a:t>
+            </a:r>
+            <a:r>
+              <a:rPr lang="en-US" sz="1000" dirty="0" err="1"/>
+              <a:t>textit</a:t>
+            </a:r>
+            <a:r>
+              <a:rPr lang="en-US" sz="1000" dirty="0"/>
+              <a:t>{Journal of Financial Economics}, vol. 134, no. 2, pp. 419-446, Nov. 2019. </a:t>
+            </a:r>
+          </a:p>
+          <a:p>
+            <a:pPr marL="0" indent="0">
+              <a:buNone/>
+            </a:pPr>
+            <a:r>
+              <a:rPr lang="en-US" sz="1000" dirty="0"/>
+              <a:t>P. Gai and S. Kapadia, "Contagion in financial networks," \</a:t>
+            </a:r>
+            <a:r>
+              <a:rPr lang="en-US" sz="1000" dirty="0" err="1"/>
+              <a:t>textit</a:t>
+            </a:r>
+            <a:r>
+              <a:rPr lang="en-US" sz="1000" dirty="0"/>
+              <a:t>{Proceedings of the Royal Society}, vol. 466, no. 2120, pp. 2401–2423, Aug. 2010.</a:t>
+            </a:r>
+          </a:p>
+          <a:p>
+            <a:pPr marL="0" indent="0">
+              <a:buNone/>
+            </a:pPr>
+            <a:r>
+              <a:rPr lang="en-US" sz="1000" dirty="0"/>
+              <a:t>C. K. </a:t>
+            </a:r>
+            <a:r>
+              <a:rPr lang="en-US" sz="1000" dirty="0" err="1"/>
+              <a:t>Tse</a:t>
+            </a:r>
+            <a:r>
+              <a:rPr lang="en-US" sz="1000" dirty="0"/>
+              <a:t>, J. Liu, and F. C. M. Lau, “A network perspective of the stock market,” \</a:t>
+            </a:r>
+            <a:r>
+              <a:rPr lang="en-US" sz="1000" dirty="0" err="1"/>
+              <a:t>textit</a:t>
+            </a:r>
+            <a:r>
+              <a:rPr lang="en-US" sz="1000" dirty="0"/>
+              <a:t>{Journal of Empirical Finance}, vol. 17, no. 4, pp. 659–667, Sep. 2010. % </a:t>
+            </a:r>
+            <a:r>
+              <a:rPr lang="en-US" sz="1000" dirty="0" err="1"/>
+              <a:t>doi</a:t>
+            </a:r>
+            <a:r>
+              <a:rPr lang="en-US" sz="1000" dirty="0"/>
+              <a:t>: 10.1016/j.jempfin.2010.04.008.</a:t>
+            </a:r>
+          </a:p>
+          <a:p>
+            <a:pPr marL="0" indent="0">
+              <a:buNone/>
+            </a:pPr>
+            <a:r>
+              <a:rPr lang="en-US" sz="1000" dirty="0"/>
+              <a:t>G. Li, A. Zhang, Q. Zhang, D. Wu, and C. Zhan, “Pearson correlation coefficient-based performance enhancement of broad learning system for stock price prediction,” \</a:t>
+            </a:r>
+            <a:r>
+              <a:rPr lang="en-US" sz="1000" dirty="0" err="1"/>
+              <a:t>textit</a:t>
+            </a:r>
+            <a:r>
+              <a:rPr lang="en-US" sz="1000" dirty="0"/>
+              <a:t>{IEEE Transactions on Circuits and Systems II: Express Briefs}, vol. 69, no. 5, pp. 2413–2417, May 2022. </a:t>
+            </a:r>
+          </a:p>
+          <a:p>
+            <a:pPr marL="0" indent="0">
+              <a:buNone/>
+            </a:pPr>
+            <a:r>
+              <a:rPr lang="en-US" sz="1000" dirty="0"/>
+              <a:t>P. </a:t>
+            </a:r>
+            <a:r>
+              <a:rPr lang="en-US" sz="1000" dirty="0" err="1"/>
+              <a:t>Fiedor</a:t>
+            </a:r>
+            <a:r>
+              <a:rPr lang="en-US" sz="1000" dirty="0"/>
+              <a:t>, “Networks in financial markets based on the mutual information rate,” \</a:t>
+            </a:r>
+            <a:r>
+              <a:rPr lang="en-US" sz="1000" dirty="0" err="1"/>
+              <a:t>textit</a:t>
+            </a:r>
+            <a:r>
+              <a:rPr lang="en-US" sz="1000" dirty="0"/>
+              <a:t>{Physical Review E}, vol. 89, no. 5, May 2014. % </a:t>
+            </a:r>
+            <a:r>
+              <a:rPr lang="en-US" sz="1000" dirty="0" err="1"/>
+              <a:t>doi</a:t>
+            </a:r>
+            <a:r>
+              <a:rPr lang="en-US" sz="1000" dirty="0"/>
+              <a:t>: 10.1103/PhysRevE.89.052801.</a:t>
+            </a:r>
+          </a:p>
+          <a:p>
+            <a:pPr marL="0" indent="0">
+              <a:buNone/>
+            </a:pPr>
+            <a:r>
+              <a:rPr lang="en-US" sz="1000" dirty="0"/>
+              <a:t>I. Cooper and R. Priestley. "Real investment and risk dynamics," \</a:t>
+            </a:r>
+            <a:r>
+              <a:rPr lang="en-US" sz="1000" dirty="0" err="1"/>
+              <a:t>textit</a:t>
+            </a:r>
+            <a:r>
+              <a:rPr lang="en-US" sz="1000" dirty="0"/>
+              <a:t>{Journal of Financial Economics}, vol. 101, no. 1, pp. 182-205, July 2011.</a:t>
+            </a:r>
+          </a:p>
+          <a:p>
+            <a:pPr marL="0" indent="0">
+              <a:buNone/>
+            </a:pPr>
+            <a:r>
+              <a:rPr lang="en-US" sz="1000" dirty="0"/>
+              <a:t>K. J. Lansing and S. F. LeRoy, “Risk aversion, investor information and stock market volatility,” \</a:t>
+            </a:r>
+            <a:r>
+              <a:rPr lang="en-US" sz="1000" dirty="0" err="1"/>
+              <a:t>textit</a:t>
+            </a:r>
+            <a:r>
+              <a:rPr lang="en-US" sz="1000" dirty="0"/>
+              <a:t>{European Economic Review}, vol. 70, pp. 88-107, July 2014. </a:t>
+            </a:r>
+          </a:p>
+          <a:p>
+            <a:pPr marL="0" indent="0">
+              <a:buNone/>
+            </a:pPr>
+            <a:r>
+              <a:rPr lang="en-US" sz="1000" dirty="0"/>
+              <a:t>J. E. </a:t>
+            </a:r>
+            <a:r>
+              <a:rPr lang="en-US" sz="1000" dirty="0" err="1"/>
+              <a:t>Corter</a:t>
+            </a:r>
+            <a:r>
+              <a:rPr lang="en-US" sz="1000" dirty="0"/>
+              <a:t> and Y. J. Chen, “Do investment risk tolerance attitudes predict portfolio risk?,” \</a:t>
+            </a:r>
+            <a:r>
+              <a:rPr lang="en-US" sz="1100" dirty="0" err="1"/>
+              <a:t>textit</a:t>
+            </a:r>
+            <a:r>
+              <a:rPr lang="en-US" sz="1000" dirty="0"/>
+              <a:t>{Journal of Business and Psychology}, vol. 20, no. 3, pp. 369-381, 2006.</a:t>
+            </a:r>
+          </a:p>
+          <a:p>
+            <a:pPr marL="0" indent="0">
+              <a:buNone/>
+            </a:pPr>
+            <a:r>
+              <a:rPr lang="en-US" sz="1000" dirty="0"/>
+              <a:t>D. Harmon, B. Stacey, Y. Bar-Yam, and Y. Bar-Yam, "Networks of economic market interdependence and systemic risk," New England Complex Systems Institute, Cambridge, MA, Tech. Report 1011.3707, Mar. 2009.</a:t>
+            </a:r>
+          </a:p>
+          <a:p>
+            <a:pPr marL="0" indent="0">
+              <a:buNone/>
+            </a:pPr>
+            <a:r>
+              <a:rPr lang="en-US" sz="1000" dirty="0"/>
+              <a:t>Y. Y. </a:t>
+            </a:r>
+            <a:r>
+              <a:rPr lang="en-US" sz="1000" dirty="0" err="1"/>
+              <a:t>Baydilli</a:t>
+            </a:r>
+            <a:r>
+              <a:rPr lang="en-US" sz="1000" dirty="0"/>
+              <a:t>, S. </a:t>
+            </a:r>
+            <a:r>
+              <a:rPr lang="en-US" sz="1000" dirty="0" err="1"/>
+              <a:t>Bayir</a:t>
+            </a:r>
+            <a:r>
+              <a:rPr lang="en-US" sz="1000" dirty="0"/>
+              <a:t>, and I. </a:t>
+            </a:r>
+            <a:r>
+              <a:rPr lang="en-US" sz="1000" dirty="0" err="1"/>
+              <a:t>Tuker</a:t>
+            </a:r>
+            <a:r>
+              <a:rPr lang="en-US" sz="1000" dirty="0"/>
+              <a:t>, “A hierarchical view of a national stock market as a complex network,” \</a:t>
+            </a:r>
+            <a:r>
+              <a:rPr lang="en-US" sz="1000" dirty="0" err="1"/>
+              <a:t>textit</a:t>
+            </a:r>
+            <a:r>
+              <a:rPr lang="en-US" sz="1000" dirty="0"/>
+              <a:t>{Economic Computation \&amp; Economic Cybernetics Studies \&amp; Research}, vol. 51, no. 1, pp. 205–222, Jan. 2017.</a:t>
+            </a:r>
+          </a:p>
+          <a:p>
+            <a:pPr marL="0" indent="0">
+              <a:buNone/>
+            </a:pPr>
+            <a:r>
+              <a:rPr lang="en-US" sz="1000" dirty="0"/>
+              <a:t>		</a:t>
+            </a:r>
+          </a:p>
+        </p:txBody>
+      </p:sp>
+    </p:spTree>
+    <p:extLst>
+      <p:ext uri="{BB962C8B-B14F-4D97-AF65-F5344CB8AC3E}">
+        <p14:creationId xmlns:p14="http://schemas.microsoft.com/office/powerpoint/2010/main" val="3598801279"/>
+      </p:ext>
+    </p:extLst>
+  </p:cSld>
+  <p:clrMapOvr>
+    <a:masterClrMapping/>
+  </p:clrMapOvr>
+</p:sld>
+</file>
+
+<file path=ppt/slides/slide12.xml><?xml version="1.0" encoding="utf-8"?>
 <p:sld xmlns:a="http://schemas.openxmlformats.org/drawingml/2006/main" xmlns:r="http://schemas.openxmlformats.org/officeDocument/2006/relationships" xmlns:p="http://schemas.openxmlformats.org/presentationml/2006/main">
   <p:cSld>
     <p:spTree>
@@ -7789,10 +9207,10 @@
       </p:sp>
       <p:pic>
         <p:nvPicPr>
-          <p:cNvPr id="3" name="Picture 2" descr="A graph of a stock market&#10;&#10;Description automatically generated">
-            <a:extLst>
-              <a:ext uri="{FF2B5EF4-FFF2-40B4-BE49-F238E27FC236}">
-                <a16:creationId xmlns:a16="http://schemas.microsoft.com/office/drawing/2014/main" id="{C3BF7B2A-A131-07A5-EBD2-96A4793957A9}"/>
+          <p:cNvPr id="5" name="Picture 4" descr="A graph of a financial graph&#10;&#10;Description automatically generated with medium confidence">
+            <a:extLst>
+              <a:ext uri="{FF2B5EF4-FFF2-40B4-BE49-F238E27FC236}">
+                <a16:creationId xmlns:a16="http://schemas.microsoft.com/office/drawing/2014/main" id="{8A7EC642-919D-496E-65B9-1F0E438C6171}"/>
               </a:ext>
             </a:extLst>
           </p:cNvPr>
@@ -7803,13 +9221,13 @@
         </p:nvPicPr>
         <p:blipFill rotWithShape="1">
           <a:blip r:embed="rId4"/>
-          <a:srcRect l="6416"/>
+          <a:srcRect r="8919"/>
           <a:stretch/>
         </p:blipFill>
         <p:spPr>
           <a:xfrm>
-            <a:off x="6164227" y="681037"/>
-            <a:ext cx="5959543" cy="3820887"/>
+            <a:off x="34114" y="2296152"/>
+            <a:ext cx="6095999" cy="4015748"/>
           </a:xfrm>
           <a:prstGeom prst="rect">
             <a:avLst/>
@@ -7818,10 +9236,10 @@
       </p:pic>
       <p:pic>
         <p:nvPicPr>
-          <p:cNvPr id="5" name="Picture 4" descr="A graph of a financial graph&#10;&#10;Description automatically generated with medium confidence">
-            <a:extLst>
-              <a:ext uri="{FF2B5EF4-FFF2-40B4-BE49-F238E27FC236}">
-                <a16:creationId xmlns:a16="http://schemas.microsoft.com/office/drawing/2014/main" id="{8A7EC642-919D-496E-65B9-1F0E438C6171}"/>
+          <p:cNvPr id="4" name="Picture 3" descr="A graph of different colored lines&#10;&#10;Description automatically generated">
+            <a:extLst>
+              <a:ext uri="{FF2B5EF4-FFF2-40B4-BE49-F238E27FC236}">
+                <a16:creationId xmlns:a16="http://schemas.microsoft.com/office/drawing/2014/main" id="{05EB6825-4390-CDF6-D0CD-805071E16345}"/>
               </a:ext>
             </a:extLst>
           </p:cNvPr>
@@ -7830,15 +9248,16 @@
           </p:cNvPicPr>
           <p:nvPr/>
         </p:nvPicPr>
-        <p:blipFill rotWithShape="1">
+        <p:blipFill>
           <a:blip r:embed="rId5"/>
-          <a:srcRect r="8919"/>
-          <a:stretch/>
+          <a:stretch>
+            <a:fillRect/>
+          </a:stretch>
         </p:blipFill>
         <p:spPr>
           <a:xfrm>
-            <a:off x="34114" y="2296152"/>
-            <a:ext cx="6095999" cy="4015748"/>
+            <a:off x="6148238" y="137155"/>
+            <a:ext cx="6009648" cy="3605789"/>
           </a:xfrm>
           <a:prstGeom prst="rect">
             <a:avLst/>
@@ -7928,6 +9347,324 @@
           <a:p>
             <a:r>
               <a:rPr lang="en-US" dirty="0"/>
+              <a:t>Results: Risk</a:t>
+            </a:r>
+          </a:p>
+        </p:txBody>
+      </p:sp>
+      <p:pic>
+        <p:nvPicPr>
+          <p:cNvPr id="5" name="Picture 4" descr="A graph of a financial graph&#10;&#10;Description automatically generated with medium confidence">
+            <a:extLst>
+              <a:ext uri="{FF2B5EF4-FFF2-40B4-BE49-F238E27FC236}">
+                <a16:creationId xmlns:a16="http://schemas.microsoft.com/office/drawing/2014/main" id="{8A7EC642-919D-496E-65B9-1F0E438C6171}"/>
+              </a:ext>
+            </a:extLst>
+          </p:cNvPr>
+          <p:cNvPicPr>
+            <a:picLocks noChangeAspect="1"/>
+          </p:cNvPicPr>
+          <p:nvPr/>
+        </p:nvPicPr>
+        <p:blipFill rotWithShape="1">
+          <a:blip r:embed="rId4"/>
+          <a:srcRect r="8919"/>
+          <a:stretch/>
+        </p:blipFill>
+        <p:spPr>
+          <a:xfrm>
+            <a:off x="34114" y="2296152"/>
+            <a:ext cx="6095999" cy="4015748"/>
+          </a:xfrm>
+          <a:prstGeom prst="rect">
+            <a:avLst/>
+          </a:prstGeom>
+        </p:spPr>
+      </p:pic>
+      <p:pic>
+        <p:nvPicPr>
+          <p:cNvPr id="4" name="Picture 3" descr="A graph of different colored lines&#10;&#10;Description automatically generated">
+            <a:extLst>
+              <a:ext uri="{FF2B5EF4-FFF2-40B4-BE49-F238E27FC236}">
+                <a16:creationId xmlns:a16="http://schemas.microsoft.com/office/drawing/2014/main" id="{05EB6825-4390-CDF6-D0CD-805071E16345}"/>
+              </a:ext>
+            </a:extLst>
+          </p:cNvPr>
+          <p:cNvPicPr>
+            <a:picLocks noChangeAspect="1"/>
+          </p:cNvPicPr>
+          <p:nvPr/>
+        </p:nvPicPr>
+        <p:blipFill>
+          <a:blip r:embed="rId5"/>
+          <a:stretch>
+            <a:fillRect/>
+          </a:stretch>
+        </p:blipFill>
+        <p:spPr>
+          <a:xfrm>
+            <a:off x="-318985" y="-419991"/>
+            <a:ext cx="12829969" cy="7697981"/>
+          </a:xfrm>
+          <a:prstGeom prst="rect">
+            <a:avLst/>
+          </a:prstGeom>
+        </p:spPr>
+      </p:pic>
+    </p:spTree>
+    <p:extLst>
+      <p:ext uri="{BB962C8B-B14F-4D97-AF65-F5344CB8AC3E}">
+        <p14:creationId xmlns:p14="http://schemas.microsoft.com/office/powerpoint/2010/main" val="2299815622"/>
+      </p:ext>
+    </p:extLst>
+  </p:cSld>
+  <p:clrMapOvr>
+    <a:masterClrMapping/>
+  </p:clrMapOvr>
+  <mc:AlternateContent xmlns:mc="http://schemas.openxmlformats.org/markup-compatibility/2006">
+    <mc:Choice xmlns:p159="http://schemas.microsoft.com/office/powerpoint/2015/09/main" Requires="p159">
+      <p:transition xmlns:p14="http://schemas.microsoft.com/office/powerpoint/2010/main" spd="slow" p14:dur="2000">
+        <p159:morph option="byObject"/>
+      </p:transition>
+    </mc:Choice>
+    <mc:Fallback>
+      <p:transition spd="slow">
+        <p:fade/>
+      </p:transition>
+    </mc:Fallback>
+  </mc:AlternateContent>
+</p:sld>
+</file>
+
+<file path=ppt/slides/slide7.xml><?xml version="1.0" encoding="utf-8"?>
+<p:sld xmlns:a="http://schemas.openxmlformats.org/drawingml/2006/main" xmlns:r="http://schemas.openxmlformats.org/officeDocument/2006/relationships" xmlns:p="http://schemas.openxmlformats.org/presentationml/2006/main">
+  <p:cSld>
+    <p:spTree>
+      <p:nvGrpSpPr>
+        <p:cNvPr id="1" name=""/>
+        <p:cNvGrpSpPr/>
+        <p:nvPr/>
+      </p:nvGrpSpPr>
+      <p:grpSpPr>
+        <a:xfrm>
+          <a:off x="0" y="0"/>
+          <a:ext cx="0" cy="0"/>
+          <a:chOff x="0" y="0"/>
+          <a:chExt cx="0" cy="0"/>
+        </a:xfrm>
+      </p:grpSpPr>
+      <p:pic>
+        <p:nvPicPr>
+          <p:cNvPr id="7" name="Picture 6">
+            <a:extLst>
+              <a:ext uri="{FF2B5EF4-FFF2-40B4-BE49-F238E27FC236}">
+                <a16:creationId xmlns:a16="http://schemas.microsoft.com/office/drawing/2014/main" id="{30CC9A47-2D13-1543-A7C8-F8088C1A337E}"/>
+              </a:ext>
+            </a:extLst>
+          </p:cNvPr>
+          <p:cNvPicPr>
+            <a:picLocks noChangeAspect="1"/>
+          </p:cNvPicPr>
+          <p:nvPr/>
+        </p:nvPicPr>
+        <p:blipFill>
+          <a:blip r:embed="rId3"/>
+          <a:stretch>
+            <a:fillRect/>
+          </a:stretch>
+        </p:blipFill>
+        <p:spPr>
+          <a:xfrm>
+            <a:off x="0" y="0"/>
+            <a:ext cx="12192000" cy="6858000"/>
+          </a:xfrm>
+          <a:prstGeom prst="rect">
+            <a:avLst/>
+          </a:prstGeom>
+        </p:spPr>
+      </p:pic>
+      <p:sp>
+        <p:nvSpPr>
+          <p:cNvPr id="8" name="Title 7">
+            <a:extLst>
+              <a:ext uri="{FF2B5EF4-FFF2-40B4-BE49-F238E27FC236}">
+                <a16:creationId xmlns:a16="http://schemas.microsoft.com/office/drawing/2014/main" id="{A9A7AB69-D1A4-194D-B544-292C74F04FCD}"/>
+              </a:ext>
+            </a:extLst>
+          </p:cNvPr>
+          <p:cNvSpPr>
+            <a:spLocks noGrp="1"/>
+          </p:cNvSpPr>
+          <p:nvPr>
+            <p:ph type="title"/>
+          </p:nvPr>
+        </p:nvSpPr>
+        <p:spPr/>
+        <p:txBody>
+          <a:bodyPr/>
+          <a:lstStyle/>
+          <a:p>
+            <a:r>
+              <a:rPr lang="en-US" dirty="0"/>
+              <a:t>Results: Risk</a:t>
+            </a:r>
+          </a:p>
+        </p:txBody>
+      </p:sp>
+      <p:pic>
+        <p:nvPicPr>
+          <p:cNvPr id="5" name="Picture 4" descr="A graph of a financial graph&#10;&#10;Description automatically generated with medium confidence">
+            <a:extLst>
+              <a:ext uri="{FF2B5EF4-FFF2-40B4-BE49-F238E27FC236}">
+                <a16:creationId xmlns:a16="http://schemas.microsoft.com/office/drawing/2014/main" id="{8A7EC642-919D-496E-65B9-1F0E438C6171}"/>
+              </a:ext>
+            </a:extLst>
+          </p:cNvPr>
+          <p:cNvPicPr>
+            <a:picLocks noChangeAspect="1"/>
+          </p:cNvPicPr>
+          <p:nvPr/>
+        </p:nvPicPr>
+        <p:blipFill rotWithShape="1">
+          <a:blip r:embed="rId4"/>
+          <a:srcRect r="8919"/>
+          <a:stretch/>
+        </p:blipFill>
+        <p:spPr>
+          <a:xfrm>
+            <a:off x="34114" y="2296152"/>
+            <a:ext cx="6095999" cy="4015748"/>
+          </a:xfrm>
+          <a:prstGeom prst="rect">
+            <a:avLst/>
+          </a:prstGeom>
+        </p:spPr>
+      </p:pic>
+      <p:pic>
+        <p:nvPicPr>
+          <p:cNvPr id="4" name="Picture 3" descr="A graph of different colored lines&#10;&#10;Description automatically generated">
+            <a:extLst>
+              <a:ext uri="{FF2B5EF4-FFF2-40B4-BE49-F238E27FC236}">
+                <a16:creationId xmlns:a16="http://schemas.microsoft.com/office/drawing/2014/main" id="{05EB6825-4390-CDF6-D0CD-805071E16345}"/>
+              </a:ext>
+            </a:extLst>
+          </p:cNvPr>
+          <p:cNvPicPr>
+            <a:picLocks noChangeAspect="1"/>
+          </p:cNvPicPr>
+          <p:nvPr/>
+        </p:nvPicPr>
+        <p:blipFill>
+          <a:blip r:embed="rId5"/>
+          <a:stretch>
+            <a:fillRect/>
+          </a:stretch>
+        </p:blipFill>
+        <p:spPr>
+          <a:xfrm>
+            <a:off x="6148238" y="137155"/>
+            <a:ext cx="6009648" cy="3605789"/>
+          </a:xfrm>
+          <a:prstGeom prst="rect">
+            <a:avLst/>
+          </a:prstGeom>
+        </p:spPr>
+      </p:pic>
+    </p:spTree>
+    <p:extLst>
+      <p:ext uri="{BB962C8B-B14F-4D97-AF65-F5344CB8AC3E}">
+        <p14:creationId xmlns:p14="http://schemas.microsoft.com/office/powerpoint/2010/main" val="2165410892"/>
+      </p:ext>
+    </p:extLst>
+  </p:cSld>
+  <p:clrMapOvr>
+    <a:masterClrMapping/>
+  </p:clrMapOvr>
+  <mc:AlternateContent xmlns:mc="http://schemas.openxmlformats.org/markup-compatibility/2006">
+    <mc:Choice xmlns:p159="http://schemas.microsoft.com/office/powerpoint/2015/09/main" Requires="p159">
+      <p:transition xmlns:p14="http://schemas.microsoft.com/office/powerpoint/2010/main" spd="slow" p14:dur="2000">
+        <p159:morph option="byObject"/>
+      </p:transition>
+    </mc:Choice>
+    <mc:Fallback>
+      <p:transition spd="slow">
+        <p:fade/>
+      </p:transition>
+    </mc:Fallback>
+  </mc:AlternateContent>
+</p:sld>
+</file>
+
+<file path=ppt/slides/slide8.xml><?xml version="1.0" encoding="utf-8"?>
+<p:sld xmlns:a="http://schemas.openxmlformats.org/drawingml/2006/main" xmlns:r="http://schemas.openxmlformats.org/officeDocument/2006/relationships" xmlns:p="http://schemas.openxmlformats.org/presentationml/2006/main">
+  <p:cSld>
+    <p:spTree>
+      <p:nvGrpSpPr>
+        <p:cNvPr id="1" name=""/>
+        <p:cNvGrpSpPr/>
+        <p:nvPr/>
+      </p:nvGrpSpPr>
+      <p:grpSpPr>
+        <a:xfrm>
+          <a:off x="0" y="0"/>
+          <a:ext cx="0" cy="0"/>
+          <a:chOff x="0" y="0"/>
+          <a:chExt cx="0" cy="0"/>
+        </a:xfrm>
+      </p:grpSpPr>
+      <p:pic>
+        <p:nvPicPr>
+          <p:cNvPr id="7" name="Picture 6">
+            <a:extLst>
+              <a:ext uri="{FF2B5EF4-FFF2-40B4-BE49-F238E27FC236}">
+                <a16:creationId xmlns:a16="http://schemas.microsoft.com/office/drawing/2014/main" id="{30CC9A47-2D13-1543-A7C8-F8088C1A337E}"/>
+              </a:ext>
+            </a:extLst>
+          </p:cNvPr>
+          <p:cNvPicPr>
+            <a:picLocks noChangeAspect="1"/>
+          </p:cNvPicPr>
+          <p:nvPr/>
+        </p:nvPicPr>
+        <p:blipFill>
+          <a:blip r:embed="rId3"/>
+          <a:stretch>
+            <a:fillRect/>
+          </a:stretch>
+        </p:blipFill>
+        <p:spPr>
+          <a:xfrm>
+            <a:off x="0" y="0"/>
+            <a:ext cx="12192000" cy="6858000"/>
+          </a:xfrm>
+          <a:prstGeom prst="rect">
+            <a:avLst/>
+          </a:prstGeom>
+        </p:spPr>
+      </p:pic>
+      <p:sp>
+        <p:nvSpPr>
+          <p:cNvPr id="8" name="Title 7">
+            <a:extLst>
+              <a:ext uri="{FF2B5EF4-FFF2-40B4-BE49-F238E27FC236}">
+                <a16:creationId xmlns:a16="http://schemas.microsoft.com/office/drawing/2014/main" id="{A9A7AB69-D1A4-194D-B544-292C74F04FCD}"/>
+              </a:ext>
+            </a:extLst>
+          </p:cNvPr>
+          <p:cNvSpPr>
+            <a:spLocks noGrp="1"/>
+          </p:cNvSpPr>
+          <p:nvPr>
+            <p:ph type="title"/>
+          </p:nvPr>
+        </p:nvSpPr>
+        <p:spPr/>
+        <p:txBody>
+          <a:bodyPr/>
+          <a:lstStyle/>
+          <a:p>
+            <a:r>
+              <a:rPr lang="en-US" dirty="0"/>
               <a:t>Antifragile Strategy</a:t>
             </a:r>
           </a:p>
@@ -8005,7 +9742,7 @@
 </p:sld>
 </file>
 
-<file path=ppt/slides/slide7.xml><?xml version="1.0" encoding="utf-8"?>
+<file path=ppt/slides/slide9.xml><?xml version="1.0" encoding="utf-8"?>
 <p:sld xmlns:a="http://schemas.openxmlformats.org/drawingml/2006/main" xmlns:r="http://schemas.openxmlformats.org/officeDocument/2006/relationships" xmlns:p="http://schemas.openxmlformats.org/presentationml/2006/main">
   <p:cSld>
     <p:spTree>
@@ -8253,694 +9990,6 @@
     <p:extLst>
       <p:ext uri="{BB962C8B-B14F-4D97-AF65-F5344CB8AC3E}">
         <p14:creationId xmlns:p14="http://schemas.microsoft.com/office/powerpoint/2010/main" val="2255651184"/>
-      </p:ext>
-    </p:extLst>
-  </p:cSld>
-  <p:clrMapOvr>
-    <a:masterClrMapping/>
-  </p:clrMapOvr>
-</p:sld>
-</file>
-
-<file path=ppt/slides/slide8.xml><?xml version="1.0" encoding="utf-8"?>
-<p:sld xmlns:a="http://schemas.openxmlformats.org/drawingml/2006/main" xmlns:r="http://schemas.openxmlformats.org/officeDocument/2006/relationships" xmlns:p="http://schemas.openxmlformats.org/presentationml/2006/main">
-  <p:cSld>
-    <p:spTree>
-      <p:nvGrpSpPr>
-        <p:cNvPr id="1" name=""/>
-        <p:cNvGrpSpPr/>
-        <p:nvPr/>
-      </p:nvGrpSpPr>
-      <p:grpSpPr>
-        <a:xfrm>
-          <a:off x="0" y="0"/>
-          <a:ext cx="0" cy="0"/>
-          <a:chOff x="0" y="0"/>
-          <a:chExt cx="0" cy="0"/>
-        </a:xfrm>
-      </p:grpSpPr>
-      <p:pic>
-        <p:nvPicPr>
-          <p:cNvPr id="7" name="Picture 6">
-            <a:extLst>
-              <a:ext uri="{FF2B5EF4-FFF2-40B4-BE49-F238E27FC236}">
-                <a16:creationId xmlns:a16="http://schemas.microsoft.com/office/drawing/2014/main" id="{30CC9A47-2D13-1543-A7C8-F8088C1A337E}"/>
-              </a:ext>
-            </a:extLst>
-          </p:cNvPr>
-          <p:cNvPicPr>
-            <a:picLocks noChangeAspect="1"/>
-          </p:cNvPicPr>
-          <p:nvPr/>
-        </p:nvPicPr>
-        <p:blipFill>
-          <a:blip r:embed="rId3"/>
-          <a:stretch>
-            <a:fillRect/>
-          </a:stretch>
-        </p:blipFill>
-        <p:spPr>
-          <a:xfrm>
-            <a:off x="0" y="0"/>
-            <a:ext cx="12192000" cy="6858000"/>
-          </a:xfrm>
-          <a:prstGeom prst="rect">
-            <a:avLst/>
-          </a:prstGeom>
-        </p:spPr>
-      </p:pic>
-      <p:sp>
-        <p:nvSpPr>
-          <p:cNvPr id="8" name="Title 7">
-            <a:extLst>
-              <a:ext uri="{FF2B5EF4-FFF2-40B4-BE49-F238E27FC236}">
-                <a16:creationId xmlns:a16="http://schemas.microsoft.com/office/drawing/2014/main" id="{A9A7AB69-D1A4-194D-B544-292C74F04FCD}"/>
-              </a:ext>
-            </a:extLst>
-          </p:cNvPr>
-          <p:cNvSpPr>
-            <a:spLocks noGrp="1"/>
-          </p:cNvSpPr>
-          <p:nvPr>
-            <p:ph type="title"/>
-          </p:nvPr>
-        </p:nvSpPr>
-        <p:spPr/>
-        <p:txBody>
-          <a:bodyPr/>
-          <a:lstStyle/>
-          <a:p>
-            <a:r>
-              <a:rPr lang="en-US" dirty="0"/>
-              <a:t>Challenges and Future Work</a:t>
-            </a:r>
-          </a:p>
-        </p:txBody>
-      </p:sp>
-      <p:sp>
-        <p:nvSpPr>
-          <p:cNvPr id="9" name="Content Placeholder 8">
-            <a:extLst>
-              <a:ext uri="{FF2B5EF4-FFF2-40B4-BE49-F238E27FC236}">
-                <a16:creationId xmlns:a16="http://schemas.microsoft.com/office/drawing/2014/main" id="{661EE144-0F6C-2649-B81A-1334F4AFFB37}"/>
-              </a:ext>
-            </a:extLst>
-          </p:cNvPr>
-          <p:cNvSpPr>
-            <a:spLocks noGrp="1"/>
-          </p:cNvSpPr>
-          <p:nvPr>
-            <p:ph idx="1"/>
-          </p:nvPr>
-        </p:nvSpPr>
-        <p:spPr>
-          <a:xfrm>
-            <a:off x="838200" y="1617273"/>
-            <a:ext cx="4872135" cy="4559690"/>
-          </a:xfrm>
-        </p:spPr>
-        <p:txBody>
-          <a:bodyPr>
-            <a:normAutofit fontScale="92500" lnSpcReduction="10000"/>
-          </a:bodyPr>
-          <a:lstStyle/>
-          <a:p>
-            <a:r>
-              <a:rPr lang="en-US" dirty="0"/>
-              <a:t>Influence did not account for partial information flow</a:t>
-            </a:r>
-          </a:p>
-          <a:p>
-            <a:r>
-              <a:rPr lang="en-US" dirty="0"/>
-              <a:t>Data filtration limits which stocks are used</a:t>
-            </a:r>
-          </a:p>
-          <a:p>
-            <a:r>
-              <a:rPr lang="en-US" dirty="0"/>
-              <a:t>Extend broker quantity and friend distribution</a:t>
-            </a:r>
-          </a:p>
-          <a:p>
-            <a:r>
-              <a:rPr lang="en-US" dirty="0"/>
-              <a:t>Expand risk evaluation for greater stock data</a:t>
-            </a:r>
-          </a:p>
-          <a:p>
-            <a:r>
-              <a:rPr lang="en-US" dirty="0"/>
-              <a:t>Explore and define the idea of negative influence</a:t>
-            </a:r>
-          </a:p>
-          <a:p>
-            <a:r>
-              <a:rPr lang="en-US" dirty="0"/>
-              <a:t>Make model more dynamic to actually adjust stock prices</a:t>
-            </a:r>
-          </a:p>
-          <a:p>
-            <a:endParaRPr lang="en-US" dirty="0"/>
-          </a:p>
-        </p:txBody>
-      </p:sp>
-      <p:pic>
-        <p:nvPicPr>
-          <p:cNvPr id="2" name="Content Placeholder 2" descr="A graph of a graph&#10;&#10;Description automatically generated">
-            <a:extLst>
-              <a:ext uri="{FF2B5EF4-FFF2-40B4-BE49-F238E27FC236}">
-                <a16:creationId xmlns:a16="http://schemas.microsoft.com/office/drawing/2014/main" id="{A55B29B9-2E35-C23D-11D8-4041581283AE}"/>
-              </a:ext>
-            </a:extLst>
-          </p:cNvPr>
-          <p:cNvPicPr>
-            <a:picLocks noChangeAspect="1"/>
-          </p:cNvPicPr>
-          <p:nvPr/>
-        </p:nvPicPr>
-        <p:blipFill>
-          <a:blip r:embed="rId4"/>
-          <a:stretch>
-            <a:fillRect/>
-          </a:stretch>
-        </p:blipFill>
-        <p:spPr>
-          <a:xfrm>
-            <a:off x="6096000" y="1371600"/>
-            <a:ext cx="6079587" cy="4559690"/>
-          </a:xfrm>
-          <a:prstGeom prst="rect">
-            <a:avLst/>
-          </a:prstGeom>
-        </p:spPr>
-      </p:pic>
-    </p:spTree>
-    <p:extLst>
-      <p:ext uri="{BB962C8B-B14F-4D97-AF65-F5344CB8AC3E}">
-        <p14:creationId xmlns:p14="http://schemas.microsoft.com/office/powerpoint/2010/main" val="844184953"/>
-      </p:ext>
-    </p:extLst>
-  </p:cSld>
-  <p:clrMapOvr>
-    <a:masterClrMapping/>
-  </p:clrMapOvr>
-</p:sld>
-</file>
-
-<file path=ppt/slides/slide9.xml><?xml version="1.0" encoding="utf-8"?>
-<p:sld xmlns:a="http://schemas.openxmlformats.org/drawingml/2006/main" xmlns:r="http://schemas.openxmlformats.org/officeDocument/2006/relationships" xmlns:p="http://schemas.openxmlformats.org/presentationml/2006/main">
-  <p:cSld>
-    <p:spTree>
-      <p:nvGrpSpPr>
-        <p:cNvPr id="1" name=""/>
-        <p:cNvGrpSpPr/>
-        <p:nvPr/>
-      </p:nvGrpSpPr>
-      <p:grpSpPr>
-        <a:xfrm>
-          <a:off x="0" y="0"/>
-          <a:ext cx="0" cy="0"/>
-          <a:chOff x="0" y="0"/>
-          <a:chExt cx="0" cy="0"/>
-        </a:xfrm>
-      </p:grpSpPr>
-      <p:pic>
-        <p:nvPicPr>
-          <p:cNvPr id="7" name="Picture 6">
-            <a:extLst>
-              <a:ext uri="{FF2B5EF4-FFF2-40B4-BE49-F238E27FC236}">
-                <a16:creationId xmlns:a16="http://schemas.microsoft.com/office/drawing/2014/main" id="{30CC9A47-2D13-1543-A7C8-F8088C1A337E}"/>
-              </a:ext>
-            </a:extLst>
-          </p:cNvPr>
-          <p:cNvPicPr>
-            <a:picLocks noChangeAspect="1"/>
-          </p:cNvPicPr>
-          <p:nvPr/>
-        </p:nvPicPr>
-        <p:blipFill>
-          <a:blip r:embed="rId3"/>
-          <a:stretch>
-            <a:fillRect/>
-          </a:stretch>
-        </p:blipFill>
-        <p:spPr>
-          <a:xfrm>
-            <a:off x="0" y="0"/>
-            <a:ext cx="12192000" cy="6858000"/>
-          </a:xfrm>
-          <a:prstGeom prst="rect">
-            <a:avLst/>
-          </a:prstGeom>
-        </p:spPr>
-      </p:pic>
-      <p:sp>
-        <p:nvSpPr>
-          <p:cNvPr id="8" name="Title 7">
-            <a:extLst>
-              <a:ext uri="{FF2B5EF4-FFF2-40B4-BE49-F238E27FC236}">
-                <a16:creationId xmlns:a16="http://schemas.microsoft.com/office/drawing/2014/main" id="{A9A7AB69-D1A4-194D-B544-292C74F04FCD}"/>
-              </a:ext>
-            </a:extLst>
-          </p:cNvPr>
-          <p:cNvSpPr>
-            <a:spLocks noGrp="1"/>
-          </p:cNvSpPr>
-          <p:nvPr>
-            <p:ph type="title"/>
-          </p:nvPr>
-        </p:nvSpPr>
-        <p:spPr/>
-        <p:txBody>
-          <a:bodyPr/>
-          <a:lstStyle/>
-          <a:p>
-            <a:r>
-              <a:rPr lang="en-US" dirty="0"/>
-              <a:t>References</a:t>
-            </a:r>
-          </a:p>
-        </p:txBody>
-      </p:sp>
-      <p:sp>
-        <p:nvSpPr>
-          <p:cNvPr id="9" name="Content Placeholder 8">
-            <a:extLst>
-              <a:ext uri="{FF2B5EF4-FFF2-40B4-BE49-F238E27FC236}">
-                <a16:creationId xmlns:a16="http://schemas.microsoft.com/office/drawing/2014/main" id="{661EE144-0F6C-2649-B81A-1334F4AFFB37}"/>
-              </a:ext>
-            </a:extLst>
-          </p:cNvPr>
-          <p:cNvSpPr>
-            <a:spLocks noGrp="1"/>
-          </p:cNvSpPr>
-          <p:nvPr>
-            <p:ph idx="1"/>
-          </p:nvPr>
-        </p:nvSpPr>
-        <p:spPr>
-          <a:xfrm>
-            <a:off x="412490" y="1595535"/>
-            <a:ext cx="11367019" cy="4665404"/>
-          </a:xfrm>
-        </p:spPr>
-        <p:txBody>
-          <a:bodyPr>
-            <a:normAutofit lnSpcReduction="10000"/>
-          </a:bodyPr>
-          <a:lstStyle/>
-          <a:p>
-            <a:pPr marL="0" indent="0">
-              <a:buNone/>
-            </a:pPr>
-            <a:r>
-              <a:rPr lang="en-US" sz="1000" dirty="0"/>
-              <a:t>X. </a:t>
-            </a:r>
-            <a:r>
-              <a:rPr lang="en-US" sz="1000" dirty="0" err="1"/>
-              <a:t>Gabaix</a:t>
-            </a:r>
-            <a:r>
-              <a:rPr lang="en-US" sz="1000" dirty="0"/>
-              <a:t>, “Power laws in economics: an introduction,” \</a:t>
-            </a:r>
-            <a:r>
-              <a:rPr lang="en-US" sz="1000" dirty="0" err="1"/>
-              <a:t>textit</a:t>
-            </a:r>
-            <a:r>
-              <a:rPr lang="en-US" sz="1000" dirty="0"/>
-              <a:t>{Journal of Economic Perspectives}, vol. 30, no. 1, pp. 185–206, Feb. 2016.</a:t>
-            </a:r>
-          </a:p>
-          <a:p>
-            <a:pPr marL="0" indent="0">
-              <a:buNone/>
-            </a:pPr>
-            <a:r>
-              <a:rPr lang="en-US" sz="1000" dirty="0"/>
-              <a:t>N. N. </a:t>
-            </a:r>
-            <a:r>
-              <a:rPr lang="en-US" sz="1000" dirty="0" err="1"/>
-              <a:t>Taleb</a:t>
-            </a:r>
-            <a:r>
-              <a:rPr lang="en-US" sz="1000" dirty="0"/>
-              <a:t>, Antifragile: Things that gain from disorder. Harlow, England: Penguin Books, 2013.</a:t>
-            </a:r>
-          </a:p>
-          <a:p>
-            <a:pPr marL="0" indent="0">
-              <a:buNone/>
-            </a:pPr>
-            <a:r>
-              <a:rPr lang="en-US" sz="1000" dirty="0"/>
-              <a:t>D. Easley and J. Kleinberg, Networks, crowds, and markets: Reasoning about a highly connected world. Cambridge, England: Cambridge University Press, 2012.</a:t>
-            </a:r>
-          </a:p>
-          <a:p>
-            <a:pPr marL="0" indent="0">
-              <a:buNone/>
-            </a:pPr>
-            <a:r>
-              <a:rPr lang="en-US" sz="1000" dirty="0"/>
-              <a:t>C. Hommes, “Behavioral and Experimental Macroeconomics and Policy Analysis: A Complex Systems Approach,” Journal of Economic Literature, vol. 59, no. 1, pp. 149–219, Mar. 2021, </a:t>
-            </a:r>
-            <a:r>
-              <a:rPr lang="en-US" sz="1000" dirty="0" err="1"/>
-              <a:t>doi</a:t>
-            </a:r>
-            <a:r>
-              <a:rPr lang="en-US" sz="1000" dirty="0"/>
-              <a:t>: 10.1257/jel.20191434.</a:t>
-            </a:r>
-          </a:p>
-          <a:p>
-            <a:pPr marL="0" indent="0">
-              <a:buNone/>
-            </a:pPr>
-            <a:r>
-              <a:rPr lang="en-US" sz="1000" dirty="0"/>
-              <a:t>C. K. </a:t>
-            </a:r>
-            <a:r>
-              <a:rPr lang="en-US" sz="1000" dirty="0" err="1"/>
-              <a:t>Tse</a:t>
-            </a:r>
-            <a:r>
-              <a:rPr lang="en-US" sz="1000" dirty="0"/>
-              <a:t>, J. Liu, and F. C. M. Lau, “A network perspective of the stock market,” Journal of Empirical Finance, vol. 17, no. 4, pp. 659–667, Sep. 2010, </a:t>
-            </a:r>
-            <a:r>
-              <a:rPr lang="en-US" sz="1000" dirty="0" err="1"/>
-              <a:t>doi</a:t>
-            </a:r>
-            <a:r>
-              <a:rPr lang="en-US" sz="1000" dirty="0"/>
-              <a:t>: 10.1016/j.jempfin.2010.04.008.</a:t>
-            </a:r>
-          </a:p>
-          <a:p>
-            <a:pPr marL="0" indent="0">
-              <a:buNone/>
-            </a:pPr>
-            <a:r>
-              <a:rPr lang="en-US" sz="1000" dirty="0"/>
-              <a:t>M. Kuhlmann, "Explaining financial markets in terms of complex systems," \</a:t>
-            </a:r>
-            <a:r>
-              <a:rPr lang="en-US" sz="1000" dirty="0" err="1"/>
-              <a:t>textit</a:t>
-            </a:r>
-            <a:r>
-              <a:rPr lang="en-US" sz="1000" dirty="0"/>
-              <a:t>{</a:t>
-            </a:r>
-            <a:r>
-              <a:rPr lang="en-US" sz="1000" dirty="0" err="1"/>
-              <a:t>Philosphy</a:t>
-            </a:r>
-            <a:r>
-              <a:rPr lang="en-US" sz="1000" dirty="0"/>
-              <a:t> of Science}, vol. 81, no. 5, pp. 1117-1130, Dec. 2014. %</a:t>
-            </a:r>
-            <a:r>
-              <a:rPr lang="en-US" sz="1000" dirty="0" err="1"/>
-              <a:t>doi</a:t>
-            </a:r>
-            <a:r>
-              <a:rPr lang="en-US" sz="1000" dirty="0"/>
-              <a:t>: 10.1086/677699.</a:t>
-            </a:r>
-          </a:p>
-          <a:p>
-            <a:pPr marL="0" indent="0">
-              <a:buNone/>
-            </a:pPr>
-            <a:r>
-              <a:rPr lang="en-US" sz="1000" dirty="0"/>
-              <a:t>M. Di Maggio, F. </a:t>
-            </a:r>
-            <a:r>
-              <a:rPr lang="en-US" sz="1000" dirty="0" err="1"/>
-              <a:t>Franzoni</a:t>
-            </a:r>
-            <a:r>
-              <a:rPr lang="en-US" sz="1000" dirty="0"/>
-              <a:t>, A. </a:t>
-            </a:r>
-            <a:r>
-              <a:rPr lang="en-US" sz="1000" dirty="0" err="1"/>
-              <a:t>Kermani</a:t>
-            </a:r>
-            <a:r>
-              <a:rPr lang="en-US" sz="1000" dirty="0"/>
-              <a:t>, and C. </a:t>
-            </a:r>
-            <a:r>
-              <a:rPr lang="en-US" sz="1000" dirty="0" err="1"/>
-              <a:t>Sommavilla</a:t>
-            </a:r>
-            <a:r>
-              <a:rPr lang="en-US" sz="1000" dirty="0"/>
-              <a:t>, "The relevance of broker networks for information diffusion in the stock market," \</a:t>
-            </a:r>
-            <a:r>
-              <a:rPr lang="en-US" sz="1000" dirty="0" err="1"/>
-              <a:t>textit</a:t>
-            </a:r>
-            <a:r>
-              <a:rPr lang="en-US" sz="1000" dirty="0"/>
-              <a:t>{Journal of Financial Economics}, vol. 134, no. 2, pp. 419-446, Nov. 2019. </a:t>
-            </a:r>
-          </a:p>
-          <a:p>
-            <a:pPr marL="0" indent="0">
-              <a:buNone/>
-            </a:pPr>
-            <a:r>
-              <a:rPr lang="en-US" sz="1000" dirty="0"/>
-              <a:t>P. Gai and S. Kapadia, "Contagion in financial networks," \</a:t>
-            </a:r>
-            <a:r>
-              <a:rPr lang="en-US" sz="1000" dirty="0" err="1"/>
-              <a:t>textit</a:t>
-            </a:r>
-            <a:r>
-              <a:rPr lang="en-US" sz="1000" dirty="0"/>
-              <a:t>{Proceedings of the Royal Society}, vol. 466, no. 2120, pp. 2401–2423, Aug. 2010.</a:t>
-            </a:r>
-          </a:p>
-          <a:p>
-            <a:pPr marL="0" indent="0">
-              <a:buNone/>
-            </a:pPr>
-            <a:r>
-              <a:rPr lang="en-US" sz="1000" dirty="0"/>
-              <a:t>C. K. </a:t>
-            </a:r>
-            <a:r>
-              <a:rPr lang="en-US" sz="1000" dirty="0" err="1"/>
-              <a:t>Tse</a:t>
-            </a:r>
-            <a:r>
-              <a:rPr lang="en-US" sz="1000" dirty="0"/>
-              <a:t>, J. Liu, and F. C. M. Lau, “A network perspective of the stock market,” \</a:t>
-            </a:r>
-            <a:r>
-              <a:rPr lang="en-US" sz="1000" dirty="0" err="1"/>
-              <a:t>textit</a:t>
-            </a:r>
-            <a:r>
-              <a:rPr lang="en-US" sz="1000" dirty="0"/>
-              <a:t>{Journal of Empirical Finance}, vol. 17, no. 4, pp. 659–667, Sep. 2010. % </a:t>
-            </a:r>
-            <a:r>
-              <a:rPr lang="en-US" sz="1000" dirty="0" err="1"/>
-              <a:t>doi</a:t>
-            </a:r>
-            <a:r>
-              <a:rPr lang="en-US" sz="1000" dirty="0"/>
-              <a:t>: 10.1016/j.jempfin.2010.04.008.</a:t>
-            </a:r>
-          </a:p>
-          <a:p>
-            <a:pPr marL="0" indent="0">
-              <a:buNone/>
-            </a:pPr>
-            <a:r>
-              <a:rPr lang="en-US" sz="1000" dirty="0"/>
-              <a:t>G. Li, A. Zhang, Q. Zhang, D. Wu, and C. Zhan, “Pearson correlation coefficient-based performance enhancement of broad learning system for stock price prediction,” \</a:t>
-            </a:r>
-            <a:r>
-              <a:rPr lang="en-US" sz="1000" dirty="0" err="1"/>
-              <a:t>textit</a:t>
-            </a:r>
-            <a:r>
-              <a:rPr lang="en-US" sz="1000" dirty="0"/>
-              <a:t>{IEEE Transactions on Circuits and Systems II: Express Briefs}, vol. 69, no. 5, pp. 2413–2417, May 2022. </a:t>
-            </a:r>
-          </a:p>
-          <a:p>
-            <a:pPr marL="0" indent="0">
-              <a:buNone/>
-            </a:pPr>
-            <a:r>
-              <a:rPr lang="en-US" sz="1000" dirty="0"/>
-              <a:t>P. </a:t>
-            </a:r>
-            <a:r>
-              <a:rPr lang="en-US" sz="1000" dirty="0" err="1"/>
-              <a:t>Fiedor</a:t>
-            </a:r>
-            <a:r>
-              <a:rPr lang="en-US" sz="1000" dirty="0"/>
-              <a:t>, “Networks in financial markets based on the mutual information rate,” \</a:t>
-            </a:r>
-            <a:r>
-              <a:rPr lang="en-US" sz="1000" dirty="0" err="1"/>
-              <a:t>textit</a:t>
-            </a:r>
-            <a:r>
-              <a:rPr lang="en-US" sz="1000" dirty="0"/>
-              <a:t>{Physical Review E}, vol. 89, no. 5, May 2014. % </a:t>
-            </a:r>
-            <a:r>
-              <a:rPr lang="en-US" sz="1000" dirty="0" err="1"/>
-              <a:t>doi</a:t>
-            </a:r>
-            <a:r>
-              <a:rPr lang="en-US" sz="1000" dirty="0"/>
-              <a:t>: 10.1103/PhysRevE.89.052801.</a:t>
-            </a:r>
-          </a:p>
-          <a:p>
-            <a:pPr marL="0" indent="0">
-              <a:buNone/>
-            </a:pPr>
-            <a:r>
-              <a:rPr lang="en-US" sz="1000" dirty="0"/>
-              <a:t>I. Cooper and R. Priestley. "Real investment and risk dynamics," \</a:t>
-            </a:r>
-            <a:r>
-              <a:rPr lang="en-US" sz="1000" dirty="0" err="1"/>
-              <a:t>textit</a:t>
-            </a:r>
-            <a:r>
-              <a:rPr lang="en-US" sz="1000" dirty="0"/>
-              <a:t>{Journal of Financial Economics}, vol. 101, no. 1, pp. 182-205, July 2011.</a:t>
-            </a:r>
-          </a:p>
-          <a:p>
-            <a:pPr marL="0" indent="0">
-              <a:buNone/>
-            </a:pPr>
-            <a:r>
-              <a:rPr lang="en-US" sz="1000" dirty="0"/>
-              <a:t>K. J. Lansing and S. F. LeRoy, “Risk aversion, investor information and stock market volatility,” \</a:t>
-            </a:r>
-            <a:r>
-              <a:rPr lang="en-US" sz="1000" dirty="0" err="1"/>
-              <a:t>textit</a:t>
-            </a:r>
-            <a:r>
-              <a:rPr lang="en-US" sz="1000" dirty="0"/>
-              <a:t>{European Economic Review}, vol. 70, pp. 88-107, July 2014. </a:t>
-            </a:r>
-          </a:p>
-          <a:p>
-            <a:pPr marL="0" indent="0">
-              <a:buNone/>
-            </a:pPr>
-            <a:r>
-              <a:rPr lang="en-US" sz="1000" dirty="0"/>
-              <a:t>J. E. </a:t>
-            </a:r>
-            <a:r>
-              <a:rPr lang="en-US" sz="1000" dirty="0" err="1"/>
-              <a:t>Corter</a:t>
-            </a:r>
-            <a:r>
-              <a:rPr lang="en-US" sz="1000" dirty="0"/>
-              <a:t> and Y. J. Chen, “Do investment risk tolerance attitudes predict portfolio risk?,” \</a:t>
-            </a:r>
-            <a:r>
-              <a:rPr lang="en-US" sz="1100" dirty="0" err="1"/>
-              <a:t>textit</a:t>
-            </a:r>
-            <a:r>
-              <a:rPr lang="en-US" sz="1000" dirty="0"/>
-              <a:t>{Journal of Business and Psychology}, vol. 20, no. 3, pp. 369-381, 2006.</a:t>
-            </a:r>
-          </a:p>
-          <a:p>
-            <a:pPr marL="0" indent="0">
-              <a:buNone/>
-            </a:pPr>
-            <a:r>
-              <a:rPr lang="en-US" sz="1000" dirty="0"/>
-              <a:t>D. Harmon, B. Stacey, Y. Bar-Yam, and Y. Bar-Yam, "Networks of economic market interdependence and systemic risk," New England Complex Systems Institute, Cambridge, MA, Tech. Report 1011.3707, Mar. 2009.</a:t>
-            </a:r>
-          </a:p>
-          <a:p>
-            <a:pPr marL="0" indent="0">
-              <a:buNone/>
-            </a:pPr>
-            <a:r>
-              <a:rPr lang="en-US" sz="1000" dirty="0"/>
-              <a:t>Y. Y. </a:t>
-            </a:r>
-            <a:r>
-              <a:rPr lang="en-US" sz="1000" dirty="0" err="1"/>
-              <a:t>Baydilli</a:t>
-            </a:r>
-            <a:r>
-              <a:rPr lang="en-US" sz="1000" dirty="0"/>
-              <a:t>, S. </a:t>
-            </a:r>
-            <a:r>
-              <a:rPr lang="en-US" sz="1000" dirty="0" err="1"/>
-              <a:t>Bayir</a:t>
-            </a:r>
-            <a:r>
-              <a:rPr lang="en-US" sz="1000" dirty="0"/>
-              <a:t>, and I. </a:t>
-            </a:r>
-            <a:r>
-              <a:rPr lang="en-US" sz="1000" dirty="0" err="1"/>
-              <a:t>Tuker</a:t>
-            </a:r>
-            <a:r>
-              <a:rPr lang="en-US" sz="1000" dirty="0"/>
-              <a:t>, “A hierarchical view of a national stock market as a complex network,” \</a:t>
-            </a:r>
-            <a:r>
-              <a:rPr lang="en-US" sz="1000" dirty="0" err="1"/>
-              <a:t>textit</a:t>
-            </a:r>
-            <a:r>
-              <a:rPr lang="en-US" sz="1000" dirty="0"/>
-              <a:t>{Economic Computation \&amp; Economic Cybernetics Studies \&amp; Research}, vol. 51, no. 1, pp. 205–222, Jan. 2017.</a:t>
-            </a:r>
-          </a:p>
-          <a:p>
-            <a:pPr marL="0" indent="0">
-              <a:buNone/>
-            </a:pPr>
-            <a:r>
-              <a:rPr lang="en-US" sz="1000" dirty="0"/>
-              <a:t>		</a:t>
-            </a:r>
-          </a:p>
-        </p:txBody>
-      </p:sp>
-    </p:spTree>
-    <p:extLst>
-      <p:ext uri="{BB962C8B-B14F-4D97-AF65-F5344CB8AC3E}">
-        <p14:creationId xmlns:p14="http://schemas.microsoft.com/office/powerpoint/2010/main" val="3598801279"/>
       </p:ext>
     </p:extLst>
   </p:cSld>

--- a/Project Status Report Final/finalpresentation.pptx
+++ b/Project Status Report Final/finalpresentation.pptx
@@ -2147,6 +2147,16 @@
             </a:r>
           </a:p>
           <a:p>
+            <a:pPr marL="628650" lvl="1" indent="-171450">
+              <a:buFontTx/>
+              <a:buChar char="-"/>
+            </a:pPr>
+            <a:r>
+              <a:rPr lang="en-US" dirty="0"/>
+              <a:t>We selected k = 3 because we believed there is an “average risk” of the stock, but not variance. and for k &gt; a – 1, kth moment is infinite. Mean is the first moment and variance is the second. Therefore, k must be at least 2, 3 &gt; a – 1 =&gt; a = 2, a larger study can be done if there is a better suited value for a, but we got good results with a = 2. </a:t>
+            </a:r>
+          </a:p>
+          <a:p>
             <a:pPr marL="171450" indent="-171450">
               <a:buFontTx/>
               <a:buChar char="-"/>
@@ -2157,13 +2167,59 @@
             </a:r>
           </a:p>
           <a:p>
+            <a:pPr marL="628650" lvl="1" indent="-171450">
+              <a:buFontTx/>
+              <a:buChar char="-"/>
+            </a:pPr>
+            <a:r>
+              <a:rPr lang="en-US" dirty="0"/>
+              <a:t>X – The goal of this value was to capture a positive value in the domain of 1 – infinity that represented the impact a stock may have. Impact meaning the vested amount or the worst case vs best case scenario. So to ensure the bounds, the base is an exponential function, this also helps with keeping our variance undefined. The exponent of this term was to capture </a:t>
+            </a:r>
+            <a:r>
+              <a:rPr lang="en-US" dirty="0" err="1"/>
+              <a:t>voltality</a:t>
+            </a:r>
+            <a:r>
+              <a:rPr lang="en-US" dirty="0"/>
+              <a:t> vs expected return. This was used to gauge just how unruly the stock behaves. We used an absolute value, as if the expected return was greater than the volatility, this was a safe stock, that may even return an infinitesimal risk. </a:t>
+            </a:r>
+          </a:p>
+          <a:p>
+            <a:pPr marL="628650" lvl="1" indent="-171450">
+              <a:buFontTx/>
+              <a:buChar char="-"/>
+            </a:pPr>
+            <a:r>
+              <a:rPr lang="en-US" dirty="0"/>
+              <a:t>Our expected return is the product of average of the stock price over 50 days times the dividend ratio. This is essentially the money in the bag. The </a:t>
+            </a:r>
+            <a:r>
+              <a:rPr lang="en-US" dirty="0" err="1"/>
+              <a:t>volatlitiy</a:t>
+            </a:r>
+            <a:r>
+              <a:rPr lang="en-US" dirty="0"/>
+              <a:t> is based on a year. We may be better able to capture . Impact = Volatility – Expected return.</a:t>
+            </a:r>
+          </a:p>
+          <a:p>
+            <a:pPr marL="628650" lvl="1" indent="-171450">
+              <a:buFontTx/>
+              <a:buChar char="-"/>
+            </a:pPr>
+            <a:r>
+              <a:rPr lang="en-US" dirty="0"/>
+              <a:t>Next we calculate the likelihood. The likelihood is trying to encapsulate the chances the stock becomes more volatile. This equation is the product of % share of equity of the stock , the expected earning per share and the complement of the quarterly growth. This number is complemented because all stocks are expected to have a positive quarterly growth, and a negative growth increases volatility. </a:t>
+            </a:r>
+          </a:p>
+          <a:p>
             <a:pPr marL="171450" indent="-171450">
               <a:buFontTx/>
               <a:buChar char="-"/>
             </a:pPr>
             <a:r>
               <a:rPr lang="en-US" dirty="0"/>
-              <a:t>What does impact mean here?</a:t>
+              <a:t>What does impact mean here? How the stock may impact the portfolio/equity. </a:t>
             </a:r>
           </a:p>
           <a:p>
@@ -2174,6 +2230,16 @@
             <a:r>
               <a:rPr lang="en-US" dirty="0"/>
               <a:t>From Rachael: maybe note that this behavioral model of purchasing fewer stocks but more expensive ones at high risk emerged naturally and was not enforced</a:t>
+            </a:r>
+          </a:p>
+          <a:p>
+            <a:pPr marL="628650" lvl="1" indent="-171450">
+              <a:buFontTx/>
+              <a:buChar char="-"/>
+            </a:pPr>
+            <a:r>
+              <a:rPr lang="en-US" dirty="0"/>
+              <a:t>While we have a parameter that restricts risk to the total equity, this inspired the brokers to diversify in medium risk scenarios (which mirrors reality), and concentrate in stocks for high risk (reverse diversification)</a:t>
             </a:r>
           </a:p>
           <a:p>
@@ -9421,13 +9487,13 @@
   <p:clrMapOvr>
     <a:masterClrMapping/>
   </p:clrMapOvr>
-  <mc:AlternateContent xmlns:mc="http://schemas.openxmlformats.org/markup-compatibility/2006">
-    <mc:Choice xmlns:p159="http://schemas.microsoft.com/office/powerpoint/2015/09/main" Requires="p159">
+  <mc:AlternateContent xmlns:mc="http://schemas.openxmlformats.org/markup-compatibility/2006" xmlns:p159="http://schemas.microsoft.com/office/powerpoint/2015/09/main">
+    <mc:Choice Requires="p159">
       <p:transition xmlns:p14="http://schemas.microsoft.com/office/powerpoint/2010/main" spd="slow" p14:dur="2000">
         <p159:morph option="byObject"/>
       </p:transition>
     </mc:Choice>
-    <mc:Fallback>
+    <mc:Fallback xmlns="">
       <p:transition spd="slow">
         <p:fade/>
       </p:transition>
@@ -9580,13 +9646,13 @@
   <p:clrMapOvr>
     <a:masterClrMapping/>
   </p:clrMapOvr>
-  <mc:AlternateContent xmlns:mc="http://schemas.openxmlformats.org/markup-compatibility/2006">
-    <mc:Choice xmlns:p159="http://schemas.microsoft.com/office/powerpoint/2015/09/main" Requires="p159">
+  <mc:AlternateContent xmlns:mc="http://schemas.openxmlformats.org/markup-compatibility/2006" xmlns:p159="http://schemas.microsoft.com/office/powerpoint/2015/09/main">
+    <mc:Choice Requires="p159">
       <p:transition xmlns:p14="http://schemas.microsoft.com/office/powerpoint/2010/main" spd="slow" p14:dur="2000">
         <p159:morph option="byObject"/>
       </p:transition>
     </mc:Choice>
-    <mc:Fallback>
+    <mc:Fallback xmlns="">
       <p:transition spd="slow">
         <p:fade/>
       </p:transition>
